--- a/week05/Lab05.pptx
+++ b/week05/Lab05.pptx
@@ -222,7 +222,7 @@
           <a:p>
             <a:fld id="{D1237EF7-A117-46B7-88A8-1B7FB98FF0F2}" type="datetimeFigureOut">
               <a:rPr lang="zh-CN" altLang="en-US" smtClean="0"/>
-              <a:t>2021/10/7</a:t>
+              <a:t>2022/10/12</a:t>
             </a:fld>
             <a:endParaRPr lang="zh-CN" altLang="en-US"/>
           </a:p>
@@ -791,7 +791,7 @@
           <a:p>
             <a:fld id="{FC19A4FA-3D9A-4114-B0D5-759CBD56F1AB}" type="datetimeFigureOut">
               <a:rPr lang="zh-CN" altLang="en-US" smtClean="0"/>
-              <a:t>2021/10/7</a:t>
+              <a:t>2022/10/12</a:t>
             </a:fld>
             <a:endParaRPr lang="zh-CN" altLang="en-US"/>
           </a:p>
@@ -985,7 +985,7 @@
           <a:p>
             <a:fld id="{FC19A4FA-3D9A-4114-B0D5-759CBD56F1AB}" type="datetimeFigureOut">
               <a:rPr lang="zh-CN" altLang="en-US" smtClean="0"/>
-              <a:t>2021/10/7</a:t>
+              <a:t>2022/10/12</a:t>
             </a:fld>
             <a:endParaRPr lang="zh-CN" altLang="en-US"/>
           </a:p>
@@ -1158,7 +1158,7 @@
           <a:p>
             <a:fld id="{FC19A4FA-3D9A-4114-B0D5-759CBD56F1AB}" type="datetimeFigureOut">
               <a:rPr lang="zh-CN" altLang="en-US" smtClean="0"/>
-              <a:t>2021/10/7</a:t>
+              <a:t>2022/10/12</a:t>
             </a:fld>
             <a:endParaRPr lang="zh-CN" altLang="en-US"/>
           </a:p>
@@ -1342,7 +1342,7 @@
           <a:p>
             <a:fld id="{FC19A4FA-3D9A-4114-B0D5-759CBD56F1AB}" type="datetimeFigureOut">
               <a:rPr lang="zh-CN" altLang="en-US" smtClean="0"/>
-              <a:t>2021/10/7</a:t>
+              <a:t>2022/10/12</a:t>
             </a:fld>
             <a:endParaRPr lang="zh-CN" altLang="en-US"/>
           </a:p>
@@ -1599,7 +1599,7 @@
           <a:p>
             <a:fld id="{FC19A4FA-3D9A-4114-B0D5-759CBD56F1AB}" type="datetimeFigureOut">
               <a:rPr lang="zh-CN" altLang="en-US" smtClean="0"/>
-              <a:t>2021/10/7</a:t>
+              <a:t>2022/10/12</a:t>
             </a:fld>
             <a:endParaRPr lang="zh-CN" altLang="en-US"/>
           </a:p>
@@ -1986,7 +1986,7 @@
           <a:p>
             <a:fld id="{FC19A4FA-3D9A-4114-B0D5-759CBD56F1AB}" type="datetimeFigureOut">
               <a:rPr lang="zh-CN" altLang="en-US" smtClean="0"/>
-              <a:t>2021/10/7</a:t>
+              <a:t>2022/10/12</a:t>
             </a:fld>
             <a:endParaRPr lang="zh-CN" altLang="en-US"/>
           </a:p>
@@ -2254,7 +2254,7 @@
           <a:p>
             <a:fld id="{FC19A4FA-3D9A-4114-B0D5-759CBD56F1AB}" type="datetimeFigureOut">
               <a:rPr lang="zh-CN" altLang="en-US" smtClean="0"/>
-              <a:t>2021/10/7</a:t>
+              <a:t>2022/10/12</a:t>
             </a:fld>
             <a:endParaRPr lang="zh-CN" altLang="en-US"/>
           </a:p>
@@ -2394,7 +2394,7 @@
           <a:p>
             <a:fld id="{FC19A4FA-3D9A-4114-B0D5-759CBD56F1AB}" type="datetimeFigureOut">
               <a:rPr lang="zh-CN" altLang="en-US" smtClean="0"/>
-              <a:t>2021/10/7</a:t>
+              <a:t>2022/10/12</a:t>
             </a:fld>
             <a:endParaRPr lang="zh-CN" altLang="en-US"/>
           </a:p>
@@ -2484,7 +2484,7 @@
           <a:p>
             <a:fld id="{FC19A4FA-3D9A-4114-B0D5-759CBD56F1AB}" type="datetimeFigureOut">
               <a:rPr lang="zh-CN" altLang="en-US" smtClean="0"/>
-              <a:t>2021/10/7</a:t>
+              <a:t>2022/10/12</a:t>
             </a:fld>
             <a:endParaRPr lang="zh-CN" altLang="en-US"/>
           </a:p>
@@ -2754,7 +2754,7 @@
           <a:p>
             <a:fld id="{FC19A4FA-3D9A-4114-B0D5-759CBD56F1AB}" type="datetimeFigureOut">
               <a:rPr lang="zh-CN" altLang="en-US" smtClean="0"/>
-              <a:t>2021/10/7</a:t>
+              <a:t>2022/10/12</a:t>
             </a:fld>
             <a:endParaRPr lang="zh-CN" altLang="en-US"/>
           </a:p>
@@ -3001,7 +3001,7 @@
           <a:p>
             <a:fld id="{FC19A4FA-3D9A-4114-B0D5-759CBD56F1AB}" type="datetimeFigureOut">
               <a:rPr lang="zh-CN" altLang="en-US" smtClean="0"/>
-              <a:t>2021/10/7</a:t>
+              <a:t>2022/10/12</a:t>
             </a:fld>
             <a:endParaRPr lang="zh-CN" altLang="en-US"/>
           </a:p>
@@ -3207,7 +3207,7 @@
           <a:p>
             <a:fld id="{FC19A4FA-3D9A-4114-B0D5-759CBD56F1AB}" type="datetimeFigureOut">
               <a:rPr lang="zh-CN" altLang="en-US" smtClean="0"/>
-              <a:t>2021/10/7</a:t>
+              <a:t>2022/10/12</a:t>
             </a:fld>
             <a:endParaRPr lang="zh-CN" altLang="en-US"/>
           </a:p>
@@ -3857,7 +3857,7 @@
           <a:graphicData uri="http://schemas.openxmlformats.org/presentationml/2006/ole">
             <mc:AlternateContent xmlns:mc="http://schemas.openxmlformats.org/markup-compatibility/2006">
               <mc:Choice xmlns:v="urn:schemas-microsoft-com:vml" Requires="v">
-                <p:oleObj spid="_x0000_s1042" r:id="rId3" imgW="5836920" imgH="1478280" progId="Paint.Picture">
+                <p:oleObj spid="_x0000_s1043" r:id="rId3" imgW="5836920" imgH="1478280" progId="Paint.Picture">
                   <p:embed/>
                 </p:oleObj>
               </mc:Choice>
@@ -4013,8 +4013,16 @@
               <a:buChar char="•"/>
             </a:pPr>
             <a:r>
-              <a:rPr lang="en-US" altLang="zh-CN"/>
-              <a:t>One important feature of gdb is that it can execute to some point of the program, and see the current state of the program.</a:t>
+              <a:rPr lang="en-US" altLang="zh-CN" dirty="0"/>
+              <a:t>One important feature of </a:t>
+            </a:r>
+            <a:r>
+              <a:rPr lang="en-US" altLang="zh-CN" dirty="0" err="1"/>
+              <a:t>gdb</a:t>
+            </a:r>
+            <a:r>
+              <a:rPr lang="en-US" altLang="zh-CN" dirty="0"/>
+              <a:t> is that it can execute to some point of the program, and see the current state of the program.</a:t>
             </a:r>
           </a:p>
           <a:p>
@@ -4022,7 +4030,7 @@
               <a:buFont typeface="Arial" panose="020B0604020202020204" pitchFamily="34" charset="0"/>
               <a:buChar char="•"/>
             </a:pPr>
-            <a:endParaRPr lang="en-US" altLang="zh-CN"/>
+            <a:endParaRPr lang="en-US" altLang="zh-CN" dirty="0"/>
           </a:p>
           <a:p>
             <a:pPr>
@@ -4030,7 +4038,7 @@
               <a:buChar char="•"/>
             </a:pPr>
             <a:r>
-              <a:rPr lang="en-US" altLang="zh-CN"/>
+              <a:rPr lang="en-US" altLang="zh-CN" dirty="0"/>
               <a:t>Suppose we want to insert a “break point” before</a:t>
             </a:r>
           </a:p>
@@ -4040,8 +4048,16 @@
               <a:buNone/>
             </a:pPr>
             <a:r>
-              <a:rPr lang="en-US" altLang="zh-CN"/>
-              <a:t>   int c = plus(a,b);</a:t>
+              <a:rPr lang="en-US" altLang="zh-CN" dirty="0"/>
+              <a:t>   int c = plus(</a:t>
+            </a:r>
+            <a:r>
+              <a:rPr lang="en-US" altLang="zh-CN" dirty="0" err="1"/>
+              <a:t>a,b</a:t>
+            </a:r>
+            <a:r>
+              <a:rPr lang="en-US" altLang="zh-CN" dirty="0"/>
+              <a:t>);</a:t>
             </a:r>
           </a:p>
         </p:txBody>
@@ -4328,7 +4344,7 @@
           <a:graphicData uri="http://schemas.openxmlformats.org/presentationml/2006/ole">
             <mc:AlternateContent xmlns:mc="http://schemas.openxmlformats.org/markup-compatibility/2006">
               <mc:Choice xmlns:v="urn:schemas-microsoft-com:vml" Requires="v">
-                <p:oleObj spid="_x0000_s2066" r:id="rId3" imgW="5806440" imgH="2689860" progId="Paint.Picture">
+                <p:oleObj spid="_x0000_s2067" r:id="rId3" imgW="5806440" imgH="2689860" progId="Paint.Picture">
                   <p:embed/>
                 </p:oleObj>
               </mc:Choice>
@@ -4510,7 +4526,7 @@
           <a:graphicData uri="http://schemas.openxmlformats.org/presentationml/2006/ole">
             <mc:AlternateContent xmlns:mc="http://schemas.openxmlformats.org/markup-compatibility/2006">
               <mc:Choice xmlns:v="urn:schemas-microsoft-com:vml" Requires="v">
-                <p:oleObj spid="_x0000_s3090" r:id="rId3" imgW="4427220" imgH="937260" progId="Paint.Picture">
+                <p:oleObj spid="_x0000_s3091" r:id="rId3" imgW="4427220" imgH="937260" progId="Paint.Picture">
                   <p:embed/>
                 </p:oleObj>
               </mc:Choice>
@@ -4661,7 +4677,7 @@
           <a:graphicData uri="http://schemas.openxmlformats.org/presentationml/2006/ole">
             <mc:AlternateContent xmlns:mc="http://schemas.openxmlformats.org/markup-compatibility/2006">
               <mc:Choice xmlns:v="urn:schemas-microsoft-com:vml" Requires="v">
-                <p:oleObj spid="_x0000_s4114" r:id="rId3" imgW="4366260" imgH="1409700" progId="Paint.Picture">
+                <p:oleObj spid="_x0000_s4115" r:id="rId3" imgW="4366260" imgH="1409700" progId="Paint.Picture">
                   <p:embed/>
                 </p:oleObj>
               </mc:Choice>
@@ -4784,7 +4800,7 @@
           <a:graphicData uri="http://schemas.openxmlformats.org/presentationml/2006/ole">
             <mc:AlternateContent xmlns:mc="http://schemas.openxmlformats.org/markup-compatibility/2006">
               <mc:Choice xmlns:v="urn:schemas-microsoft-com:vml" Requires="v">
-                <p:oleObj spid="_x0000_s5138" r:id="rId3" imgW="3413760" imgH="1440180" progId="Paint.Picture">
+                <p:oleObj spid="_x0000_s5139" r:id="rId3" imgW="3413760" imgH="1440180" progId="Paint.Picture">
                   <p:embed/>
                 </p:oleObj>
               </mc:Choice>
@@ -4919,7 +4935,7 @@
           <a:graphicData uri="http://schemas.openxmlformats.org/presentationml/2006/ole">
             <mc:AlternateContent xmlns:mc="http://schemas.openxmlformats.org/markup-compatibility/2006">
               <mc:Choice xmlns:v="urn:schemas-microsoft-com:vml" Requires="v">
-                <p:oleObj spid="_x0000_s6162" r:id="rId3" imgW="3413760" imgH="1440180" progId="Paint.Picture">
+                <p:oleObj spid="_x0000_s6163" r:id="rId3" imgW="3413760" imgH="1440180" progId="Paint.Picture">
                   <p:embed/>
                 </p:oleObj>
               </mc:Choice>
@@ -5720,7 +5736,7 @@
           <a:graphicData uri="http://schemas.openxmlformats.org/presentationml/2006/ole">
             <mc:AlternateContent xmlns:mc="http://schemas.openxmlformats.org/markup-compatibility/2006">
               <mc:Choice xmlns:v="urn:schemas-microsoft-com:vml" Requires="v">
-                <p:oleObj spid="_x0000_s7186" r:id="rId3" imgW="2887980" imgH="3048000" progId="Paint.Picture">
+                <p:oleObj spid="_x0000_s7187" r:id="rId3" imgW="2887980" imgH="3048000" progId="Paint.Picture">
                   <p:embed/>
                 </p:oleObj>
               </mc:Choice>
@@ -6316,7 +6332,7 @@
           <a:graphicData uri="http://schemas.openxmlformats.org/presentationml/2006/ole">
             <mc:AlternateContent xmlns:mc="http://schemas.openxmlformats.org/markup-compatibility/2006">
               <mc:Choice xmlns:v="urn:schemas-microsoft-com:vml" Requires="v">
-                <p:oleObj spid="_x0000_s8210" r:id="rId3" imgW="7772400" imgH="5768340" progId="Paint.Picture">
+                <p:oleObj spid="_x0000_s8211" r:id="rId3" imgW="7772400" imgH="5768340" progId="Paint.Picture">
                   <p:embed/>
                 </p:oleObj>
               </mc:Choice>
@@ -6741,8 +6757,20 @@
               <a:t>gdb</a:t>
             </a:r>
             <a:r>
+              <a:rPr lang="en-US" altLang="zh-CN" dirty="0"/>
+              <a:t> or </a:t>
+            </a:r>
+            <a:r>
+              <a:rPr lang="en-US" altLang="zh-CN" dirty="0" err="1"/>
+              <a:t>vscode</a:t>
+            </a:r>
+            <a:r>
               <a:rPr lang="en-US" altLang="zh-CN"/>
-              <a:t> to debug the following program:</a:t>
+              <a:t> to </a:t>
+            </a:r>
+            <a:r>
+              <a:rPr lang="en-US" altLang="zh-CN" dirty="0"/>
+              <a:t>debug the following program:</a:t>
             </a:r>
           </a:p>
         </p:txBody>
@@ -8770,113 +8798,113 @@
           <a:lstStyle/>
           <a:p>
             <a:r>
-              <a:rPr lang="zh-CN" altLang="en-US"/>
+              <a:rPr lang="zh-CN" altLang="en-US" dirty="0"/>
               <a:t>#include&lt;iostream&gt;</a:t>
             </a:r>
           </a:p>
           <a:p>
             <a:r>
-              <a:rPr lang="zh-CN" altLang="en-US"/>
+              <a:rPr lang="zh-CN" altLang="en-US" dirty="0"/>
               <a:t>using std::cout;</a:t>
             </a:r>
           </a:p>
           <a:p>
             <a:r>
-              <a:rPr lang="zh-CN" altLang="en-US"/>
+              <a:rPr lang="zh-CN" altLang="en-US" dirty="0"/>
               <a:t>using std::endl;</a:t>
             </a:r>
           </a:p>
           <a:p>
-            <a:endParaRPr lang="zh-CN" altLang="en-US"/>
-          </a:p>
-          <a:p>
-            <a:r>
-              <a:rPr lang="zh-CN" altLang="en-US"/>
+            <a:endParaRPr lang="zh-CN" altLang="en-US" dirty="0"/>
+          </a:p>
+          <a:p>
+            <a:r>
+              <a:rPr lang="zh-CN" altLang="en-US" dirty="0"/>
               <a:t>int plus( int a, int b ) {</a:t>
             </a:r>
           </a:p>
           <a:p>
             <a:r>
-              <a:rPr lang="en-US" altLang="zh-CN"/>
+              <a:rPr lang="en-US" altLang="zh-CN" dirty="0"/>
               <a:t>        </a:t>
             </a:r>
             <a:r>
-              <a:rPr lang="zh-CN" altLang="en-US"/>
+              <a:rPr lang="zh-CN" altLang="en-US" dirty="0"/>
               <a:t>return a + b;</a:t>
             </a:r>
           </a:p>
           <a:p>
             <a:r>
-              <a:rPr lang="zh-CN" altLang="en-US"/>
+              <a:rPr lang="zh-CN" altLang="en-US" dirty="0"/>
               <a:t>}</a:t>
             </a:r>
           </a:p>
           <a:p>
-            <a:endParaRPr lang="zh-CN" altLang="en-US"/>
-          </a:p>
-          <a:p>
-            <a:r>
-              <a:rPr lang="zh-CN" altLang="en-US"/>
+            <a:endParaRPr lang="zh-CN" altLang="en-US" dirty="0"/>
+          </a:p>
+          <a:p>
+            <a:r>
+              <a:rPr lang="zh-CN" altLang="en-US" dirty="0"/>
               <a:t>int main() {</a:t>
             </a:r>
           </a:p>
           <a:p>
             <a:r>
-              <a:rPr lang="en-US" altLang="zh-CN">
+              <a:rPr lang="en-US" altLang="zh-CN" dirty="0">
                 <a:sym typeface="+mn-ea"/>
               </a:rPr>
               <a:t>        </a:t>
             </a:r>
             <a:r>
-              <a:rPr lang="zh-CN" altLang="en-US"/>
+              <a:rPr lang="zh-CN" altLang="en-US" dirty="0"/>
               <a:t>int a = 1234567890;</a:t>
             </a:r>
           </a:p>
           <a:p>
             <a:r>
-              <a:rPr lang="en-US" altLang="zh-CN">
+              <a:rPr lang="en-US" altLang="zh-CN" dirty="0">
                 <a:sym typeface="+mn-ea"/>
               </a:rPr>
               <a:t>        </a:t>
             </a:r>
             <a:r>
-              <a:rPr lang="zh-CN" altLang="en-US"/>
+              <a:rPr lang="zh-CN" altLang="en-US" dirty="0"/>
               <a:t>int b = 1234567890;</a:t>
             </a:r>
           </a:p>
           <a:p>
             <a:r>
-              <a:rPr lang="en-US" altLang="zh-CN">
+              <a:rPr lang="en-US" altLang="zh-CN" dirty="0">
                 <a:sym typeface="+mn-ea"/>
               </a:rPr>
               <a:t>        </a:t>
             </a:r>
             <a:r>
-              <a:rPr lang="zh-CN" altLang="en-US"/>
+              <a:rPr lang="zh-CN" altLang="en-US" dirty="0"/>
               <a:t>int c = plus(a, b);</a:t>
             </a:r>
           </a:p>
           <a:p>
             <a:r>
-              <a:rPr lang="en-US" altLang="zh-CN">
+              <a:rPr lang="en-US" altLang="zh-CN" dirty="0">
                 <a:sym typeface="+mn-ea"/>
               </a:rPr>
               <a:t>        </a:t>
             </a:r>
             <a:r>
-              <a:rPr lang="zh-CN" altLang="en-US"/>
+              <a:rPr lang="zh-CN" altLang="en-US" dirty="0"/>
               <a:t>cout&lt;&lt;"a + b = "&lt;&lt;c&lt;&lt;endl;</a:t>
             </a:r>
           </a:p>
           <a:p>
             <a:r>
-              <a:rPr lang="zh-CN" altLang="en-US"/>
+              <a:rPr lang="zh-CN" altLang="en-US" dirty="0"/>
               <a:t>return 0;</a:t>
             </a:r>
           </a:p>
           <a:p>
             <a:r>
-              <a:rPr lang="zh-CN" altLang="en-US"/>
+              <a:rPr lang="zh-CN" altLang="en-US" dirty="0"/>
               <a:t>}</a:t>
             </a:r>
           </a:p>

--- a/week05/Lab05.pptx
+++ b/week05/Lab05.pptx
@@ -8111,7 +8111,13 @@
       </p:sp>
       <p:sp>
         <p:nvSpPr>
-          <p:cNvPr id="5" name="内容占位符 4"/>
+          <p:cNvPr id="6" name="内容占位符 4">
+            <a:extLst>
+              <a:ext uri="{FF2B5EF4-FFF2-40B4-BE49-F238E27FC236}">
+                <a16:creationId xmlns:a16="http://schemas.microsoft.com/office/drawing/2014/main" id="{06EDED69-29D9-642D-F8D9-F9C56CF52A8F}"/>
+              </a:ext>
+            </a:extLst>
+          </p:cNvPr>
           <p:cNvSpPr>
             <a:spLocks noGrp="1"/>
           </p:cNvSpPr>
@@ -8127,90 +8133,123 @@
         </p:spPr>
         <p:txBody>
           <a:bodyPr>
-            <a:normAutofit fontScale="97500" lnSpcReduction="10000"/>
+            <a:normAutofit fontScale="67500" lnSpcReduction="10000"/>
           </a:bodyPr>
           <a:lstStyle/>
           <a:p>
             <a:r>
-              <a:rPr lang="en-US" altLang="zh-CN" sz="2400" dirty="0"/>
-              <a:t>3-1. Complete the code</a:t>
-            </a:r>
-            <a:r>
-              <a:rPr lang="zh-CN" altLang="en-US" sz="2400" dirty="0"/>
-              <a:t> </a:t>
-            </a:r>
-            <a:r>
-              <a:rPr lang="en-US" altLang="zh-CN" sz="2400" dirty="0"/>
-              <a:t>to s</a:t>
-            </a:r>
-            <a:r>
-              <a:rPr lang="en-US" altLang="zh-CN" sz="2400" dirty="0">
+              <a:rPr lang="en-US" altLang="zh-CN"/>
+              <a:t>3-1. Complete the code on the right to finish the following task:</a:t>
+            </a:r>
+          </a:p>
+          <a:p>
+            <a:pPr lvl="1"/>
+            <a:r>
+              <a:rPr lang="en-US" altLang="zh-CN" sz="2800">
                 <a:sym typeface="+mn-ea"/>
               </a:rPr>
-              <a:t>tore each byte in data A to a new space(B or pointed by B) in reverse order.</a:t>
-            </a:r>
-            <a:endParaRPr lang="en-US" altLang="zh-CN" sz="2400" dirty="0"/>
+              <a:t>1. Determine whether the current system is in big-endian(BE) or little-endian(LE) based on the storage location of byte0 in A.</a:t>
+            </a:r>
+            <a:endParaRPr lang="en-US" altLang="zh-CN" sz="2800"/>
           </a:p>
           <a:p>
             <a:pPr lvl="1"/>
             <a:r>
-              <a:rPr lang="en-US" altLang="zh-CN" sz="2200" dirty="0">
+              <a:rPr lang="en-US" altLang="zh-CN" sz="2800">
                 <a:sym typeface="+mn-ea"/>
               </a:rPr>
+              <a:t>2. Store each byte in data A to a new space(B or pointed by B) in reverse order.</a:t>
+            </a:r>
+            <a:endParaRPr lang="en-US" altLang="zh-CN" sz="2800"/>
+          </a:p>
+          <a:p>
+            <a:pPr lvl="2"/>
+            <a:r>
+              <a:rPr lang="en-US" altLang="zh-CN" sz="2800">
+                <a:sym typeface="+mn-ea"/>
+              </a:rPr>
               <a:t>If the command-line parameter of the program is ‘H’, use heap mode to implement swapping. </a:t>
             </a:r>
-            <a:endParaRPr lang="en-US" altLang="zh-CN" sz="2200" dirty="0"/>
+            <a:endParaRPr lang="en-US" altLang="zh-CN" sz="2800"/>
+          </a:p>
+          <a:p>
+            <a:pPr lvl="2"/>
+            <a:r>
+              <a:rPr lang="en-US" altLang="zh-CN" sz="2800">
+                <a:sym typeface="+mn-ea"/>
+              </a:rPr>
+              <a:t>If the command-line parameter of the program is ‘S’, use stack mode to implement swapping.</a:t>
+            </a:r>
+            <a:endParaRPr lang="en-US" altLang="zh-CN" sz="2800"/>
+          </a:p>
+          <a:p>
+            <a:pPr lvl="2"/>
+            <a:r>
+              <a:rPr lang="en-US" altLang="zh-CN" sz="2800">
+                <a:sym typeface="+mn-ea"/>
+              </a:rPr>
+              <a:t>Print out the data of B(or pointed by B) in hexadecimal format.</a:t>
+            </a:r>
+            <a:endParaRPr lang="en-US" altLang="zh-CN"/>
+          </a:p>
+          <a:p>
+            <a:r>
+              <a:rPr lang="en-US" altLang="zh-CN"/>
+              <a:t>3-2. Using tool valgrind to check if there is memory problem on the code of 3-1. </a:t>
+            </a:r>
           </a:p>
           <a:p>
             <a:pPr lvl="1"/>
-            <a:r>
-              <a:rPr lang="en-US" altLang="zh-CN" sz="2200" dirty="0">
-                <a:sym typeface="+mn-ea"/>
-              </a:rPr>
-              <a:t>If the command-line parameter of the program is ‘S’, use stack mode to implement swapping.</a:t>
-            </a:r>
-            <a:endParaRPr lang="en-US" altLang="zh-CN" sz="2200" dirty="0"/>
-          </a:p>
-          <a:p>
-            <a:pPr lvl="1"/>
-            <a:r>
-              <a:rPr lang="en-US" altLang="zh-CN" sz="2200" dirty="0">
-                <a:sym typeface="+mn-ea"/>
-              </a:rPr>
-              <a:t>Print out the data of B(or pointed by B) in hexadecimal format.</a:t>
-            </a:r>
-            <a:endParaRPr lang="en-US" altLang="zh-CN" sz="2200" dirty="0"/>
-          </a:p>
-          <a:p>
-            <a:r>
-              <a:rPr lang="en-US" altLang="zh-CN" sz="2400" dirty="0"/>
-              <a:t>3-2. Using tool </a:t>
-            </a:r>
-            <a:r>
-              <a:rPr lang="en-US" altLang="zh-CN" sz="2400" dirty="0" err="1"/>
-              <a:t>valgrind</a:t>
-            </a:r>
-            <a:r>
-              <a:rPr lang="en-US" altLang="zh-CN" sz="2400" dirty="0"/>
-              <a:t> to check if there is memory problem on the code of 3-1. </a:t>
-            </a:r>
-          </a:p>
-          <a:p>
-            <a:pPr lvl="1"/>
-            <a:endParaRPr lang="en-US" altLang="zh-CN" dirty="0"/>
+            <a:endParaRPr lang="en-US" altLang="zh-CN"/>
           </a:p>
         </p:txBody>
       </p:sp>
-      <p:sp>
-        <p:nvSpPr>
-          <p:cNvPr id="9" name="文本框 8"/>
+      <p:pic>
+        <p:nvPicPr>
+          <p:cNvPr id="7" name="图片 6">
+            <a:extLst>
+              <a:ext uri="{FF2B5EF4-FFF2-40B4-BE49-F238E27FC236}">
+                <a16:creationId xmlns:a16="http://schemas.microsoft.com/office/drawing/2014/main" id="{86182CAC-17D2-A0C1-0475-03DCDCA4C8D1}"/>
+              </a:ext>
+            </a:extLst>
+          </p:cNvPr>
+          <p:cNvPicPr>
+            <a:picLocks noChangeAspect="1"/>
+          </p:cNvPicPr>
+          <p:nvPr/>
+        </p:nvPicPr>
+        <p:blipFill>
+          <a:blip r:embed="rId3"/>
+          <a:stretch>
+            <a:fillRect/>
+          </a:stretch>
+        </p:blipFill>
+        <p:spPr>
+          <a:xfrm>
+            <a:off x="2476500" y="5238750"/>
+            <a:ext cx="6686550" cy="1181100"/>
+          </a:xfrm>
+          <a:prstGeom prst="rect">
+            <a:avLst/>
+          </a:prstGeom>
+        </p:spPr>
+      </p:pic>
+      <p:sp>
+        <p:nvSpPr>
+          <p:cNvPr id="8" name="文本框 7">
+            <a:extLst>
+              <a:ext uri="{FF2B5EF4-FFF2-40B4-BE49-F238E27FC236}">
+                <a16:creationId xmlns:a16="http://schemas.microsoft.com/office/drawing/2014/main" id="{66416BF9-F254-EC3F-41DD-482114086807}"/>
+              </a:ext>
+            </a:extLst>
+          </p:cNvPr>
           <p:cNvSpPr txBox="1"/>
           <p:nvPr/>
         </p:nvSpPr>
         <p:spPr>
           <a:xfrm>
             <a:off x="7153275" y="635000"/>
-            <a:ext cx="4006850" cy="2246769"/>
+            <a:ext cx="4006850" cy="4184650"/>
           </a:xfrm>
           <a:prstGeom prst="rect">
             <a:avLst/>
@@ -8229,87 +8268,59 @@
           <a:lstStyle/>
           <a:p>
             <a:r>
-              <a:rPr lang="en-US" altLang="zh-CN" sz="1400" dirty="0"/>
-              <a:t>#include &lt;</a:t>
-            </a:r>
-            <a:r>
-              <a:rPr lang="en-US" altLang="zh-CN" sz="1400" dirty="0" err="1"/>
-              <a:t>stdio.h</a:t>
-            </a:r>
-            <a:r>
-              <a:rPr lang="en-US" altLang="zh-CN" sz="1400" dirty="0"/>
-              <a:t>&gt;</a:t>
-            </a:r>
-          </a:p>
-          <a:p>
-            <a:r>
-              <a:rPr lang="en-US" altLang="zh-CN" sz="1400" dirty="0"/>
-              <a:t>#include &lt;</a:t>
-            </a:r>
-            <a:r>
-              <a:rPr lang="en-US" altLang="zh-CN" sz="1400" dirty="0" err="1"/>
-              <a:t>stdlib.h</a:t>
-            </a:r>
-            <a:r>
-              <a:rPr lang="en-US" altLang="zh-CN" sz="1400" dirty="0"/>
-              <a:t>&gt;</a:t>
-            </a:r>
-          </a:p>
-          <a:p>
-            <a:r>
-              <a:rPr lang="en-US" altLang="zh-CN" sz="1400" dirty="0"/>
-              <a:t>int main(int </a:t>
-            </a:r>
-            <a:r>
-              <a:rPr lang="en-US" altLang="zh-CN" sz="1400" dirty="0" err="1"/>
-              <a:t>argc</a:t>
-            </a:r>
-            <a:r>
-              <a:rPr lang="en-US" altLang="zh-CN" sz="1400" dirty="0"/>
-              <a:t>, char*</a:t>
-            </a:r>
-            <a:r>
-              <a:rPr lang="en-US" altLang="zh-CN" sz="1400" dirty="0" err="1"/>
-              <a:t>argv</a:t>
-            </a:r>
-            <a:r>
-              <a:rPr lang="en-US" altLang="zh-CN" sz="1400" dirty="0"/>
-              <a:t>[]){</a:t>
-            </a:r>
-          </a:p>
-          <a:p>
-            <a:r>
-              <a:rPr lang="en-US" altLang="zh-CN" sz="1400" dirty="0"/>
+              <a:rPr lang="en-US" altLang="zh-CN" sz="1400"/>
+              <a:t>#include &lt;stdio.h&gt;</a:t>
+            </a:r>
+          </a:p>
+          <a:p>
+            <a:r>
+              <a:rPr lang="en-US" altLang="zh-CN" sz="1400"/>
+              <a:t>#include &lt;stdlib.h&gt;</a:t>
+            </a:r>
+          </a:p>
+          <a:p>
+            <a:r>
+              <a:rPr lang="en-US" altLang="zh-CN" sz="1400"/>
+              <a:t>int main(int argc, char*argv[]){</a:t>
+            </a:r>
+          </a:p>
+          <a:p>
+            <a:r>
+              <a:rPr lang="en-US" altLang="zh-CN" sz="1400"/>
               <a:t>    int A = 0x11223344;</a:t>
             </a:r>
           </a:p>
           <a:p>
             <a:r>
-              <a:rPr lang="en-US" altLang="zh-CN" sz="1400" dirty="0"/>
-              <a:t>    int *B = malloc(</a:t>
-            </a:r>
-            <a:r>
-              <a:rPr lang="en-US" altLang="zh-CN" sz="1400" dirty="0" err="1"/>
-              <a:t>sizeof</a:t>
-            </a:r>
-            <a:r>
-              <a:rPr lang="en-US" altLang="zh-CN" sz="1400" dirty="0"/>
-              <a:t>(int)*1);</a:t>
-            </a:r>
-          </a:p>
-          <a:p>
-            <a:r>
-              <a:rPr lang="en-US" altLang="zh-CN" sz="1400" dirty="0"/>
-              <a:t>    if(NULL!=B){</a:t>
-            </a:r>
-          </a:p>
-          <a:p>
-            <a:r>
-              <a:rPr lang="en-US" altLang="zh-CN" sz="1400" dirty="0"/>
-              <a:t>           </a:t>
-            </a:r>
-            <a:r>
-              <a:rPr lang="en-US" altLang="zh-CN" sz="1400" dirty="0">
+              <a:rPr lang="en-US" altLang="zh-CN" sz="1400"/>
+              <a:t>    if(argc==2){</a:t>
+            </a:r>
+          </a:p>
+          <a:p>
+            <a:r>
+              <a:rPr lang="en-US" altLang="zh-CN" sz="1400"/>
+              <a:t>        if((*(argv[1])=='H')){</a:t>
+            </a:r>
+          </a:p>
+          <a:p>
+            <a:r>
+              <a:rPr lang="en-US" altLang="zh-CN" sz="1400"/>
+              <a:t>            int *B = malloc(sizeof(int)*1);</a:t>
+            </a:r>
+          </a:p>
+          <a:p>
+            <a:r>
+              <a:rPr lang="en-US" altLang="zh-CN" sz="1400"/>
+              <a:t>            if(NULL!=B){</a:t>
+            </a:r>
+          </a:p>
+          <a:p>
+            <a:r>
+              <a:rPr lang="en-US" altLang="zh-CN" sz="1400"/>
+              <a:t>               </a:t>
+            </a:r>
+            <a:r>
+              <a:rPr lang="en-US" altLang="zh-CN" sz="1400">
                 <a:highlight>
                   <a:srgbClr val="FFFF00"/>
                 </a:highlight>
@@ -8317,7 +8328,7 @@
               <a:t> </a:t>
             </a:r>
             <a:r>
-              <a:rPr lang="en-US" altLang="zh-CN" sz="1400" dirty="0">
+              <a:rPr lang="en-US" altLang="zh-CN" sz="1400">
                 <a:highlight>
                   <a:srgbClr val="FFFF00"/>
                 </a:highlight>
@@ -8326,7 +8337,7 @@
               <a:t> /*complete code here*/</a:t>
             </a:r>
             <a:r>
-              <a:rPr lang="en-US" altLang="zh-CN" sz="1400" dirty="0">
+              <a:rPr lang="en-US" altLang="zh-CN" sz="1400">
                 <a:highlight>
                   <a:srgbClr val="FFFF00"/>
                 </a:highlight>
@@ -8334,60 +8345,84 @@
               <a:t>   </a:t>
             </a:r>
             <a:r>
-              <a:rPr lang="en-US" altLang="zh-CN" sz="1400" dirty="0"/>
-              <a:t> </a:t>
-            </a:r>
-          </a:p>
-          <a:p>
-            <a:r>
-              <a:rPr lang="en-US" altLang="zh-CN" sz="1400" dirty="0"/>
-              <a:t>    } </a:t>
-            </a:r>
-          </a:p>
-          <a:p>
-            <a:r>
-              <a:rPr lang="en-US" altLang="zh-CN" sz="1400" dirty="0"/>
-              <a:t>    return 1;</a:t>
-            </a:r>
-          </a:p>
-          <a:p>
-            <a:r>
-              <a:rPr lang="en-US" altLang="zh-CN" sz="1400" dirty="0"/>
+              <a:rPr lang="en-US" altLang="zh-CN" sz="1400"/>
+              <a:t>             return 0;</a:t>
+            </a:r>
+          </a:p>
+          <a:p>
+            <a:r>
+              <a:rPr lang="en-US" altLang="zh-CN" sz="1400"/>
+              <a:t>            } </a:t>
+            </a:r>
+          </a:p>
+          <a:p>
+            <a:r>
+              <a:rPr lang="en-US" altLang="zh-CN" sz="1400"/>
+              <a:t>            else   return 2;</a:t>
+            </a:r>
+          </a:p>
+          <a:p>
+            <a:r>
+              <a:rPr lang="en-US" altLang="zh-CN" sz="1400"/>
+              <a:t>        }</a:t>
+            </a:r>
+          </a:p>
+          <a:p>
+            <a:r>
+              <a:rPr lang="en-US" altLang="zh-CN" sz="1400"/>
+              <a:t>        else if((*(argv[1])=='S')){</a:t>
+            </a:r>
+          </a:p>
+          <a:p>
+            <a:r>
+              <a:rPr lang="en-US" altLang="zh-CN" sz="1400"/>
+              <a:t>               </a:t>
+            </a:r>
+            <a:r>
+              <a:rPr lang="en-US" altLang="zh-CN" sz="1400">
+                <a:highlight>
+                  <a:srgbClr val="FFFF00"/>
+                </a:highlight>
+              </a:rPr>
+              <a:t> /*complete code here*/</a:t>
+            </a:r>
+            <a:r>
+              <a:rPr lang="en-US" altLang="zh-CN" sz="1400"/>
+              <a:t>                return 0;</a:t>
+            </a:r>
+          </a:p>
+          <a:p>
+            <a:r>
+              <a:rPr lang="en-US" altLang="zh-CN" sz="1400"/>
+              <a:t>        }</a:t>
+            </a:r>
+          </a:p>
+          <a:p>
+            <a:r>
+              <a:rPr lang="en-US" altLang="zh-CN" sz="1400"/>
+              <a:t>        else   return 1;        </a:t>
+            </a:r>
+          </a:p>
+          <a:p>
+            <a:r>
+              <a:rPr lang="en-US" altLang="zh-CN" sz="1400"/>
+              <a:t>    }</a:t>
+            </a:r>
+          </a:p>
+          <a:p>
+            <a:r>
+              <a:rPr lang="en-US" altLang="zh-CN" sz="1400"/>
+              <a:t>    else return 1;</a:t>
+            </a:r>
+          </a:p>
+          <a:p>
+            <a:r>
+              <a:rPr lang="en-US" altLang="zh-CN" sz="1400"/>
               <a:t>}</a:t>
             </a:r>
           </a:p>
         </p:txBody>
       </p:sp>
-      <p:pic>
-        <p:nvPicPr>
-          <p:cNvPr id="2" name="图片 1">
-            <a:extLst>
-              <a:ext uri="{FF2B5EF4-FFF2-40B4-BE49-F238E27FC236}">
-                <a16:creationId xmlns:a16="http://schemas.microsoft.com/office/drawing/2014/main" id="{951C52E0-15A3-1512-2161-7671F9FCACFB}"/>
-              </a:ext>
-            </a:extLst>
-          </p:cNvPr>
-          <p:cNvPicPr>
-            <a:picLocks noChangeAspect="1"/>
-          </p:cNvPicPr>
-          <p:nvPr/>
-        </p:nvPicPr>
-        <p:blipFill>
-          <a:blip r:embed="rId3"/>
-          <a:stretch>
-            <a:fillRect/>
-          </a:stretch>
-        </p:blipFill>
-        <p:spPr>
-          <a:xfrm>
-            <a:off x="1892300" y="5447912"/>
-            <a:ext cx="7207250" cy="648429"/>
-          </a:xfrm>
-          <a:prstGeom prst="rect">
-            <a:avLst/>
-          </a:prstGeom>
-        </p:spPr>
-      </p:pic>
     </p:spTree>
   </p:cSld>
   <p:clrMapOvr>

--- a/week05/Lab05.pptx
+++ b/week05/Lab05.pptx
@@ -254,7 +254,7 @@
           <a:p>
             <a:fld id="{D1237EF7-A117-46B7-88A8-1B7FB98FF0F2}" type="datetimeFigureOut">
               <a:rPr lang="zh-CN" altLang="en-US" smtClean="0"/>
-              <a:t>2025/3/17</a:t>
+              <a:t>2025/3/19</a:t>
             </a:fld>
             <a:endParaRPr lang="zh-CN" altLang="en-US"/>
           </a:p>
@@ -1119,7 +1119,7 @@
           <a:p>
             <a:fld id="{FC19A4FA-3D9A-4114-B0D5-759CBD56F1AB}" type="datetimeFigureOut">
               <a:rPr lang="zh-CN" altLang="en-US" smtClean="0"/>
-              <a:t>2025/3/17</a:t>
+              <a:t>2025/3/19</a:t>
             </a:fld>
             <a:endParaRPr lang="zh-CN" altLang="en-US"/>
           </a:p>
@@ -1313,7 +1313,7 @@
           <a:p>
             <a:fld id="{FC19A4FA-3D9A-4114-B0D5-759CBD56F1AB}" type="datetimeFigureOut">
               <a:rPr lang="zh-CN" altLang="en-US" smtClean="0"/>
-              <a:t>2025/3/17</a:t>
+              <a:t>2025/3/19</a:t>
             </a:fld>
             <a:endParaRPr lang="zh-CN" altLang="en-US"/>
           </a:p>
@@ -1486,7 +1486,7 @@
           <a:p>
             <a:fld id="{FC19A4FA-3D9A-4114-B0D5-759CBD56F1AB}" type="datetimeFigureOut">
               <a:rPr lang="zh-CN" altLang="en-US" smtClean="0"/>
-              <a:t>2025/3/17</a:t>
+              <a:t>2025/3/19</a:t>
             </a:fld>
             <a:endParaRPr lang="zh-CN" altLang="en-US"/>
           </a:p>
@@ -1670,7 +1670,7 @@
           <a:p>
             <a:fld id="{FC19A4FA-3D9A-4114-B0D5-759CBD56F1AB}" type="datetimeFigureOut">
               <a:rPr lang="zh-CN" altLang="en-US" smtClean="0"/>
-              <a:t>2025/3/17</a:t>
+              <a:t>2025/3/19</a:t>
             </a:fld>
             <a:endParaRPr lang="zh-CN" altLang="en-US"/>
           </a:p>
@@ -1927,7 +1927,7 @@
           <a:p>
             <a:fld id="{FC19A4FA-3D9A-4114-B0D5-759CBD56F1AB}" type="datetimeFigureOut">
               <a:rPr lang="zh-CN" altLang="en-US" smtClean="0"/>
-              <a:t>2025/3/17</a:t>
+              <a:t>2025/3/19</a:t>
             </a:fld>
             <a:endParaRPr lang="zh-CN" altLang="en-US"/>
           </a:p>
@@ -2314,7 +2314,7 @@
           <a:p>
             <a:fld id="{FC19A4FA-3D9A-4114-B0D5-759CBD56F1AB}" type="datetimeFigureOut">
               <a:rPr lang="zh-CN" altLang="en-US" smtClean="0"/>
-              <a:t>2025/3/17</a:t>
+              <a:t>2025/3/19</a:t>
             </a:fld>
             <a:endParaRPr lang="zh-CN" altLang="en-US"/>
           </a:p>
@@ -2582,7 +2582,7 @@
           <a:p>
             <a:fld id="{FC19A4FA-3D9A-4114-B0D5-759CBD56F1AB}" type="datetimeFigureOut">
               <a:rPr lang="zh-CN" altLang="en-US" smtClean="0"/>
-              <a:t>2025/3/17</a:t>
+              <a:t>2025/3/19</a:t>
             </a:fld>
             <a:endParaRPr lang="zh-CN" altLang="en-US"/>
           </a:p>
@@ -2722,7 +2722,7 @@
           <a:p>
             <a:fld id="{FC19A4FA-3D9A-4114-B0D5-759CBD56F1AB}" type="datetimeFigureOut">
               <a:rPr lang="zh-CN" altLang="en-US" smtClean="0"/>
-              <a:t>2025/3/17</a:t>
+              <a:t>2025/3/19</a:t>
             </a:fld>
             <a:endParaRPr lang="zh-CN" altLang="en-US"/>
           </a:p>
@@ -2812,7 +2812,7 @@
           <a:p>
             <a:fld id="{FC19A4FA-3D9A-4114-B0D5-759CBD56F1AB}" type="datetimeFigureOut">
               <a:rPr lang="zh-CN" altLang="en-US" smtClean="0"/>
-              <a:t>2025/3/17</a:t>
+              <a:t>2025/3/19</a:t>
             </a:fld>
             <a:endParaRPr lang="zh-CN" altLang="en-US"/>
           </a:p>
@@ -3082,7 +3082,7 @@
           <a:p>
             <a:fld id="{FC19A4FA-3D9A-4114-B0D5-759CBD56F1AB}" type="datetimeFigureOut">
               <a:rPr lang="zh-CN" altLang="en-US" smtClean="0"/>
-              <a:t>2025/3/17</a:t>
+              <a:t>2025/3/19</a:t>
             </a:fld>
             <a:endParaRPr lang="zh-CN" altLang="en-US"/>
           </a:p>
@@ -3329,7 +3329,7 @@
           <a:p>
             <a:fld id="{FC19A4FA-3D9A-4114-B0D5-759CBD56F1AB}" type="datetimeFigureOut">
               <a:rPr lang="zh-CN" altLang="en-US" smtClean="0"/>
-              <a:t>2025/3/17</a:t>
+              <a:t>2025/3/19</a:t>
             </a:fld>
             <a:endParaRPr lang="zh-CN" altLang="en-US"/>
           </a:p>
@@ -3535,7 +3535,7 @@
           <a:p>
             <a:fld id="{FC19A4FA-3D9A-4114-B0D5-759CBD56F1AB}" type="datetimeFigureOut">
               <a:rPr lang="zh-CN" altLang="en-US" smtClean="0"/>
-              <a:t>2025/3/17</a:t>
+              <a:t>2025/3/19</a:t>
             </a:fld>
             <a:endParaRPr lang="zh-CN" altLang="en-US"/>
           </a:p>
@@ -7253,8 +7253,8 @@
         </p:nvSpPr>
         <p:spPr>
           <a:xfrm>
-            <a:off x="5796163" y="1240009"/>
-            <a:ext cx="5483469" cy="1520555"/>
+            <a:off x="8712936" y="1373029"/>
+            <a:ext cx="3235769" cy="4111941"/>
           </a:xfrm>
         </p:spPr>
         <p:txBody>
@@ -7274,6 +7274,16 @@
               <a:rPr lang="en-US" dirty="0"/>
               <a:t>Run the program and explain the result to SA. </a:t>
             </a:r>
+          </a:p>
+          <a:p>
+            <a:pPr marL="128905" lvl="1" indent="0">
+              <a:spcBef>
+                <a:spcPts val="1410"/>
+              </a:spcBef>
+              <a:buSzPct val="68000"/>
+              <a:buNone/>
+            </a:pPr>
+            <a:endParaRPr lang="en-US" dirty="0"/>
           </a:p>
           <a:p>
             <a:pPr marL="128905" lvl="1" indent="0">
@@ -7334,8 +7344,8 @@
         </p:nvSpPr>
         <p:spPr>
           <a:xfrm>
-            <a:off x="1288482" y="1130281"/>
-            <a:ext cx="4031873" cy="5047536"/>
+            <a:off x="1273875" y="946383"/>
+            <a:ext cx="7587889" cy="5909310"/>
           </a:xfrm>
           <a:prstGeom prst="rect">
             <a:avLst/>
@@ -7353,325 +7363,2418 @@
           </a:ln>
         </p:spPr>
         <p:txBody>
-          <a:bodyPr wrap="none" rtlCol="0">
+          <a:bodyPr wrap="square" rtlCol="0">
             <a:spAutoFit/>
           </a:bodyPr>
           <a:lstStyle/>
           <a:p>
-            <a:r>
-              <a:rPr lang="en-US" altLang="zh-CN" sz="1400" b="0" dirty="0">
-                <a:effectLst/>
-              </a:rPr>
-              <a:t>#include&lt;stdio.h&gt;</a:t>
-            </a:r>
-          </a:p>
-          <a:p>
-            <a:br>
-              <a:rPr lang="en-US" altLang="zh-CN" sz="1400" b="0" dirty="0">
-                <a:effectLst/>
-              </a:rPr>
-            </a:br>
-            <a:r>
-              <a:rPr lang="en-US" altLang="zh-CN" sz="1400" b="0" dirty="0">
-                <a:effectLst/>
-              </a:rPr>
-              <a:t>int main() </a:t>
-            </a:r>
-          </a:p>
-          <a:p>
-            <a:r>
-              <a:rPr lang="en-US" altLang="zh-CN" sz="1400" b="0" dirty="0">
-                <a:effectLst/>
+            <a:pPr algn="l"/>
+            <a:r>
+              <a:rPr lang="en-US" altLang="zh-CN" sz="1800" kern="0" dirty="0">
+                <a:solidFill>
+                  <a:srgbClr val="AF00DB"/>
+                </a:solidFill>
+                <a:effectLst/>
+                <a:latin typeface="Menlo" panose="020B0609030804020204" pitchFamily="49" charset="0"/>
+                <a:ea typeface="宋体" panose="02010600030101010101" pitchFamily="2" charset="-122"/>
+                <a:cs typeface="Times New Roman" panose="02020603050405020304" pitchFamily="18" charset="0"/>
+              </a:rPr>
+              <a:t>#include</a:t>
+            </a:r>
+            <a:r>
+              <a:rPr lang="en-US" altLang="zh-CN" sz="1800" kern="0" dirty="0">
+                <a:solidFill>
+                  <a:srgbClr val="A31515"/>
+                </a:solidFill>
+                <a:effectLst/>
+                <a:latin typeface="Menlo" panose="020B0609030804020204" pitchFamily="49" charset="0"/>
+                <a:ea typeface="宋体" panose="02010600030101010101" pitchFamily="2" charset="-122"/>
+                <a:cs typeface="Times New Roman" panose="02020603050405020304" pitchFamily="18" charset="0"/>
+              </a:rPr>
+              <a:t>&lt;</a:t>
+            </a:r>
+            <a:r>
+              <a:rPr lang="en-US" altLang="zh-CN" sz="1800" kern="0" dirty="0" err="1">
+                <a:solidFill>
+                  <a:srgbClr val="A31515"/>
+                </a:solidFill>
+                <a:effectLst/>
+                <a:latin typeface="Menlo" panose="020B0609030804020204" pitchFamily="49" charset="0"/>
+                <a:ea typeface="宋体" panose="02010600030101010101" pitchFamily="2" charset="-122"/>
+                <a:cs typeface="Times New Roman" panose="02020603050405020304" pitchFamily="18" charset="0"/>
+              </a:rPr>
+              <a:t>stdio.h</a:t>
+            </a:r>
+            <a:r>
+              <a:rPr lang="en-US" altLang="zh-CN" sz="1800" kern="0" dirty="0">
+                <a:solidFill>
+                  <a:srgbClr val="A31515"/>
+                </a:solidFill>
+                <a:effectLst/>
+                <a:latin typeface="Menlo" panose="020B0609030804020204" pitchFamily="49" charset="0"/>
+                <a:ea typeface="宋体" panose="02010600030101010101" pitchFamily="2" charset="-122"/>
+                <a:cs typeface="Times New Roman" panose="02020603050405020304" pitchFamily="18" charset="0"/>
+              </a:rPr>
+              <a:t>&gt;</a:t>
+            </a:r>
+            <a:endParaRPr lang="zh-CN" altLang="zh-CN" sz="1800" kern="100" dirty="0">
+              <a:effectLst/>
+              <a:latin typeface="DengXian" panose="02010600030101010101" pitchFamily="2" charset="-122"/>
+              <a:ea typeface="DengXian" panose="02010600030101010101" pitchFamily="2" charset="-122"/>
+              <a:cs typeface="Times New Roman" panose="02020603050405020304" pitchFamily="18" charset="0"/>
+            </a:endParaRPr>
+          </a:p>
+          <a:p>
+            <a:pPr algn="l"/>
+            <a:r>
+              <a:rPr lang="en-US" altLang="zh-CN" sz="1800" kern="0" dirty="0">
+                <a:solidFill>
+                  <a:srgbClr val="0000FF"/>
+                </a:solidFill>
+                <a:effectLst/>
+                <a:latin typeface="Menlo" panose="020B0609030804020204" pitchFamily="49" charset="0"/>
+                <a:ea typeface="宋体" panose="02010600030101010101" pitchFamily="2" charset="-122"/>
+                <a:cs typeface="Times New Roman" panose="02020603050405020304" pitchFamily="18" charset="0"/>
+              </a:rPr>
+              <a:t>int</a:t>
+            </a:r>
+            <a:r>
+              <a:rPr lang="en-US" altLang="zh-CN" sz="1800" kern="0" dirty="0">
+                <a:solidFill>
+                  <a:srgbClr val="000000"/>
+                </a:solidFill>
+                <a:effectLst/>
+                <a:latin typeface="Menlo" panose="020B0609030804020204" pitchFamily="49" charset="0"/>
+                <a:ea typeface="宋体" panose="02010600030101010101" pitchFamily="2" charset="-122"/>
+                <a:cs typeface="Times New Roman" panose="02020603050405020304" pitchFamily="18" charset="0"/>
+              </a:rPr>
+              <a:t> </a:t>
+            </a:r>
+            <a:r>
+              <a:rPr lang="en-US" altLang="zh-CN" sz="1800" kern="0" dirty="0">
+                <a:solidFill>
+                  <a:srgbClr val="795E26"/>
+                </a:solidFill>
+                <a:effectLst/>
+                <a:latin typeface="Menlo" panose="020B0609030804020204" pitchFamily="49" charset="0"/>
+                <a:ea typeface="宋体" panose="02010600030101010101" pitchFamily="2" charset="-122"/>
+                <a:cs typeface="Times New Roman" panose="02020603050405020304" pitchFamily="18" charset="0"/>
+              </a:rPr>
+              <a:t>main</a:t>
+            </a:r>
+            <a:r>
+              <a:rPr lang="en-US" altLang="zh-CN" sz="1800" kern="0" dirty="0">
+                <a:solidFill>
+                  <a:srgbClr val="000000"/>
+                </a:solidFill>
+                <a:effectLst/>
+                <a:latin typeface="Menlo" panose="020B0609030804020204" pitchFamily="49" charset="0"/>
+                <a:ea typeface="宋体" panose="02010600030101010101" pitchFamily="2" charset="-122"/>
+                <a:cs typeface="Times New Roman" panose="02020603050405020304" pitchFamily="18" charset="0"/>
+              </a:rPr>
+              <a:t>() </a:t>
+            </a:r>
+            <a:endParaRPr lang="zh-CN" altLang="zh-CN" sz="1800" kern="100" dirty="0">
+              <a:effectLst/>
+              <a:latin typeface="DengXian" panose="02010600030101010101" pitchFamily="2" charset="-122"/>
+              <a:ea typeface="DengXian" panose="02010600030101010101" pitchFamily="2" charset="-122"/>
+              <a:cs typeface="Times New Roman" panose="02020603050405020304" pitchFamily="18" charset="0"/>
+            </a:endParaRPr>
+          </a:p>
+          <a:p>
+            <a:pPr algn="l"/>
+            <a:r>
+              <a:rPr lang="en-US" altLang="zh-CN" sz="1800" kern="0" dirty="0">
+                <a:solidFill>
+                  <a:srgbClr val="000000"/>
+                </a:solidFill>
+                <a:effectLst/>
+                <a:latin typeface="Menlo" panose="020B0609030804020204" pitchFamily="49" charset="0"/>
+                <a:ea typeface="宋体" panose="02010600030101010101" pitchFamily="2" charset="-122"/>
+                <a:cs typeface="Times New Roman" panose="02020603050405020304" pitchFamily="18" charset="0"/>
               </a:rPr>
               <a:t>{ </a:t>
             </a:r>
-          </a:p>
-          <a:p>
-            <a:r>
-              <a:rPr lang="en-US" altLang="zh-CN" sz="1400" b="0" dirty="0">
-                <a:effectLst/>
-              </a:rPr>
-              <a:t>    int a[]={2,4,6,8,10},y=1,*p;</a:t>
-            </a:r>
-          </a:p>
-          <a:p>
-            <a:r>
-              <a:rPr lang="en-US" altLang="zh-CN" sz="1400" b="0" dirty="0">
-                <a:effectLst/>
-              </a:rPr>
-              <a:t>    p=&amp;a[1];</a:t>
-            </a:r>
-          </a:p>
-          <a:p>
-            <a:br>
-              <a:rPr lang="en-US" altLang="zh-CN" sz="1400" b="0" dirty="0">
-                <a:effectLst/>
-              </a:rPr>
-            </a:br>
-            <a:r>
-              <a:rPr lang="en-US" altLang="zh-CN" sz="1400" b="0" dirty="0">
-                <a:effectLst/>
-              </a:rPr>
-              <a:t>    </a:t>
-            </a:r>
-            <a:r>
-              <a:rPr lang="en-US" altLang="zh-CN" sz="1400" b="0" dirty="0" err="1">
-                <a:effectLst/>
+            <a:endParaRPr lang="zh-CN" altLang="zh-CN" sz="1800" kern="100" dirty="0">
+              <a:effectLst/>
+              <a:latin typeface="DengXian" panose="02010600030101010101" pitchFamily="2" charset="-122"/>
+              <a:ea typeface="DengXian" panose="02010600030101010101" pitchFamily="2" charset="-122"/>
+              <a:cs typeface="Times New Roman" panose="02020603050405020304" pitchFamily="18" charset="0"/>
+            </a:endParaRPr>
+          </a:p>
+          <a:p>
+            <a:pPr algn="l"/>
+            <a:r>
+              <a:rPr lang="en-US" altLang="zh-CN" sz="1800" kern="0" dirty="0">
+                <a:solidFill>
+                  <a:srgbClr val="000000"/>
+                </a:solidFill>
+                <a:effectLst/>
+                <a:latin typeface="Menlo" panose="020B0609030804020204" pitchFamily="49" charset="0"/>
+                <a:ea typeface="宋体" panose="02010600030101010101" pitchFamily="2" charset="-122"/>
+                <a:cs typeface="Times New Roman" panose="02020603050405020304" pitchFamily="18" charset="0"/>
+              </a:rPr>
+              <a:t>    </a:t>
+            </a:r>
+            <a:r>
+              <a:rPr lang="en-US" altLang="zh-CN" sz="1800" kern="0" dirty="0">
+                <a:solidFill>
+                  <a:srgbClr val="0000FF"/>
+                </a:solidFill>
+                <a:effectLst/>
+                <a:latin typeface="Menlo" panose="020B0609030804020204" pitchFamily="49" charset="0"/>
+                <a:ea typeface="宋体" panose="02010600030101010101" pitchFamily="2" charset="-122"/>
+                <a:cs typeface="Times New Roman" panose="02020603050405020304" pitchFamily="18" charset="0"/>
+              </a:rPr>
+              <a:t>int</a:t>
+            </a:r>
+            <a:r>
+              <a:rPr lang="en-US" altLang="zh-CN" sz="1800" kern="0" dirty="0">
+                <a:solidFill>
+                  <a:srgbClr val="000000"/>
+                </a:solidFill>
+                <a:effectLst/>
+                <a:latin typeface="Menlo" panose="020B0609030804020204" pitchFamily="49" charset="0"/>
+                <a:ea typeface="宋体" panose="02010600030101010101" pitchFamily="2" charset="-122"/>
+                <a:cs typeface="Times New Roman" panose="02020603050405020304" pitchFamily="18" charset="0"/>
+              </a:rPr>
+              <a:t> </a:t>
+            </a:r>
+            <a:r>
+              <a:rPr lang="en-US" altLang="zh-CN" sz="1800" kern="0" dirty="0">
+                <a:solidFill>
+                  <a:srgbClr val="001080"/>
+                </a:solidFill>
+                <a:effectLst/>
+                <a:latin typeface="Menlo" panose="020B0609030804020204" pitchFamily="49" charset="0"/>
+                <a:ea typeface="宋体" panose="02010600030101010101" pitchFamily="2" charset="-122"/>
+                <a:cs typeface="Times New Roman" panose="02020603050405020304" pitchFamily="18" charset="0"/>
+              </a:rPr>
+              <a:t>numbers1</a:t>
+            </a:r>
+            <a:r>
+              <a:rPr lang="en-US" altLang="zh-CN" sz="1800" kern="0" dirty="0">
+                <a:solidFill>
+                  <a:srgbClr val="0000FF"/>
+                </a:solidFill>
+                <a:effectLst/>
+                <a:latin typeface="Menlo" panose="020B0609030804020204" pitchFamily="49" charset="0"/>
+                <a:ea typeface="宋体" panose="02010600030101010101" pitchFamily="2" charset="-122"/>
+                <a:cs typeface="Times New Roman" panose="02020603050405020304" pitchFamily="18" charset="0"/>
+              </a:rPr>
+              <a:t>[]</a:t>
+            </a:r>
+            <a:r>
+              <a:rPr lang="en-US" altLang="zh-CN" sz="1800" kern="0" dirty="0">
+                <a:solidFill>
+                  <a:srgbClr val="000000"/>
+                </a:solidFill>
+                <a:effectLst/>
+                <a:latin typeface="Menlo" panose="020B0609030804020204" pitchFamily="49" charset="0"/>
+                <a:ea typeface="宋体" panose="02010600030101010101" pitchFamily="2" charset="-122"/>
+                <a:cs typeface="Times New Roman" panose="02020603050405020304" pitchFamily="18" charset="0"/>
+              </a:rPr>
+              <a:t> = {</a:t>
+            </a:r>
+            <a:r>
+              <a:rPr lang="en-US" altLang="zh-CN" sz="1800" kern="0" dirty="0">
+                <a:solidFill>
+                  <a:srgbClr val="098658"/>
+                </a:solidFill>
+                <a:effectLst/>
+                <a:latin typeface="Menlo" panose="020B0609030804020204" pitchFamily="49" charset="0"/>
+                <a:ea typeface="宋体" panose="02010600030101010101" pitchFamily="2" charset="-122"/>
+                <a:cs typeface="Times New Roman" panose="02020603050405020304" pitchFamily="18" charset="0"/>
+              </a:rPr>
+              <a:t>2</a:t>
+            </a:r>
+            <a:r>
+              <a:rPr lang="en-US" altLang="zh-CN" sz="1800" kern="0" dirty="0">
+                <a:solidFill>
+                  <a:srgbClr val="000000"/>
+                </a:solidFill>
+                <a:effectLst/>
+                <a:latin typeface="Menlo" panose="020B0609030804020204" pitchFamily="49" charset="0"/>
+                <a:ea typeface="宋体" panose="02010600030101010101" pitchFamily="2" charset="-122"/>
+                <a:cs typeface="Times New Roman" panose="02020603050405020304" pitchFamily="18" charset="0"/>
+              </a:rPr>
+              <a:t>,</a:t>
+            </a:r>
+            <a:r>
+              <a:rPr lang="en-US" altLang="zh-CN" sz="1800" kern="0" dirty="0">
+                <a:solidFill>
+                  <a:srgbClr val="098658"/>
+                </a:solidFill>
+                <a:effectLst/>
+                <a:latin typeface="Menlo" panose="020B0609030804020204" pitchFamily="49" charset="0"/>
+                <a:ea typeface="宋体" panose="02010600030101010101" pitchFamily="2" charset="-122"/>
+                <a:cs typeface="Times New Roman" panose="02020603050405020304" pitchFamily="18" charset="0"/>
+              </a:rPr>
+              <a:t>4</a:t>
+            </a:r>
+            <a:r>
+              <a:rPr lang="en-US" altLang="zh-CN" sz="1800" kern="0" dirty="0">
+                <a:solidFill>
+                  <a:srgbClr val="000000"/>
+                </a:solidFill>
+                <a:effectLst/>
+                <a:latin typeface="Menlo" panose="020B0609030804020204" pitchFamily="49" charset="0"/>
+                <a:ea typeface="宋体" panose="02010600030101010101" pitchFamily="2" charset="-122"/>
+                <a:cs typeface="Times New Roman" panose="02020603050405020304" pitchFamily="18" charset="0"/>
+              </a:rPr>
+              <a:t>,</a:t>
+            </a:r>
+            <a:r>
+              <a:rPr lang="en-US" altLang="zh-CN" sz="1800" kern="0" dirty="0">
+                <a:solidFill>
+                  <a:srgbClr val="098658"/>
+                </a:solidFill>
+                <a:effectLst/>
+                <a:latin typeface="Menlo" panose="020B0609030804020204" pitchFamily="49" charset="0"/>
+                <a:ea typeface="宋体" panose="02010600030101010101" pitchFamily="2" charset="-122"/>
+                <a:cs typeface="Times New Roman" panose="02020603050405020304" pitchFamily="18" charset="0"/>
+              </a:rPr>
+              <a:t>6</a:t>
+            </a:r>
+            <a:r>
+              <a:rPr lang="en-US" altLang="zh-CN" sz="1800" kern="0" dirty="0">
+                <a:solidFill>
+                  <a:srgbClr val="000000"/>
+                </a:solidFill>
+                <a:effectLst/>
+                <a:latin typeface="Menlo" panose="020B0609030804020204" pitchFamily="49" charset="0"/>
+                <a:ea typeface="宋体" panose="02010600030101010101" pitchFamily="2" charset="-122"/>
+                <a:cs typeface="Times New Roman" panose="02020603050405020304" pitchFamily="18" charset="0"/>
+              </a:rPr>
+              <a:t>,</a:t>
+            </a:r>
+            <a:r>
+              <a:rPr lang="en-US" altLang="zh-CN" sz="1800" kern="0" dirty="0">
+                <a:solidFill>
+                  <a:srgbClr val="098658"/>
+                </a:solidFill>
+                <a:effectLst/>
+                <a:latin typeface="Menlo" panose="020B0609030804020204" pitchFamily="49" charset="0"/>
+                <a:ea typeface="宋体" panose="02010600030101010101" pitchFamily="2" charset="-122"/>
+                <a:cs typeface="Times New Roman" panose="02020603050405020304" pitchFamily="18" charset="0"/>
+              </a:rPr>
+              <a:t>8</a:t>
+            </a:r>
+            <a:r>
+              <a:rPr lang="en-US" altLang="zh-CN" sz="1800" kern="0" dirty="0">
+                <a:solidFill>
+                  <a:srgbClr val="000000"/>
+                </a:solidFill>
+                <a:effectLst/>
+                <a:latin typeface="Menlo" panose="020B0609030804020204" pitchFamily="49" charset="0"/>
+                <a:ea typeface="宋体" panose="02010600030101010101" pitchFamily="2" charset="-122"/>
+                <a:cs typeface="Times New Roman" panose="02020603050405020304" pitchFamily="18" charset="0"/>
+              </a:rPr>
+              <a:t>,</a:t>
+            </a:r>
+            <a:r>
+              <a:rPr lang="en-US" altLang="zh-CN" sz="1800" kern="0" dirty="0">
+                <a:solidFill>
+                  <a:srgbClr val="098658"/>
+                </a:solidFill>
+                <a:effectLst/>
+                <a:latin typeface="Menlo" panose="020B0609030804020204" pitchFamily="49" charset="0"/>
+                <a:ea typeface="宋体" panose="02010600030101010101" pitchFamily="2" charset="-122"/>
+                <a:cs typeface="Times New Roman" panose="02020603050405020304" pitchFamily="18" charset="0"/>
+              </a:rPr>
+              <a:t>10</a:t>
+            </a:r>
+            <a:r>
+              <a:rPr lang="en-US" altLang="zh-CN" sz="1800" kern="0" dirty="0">
+                <a:solidFill>
+                  <a:srgbClr val="000000"/>
+                </a:solidFill>
+                <a:effectLst/>
+                <a:latin typeface="Menlo" panose="020B0609030804020204" pitchFamily="49" charset="0"/>
+                <a:ea typeface="宋体" panose="02010600030101010101" pitchFamily="2" charset="-122"/>
+                <a:cs typeface="Times New Roman" panose="02020603050405020304" pitchFamily="18" charset="0"/>
+              </a:rPr>
+              <a:t>};</a:t>
+            </a:r>
+            <a:endParaRPr lang="zh-CN" altLang="zh-CN" sz="1800" kern="100" dirty="0">
+              <a:effectLst/>
+              <a:latin typeface="DengXian" panose="02010600030101010101" pitchFamily="2" charset="-122"/>
+              <a:ea typeface="DengXian" panose="02010600030101010101" pitchFamily="2" charset="-122"/>
+              <a:cs typeface="Times New Roman" panose="02020603050405020304" pitchFamily="18" charset="0"/>
+            </a:endParaRPr>
+          </a:p>
+          <a:p>
+            <a:pPr algn="l"/>
+            <a:r>
+              <a:rPr lang="en-US" altLang="zh-CN" sz="1800" kern="0" dirty="0">
+                <a:solidFill>
+                  <a:srgbClr val="000000"/>
+                </a:solidFill>
+                <a:effectLst/>
+                <a:latin typeface="Menlo" panose="020B0609030804020204" pitchFamily="49" charset="0"/>
+                <a:ea typeface="宋体" panose="02010600030101010101" pitchFamily="2" charset="-122"/>
+                <a:cs typeface="Times New Roman" panose="02020603050405020304" pitchFamily="18" charset="0"/>
+              </a:rPr>
+              <a:t>    </a:t>
+            </a:r>
+            <a:r>
+              <a:rPr lang="en-US" altLang="zh-CN" sz="1800" kern="0" dirty="0">
+                <a:solidFill>
+                  <a:srgbClr val="0000FF"/>
+                </a:solidFill>
+                <a:effectLst/>
+                <a:latin typeface="Menlo" panose="020B0609030804020204" pitchFamily="49" charset="0"/>
+                <a:ea typeface="宋体" panose="02010600030101010101" pitchFamily="2" charset="-122"/>
+                <a:cs typeface="Times New Roman" panose="02020603050405020304" pitchFamily="18" charset="0"/>
+              </a:rPr>
+              <a:t>int</a:t>
+            </a:r>
+            <a:r>
+              <a:rPr lang="en-US" altLang="zh-CN" sz="1800" kern="0" dirty="0">
+                <a:solidFill>
+                  <a:srgbClr val="000000"/>
+                </a:solidFill>
+                <a:effectLst/>
+                <a:latin typeface="Menlo" panose="020B0609030804020204" pitchFamily="49" charset="0"/>
+                <a:ea typeface="宋体" panose="02010600030101010101" pitchFamily="2" charset="-122"/>
+                <a:cs typeface="Times New Roman" panose="02020603050405020304" pitchFamily="18" charset="0"/>
+              </a:rPr>
+              <a:t> </a:t>
+            </a:r>
+            <a:r>
+              <a:rPr lang="en-US" altLang="zh-CN" sz="1800" kern="0" dirty="0">
+                <a:solidFill>
+                  <a:srgbClr val="001080"/>
+                </a:solidFill>
+                <a:effectLst/>
+                <a:latin typeface="Menlo" panose="020B0609030804020204" pitchFamily="49" charset="0"/>
+                <a:ea typeface="宋体" panose="02010600030101010101" pitchFamily="2" charset="-122"/>
+                <a:cs typeface="Times New Roman" panose="02020603050405020304" pitchFamily="18" charset="0"/>
+              </a:rPr>
+              <a:t>sum</a:t>
+            </a:r>
+            <a:r>
+              <a:rPr lang="en-US" altLang="zh-CN" sz="1800" kern="0" dirty="0">
+                <a:solidFill>
+                  <a:srgbClr val="000000"/>
+                </a:solidFill>
+                <a:effectLst/>
+                <a:latin typeface="Menlo" panose="020B0609030804020204" pitchFamily="49" charset="0"/>
+                <a:ea typeface="宋体" panose="02010600030101010101" pitchFamily="2" charset="-122"/>
+                <a:cs typeface="Times New Roman" panose="02020603050405020304" pitchFamily="18" charset="0"/>
+              </a:rPr>
+              <a:t> = </a:t>
+            </a:r>
+            <a:r>
+              <a:rPr lang="en-US" altLang="zh-CN" sz="1800" kern="0" dirty="0">
+                <a:solidFill>
+                  <a:srgbClr val="098658"/>
+                </a:solidFill>
+                <a:effectLst/>
+                <a:latin typeface="Menlo" panose="020B0609030804020204" pitchFamily="49" charset="0"/>
+                <a:ea typeface="宋体" panose="02010600030101010101" pitchFamily="2" charset="-122"/>
+                <a:cs typeface="Times New Roman" panose="02020603050405020304" pitchFamily="18" charset="0"/>
+              </a:rPr>
+              <a:t>0</a:t>
+            </a:r>
+            <a:r>
+              <a:rPr lang="en-US" altLang="zh-CN" sz="1800" kern="0" dirty="0">
+                <a:solidFill>
+                  <a:srgbClr val="000000"/>
+                </a:solidFill>
+                <a:effectLst/>
+                <a:latin typeface="Menlo" panose="020B0609030804020204" pitchFamily="49" charset="0"/>
+                <a:ea typeface="宋体" panose="02010600030101010101" pitchFamily="2" charset="-122"/>
+                <a:cs typeface="Times New Roman" panose="02020603050405020304" pitchFamily="18" charset="0"/>
+              </a:rPr>
+              <a:t>;</a:t>
+            </a:r>
+            <a:endParaRPr lang="zh-CN" altLang="zh-CN" sz="1800" kern="100" dirty="0">
+              <a:effectLst/>
+              <a:latin typeface="DengXian" panose="02010600030101010101" pitchFamily="2" charset="-122"/>
+              <a:ea typeface="DengXian" panose="02010600030101010101" pitchFamily="2" charset="-122"/>
+              <a:cs typeface="Times New Roman" panose="02020603050405020304" pitchFamily="18" charset="0"/>
+            </a:endParaRPr>
+          </a:p>
+          <a:p>
+            <a:pPr algn="l"/>
+            <a:r>
+              <a:rPr lang="en-US" altLang="zh-CN" sz="1800" kern="0" dirty="0">
+                <a:solidFill>
+                  <a:srgbClr val="000000"/>
+                </a:solidFill>
+                <a:effectLst/>
+                <a:latin typeface="Menlo" panose="020B0609030804020204" pitchFamily="49" charset="0"/>
+                <a:ea typeface="宋体" panose="02010600030101010101" pitchFamily="2" charset="-122"/>
+                <a:cs typeface="Times New Roman" panose="02020603050405020304" pitchFamily="18" charset="0"/>
+              </a:rPr>
+              <a:t>    </a:t>
+            </a:r>
+            <a:r>
+              <a:rPr lang="en-US" altLang="zh-CN" sz="1800" kern="0" dirty="0">
+                <a:solidFill>
+                  <a:srgbClr val="0000FF"/>
+                </a:solidFill>
+                <a:effectLst/>
+                <a:latin typeface="Menlo" panose="020B0609030804020204" pitchFamily="49" charset="0"/>
+                <a:ea typeface="宋体" panose="02010600030101010101" pitchFamily="2" charset="-122"/>
+                <a:cs typeface="Times New Roman" panose="02020603050405020304" pitchFamily="18" charset="0"/>
+              </a:rPr>
+              <a:t>int</a:t>
+            </a:r>
+            <a:r>
+              <a:rPr lang="en-US" altLang="zh-CN" sz="1800" kern="0" dirty="0">
+                <a:solidFill>
+                  <a:srgbClr val="000000"/>
+                </a:solidFill>
+                <a:effectLst/>
+                <a:latin typeface="Menlo" panose="020B0609030804020204" pitchFamily="49" charset="0"/>
+                <a:ea typeface="宋体" panose="02010600030101010101" pitchFamily="2" charset="-122"/>
+                <a:cs typeface="Times New Roman" panose="02020603050405020304" pitchFamily="18" charset="0"/>
+              </a:rPr>
+              <a:t> *</a:t>
+            </a:r>
+            <a:r>
+              <a:rPr lang="en-US" altLang="zh-CN" sz="1800" kern="0" dirty="0">
+                <a:solidFill>
+                  <a:srgbClr val="001080"/>
+                </a:solidFill>
+                <a:effectLst/>
+                <a:latin typeface="Menlo" panose="020B0609030804020204" pitchFamily="49" charset="0"/>
+                <a:ea typeface="宋体" panose="02010600030101010101" pitchFamily="2" charset="-122"/>
+                <a:cs typeface="Times New Roman" panose="02020603050405020304" pitchFamily="18" charset="0"/>
+              </a:rPr>
+              <a:t>p1</a:t>
+            </a:r>
+            <a:r>
+              <a:rPr lang="en-US" altLang="zh-CN" sz="1800" kern="0" dirty="0">
+                <a:solidFill>
+                  <a:srgbClr val="000000"/>
+                </a:solidFill>
+                <a:effectLst/>
+                <a:latin typeface="Menlo" panose="020B0609030804020204" pitchFamily="49" charset="0"/>
+                <a:ea typeface="宋体" panose="02010600030101010101" pitchFamily="2" charset="-122"/>
+                <a:cs typeface="Times New Roman" panose="02020603050405020304" pitchFamily="18" charset="0"/>
+              </a:rPr>
+              <a:t> = &amp;</a:t>
+            </a:r>
+            <a:r>
+              <a:rPr lang="en-US" altLang="zh-CN" sz="1800" kern="0" dirty="0">
+                <a:solidFill>
+                  <a:srgbClr val="001080"/>
+                </a:solidFill>
+                <a:effectLst/>
+                <a:latin typeface="Menlo" panose="020B0609030804020204" pitchFamily="49" charset="0"/>
+                <a:ea typeface="宋体" panose="02010600030101010101" pitchFamily="2" charset="-122"/>
+                <a:cs typeface="Times New Roman" panose="02020603050405020304" pitchFamily="18" charset="0"/>
+              </a:rPr>
+              <a:t>numbers1</a:t>
+            </a:r>
+            <a:r>
+              <a:rPr lang="en-US" altLang="zh-CN" sz="1800" kern="0" dirty="0">
+                <a:solidFill>
+                  <a:srgbClr val="000000"/>
+                </a:solidFill>
+                <a:effectLst/>
+                <a:latin typeface="Menlo" panose="020B0609030804020204" pitchFamily="49" charset="0"/>
+                <a:ea typeface="宋体" panose="02010600030101010101" pitchFamily="2" charset="-122"/>
+                <a:cs typeface="Times New Roman" panose="02020603050405020304" pitchFamily="18" charset="0"/>
+              </a:rPr>
+              <a:t>[</a:t>
+            </a:r>
+            <a:r>
+              <a:rPr lang="en-US" altLang="zh-CN" sz="1800" kern="0" dirty="0">
+                <a:solidFill>
+                  <a:srgbClr val="098658"/>
+                </a:solidFill>
+                <a:effectLst/>
+                <a:latin typeface="Menlo" panose="020B0609030804020204" pitchFamily="49" charset="0"/>
+                <a:ea typeface="宋体" panose="02010600030101010101" pitchFamily="2" charset="-122"/>
+                <a:cs typeface="Times New Roman" panose="02020603050405020304" pitchFamily="18" charset="0"/>
+              </a:rPr>
+              <a:t>1</a:t>
+            </a:r>
+            <a:r>
+              <a:rPr lang="en-US" altLang="zh-CN" sz="1800" kern="0" dirty="0">
+                <a:solidFill>
+                  <a:srgbClr val="000000"/>
+                </a:solidFill>
+                <a:effectLst/>
+                <a:latin typeface="Menlo" panose="020B0609030804020204" pitchFamily="49" charset="0"/>
+                <a:ea typeface="宋体" panose="02010600030101010101" pitchFamily="2" charset="-122"/>
+                <a:cs typeface="Times New Roman" panose="02020603050405020304" pitchFamily="18" charset="0"/>
+              </a:rPr>
+              <a:t>];</a:t>
+            </a:r>
+            <a:endParaRPr lang="zh-CN" altLang="zh-CN" sz="1800" kern="100" dirty="0">
+              <a:effectLst/>
+              <a:latin typeface="DengXian" panose="02010600030101010101" pitchFamily="2" charset="-122"/>
+              <a:ea typeface="DengXian" panose="02010600030101010101" pitchFamily="2" charset="-122"/>
+              <a:cs typeface="Times New Roman" panose="02020603050405020304" pitchFamily="18" charset="0"/>
+            </a:endParaRPr>
+          </a:p>
+          <a:p>
+            <a:pPr algn="l"/>
+            <a:r>
+              <a:rPr lang="en-US" altLang="zh-CN" sz="1800" kern="0" dirty="0">
+                <a:solidFill>
+                  <a:srgbClr val="000000"/>
+                </a:solidFill>
+                <a:effectLst/>
+                <a:latin typeface="Menlo" panose="020B0609030804020204" pitchFamily="49" charset="0"/>
+                <a:ea typeface="宋体" panose="02010600030101010101" pitchFamily="2" charset="-122"/>
+                <a:cs typeface="Times New Roman" panose="02020603050405020304" pitchFamily="18" charset="0"/>
+              </a:rPr>
+              <a:t>    </a:t>
+            </a:r>
+            <a:r>
+              <a:rPr lang="en-US" altLang="zh-CN" sz="1800" kern="0" dirty="0" err="1">
+                <a:solidFill>
+                  <a:srgbClr val="795E26"/>
+                </a:solidFill>
+                <a:effectLst/>
+                <a:latin typeface="Menlo" panose="020B0609030804020204" pitchFamily="49" charset="0"/>
+                <a:ea typeface="宋体" panose="02010600030101010101" pitchFamily="2" charset="-122"/>
+                <a:cs typeface="Times New Roman" panose="02020603050405020304" pitchFamily="18" charset="0"/>
               </a:rPr>
               <a:t>printf</a:t>
             </a:r>
             <a:r>
-              <a:rPr lang="en-US" altLang="zh-CN" sz="1400" b="0" dirty="0">
-                <a:effectLst/>
-              </a:rPr>
-              <a:t>("a = %p\np = %p\</a:t>
-            </a:r>
-            <a:r>
-              <a:rPr lang="en-US" altLang="zh-CN" sz="1400" b="0" dirty="0" err="1">
-                <a:effectLst/>
-              </a:rPr>
-              <a:t>n",a</a:t>
-            </a:r>
-            <a:r>
-              <a:rPr lang="en-US" altLang="zh-CN" sz="1400" b="0" dirty="0">
-                <a:effectLst/>
-              </a:rPr>
-              <a:t>, p);</a:t>
-            </a:r>
-          </a:p>
-          <a:p>
-            <a:br>
-              <a:rPr lang="en-US" altLang="zh-CN" sz="1400" b="0" dirty="0">
-                <a:effectLst/>
-              </a:rPr>
-            </a:br>
-            <a:r>
-              <a:rPr lang="en-US" altLang="zh-CN" sz="1400" b="0" dirty="0">
-                <a:effectLst/>
-              </a:rPr>
-              <a:t>    for(int </a:t>
-            </a:r>
-            <a:r>
-              <a:rPr lang="en-US" altLang="zh-CN" sz="1400" b="0" dirty="0" err="1">
-                <a:effectLst/>
+              <a:rPr lang="en-US" altLang="zh-CN" sz="1800" kern="0" dirty="0">
+                <a:solidFill>
+                  <a:srgbClr val="000000"/>
+                </a:solidFill>
+                <a:effectLst/>
+                <a:latin typeface="Menlo" panose="020B0609030804020204" pitchFamily="49" charset="0"/>
+                <a:ea typeface="宋体" panose="02010600030101010101" pitchFamily="2" charset="-122"/>
+                <a:cs typeface="Times New Roman" panose="02020603050405020304" pitchFamily="18" charset="0"/>
+              </a:rPr>
+              <a:t>(</a:t>
+            </a:r>
+            <a:r>
+              <a:rPr lang="en-US" altLang="zh-CN" sz="1800" kern="0" dirty="0">
+                <a:solidFill>
+                  <a:srgbClr val="A31515"/>
+                </a:solidFill>
+                <a:effectLst/>
+                <a:latin typeface="Menlo" panose="020B0609030804020204" pitchFamily="49" charset="0"/>
+                <a:ea typeface="宋体" panose="02010600030101010101" pitchFamily="2" charset="-122"/>
+                <a:cs typeface="Times New Roman" panose="02020603050405020304" pitchFamily="18" charset="0"/>
+              </a:rPr>
+              <a:t>"numbers1 = </a:t>
+            </a:r>
+            <a:r>
+              <a:rPr lang="en-US" altLang="zh-CN" sz="1800" kern="0" dirty="0">
+                <a:solidFill>
+                  <a:srgbClr val="001080"/>
+                </a:solidFill>
+                <a:effectLst/>
+                <a:latin typeface="Menlo" panose="020B0609030804020204" pitchFamily="49" charset="0"/>
+                <a:ea typeface="宋体" panose="02010600030101010101" pitchFamily="2" charset="-122"/>
+                <a:cs typeface="Times New Roman" panose="02020603050405020304" pitchFamily="18" charset="0"/>
+              </a:rPr>
+              <a:t>%p</a:t>
+            </a:r>
+            <a:r>
+              <a:rPr lang="en-US" altLang="zh-CN" sz="1800" kern="0" dirty="0">
+                <a:solidFill>
+                  <a:srgbClr val="EE0000"/>
+                </a:solidFill>
+                <a:effectLst/>
+                <a:latin typeface="Menlo" panose="020B0609030804020204" pitchFamily="49" charset="0"/>
+                <a:ea typeface="宋体" panose="02010600030101010101" pitchFamily="2" charset="-122"/>
+                <a:cs typeface="Times New Roman" panose="02020603050405020304" pitchFamily="18" charset="0"/>
+              </a:rPr>
+              <a:t>\n</a:t>
+            </a:r>
+            <a:r>
+              <a:rPr lang="en-US" altLang="zh-CN" sz="1800" kern="0" dirty="0">
+                <a:solidFill>
+                  <a:srgbClr val="A31515"/>
+                </a:solidFill>
+                <a:effectLst/>
+                <a:latin typeface="Menlo" panose="020B0609030804020204" pitchFamily="49" charset="0"/>
+                <a:ea typeface="宋体" panose="02010600030101010101" pitchFamily="2" charset="-122"/>
+                <a:cs typeface="Times New Roman" panose="02020603050405020304" pitchFamily="18" charset="0"/>
+              </a:rPr>
+              <a:t>"</a:t>
+            </a:r>
+            <a:r>
+              <a:rPr lang="en-US" altLang="zh-CN" sz="1800" kern="0" dirty="0">
+                <a:solidFill>
+                  <a:srgbClr val="000000"/>
+                </a:solidFill>
+                <a:effectLst/>
+                <a:latin typeface="Menlo" panose="020B0609030804020204" pitchFamily="49" charset="0"/>
+                <a:ea typeface="宋体" panose="02010600030101010101" pitchFamily="2" charset="-122"/>
+                <a:cs typeface="Times New Roman" panose="02020603050405020304" pitchFamily="18" charset="0"/>
+              </a:rPr>
+              <a:t>, </a:t>
+            </a:r>
+            <a:r>
+              <a:rPr lang="en-US" altLang="zh-CN" sz="1800" kern="0" dirty="0">
+                <a:solidFill>
+                  <a:srgbClr val="001080"/>
+                </a:solidFill>
+                <a:effectLst/>
+                <a:latin typeface="Menlo" panose="020B0609030804020204" pitchFamily="49" charset="0"/>
+                <a:ea typeface="宋体" panose="02010600030101010101" pitchFamily="2" charset="-122"/>
+                <a:cs typeface="Times New Roman" panose="02020603050405020304" pitchFamily="18" charset="0"/>
+              </a:rPr>
+              <a:t>numbers1</a:t>
+            </a:r>
+            <a:r>
+              <a:rPr lang="en-US" altLang="zh-CN" sz="1800" kern="0" dirty="0">
+                <a:solidFill>
+                  <a:srgbClr val="000000"/>
+                </a:solidFill>
+                <a:effectLst/>
+                <a:latin typeface="Menlo" panose="020B0609030804020204" pitchFamily="49" charset="0"/>
+                <a:ea typeface="宋体" panose="02010600030101010101" pitchFamily="2" charset="-122"/>
+                <a:cs typeface="Times New Roman" panose="02020603050405020304" pitchFamily="18" charset="0"/>
+              </a:rPr>
+              <a:t>);</a:t>
+            </a:r>
+            <a:endParaRPr lang="zh-CN" altLang="zh-CN" sz="1800" kern="100" dirty="0">
+              <a:effectLst/>
+              <a:latin typeface="DengXian" panose="02010600030101010101" pitchFamily="2" charset="-122"/>
+              <a:ea typeface="DengXian" panose="02010600030101010101" pitchFamily="2" charset="-122"/>
+              <a:cs typeface="Times New Roman" panose="02020603050405020304" pitchFamily="18" charset="0"/>
+            </a:endParaRPr>
+          </a:p>
+          <a:p>
+            <a:pPr algn="l"/>
+            <a:r>
+              <a:rPr lang="en-US" altLang="zh-CN" sz="1800" kern="0" dirty="0">
+                <a:solidFill>
+                  <a:srgbClr val="000000"/>
+                </a:solidFill>
+                <a:effectLst/>
+                <a:latin typeface="Menlo" panose="020B0609030804020204" pitchFamily="49" charset="0"/>
+                <a:ea typeface="宋体" panose="02010600030101010101" pitchFamily="2" charset="-122"/>
+                <a:cs typeface="Times New Roman" panose="02020603050405020304" pitchFamily="18" charset="0"/>
+              </a:rPr>
+              <a:t>    </a:t>
+            </a:r>
+            <a:r>
+              <a:rPr lang="en-US" altLang="zh-CN" sz="1800" kern="0" dirty="0" err="1">
+                <a:solidFill>
+                  <a:srgbClr val="795E26"/>
+                </a:solidFill>
+                <a:effectLst/>
+                <a:latin typeface="Menlo" panose="020B0609030804020204" pitchFamily="49" charset="0"/>
+                <a:ea typeface="宋体" panose="02010600030101010101" pitchFamily="2" charset="-122"/>
+                <a:cs typeface="Times New Roman" panose="02020603050405020304" pitchFamily="18" charset="0"/>
+              </a:rPr>
+              <a:t>printf</a:t>
+            </a:r>
+            <a:r>
+              <a:rPr lang="en-US" altLang="zh-CN" sz="1800" kern="0" dirty="0">
+                <a:solidFill>
+                  <a:srgbClr val="000000"/>
+                </a:solidFill>
+                <a:effectLst/>
+                <a:latin typeface="Menlo" panose="020B0609030804020204" pitchFamily="49" charset="0"/>
+                <a:ea typeface="宋体" panose="02010600030101010101" pitchFamily="2" charset="-122"/>
+                <a:cs typeface="Times New Roman" panose="02020603050405020304" pitchFamily="18" charset="0"/>
+              </a:rPr>
+              <a:t>(</a:t>
+            </a:r>
+            <a:r>
+              <a:rPr lang="en-US" altLang="zh-CN" sz="1800" kern="0" dirty="0">
+                <a:solidFill>
+                  <a:srgbClr val="A31515"/>
+                </a:solidFill>
+                <a:effectLst/>
+                <a:latin typeface="Menlo" panose="020B0609030804020204" pitchFamily="49" charset="0"/>
+                <a:ea typeface="宋体" panose="02010600030101010101" pitchFamily="2" charset="-122"/>
+                <a:cs typeface="Times New Roman" panose="02020603050405020304" pitchFamily="18" charset="0"/>
+              </a:rPr>
+              <a:t>"p1       = </a:t>
+            </a:r>
+            <a:r>
+              <a:rPr lang="en-US" altLang="zh-CN" sz="1800" kern="0" dirty="0">
+                <a:solidFill>
+                  <a:srgbClr val="001080"/>
+                </a:solidFill>
+                <a:effectLst/>
+                <a:latin typeface="Menlo" panose="020B0609030804020204" pitchFamily="49" charset="0"/>
+                <a:ea typeface="宋体" panose="02010600030101010101" pitchFamily="2" charset="-122"/>
+                <a:cs typeface="Times New Roman" panose="02020603050405020304" pitchFamily="18" charset="0"/>
+              </a:rPr>
+              <a:t>%p</a:t>
+            </a:r>
+            <a:r>
+              <a:rPr lang="en-US" altLang="zh-CN" sz="1800" kern="0" dirty="0">
+                <a:solidFill>
+                  <a:srgbClr val="EE0000"/>
+                </a:solidFill>
+                <a:effectLst/>
+                <a:latin typeface="Menlo" panose="020B0609030804020204" pitchFamily="49" charset="0"/>
+                <a:ea typeface="宋体" panose="02010600030101010101" pitchFamily="2" charset="-122"/>
+                <a:cs typeface="Times New Roman" panose="02020603050405020304" pitchFamily="18" charset="0"/>
+              </a:rPr>
+              <a:t>\n</a:t>
+            </a:r>
+            <a:r>
+              <a:rPr lang="en-US" altLang="zh-CN" sz="1800" kern="0" dirty="0">
+                <a:solidFill>
+                  <a:srgbClr val="A31515"/>
+                </a:solidFill>
+                <a:effectLst/>
+                <a:latin typeface="Menlo" panose="020B0609030804020204" pitchFamily="49" charset="0"/>
+                <a:ea typeface="宋体" panose="02010600030101010101" pitchFamily="2" charset="-122"/>
+                <a:cs typeface="Times New Roman" panose="02020603050405020304" pitchFamily="18" charset="0"/>
+              </a:rPr>
+              <a:t>"</a:t>
+            </a:r>
+            <a:r>
+              <a:rPr lang="en-US" altLang="zh-CN" sz="1800" kern="0" dirty="0">
+                <a:solidFill>
+                  <a:srgbClr val="000000"/>
+                </a:solidFill>
+                <a:effectLst/>
+                <a:latin typeface="Menlo" panose="020B0609030804020204" pitchFamily="49" charset="0"/>
+                <a:ea typeface="宋体" panose="02010600030101010101" pitchFamily="2" charset="-122"/>
+                <a:cs typeface="Times New Roman" panose="02020603050405020304" pitchFamily="18" charset="0"/>
+              </a:rPr>
+              <a:t>, </a:t>
+            </a:r>
+            <a:r>
+              <a:rPr lang="en-US" altLang="zh-CN" sz="1800" kern="0" dirty="0">
+                <a:solidFill>
+                  <a:srgbClr val="001080"/>
+                </a:solidFill>
+                <a:effectLst/>
+                <a:latin typeface="Menlo" panose="020B0609030804020204" pitchFamily="49" charset="0"/>
+                <a:ea typeface="宋体" panose="02010600030101010101" pitchFamily="2" charset="-122"/>
+                <a:cs typeface="Times New Roman" panose="02020603050405020304" pitchFamily="18" charset="0"/>
+              </a:rPr>
+              <a:t>p1</a:t>
+            </a:r>
+            <a:r>
+              <a:rPr lang="en-US" altLang="zh-CN" sz="1800" kern="0" dirty="0">
+                <a:solidFill>
+                  <a:srgbClr val="000000"/>
+                </a:solidFill>
+                <a:effectLst/>
+                <a:latin typeface="Menlo" panose="020B0609030804020204" pitchFamily="49" charset="0"/>
+                <a:ea typeface="宋体" panose="02010600030101010101" pitchFamily="2" charset="-122"/>
+                <a:cs typeface="Times New Roman" panose="02020603050405020304" pitchFamily="18" charset="0"/>
+              </a:rPr>
+              <a:t>);</a:t>
+            </a:r>
+            <a:endParaRPr lang="zh-CN" altLang="zh-CN" sz="1800" kern="100" dirty="0">
+              <a:effectLst/>
+              <a:latin typeface="DengXian" panose="02010600030101010101" pitchFamily="2" charset="-122"/>
+              <a:ea typeface="DengXian" panose="02010600030101010101" pitchFamily="2" charset="-122"/>
+              <a:cs typeface="Times New Roman" panose="02020603050405020304" pitchFamily="18" charset="0"/>
+            </a:endParaRPr>
+          </a:p>
+          <a:p>
+            <a:pPr algn="l"/>
+            <a:r>
+              <a:rPr lang="en-US" altLang="zh-CN" sz="1800" kern="0" dirty="0">
+                <a:solidFill>
+                  <a:srgbClr val="000000"/>
+                </a:solidFill>
+                <a:effectLst/>
+                <a:latin typeface="Menlo" panose="020B0609030804020204" pitchFamily="49" charset="0"/>
+                <a:ea typeface="宋体" panose="02010600030101010101" pitchFamily="2" charset="-122"/>
+                <a:cs typeface="Times New Roman" panose="02020603050405020304" pitchFamily="18" charset="0"/>
+              </a:rPr>
+              <a:t>    </a:t>
+            </a:r>
+            <a:r>
+              <a:rPr lang="en-US" altLang="zh-CN" sz="1800" kern="0" dirty="0">
+                <a:solidFill>
+                  <a:srgbClr val="AF00DB"/>
+                </a:solidFill>
+                <a:effectLst/>
+                <a:latin typeface="Menlo" panose="020B0609030804020204" pitchFamily="49" charset="0"/>
+                <a:ea typeface="宋体" panose="02010600030101010101" pitchFamily="2" charset="-122"/>
+                <a:cs typeface="Times New Roman" panose="02020603050405020304" pitchFamily="18" charset="0"/>
+              </a:rPr>
+              <a:t>for</a:t>
+            </a:r>
+            <a:r>
+              <a:rPr lang="en-US" altLang="zh-CN" sz="1800" kern="0" dirty="0">
+                <a:solidFill>
+                  <a:srgbClr val="000000"/>
+                </a:solidFill>
+                <a:effectLst/>
+                <a:latin typeface="Menlo" panose="020B0609030804020204" pitchFamily="49" charset="0"/>
+                <a:ea typeface="宋体" panose="02010600030101010101" pitchFamily="2" charset="-122"/>
+                <a:cs typeface="Times New Roman" panose="02020603050405020304" pitchFamily="18" charset="0"/>
+              </a:rPr>
+              <a:t>(</a:t>
+            </a:r>
+            <a:r>
+              <a:rPr lang="en-US" altLang="zh-CN" sz="1800" kern="0" dirty="0">
+                <a:solidFill>
+                  <a:srgbClr val="0000FF"/>
+                </a:solidFill>
+                <a:effectLst/>
+                <a:latin typeface="Menlo" panose="020B0609030804020204" pitchFamily="49" charset="0"/>
+                <a:ea typeface="宋体" panose="02010600030101010101" pitchFamily="2" charset="-122"/>
+                <a:cs typeface="Times New Roman" panose="02020603050405020304" pitchFamily="18" charset="0"/>
+              </a:rPr>
+              <a:t>int</a:t>
+            </a:r>
+            <a:r>
+              <a:rPr lang="en-US" altLang="zh-CN" sz="1800" kern="0" dirty="0">
+                <a:solidFill>
+                  <a:srgbClr val="000000"/>
+                </a:solidFill>
+                <a:effectLst/>
+                <a:latin typeface="Menlo" panose="020B0609030804020204" pitchFamily="49" charset="0"/>
+                <a:ea typeface="宋体" panose="02010600030101010101" pitchFamily="2" charset="-122"/>
+                <a:cs typeface="Times New Roman" panose="02020603050405020304" pitchFamily="18" charset="0"/>
+              </a:rPr>
+              <a:t> </a:t>
+            </a:r>
+            <a:r>
+              <a:rPr lang="en-US" altLang="zh-CN" sz="1800" kern="0" dirty="0" err="1">
+                <a:solidFill>
+                  <a:srgbClr val="001080"/>
+                </a:solidFill>
+                <a:effectLst/>
+                <a:latin typeface="Menlo" panose="020B0609030804020204" pitchFamily="49" charset="0"/>
+                <a:ea typeface="宋体" panose="02010600030101010101" pitchFamily="2" charset="-122"/>
+                <a:cs typeface="Times New Roman" panose="02020603050405020304" pitchFamily="18" charset="0"/>
               </a:rPr>
               <a:t>i</a:t>
             </a:r>
             <a:r>
-              <a:rPr lang="en-US" altLang="zh-CN" sz="1400" b="0" dirty="0">
-                <a:effectLst/>
-              </a:rPr>
-              <a:t> = 0; </a:t>
-            </a:r>
-            <a:r>
-              <a:rPr lang="en-US" altLang="zh-CN" sz="1400" b="0" dirty="0" err="1">
-                <a:effectLst/>
+              <a:rPr lang="en-US" altLang="zh-CN" sz="1800" kern="0" dirty="0">
+                <a:solidFill>
+                  <a:srgbClr val="000000"/>
+                </a:solidFill>
+                <a:effectLst/>
+                <a:latin typeface="Menlo" panose="020B0609030804020204" pitchFamily="49" charset="0"/>
+                <a:ea typeface="宋体" panose="02010600030101010101" pitchFamily="2" charset="-122"/>
+                <a:cs typeface="Times New Roman" panose="02020603050405020304" pitchFamily="18" charset="0"/>
+              </a:rPr>
+              <a:t> = </a:t>
+            </a:r>
+            <a:r>
+              <a:rPr lang="en-US" altLang="zh-CN" sz="1800" kern="0" dirty="0">
+                <a:solidFill>
+                  <a:srgbClr val="098658"/>
+                </a:solidFill>
+                <a:effectLst/>
+                <a:latin typeface="Menlo" panose="020B0609030804020204" pitchFamily="49" charset="0"/>
+                <a:ea typeface="宋体" panose="02010600030101010101" pitchFamily="2" charset="-122"/>
+                <a:cs typeface="Times New Roman" panose="02020603050405020304" pitchFamily="18" charset="0"/>
+              </a:rPr>
+              <a:t>0</a:t>
+            </a:r>
+            <a:r>
+              <a:rPr lang="en-US" altLang="zh-CN" sz="1800" kern="0" dirty="0">
+                <a:solidFill>
+                  <a:srgbClr val="000000"/>
+                </a:solidFill>
+                <a:effectLst/>
+                <a:latin typeface="Menlo" panose="020B0609030804020204" pitchFamily="49" charset="0"/>
+                <a:ea typeface="宋体" panose="02010600030101010101" pitchFamily="2" charset="-122"/>
+                <a:cs typeface="Times New Roman" panose="02020603050405020304" pitchFamily="18" charset="0"/>
+              </a:rPr>
+              <a:t>; </a:t>
+            </a:r>
+            <a:r>
+              <a:rPr lang="en-US" altLang="zh-CN" sz="1800" kern="0" dirty="0" err="1">
+                <a:solidFill>
+                  <a:srgbClr val="001080"/>
+                </a:solidFill>
+                <a:effectLst/>
+                <a:latin typeface="Menlo" panose="020B0609030804020204" pitchFamily="49" charset="0"/>
+                <a:ea typeface="宋体" panose="02010600030101010101" pitchFamily="2" charset="-122"/>
+                <a:cs typeface="Times New Roman" panose="02020603050405020304" pitchFamily="18" charset="0"/>
               </a:rPr>
               <a:t>i</a:t>
             </a:r>
             <a:r>
-              <a:rPr lang="en-US" altLang="zh-CN" sz="1400" b="0" dirty="0">
-                <a:effectLst/>
-              </a:rPr>
-              <a:t> &lt; 3; </a:t>
-            </a:r>
-            <a:r>
-              <a:rPr lang="en-US" altLang="zh-CN" sz="1400" b="0" dirty="0" err="1">
-                <a:effectLst/>
+              <a:rPr lang="en-US" altLang="zh-CN" sz="1800" kern="0" dirty="0">
+                <a:solidFill>
+                  <a:srgbClr val="000000"/>
+                </a:solidFill>
+                <a:effectLst/>
+                <a:latin typeface="Menlo" panose="020B0609030804020204" pitchFamily="49" charset="0"/>
+                <a:ea typeface="宋体" panose="02010600030101010101" pitchFamily="2" charset="-122"/>
+                <a:cs typeface="Times New Roman" panose="02020603050405020304" pitchFamily="18" charset="0"/>
+              </a:rPr>
+              <a:t> &lt; </a:t>
+            </a:r>
+            <a:r>
+              <a:rPr lang="en-US" altLang="zh-CN" sz="1800" kern="0" dirty="0">
+                <a:solidFill>
+                  <a:srgbClr val="098658"/>
+                </a:solidFill>
+                <a:effectLst/>
+                <a:latin typeface="Menlo" panose="020B0609030804020204" pitchFamily="49" charset="0"/>
+                <a:ea typeface="宋体" panose="02010600030101010101" pitchFamily="2" charset="-122"/>
+                <a:cs typeface="Times New Roman" panose="02020603050405020304" pitchFamily="18" charset="0"/>
+              </a:rPr>
+              <a:t>3</a:t>
+            </a:r>
+            <a:r>
+              <a:rPr lang="en-US" altLang="zh-CN" sz="1800" kern="0" dirty="0">
+                <a:solidFill>
+                  <a:srgbClr val="000000"/>
+                </a:solidFill>
+                <a:effectLst/>
+                <a:latin typeface="Menlo" panose="020B0609030804020204" pitchFamily="49" charset="0"/>
+                <a:ea typeface="宋体" panose="02010600030101010101" pitchFamily="2" charset="-122"/>
+                <a:cs typeface="Times New Roman" panose="02020603050405020304" pitchFamily="18" charset="0"/>
+              </a:rPr>
+              <a:t>; </a:t>
+            </a:r>
+            <a:r>
+              <a:rPr lang="en-US" altLang="zh-CN" sz="1800" kern="0" dirty="0" err="1">
+                <a:solidFill>
+                  <a:srgbClr val="001080"/>
+                </a:solidFill>
+                <a:effectLst/>
+                <a:latin typeface="Menlo" panose="020B0609030804020204" pitchFamily="49" charset="0"/>
+                <a:ea typeface="宋体" panose="02010600030101010101" pitchFamily="2" charset="-122"/>
+                <a:cs typeface="Times New Roman" panose="02020603050405020304" pitchFamily="18" charset="0"/>
               </a:rPr>
               <a:t>i</a:t>
             </a:r>
             <a:r>
-              <a:rPr lang="en-US" altLang="zh-CN" sz="1400" b="0" dirty="0">
-                <a:effectLst/>
+              <a:rPr lang="en-US" altLang="zh-CN" sz="1800" kern="0" dirty="0">
+                <a:solidFill>
+                  <a:srgbClr val="000000"/>
+                </a:solidFill>
+                <a:effectLst/>
+                <a:latin typeface="Menlo" panose="020B0609030804020204" pitchFamily="49" charset="0"/>
+                <a:ea typeface="宋体" panose="02010600030101010101" pitchFamily="2" charset="-122"/>
+                <a:cs typeface="Times New Roman" panose="02020603050405020304" pitchFamily="18" charset="0"/>
               </a:rPr>
               <a:t>++) </a:t>
             </a:r>
-          </a:p>
-          <a:p>
-            <a:r>
-              <a:rPr lang="en-US" altLang="zh-CN" sz="1400" b="0" dirty="0">
-                <a:effectLst/>
-              </a:rPr>
-              <a:t>        y += *(</a:t>
-            </a:r>
-            <a:r>
-              <a:rPr lang="en-US" altLang="zh-CN" sz="1400" b="0" dirty="0" err="1">
-                <a:effectLst/>
-              </a:rPr>
-              <a:t>p+i</a:t>
-            </a:r>
-            <a:r>
-              <a:rPr lang="en-US" altLang="zh-CN" sz="1400" b="0" dirty="0">
-                <a:effectLst/>
+            <a:endParaRPr lang="zh-CN" altLang="zh-CN" sz="1800" kern="100" dirty="0">
+              <a:effectLst/>
+              <a:latin typeface="DengXian" panose="02010600030101010101" pitchFamily="2" charset="-122"/>
+              <a:ea typeface="DengXian" panose="02010600030101010101" pitchFamily="2" charset="-122"/>
+              <a:cs typeface="Times New Roman" panose="02020603050405020304" pitchFamily="18" charset="0"/>
+            </a:endParaRPr>
+          </a:p>
+          <a:p>
+            <a:pPr algn="l"/>
+            <a:r>
+              <a:rPr lang="en-US" altLang="zh-CN" sz="1800" kern="0" dirty="0">
+                <a:solidFill>
+                  <a:srgbClr val="000000"/>
+                </a:solidFill>
+                <a:effectLst/>
+                <a:latin typeface="Menlo" panose="020B0609030804020204" pitchFamily="49" charset="0"/>
+                <a:ea typeface="宋体" panose="02010600030101010101" pitchFamily="2" charset="-122"/>
+                <a:cs typeface="Times New Roman" panose="02020603050405020304" pitchFamily="18" charset="0"/>
+              </a:rPr>
+              <a:t>        </a:t>
+            </a:r>
+            <a:r>
+              <a:rPr lang="en-US" altLang="zh-CN" sz="1800" kern="0" dirty="0">
+                <a:solidFill>
+                  <a:srgbClr val="001080"/>
+                </a:solidFill>
+                <a:effectLst/>
+                <a:latin typeface="Menlo" panose="020B0609030804020204" pitchFamily="49" charset="0"/>
+                <a:ea typeface="宋体" panose="02010600030101010101" pitchFamily="2" charset="-122"/>
+                <a:cs typeface="Times New Roman" panose="02020603050405020304" pitchFamily="18" charset="0"/>
+              </a:rPr>
+              <a:t>sum</a:t>
+            </a:r>
+            <a:r>
+              <a:rPr lang="en-US" altLang="zh-CN" sz="1800" kern="0" dirty="0">
+                <a:solidFill>
+                  <a:srgbClr val="000000"/>
+                </a:solidFill>
+                <a:effectLst/>
+                <a:latin typeface="Menlo" panose="020B0609030804020204" pitchFamily="49" charset="0"/>
+                <a:ea typeface="宋体" panose="02010600030101010101" pitchFamily="2" charset="-122"/>
+                <a:cs typeface="Times New Roman" panose="02020603050405020304" pitchFamily="18" charset="0"/>
+              </a:rPr>
+              <a:t> += *(</a:t>
+            </a:r>
+            <a:r>
+              <a:rPr lang="en-US" altLang="zh-CN" sz="1800" kern="0" dirty="0">
+                <a:solidFill>
+                  <a:srgbClr val="001080"/>
+                </a:solidFill>
+                <a:effectLst/>
+                <a:latin typeface="Menlo" panose="020B0609030804020204" pitchFamily="49" charset="0"/>
+                <a:ea typeface="宋体" panose="02010600030101010101" pitchFamily="2" charset="-122"/>
+                <a:cs typeface="Times New Roman" panose="02020603050405020304" pitchFamily="18" charset="0"/>
+              </a:rPr>
+              <a:t>p1</a:t>
+            </a:r>
+            <a:r>
+              <a:rPr lang="en-US" altLang="zh-CN" sz="1800" kern="0" dirty="0">
+                <a:solidFill>
+                  <a:srgbClr val="000000"/>
+                </a:solidFill>
+                <a:effectLst/>
+                <a:latin typeface="Menlo" panose="020B0609030804020204" pitchFamily="49" charset="0"/>
+                <a:ea typeface="宋体" panose="02010600030101010101" pitchFamily="2" charset="-122"/>
+                <a:cs typeface="Times New Roman" panose="02020603050405020304" pitchFamily="18" charset="0"/>
+              </a:rPr>
+              <a:t>+</a:t>
+            </a:r>
+            <a:r>
+              <a:rPr lang="en-US" altLang="zh-CN" sz="1800" kern="0" dirty="0">
+                <a:solidFill>
+                  <a:srgbClr val="001080"/>
+                </a:solidFill>
+                <a:effectLst/>
+                <a:latin typeface="Menlo" panose="020B0609030804020204" pitchFamily="49" charset="0"/>
+                <a:ea typeface="宋体" panose="02010600030101010101" pitchFamily="2" charset="-122"/>
+                <a:cs typeface="Times New Roman" panose="02020603050405020304" pitchFamily="18" charset="0"/>
+              </a:rPr>
+              <a:t>i</a:t>
+            </a:r>
+            <a:r>
+              <a:rPr lang="en-US" altLang="zh-CN" sz="1800" kern="0" dirty="0">
+                <a:solidFill>
+                  <a:srgbClr val="000000"/>
+                </a:solidFill>
+                <a:effectLst/>
+                <a:latin typeface="Menlo" panose="020B0609030804020204" pitchFamily="49" charset="0"/>
+                <a:ea typeface="宋体" panose="02010600030101010101" pitchFamily="2" charset="-122"/>
+                <a:cs typeface="Times New Roman" panose="02020603050405020304" pitchFamily="18" charset="0"/>
               </a:rPr>
               <a:t>);</a:t>
             </a:r>
-          </a:p>
-          <a:p>
-            <a:br>
-              <a:rPr lang="en-US" altLang="zh-CN" sz="1400" b="0" dirty="0">
-                <a:effectLst/>
-              </a:rPr>
-            </a:br>
-            <a:r>
-              <a:rPr lang="en-US" altLang="zh-CN" sz="1400" b="0" dirty="0">
-                <a:effectLst/>
-              </a:rPr>
-              <a:t>    </a:t>
-            </a:r>
-            <a:r>
-              <a:rPr lang="en-US" altLang="zh-CN" sz="1400" b="0" dirty="0" err="1">
-                <a:effectLst/>
+            <a:endParaRPr lang="zh-CN" altLang="zh-CN" sz="1800" kern="100" dirty="0">
+              <a:effectLst/>
+              <a:latin typeface="DengXian" panose="02010600030101010101" pitchFamily="2" charset="-122"/>
+              <a:ea typeface="DengXian" panose="02010600030101010101" pitchFamily="2" charset="-122"/>
+              <a:cs typeface="Times New Roman" panose="02020603050405020304" pitchFamily="18" charset="0"/>
+            </a:endParaRPr>
+          </a:p>
+          <a:p>
+            <a:pPr algn="l"/>
+            <a:r>
+              <a:rPr lang="en-US" altLang="zh-CN" sz="1800" kern="0" dirty="0">
+                <a:solidFill>
+                  <a:srgbClr val="000000"/>
+                </a:solidFill>
+                <a:effectLst/>
+                <a:latin typeface="Menlo" panose="020B0609030804020204" pitchFamily="49" charset="0"/>
+                <a:ea typeface="宋体" panose="02010600030101010101" pitchFamily="2" charset="-122"/>
+                <a:cs typeface="Times New Roman" panose="02020603050405020304" pitchFamily="18" charset="0"/>
+              </a:rPr>
+              <a:t>    </a:t>
+            </a:r>
+            <a:r>
+              <a:rPr lang="en-US" altLang="zh-CN" sz="1800" kern="0" dirty="0" err="1">
+                <a:solidFill>
+                  <a:srgbClr val="795E26"/>
+                </a:solidFill>
+                <a:effectLst/>
+                <a:latin typeface="Menlo" panose="020B0609030804020204" pitchFamily="49" charset="0"/>
+                <a:ea typeface="宋体" panose="02010600030101010101" pitchFamily="2" charset="-122"/>
+                <a:cs typeface="Times New Roman" panose="02020603050405020304" pitchFamily="18" charset="0"/>
               </a:rPr>
               <a:t>printf</a:t>
             </a:r>
             <a:r>
-              <a:rPr lang="en-US" altLang="zh-CN" sz="1400" b="0" dirty="0">
-                <a:effectLst/>
-              </a:rPr>
-              <a:t>("y = %d\n\</a:t>
-            </a:r>
-            <a:r>
-              <a:rPr lang="en-US" altLang="zh-CN" sz="1400" b="0" dirty="0" err="1">
-                <a:effectLst/>
-              </a:rPr>
-              <a:t>n",y</a:t>
-            </a:r>
-            <a:r>
-              <a:rPr lang="en-US" altLang="zh-CN" sz="1400" b="0" dirty="0">
-                <a:effectLst/>
+              <a:rPr lang="en-US" altLang="zh-CN" sz="1800" kern="0" dirty="0">
+                <a:solidFill>
+                  <a:srgbClr val="000000"/>
+                </a:solidFill>
+                <a:effectLst/>
+                <a:latin typeface="Menlo" panose="020B0609030804020204" pitchFamily="49" charset="0"/>
+                <a:ea typeface="宋体" panose="02010600030101010101" pitchFamily="2" charset="-122"/>
+                <a:cs typeface="Times New Roman" panose="02020603050405020304" pitchFamily="18" charset="0"/>
+              </a:rPr>
+              <a:t>(</a:t>
+            </a:r>
+            <a:r>
+              <a:rPr lang="en-US" altLang="zh-CN" sz="1800" kern="0" dirty="0">
+                <a:solidFill>
+                  <a:srgbClr val="A31515"/>
+                </a:solidFill>
+                <a:effectLst/>
+                <a:latin typeface="Menlo" panose="020B0609030804020204" pitchFamily="49" charset="0"/>
+                <a:ea typeface="宋体" panose="02010600030101010101" pitchFamily="2" charset="-122"/>
+                <a:cs typeface="Times New Roman" panose="02020603050405020304" pitchFamily="18" charset="0"/>
+              </a:rPr>
+              <a:t>"sum      = </a:t>
+            </a:r>
+            <a:r>
+              <a:rPr lang="en-US" altLang="zh-CN" sz="1800" kern="0" dirty="0">
+                <a:solidFill>
+                  <a:srgbClr val="001080"/>
+                </a:solidFill>
+                <a:effectLst/>
+                <a:latin typeface="Menlo" panose="020B0609030804020204" pitchFamily="49" charset="0"/>
+                <a:ea typeface="宋体" panose="02010600030101010101" pitchFamily="2" charset="-122"/>
+                <a:cs typeface="Times New Roman" panose="02020603050405020304" pitchFamily="18" charset="0"/>
+              </a:rPr>
+              <a:t>%d</a:t>
+            </a:r>
+            <a:r>
+              <a:rPr lang="en-US" altLang="zh-CN" sz="1800" kern="0" dirty="0">
+                <a:solidFill>
+                  <a:srgbClr val="EE0000"/>
+                </a:solidFill>
+                <a:effectLst/>
+                <a:latin typeface="Menlo" panose="020B0609030804020204" pitchFamily="49" charset="0"/>
+                <a:ea typeface="宋体" panose="02010600030101010101" pitchFamily="2" charset="-122"/>
+                <a:cs typeface="Times New Roman" panose="02020603050405020304" pitchFamily="18" charset="0"/>
+              </a:rPr>
+              <a:t>\</a:t>
+            </a:r>
+            <a:r>
+              <a:rPr lang="en-US" altLang="zh-CN" sz="1800" kern="0" dirty="0" err="1">
+                <a:solidFill>
+                  <a:srgbClr val="EE0000"/>
+                </a:solidFill>
+                <a:effectLst/>
+                <a:latin typeface="Menlo" panose="020B0609030804020204" pitchFamily="49" charset="0"/>
+                <a:ea typeface="宋体" panose="02010600030101010101" pitchFamily="2" charset="-122"/>
+                <a:cs typeface="Times New Roman" panose="02020603050405020304" pitchFamily="18" charset="0"/>
+              </a:rPr>
+              <a:t>n</a:t>
+            </a:r>
+            <a:r>
+              <a:rPr lang="en-US" altLang="zh-CN" sz="1800" kern="0" dirty="0" err="1">
+                <a:solidFill>
+                  <a:srgbClr val="A31515"/>
+                </a:solidFill>
+                <a:effectLst/>
+                <a:latin typeface="Menlo" panose="020B0609030804020204" pitchFamily="49" charset="0"/>
+                <a:ea typeface="宋体" panose="02010600030101010101" pitchFamily="2" charset="-122"/>
+                <a:cs typeface="Times New Roman" panose="02020603050405020304" pitchFamily="18" charset="0"/>
+              </a:rPr>
+              <a:t>"</a:t>
+            </a:r>
+            <a:r>
+              <a:rPr lang="en-US" altLang="zh-CN" sz="1800" kern="0" dirty="0" err="1">
+                <a:solidFill>
+                  <a:srgbClr val="000000"/>
+                </a:solidFill>
+                <a:effectLst/>
+                <a:latin typeface="Menlo" panose="020B0609030804020204" pitchFamily="49" charset="0"/>
+                <a:ea typeface="宋体" panose="02010600030101010101" pitchFamily="2" charset="-122"/>
+                <a:cs typeface="Times New Roman" panose="02020603050405020304" pitchFamily="18" charset="0"/>
+              </a:rPr>
+              <a:t>,</a:t>
+            </a:r>
+            <a:r>
+              <a:rPr lang="en-US" altLang="zh-CN" sz="1800" kern="0" dirty="0" err="1">
+                <a:solidFill>
+                  <a:srgbClr val="001080"/>
+                </a:solidFill>
+                <a:effectLst/>
+                <a:latin typeface="Menlo" panose="020B0609030804020204" pitchFamily="49" charset="0"/>
+                <a:ea typeface="宋体" panose="02010600030101010101" pitchFamily="2" charset="-122"/>
+                <a:cs typeface="Times New Roman" panose="02020603050405020304" pitchFamily="18" charset="0"/>
+              </a:rPr>
+              <a:t>sum</a:t>
+            </a:r>
+            <a:r>
+              <a:rPr lang="en-US" altLang="zh-CN" sz="1800" kern="0" dirty="0">
+                <a:solidFill>
+                  <a:srgbClr val="000000"/>
+                </a:solidFill>
+                <a:effectLst/>
+                <a:latin typeface="Menlo" panose="020B0609030804020204" pitchFamily="49" charset="0"/>
+                <a:ea typeface="宋体" panose="02010600030101010101" pitchFamily="2" charset="-122"/>
+                <a:cs typeface="Times New Roman" panose="02020603050405020304" pitchFamily="18" charset="0"/>
               </a:rPr>
               <a:t>);</a:t>
             </a:r>
-          </a:p>
-          <a:p>
-            <a:br>
-              <a:rPr lang="en-US" altLang="zh-CN" sz="1400" b="0" dirty="0">
-                <a:effectLst/>
-              </a:rPr>
-            </a:br>
-            <a:r>
-              <a:rPr lang="en-US" altLang="zh-CN" sz="1400" b="0" dirty="0">
-                <a:effectLst/>
-              </a:rPr>
-              <a:t>    int b[5]={1,2,3,4,5};</a:t>
-            </a:r>
-          </a:p>
-          <a:p>
-            <a:r>
-              <a:rPr lang="en-US" altLang="zh-CN" sz="1400" b="0" dirty="0">
-                <a:effectLst/>
-              </a:rPr>
-              <a:t>    int *</a:t>
-            </a:r>
-            <a:r>
-              <a:rPr lang="en-US" altLang="zh-CN" sz="1400" b="0" dirty="0" err="1">
-                <a:effectLst/>
-              </a:rPr>
-              <a:t>ptr</a:t>
-            </a:r>
-            <a:r>
-              <a:rPr lang="en-US" altLang="zh-CN" sz="1400" b="0" dirty="0">
-                <a:effectLst/>
-              </a:rPr>
-              <a:t>=(int*)(&amp;b+1);</a:t>
-            </a:r>
-          </a:p>
-          <a:p>
-            <a:br>
-              <a:rPr lang="en-US" altLang="zh-CN" sz="1400" b="0" dirty="0">
-                <a:effectLst/>
-              </a:rPr>
-            </a:br>
-            <a:r>
-              <a:rPr lang="en-US" altLang="zh-CN" sz="1400" b="0" dirty="0">
-                <a:effectLst/>
-              </a:rPr>
-              <a:t>    </a:t>
-            </a:r>
-            <a:r>
-              <a:rPr lang="en-US" altLang="zh-CN" sz="1400" b="0" dirty="0" err="1">
-                <a:effectLst/>
+            <a:endParaRPr lang="zh-CN" altLang="zh-CN" sz="1800" kern="100" dirty="0">
+              <a:effectLst/>
+              <a:latin typeface="DengXian" panose="02010600030101010101" pitchFamily="2" charset="-122"/>
+              <a:ea typeface="DengXian" panose="02010600030101010101" pitchFamily="2" charset="-122"/>
+              <a:cs typeface="Times New Roman" panose="02020603050405020304" pitchFamily="18" charset="0"/>
+            </a:endParaRPr>
+          </a:p>
+          <a:p>
+            <a:pPr algn="l"/>
+            <a:r>
+              <a:rPr lang="en-US" altLang="zh-CN" sz="1800" kern="0" dirty="0">
+                <a:solidFill>
+                  <a:srgbClr val="000000"/>
+                </a:solidFill>
+                <a:effectLst/>
+                <a:latin typeface="Menlo" panose="020B0609030804020204" pitchFamily="49" charset="0"/>
+                <a:ea typeface="宋体" panose="02010600030101010101" pitchFamily="2" charset="-122"/>
+                <a:cs typeface="Times New Roman" panose="02020603050405020304" pitchFamily="18" charset="0"/>
+              </a:rPr>
+              <a:t> </a:t>
+            </a:r>
+            <a:endParaRPr lang="zh-CN" altLang="zh-CN" sz="1800" kern="100" dirty="0">
+              <a:effectLst/>
+              <a:latin typeface="DengXian" panose="02010600030101010101" pitchFamily="2" charset="-122"/>
+              <a:ea typeface="DengXian" panose="02010600030101010101" pitchFamily="2" charset="-122"/>
+              <a:cs typeface="Times New Roman" panose="02020603050405020304" pitchFamily="18" charset="0"/>
+            </a:endParaRPr>
+          </a:p>
+          <a:p>
+            <a:pPr algn="l"/>
+            <a:r>
+              <a:rPr lang="en-US" altLang="zh-CN" sz="1800" kern="0" dirty="0">
+                <a:solidFill>
+                  <a:srgbClr val="000000"/>
+                </a:solidFill>
+                <a:effectLst/>
+                <a:latin typeface="Menlo" panose="020B0609030804020204" pitchFamily="49" charset="0"/>
+                <a:ea typeface="宋体" panose="02010600030101010101" pitchFamily="2" charset="-122"/>
+                <a:cs typeface="Times New Roman" panose="02020603050405020304" pitchFamily="18" charset="0"/>
+              </a:rPr>
+              <a:t>    </a:t>
+            </a:r>
+            <a:r>
+              <a:rPr lang="en-US" altLang="zh-CN" sz="1800" kern="0" dirty="0">
+                <a:solidFill>
+                  <a:srgbClr val="0000FF"/>
+                </a:solidFill>
+                <a:effectLst/>
+                <a:latin typeface="Menlo" panose="020B0609030804020204" pitchFamily="49" charset="0"/>
+                <a:ea typeface="宋体" panose="02010600030101010101" pitchFamily="2" charset="-122"/>
+                <a:cs typeface="Times New Roman" panose="02020603050405020304" pitchFamily="18" charset="0"/>
+              </a:rPr>
+              <a:t>int</a:t>
+            </a:r>
+            <a:r>
+              <a:rPr lang="en-US" altLang="zh-CN" sz="1800" kern="0" dirty="0">
+                <a:solidFill>
+                  <a:srgbClr val="000000"/>
+                </a:solidFill>
+                <a:effectLst/>
+                <a:latin typeface="Menlo" panose="020B0609030804020204" pitchFamily="49" charset="0"/>
+                <a:ea typeface="宋体" panose="02010600030101010101" pitchFamily="2" charset="-122"/>
+                <a:cs typeface="Times New Roman" panose="02020603050405020304" pitchFamily="18" charset="0"/>
+              </a:rPr>
+              <a:t> </a:t>
+            </a:r>
+            <a:r>
+              <a:rPr lang="en-US" altLang="zh-CN" sz="1800" kern="0" dirty="0">
+                <a:solidFill>
+                  <a:srgbClr val="001080"/>
+                </a:solidFill>
+                <a:effectLst/>
+                <a:latin typeface="Menlo" panose="020B0609030804020204" pitchFamily="49" charset="0"/>
+                <a:ea typeface="宋体" panose="02010600030101010101" pitchFamily="2" charset="-122"/>
+                <a:cs typeface="Times New Roman" panose="02020603050405020304" pitchFamily="18" charset="0"/>
+              </a:rPr>
+              <a:t>numbers2</a:t>
+            </a:r>
+            <a:r>
+              <a:rPr lang="en-US" altLang="zh-CN" sz="1800" kern="0" dirty="0">
+                <a:solidFill>
+                  <a:srgbClr val="000000"/>
+                </a:solidFill>
+                <a:effectLst/>
+                <a:latin typeface="Menlo" panose="020B0609030804020204" pitchFamily="49" charset="0"/>
+                <a:ea typeface="宋体" panose="02010600030101010101" pitchFamily="2" charset="-122"/>
+                <a:cs typeface="Times New Roman" panose="02020603050405020304" pitchFamily="18" charset="0"/>
+              </a:rPr>
+              <a:t>[</a:t>
+            </a:r>
+            <a:r>
+              <a:rPr lang="en-US" altLang="zh-CN" sz="1800" kern="0" dirty="0">
+                <a:solidFill>
+                  <a:srgbClr val="098658"/>
+                </a:solidFill>
+                <a:effectLst/>
+                <a:latin typeface="Menlo" panose="020B0609030804020204" pitchFamily="49" charset="0"/>
+                <a:ea typeface="宋体" panose="02010600030101010101" pitchFamily="2" charset="-122"/>
+                <a:cs typeface="Times New Roman" panose="02020603050405020304" pitchFamily="18" charset="0"/>
+              </a:rPr>
+              <a:t>5</a:t>
+            </a:r>
+            <a:r>
+              <a:rPr lang="en-US" altLang="zh-CN" sz="1800" kern="0" dirty="0">
+                <a:solidFill>
+                  <a:srgbClr val="000000"/>
+                </a:solidFill>
+                <a:effectLst/>
+                <a:latin typeface="Menlo" panose="020B0609030804020204" pitchFamily="49" charset="0"/>
+                <a:ea typeface="宋体" panose="02010600030101010101" pitchFamily="2" charset="-122"/>
+                <a:cs typeface="Times New Roman" panose="02020603050405020304" pitchFamily="18" charset="0"/>
+              </a:rPr>
+              <a:t>]={</a:t>
+            </a:r>
+            <a:r>
+              <a:rPr lang="en-US" altLang="zh-CN" sz="1800" kern="0" dirty="0">
+                <a:solidFill>
+                  <a:srgbClr val="098658"/>
+                </a:solidFill>
+                <a:effectLst/>
+                <a:latin typeface="Menlo" panose="020B0609030804020204" pitchFamily="49" charset="0"/>
+                <a:ea typeface="宋体" panose="02010600030101010101" pitchFamily="2" charset="-122"/>
+                <a:cs typeface="Times New Roman" panose="02020603050405020304" pitchFamily="18" charset="0"/>
+              </a:rPr>
+              <a:t>1</a:t>
+            </a:r>
+            <a:r>
+              <a:rPr lang="en-US" altLang="zh-CN" sz="1800" kern="0" dirty="0">
+                <a:solidFill>
+                  <a:srgbClr val="000000"/>
+                </a:solidFill>
+                <a:effectLst/>
+                <a:latin typeface="Menlo" panose="020B0609030804020204" pitchFamily="49" charset="0"/>
+                <a:ea typeface="宋体" panose="02010600030101010101" pitchFamily="2" charset="-122"/>
+                <a:cs typeface="Times New Roman" panose="02020603050405020304" pitchFamily="18" charset="0"/>
+              </a:rPr>
+              <a:t>,</a:t>
+            </a:r>
+            <a:r>
+              <a:rPr lang="en-US" altLang="zh-CN" sz="1800" kern="0" dirty="0">
+                <a:solidFill>
+                  <a:srgbClr val="098658"/>
+                </a:solidFill>
+                <a:effectLst/>
+                <a:latin typeface="Menlo" panose="020B0609030804020204" pitchFamily="49" charset="0"/>
+                <a:ea typeface="宋体" panose="02010600030101010101" pitchFamily="2" charset="-122"/>
+                <a:cs typeface="Times New Roman" panose="02020603050405020304" pitchFamily="18" charset="0"/>
+              </a:rPr>
+              <a:t>2</a:t>
+            </a:r>
+            <a:r>
+              <a:rPr lang="en-US" altLang="zh-CN" sz="1800" kern="0" dirty="0">
+                <a:solidFill>
+                  <a:srgbClr val="000000"/>
+                </a:solidFill>
+                <a:effectLst/>
+                <a:latin typeface="Menlo" panose="020B0609030804020204" pitchFamily="49" charset="0"/>
+                <a:ea typeface="宋体" panose="02010600030101010101" pitchFamily="2" charset="-122"/>
+                <a:cs typeface="Times New Roman" panose="02020603050405020304" pitchFamily="18" charset="0"/>
+              </a:rPr>
+              <a:t>,</a:t>
+            </a:r>
+            <a:r>
+              <a:rPr lang="en-US" altLang="zh-CN" sz="1800" kern="0" dirty="0">
+                <a:solidFill>
+                  <a:srgbClr val="098658"/>
+                </a:solidFill>
+                <a:effectLst/>
+                <a:latin typeface="Menlo" panose="020B0609030804020204" pitchFamily="49" charset="0"/>
+                <a:ea typeface="宋体" panose="02010600030101010101" pitchFamily="2" charset="-122"/>
+                <a:cs typeface="Times New Roman" panose="02020603050405020304" pitchFamily="18" charset="0"/>
+              </a:rPr>
+              <a:t>3</a:t>
+            </a:r>
+            <a:r>
+              <a:rPr lang="en-US" altLang="zh-CN" sz="1800" kern="0" dirty="0">
+                <a:solidFill>
+                  <a:srgbClr val="000000"/>
+                </a:solidFill>
+                <a:effectLst/>
+                <a:latin typeface="Menlo" panose="020B0609030804020204" pitchFamily="49" charset="0"/>
+                <a:ea typeface="宋体" panose="02010600030101010101" pitchFamily="2" charset="-122"/>
+                <a:cs typeface="Times New Roman" panose="02020603050405020304" pitchFamily="18" charset="0"/>
+              </a:rPr>
+              <a:t>,</a:t>
+            </a:r>
+            <a:r>
+              <a:rPr lang="en-US" altLang="zh-CN" sz="1800" kern="0" dirty="0">
+                <a:solidFill>
+                  <a:srgbClr val="098658"/>
+                </a:solidFill>
+                <a:effectLst/>
+                <a:latin typeface="Menlo" panose="020B0609030804020204" pitchFamily="49" charset="0"/>
+                <a:ea typeface="宋体" panose="02010600030101010101" pitchFamily="2" charset="-122"/>
+                <a:cs typeface="Times New Roman" panose="02020603050405020304" pitchFamily="18" charset="0"/>
+              </a:rPr>
+              <a:t>4</a:t>
+            </a:r>
+            <a:r>
+              <a:rPr lang="en-US" altLang="zh-CN" sz="1800" kern="0" dirty="0">
+                <a:solidFill>
+                  <a:srgbClr val="000000"/>
+                </a:solidFill>
+                <a:effectLst/>
+                <a:latin typeface="Menlo" panose="020B0609030804020204" pitchFamily="49" charset="0"/>
+                <a:ea typeface="宋体" panose="02010600030101010101" pitchFamily="2" charset="-122"/>
+                <a:cs typeface="Times New Roman" panose="02020603050405020304" pitchFamily="18" charset="0"/>
+              </a:rPr>
+              <a:t>,</a:t>
+            </a:r>
+            <a:r>
+              <a:rPr lang="en-US" altLang="zh-CN" sz="1800" kern="0" dirty="0">
+                <a:solidFill>
+                  <a:srgbClr val="098658"/>
+                </a:solidFill>
+                <a:effectLst/>
+                <a:latin typeface="Menlo" panose="020B0609030804020204" pitchFamily="49" charset="0"/>
+                <a:ea typeface="宋体" panose="02010600030101010101" pitchFamily="2" charset="-122"/>
+                <a:cs typeface="Times New Roman" panose="02020603050405020304" pitchFamily="18" charset="0"/>
+              </a:rPr>
+              <a:t>5</a:t>
+            </a:r>
+            <a:r>
+              <a:rPr lang="en-US" altLang="zh-CN" sz="1800" kern="0" dirty="0">
+                <a:solidFill>
+                  <a:srgbClr val="000000"/>
+                </a:solidFill>
+                <a:effectLst/>
+                <a:latin typeface="Menlo" panose="020B0609030804020204" pitchFamily="49" charset="0"/>
+                <a:ea typeface="宋体" panose="02010600030101010101" pitchFamily="2" charset="-122"/>
+                <a:cs typeface="Times New Roman" panose="02020603050405020304" pitchFamily="18" charset="0"/>
+              </a:rPr>
+              <a:t>};</a:t>
+            </a:r>
+            <a:endParaRPr lang="zh-CN" altLang="zh-CN" sz="1800" kern="100" dirty="0">
+              <a:effectLst/>
+              <a:latin typeface="DengXian" panose="02010600030101010101" pitchFamily="2" charset="-122"/>
+              <a:ea typeface="DengXian" panose="02010600030101010101" pitchFamily="2" charset="-122"/>
+              <a:cs typeface="Times New Roman" panose="02020603050405020304" pitchFamily="18" charset="0"/>
+            </a:endParaRPr>
+          </a:p>
+          <a:p>
+            <a:pPr algn="l"/>
+            <a:r>
+              <a:rPr lang="en-US" altLang="zh-CN" sz="1800" kern="0" dirty="0">
+                <a:solidFill>
+                  <a:srgbClr val="000000"/>
+                </a:solidFill>
+                <a:effectLst/>
+                <a:latin typeface="Menlo" panose="020B0609030804020204" pitchFamily="49" charset="0"/>
+                <a:ea typeface="宋体" panose="02010600030101010101" pitchFamily="2" charset="-122"/>
+                <a:cs typeface="Times New Roman" panose="02020603050405020304" pitchFamily="18" charset="0"/>
+              </a:rPr>
+              <a:t>    </a:t>
+            </a:r>
+            <a:r>
+              <a:rPr lang="en-US" altLang="zh-CN" sz="1800" kern="0" dirty="0">
+                <a:solidFill>
+                  <a:srgbClr val="0000FF"/>
+                </a:solidFill>
+                <a:effectLst/>
+                <a:latin typeface="Menlo" panose="020B0609030804020204" pitchFamily="49" charset="0"/>
+                <a:ea typeface="宋体" panose="02010600030101010101" pitchFamily="2" charset="-122"/>
+                <a:cs typeface="Times New Roman" panose="02020603050405020304" pitchFamily="18" charset="0"/>
+              </a:rPr>
+              <a:t>int</a:t>
+            </a:r>
+            <a:r>
+              <a:rPr lang="en-US" altLang="zh-CN" sz="1800" kern="0" dirty="0">
+                <a:solidFill>
+                  <a:srgbClr val="000000"/>
+                </a:solidFill>
+                <a:effectLst/>
+                <a:latin typeface="Menlo" panose="020B0609030804020204" pitchFamily="49" charset="0"/>
+                <a:ea typeface="宋体" panose="02010600030101010101" pitchFamily="2" charset="-122"/>
+                <a:cs typeface="Times New Roman" panose="02020603050405020304" pitchFamily="18" charset="0"/>
+              </a:rPr>
+              <a:t> *</a:t>
+            </a:r>
+            <a:r>
+              <a:rPr lang="en-US" altLang="zh-CN" sz="1800" kern="0" dirty="0">
+                <a:solidFill>
+                  <a:srgbClr val="001080"/>
+                </a:solidFill>
+                <a:effectLst/>
+                <a:latin typeface="Menlo" panose="020B0609030804020204" pitchFamily="49" charset="0"/>
+                <a:ea typeface="宋体" panose="02010600030101010101" pitchFamily="2" charset="-122"/>
+                <a:cs typeface="Times New Roman" panose="02020603050405020304" pitchFamily="18" charset="0"/>
+              </a:rPr>
+              <a:t>p2</a:t>
+            </a:r>
+            <a:r>
+              <a:rPr lang="en-US" altLang="zh-CN" sz="1800" kern="0" dirty="0">
+                <a:solidFill>
+                  <a:srgbClr val="000000"/>
+                </a:solidFill>
+                <a:effectLst/>
+                <a:latin typeface="Menlo" panose="020B0609030804020204" pitchFamily="49" charset="0"/>
+                <a:ea typeface="宋体" panose="02010600030101010101" pitchFamily="2" charset="-122"/>
+                <a:cs typeface="Times New Roman" panose="02020603050405020304" pitchFamily="18" charset="0"/>
+              </a:rPr>
+              <a:t> = (</a:t>
+            </a:r>
+            <a:r>
+              <a:rPr lang="en-US" altLang="zh-CN" sz="1800" kern="0" dirty="0">
+                <a:solidFill>
+                  <a:srgbClr val="0000FF"/>
+                </a:solidFill>
+                <a:effectLst/>
+                <a:latin typeface="Menlo" panose="020B0609030804020204" pitchFamily="49" charset="0"/>
+                <a:ea typeface="宋体" panose="02010600030101010101" pitchFamily="2" charset="-122"/>
+                <a:cs typeface="Times New Roman" panose="02020603050405020304" pitchFamily="18" charset="0"/>
+              </a:rPr>
+              <a:t>int</a:t>
+            </a:r>
+            <a:r>
+              <a:rPr lang="en-US" altLang="zh-CN" sz="1800" kern="0" dirty="0">
+                <a:solidFill>
+                  <a:srgbClr val="000000"/>
+                </a:solidFill>
+                <a:effectLst/>
+                <a:latin typeface="Menlo" panose="020B0609030804020204" pitchFamily="49" charset="0"/>
+                <a:ea typeface="宋体" panose="02010600030101010101" pitchFamily="2" charset="-122"/>
+                <a:cs typeface="Times New Roman" panose="02020603050405020304" pitchFamily="18" charset="0"/>
+              </a:rPr>
+              <a:t>*)(&amp;</a:t>
+            </a:r>
+            <a:r>
+              <a:rPr lang="en-US" altLang="zh-CN" sz="1800" kern="0" dirty="0">
+                <a:solidFill>
+                  <a:srgbClr val="001080"/>
+                </a:solidFill>
+                <a:effectLst/>
+                <a:latin typeface="Menlo" panose="020B0609030804020204" pitchFamily="49" charset="0"/>
+                <a:ea typeface="宋体" panose="02010600030101010101" pitchFamily="2" charset="-122"/>
+                <a:cs typeface="Times New Roman" panose="02020603050405020304" pitchFamily="18" charset="0"/>
+              </a:rPr>
+              <a:t>numbers2</a:t>
+            </a:r>
+            <a:r>
+              <a:rPr lang="en-US" altLang="zh-CN" sz="1800" kern="0" dirty="0">
+                <a:solidFill>
+                  <a:srgbClr val="000000"/>
+                </a:solidFill>
+                <a:effectLst/>
+                <a:latin typeface="Menlo" panose="020B0609030804020204" pitchFamily="49" charset="0"/>
+                <a:ea typeface="宋体" panose="02010600030101010101" pitchFamily="2" charset="-122"/>
+                <a:cs typeface="Times New Roman" panose="02020603050405020304" pitchFamily="18" charset="0"/>
+              </a:rPr>
+              <a:t> + </a:t>
+            </a:r>
+            <a:r>
+              <a:rPr lang="en-US" altLang="zh-CN" sz="1800" kern="0" dirty="0">
+                <a:solidFill>
+                  <a:srgbClr val="098658"/>
+                </a:solidFill>
+                <a:effectLst/>
+                <a:latin typeface="Menlo" panose="020B0609030804020204" pitchFamily="49" charset="0"/>
+                <a:ea typeface="宋体" panose="02010600030101010101" pitchFamily="2" charset="-122"/>
+                <a:cs typeface="Times New Roman" panose="02020603050405020304" pitchFamily="18" charset="0"/>
+              </a:rPr>
+              <a:t>1</a:t>
+            </a:r>
+            <a:r>
+              <a:rPr lang="en-US" altLang="zh-CN" sz="1800" kern="0" dirty="0">
+                <a:solidFill>
+                  <a:srgbClr val="000000"/>
+                </a:solidFill>
+                <a:effectLst/>
+                <a:latin typeface="Menlo" panose="020B0609030804020204" pitchFamily="49" charset="0"/>
+                <a:ea typeface="宋体" panose="02010600030101010101" pitchFamily="2" charset="-122"/>
+                <a:cs typeface="Times New Roman" panose="02020603050405020304" pitchFamily="18" charset="0"/>
+              </a:rPr>
+              <a:t>);</a:t>
+            </a:r>
+            <a:endParaRPr lang="zh-CN" altLang="zh-CN" sz="1800" kern="100" dirty="0">
+              <a:effectLst/>
+              <a:latin typeface="DengXian" panose="02010600030101010101" pitchFamily="2" charset="-122"/>
+              <a:ea typeface="DengXian" panose="02010600030101010101" pitchFamily="2" charset="-122"/>
+              <a:cs typeface="Times New Roman" panose="02020603050405020304" pitchFamily="18" charset="0"/>
+            </a:endParaRPr>
+          </a:p>
+          <a:p>
+            <a:pPr algn="l"/>
+            <a:r>
+              <a:rPr lang="en-US" altLang="zh-CN" sz="1800" kern="0" dirty="0">
+                <a:solidFill>
+                  <a:srgbClr val="000000"/>
+                </a:solidFill>
+                <a:effectLst/>
+                <a:latin typeface="Menlo" panose="020B0609030804020204" pitchFamily="49" charset="0"/>
+                <a:ea typeface="宋体" panose="02010600030101010101" pitchFamily="2" charset="-122"/>
+                <a:cs typeface="Times New Roman" panose="02020603050405020304" pitchFamily="18" charset="0"/>
+              </a:rPr>
+              <a:t>    </a:t>
+            </a:r>
+            <a:r>
+              <a:rPr lang="en-US" altLang="zh-CN" sz="1800" kern="0" dirty="0" err="1">
+                <a:solidFill>
+                  <a:srgbClr val="795E26"/>
+                </a:solidFill>
+                <a:effectLst/>
+                <a:latin typeface="Menlo" panose="020B0609030804020204" pitchFamily="49" charset="0"/>
+                <a:ea typeface="宋体" panose="02010600030101010101" pitchFamily="2" charset="-122"/>
+                <a:cs typeface="Times New Roman" panose="02020603050405020304" pitchFamily="18" charset="0"/>
               </a:rPr>
               <a:t>printf</a:t>
             </a:r>
             <a:r>
-              <a:rPr lang="en-US" altLang="zh-CN" sz="1400" b="0" dirty="0">
-                <a:effectLst/>
-              </a:rPr>
-              <a:t>("b = %p\nb+4 = %p\</a:t>
-            </a:r>
-            <a:r>
-              <a:rPr lang="en-US" altLang="zh-CN" sz="1400" b="0" dirty="0" err="1">
-                <a:effectLst/>
-              </a:rPr>
-              <a:t>nptr</a:t>
-            </a:r>
-            <a:r>
-              <a:rPr lang="en-US" altLang="zh-CN" sz="1400" b="0" dirty="0">
-                <a:effectLst/>
-              </a:rPr>
-              <a:t> = %p\n",b,b+4,ptr);</a:t>
-            </a:r>
-          </a:p>
-          <a:p>
-            <a:r>
-              <a:rPr lang="en-US" altLang="zh-CN" sz="1400" b="0" dirty="0">
-                <a:effectLst/>
-              </a:rPr>
-              <a:t>    </a:t>
-            </a:r>
-            <a:r>
-              <a:rPr lang="en-US" altLang="zh-CN" sz="1400" b="0" dirty="0" err="1">
-                <a:effectLst/>
+              <a:rPr lang="en-US" altLang="zh-CN" sz="1800" kern="0" dirty="0">
+                <a:solidFill>
+                  <a:srgbClr val="000000"/>
+                </a:solidFill>
+                <a:effectLst/>
+                <a:latin typeface="Menlo" panose="020B0609030804020204" pitchFamily="49" charset="0"/>
+                <a:ea typeface="宋体" panose="02010600030101010101" pitchFamily="2" charset="-122"/>
+                <a:cs typeface="Times New Roman" panose="02020603050405020304" pitchFamily="18" charset="0"/>
+              </a:rPr>
+              <a:t>(</a:t>
+            </a:r>
+            <a:r>
+              <a:rPr lang="en-US" altLang="zh-CN" sz="1800" kern="0" dirty="0">
+                <a:solidFill>
+                  <a:srgbClr val="A31515"/>
+                </a:solidFill>
+                <a:effectLst/>
+                <a:latin typeface="Menlo" panose="020B0609030804020204" pitchFamily="49" charset="0"/>
+                <a:ea typeface="宋体" panose="02010600030101010101" pitchFamily="2" charset="-122"/>
+                <a:cs typeface="Times New Roman" panose="02020603050405020304" pitchFamily="18" charset="0"/>
+              </a:rPr>
+              <a:t>"numbers2     = </a:t>
+            </a:r>
+            <a:r>
+              <a:rPr lang="en-US" altLang="zh-CN" sz="1800" kern="0" dirty="0">
+                <a:solidFill>
+                  <a:srgbClr val="001080"/>
+                </a:solidFill>
+                <a:effectLst/>
+                <a:latin typeface="Menlo" panose="020B0609030804020204" pitchFamily="49" charset="0"/>
+                <a:ea typeface="宋体" panose="02010600030101010101" pitchFamily="2" charset="-122"/>
+                <a:cs typeface="Times New Roman" panose="02020603050405020304" pitchFamily="18" charset="0"/>
+              </a:rPr>
+              <a:t>%p</a:t>
+            </a:r>
+            <a:r>
+              <a:rPr lang="en-US" altLang="zh-CN" sz="1800" kern="0" dirty="0">
+                <a:solidFill>
+                  <a:srgbClr val="EE0000"/>
+                </a:solidFill>
+                <a:effectLst/>
+                <a:latin typeface="Menlo" panose="020B0609030804020204" pitchFamily="49" charset="0"/>
+                <a:ea typeface="宋体" panose="02010600030101010101" pitchFamily="2" charset="-122"/>
+                <a:cs typeface="Times New Roman" panose="02020603050405020304" pitchFamily="18" charset="0"/>
+              </a:rPr>
+              <a:t>\n</a:t>
+            </a:r>
+            <a:r>
+              <a:rPr lang="en-US" altLang="zh-CN" sz="1800" kern="0" dirty="0">
+                <a:solidFill>
+                  <a:srgbClr val="A31515"/>
+                </a:solidFill>
+                <a:effectLst/>
+                <a:latin typeface="Menlo" panose="020B0609030804020204" pitchFamily="49" charset="0"/>
+                <a:ea typeface="宋体" panose="02010600030101010101" pitchFamily="2" charset="-122"/>
+                <a:cs typeface="Times New Roman" panose="02020603050405020304" pitchFamily="18" charset="0"/>
+              </a:rPr>
+              <a:t>"</a:t>
+            </a:r>
+            <a:r>
+              <a:rPr lang="en-US" altLang="zh-CN" sz="1800" kern="0" dirty="0">
+                <a:solidFill>
+                  <a:srgbClr val="000000"/>
+                </a:solidFill>
+                <a:effectLst/>
+                <a:latin typeface="Menlo" panose="020B0609030804020204" pitchFamily="49" charset="0"/>
+                <a:ea typeface="宋体" panose="02010600030101010101" pitchFamily="2" charset="-122"/>
+                <a:cs typeface="Times New Roman" panose="02020603050405020304" pitchFamily="18" charset="0"/>
+              </a:rPr>
+              <a:t>, </a:t>
+            </a:r>
+            <a:r>
+              <a:rPr lang="en-US" altLang="zh-CN" sz="1800" kern="0" dirty="0">
+                <a:solidFill>
+                  <a:srgbClr val="001080"/>
+                </a:solidFill>
+                <a:effectLst/>
+                <a:latin typeface="Menlo" panose="020B0609030804020204" pitchFamily="49" charset="0"/>
+                <a:ea typeface="宋体" panose="02010600030101010101" pitchFamily="2" charset="-122"/>
+                <a:cs typeface="Times New Roman" panose="02020603050405020304" pitchFamily="18" charset="0"/>
+              </a:rPr>
+              <a:t>numbers2</a:t>
+            </a:r>
+            <a:r>
+              <a:rPr lang="en-US" altLang="zh-CN" sz="1800" kern="0" dirty="0">
+                <a:solidFill>
+                  <a:srgbClr val="000000"/>
+                </a:solidFill>
+                <a:effectLst/>
+                <a:latin typeface="Menlo" panose="020B0609030804020204" pitchFamily="49" charset="0"/>
+                <a:ea typeface="宋体" panose="02010600030101010101" pitchFamily="2" charset="-122"/>
+                <a:cs typeface="Times New Roman" panose="02020603050405020304" pitchFamily="18" charset="0"/>
+              </a:rPr>
+              <a:t>);</a:t>
+            </a:r>
+            <a:endParaRPr lang="zh-CN" altLang="zh-CN" sz="1800" kern="100" dirty="0">
+              <a:effectLst/>
+              <a:latin typeface="DengXian" panose="02010600030101010101" pitchFamily="2" charset="-122"/>
+              <a:ea typeface="DengXian" panose="02010600030101010101" pitchFamily="2" charset="-122"/>
+              <a:cs typeface="Times New Roman" panose="02020603050405020304" pitchFamily="18" charset="0"/>
+            </a:endParaRPr>
+          </a:p>
+          <a:p>
+            <a:pPr algn="l"/>
+            <a:r>
+              <a:rPr lang="en-US" altLang="zh-CN" sz="1800" kern="0" dirty="0">
+                <a:solidFill>
+                  <a:srgbClr val="000000"/>
+                </a:solidFill>
+                <a:effectLst/>
+                <a:latin typeface="Menlo" panose="020B0609030804020204" pitchFamily="49" charset="0"/>
+                <a:ea typeface="宋体" panose="02010600030101010101" pitchFamily="2" charset="-122"/>
+                <a:cs typeface="Times New Roman" panose="02020603050405020304" pitchFamily="18" charset="0"/>
+              </a:rPr>
+              <a:t>    </a:t>
+            </a:r>
+            <a:r>
+              <a:rPr lang="en-US" altLang="zh-CN" sz="1800" kern="0" dirty="0" err="1">
+                <a:solidFill>
+                  <a:srgbClr val="795E26"/>
+                </a:solidFill>
+                <a:effectLst/>
+                <a:latin typeface="Menlo" panose="020B0609030804020204" pitchFamily="49" charset="0"/>
+                <a:ea typeface="宋体" panose="02010600030101010101" pitchFamily="2" charset="-122"/>
+                <a:cs typeface="Times New Roman" panose="02020603050405020304" pitchFamily="18" charset="0"/>
               </a:rPr>
               <a:t>printf</a:t>
             </a:r>
             <a:r>
-              <a:rPr lang="en-US" altLang="zh-CN" sz="1400" b="0" dirty="0">
-                <a:effectLst/>
-              </a:rPr>
-              <a:t>("%</a:t>
-            </a:r>
-            <a:r>
-              <a:rPr lang="en-US" altLang="zh-CN" sz="1400" b="0" dirty="0" err="1">
-                <a:effectLst/>
-              </a:rPr>
-              <a:t>d,%d</a:t>
-            </a:r>
-            <a:r>
-              <a:rPr lang="en-US" altLang="zh-CN" sz="1400" b="0" dirty="0">
-                <a:effectLst/>
-              </a:rPr>
-              <a:t>\n",*(b+1),*(ptr-1));</a:t>
-            </a:r>
-          </a:p>
-          <a:p>
-            <a:br>
-              <a:rPr lang="en-US" altLang="zh-CN" sz="1400" b="0" dirty="0">
-                <a:effectLst/>
-              </a:rPr>
-            </a:br>
-            <a:r>
-              <a:rPr lang="en-US" altLang="zh-CN" sz="1400" b="0" dirty="0">
-                <a:effectLst/>
-              </a:rPr>
-              <a:t>    return 0;</a:t>
-            </a:r>
-          </a:p>
-          <a:p>
-            <a:br>
-              <a:rPr lang="en-US" altLang="zh-CN" sz="1400" b="0" dirty="0">
-                <a:effectLst/>
-              </a:rPr>
-            </a:br>
-            <a:r>
-              <a:rPr lang="en-US" altLang="zh-CN" sz="1400" b="0" dirty="0">
-                <a:effectLst/>
+              <a:rPr lang="en-US" altLang="zh-CN" sz="1800" kern="0" dirty="0">
+                <a:solidFill>
+                  <a:srgbClr val="000000"/>
+                </a:solidFill>
+                <a:effectLst/>
+                <a:latin typeface="Menlo" panose="020B0609030804020204" pitchFamily="49" charset="0"/>
+                <a:ea typeface="宋体" panose="02010600030101010101" pitchFamily="2" charset="-122"/>
+                <a:cs typeface="Times New Roman" panose="02020603050405020304" pitchFamily="18" charset="0"/>
+              </a:rPr>
+              <a:t>(</a:t>
+            </a:r>
+            <a:r>
+              <a:rPr lang="en-US" altLang="zh-CN" sz="1800" kern="0" dirty="0">
+                <a:solidFill>
+                  <a:srgbClr val="A31515"/>
+                </a:solidFill>
+                <a:effectLst/>
+                <a:latin typeface="Menlo" panose="020B0609030804020204" pitchFamily="49" charset="0"/>
+                <a:ea typeface="宋体" panose="02010600030101010101" pitchFamily="2" charset="-122"/>
+                <a:cs typeface="Times New Roman" panose="02020603050405020304" pitchFamily="18" charset="0"/>
+              </a:rPr>
+              <a:t>"numbers2 + 4 = </a:t>
+            </a:r>
+            <a:r>
+              <a:rPr lang="en-US" altLang="zh-CN" sz="1800" kern="0" dirty="0">
+                <a:solidFill>
+                  <a:srgbClr val="001080"/>
+                </a:solidFill>
+                <a:effectLst/>
+                <a:latin typeface="Menlo" panose="020B0609030804020204" pitchFamily="49" charset="0"/>
+                <a:ea typeface="宋体" panose="02010600030101010101" pitchFamily="2" charset="-122"/>
+                <a:cs typeface="Times New Roman" panose="02020603050405020304" pitchFamily="18" charset="0"/>
+              </a:rPr>
+              <a:t>%p</a:t>
+            </a:r>
+            <a:r>
+              <a:rPr lang="en-US" altLang="zh-CN" sz="1800" kern="0" dirty="0">
+                <a:solidFill>
+                  <a:srgbClr val="EE0000"/>
+                </a:solidFill>
+                <a:effectLst/>
+                <a:latin typeface="Menlo" panose="020B0609030804020204" pitchFamily="49" charset="0"/>
+                <a:ea typeface="宋体" panose="02010600030101010101" pitchFamily="2" charset="-122"/>
+                <a:cs typeface="Times New Roman" panose="02020603050405020304" pitchFamily="18" charset="0"/>
+              </a:rPr>
+              <a:t>\n</a:t>
+            </a:r>
+            <a:r>
+              <a:rPr lang="en-US" altLang="zh-CN" sz="1800" kern="0" dirty="0">
+                <a:solidFill>
+                  <a:srgbClr val="A31515"/>
+                </a:solidFill>
+                <a:effectLst/>
+                <a:latin typeface="Menlo" panose="020B0609030804020204" pitchFamily="49" charset="0"/>
+                <a:ea typeface="宋体" panose="02010600030101010101" pitchFamily="2" charset="-122"/>
+                <a:cs typeface="Times New Roman" panose="02020603050405020304" pitchFamily="18" charset="0"/>
+              </a:rPr>
+              <a:t>"</a:t>
+            </a:r>
+            <a:r>
+              <a:rPr lang="en-US" altLang="zh-CN" sz="1800" kern="0" dirty="0">
+                <a:solidFill>
+                  <a:srgbClr val="000000"/>
+                </a:solidFill>
+                <a:effectLst/>
+                <a:latin typeface="Menlo" panose="020B0609030804020204" pitchFamily="49" charset="0"/>
+                <a:ea typeface="宋体" panose="02010600030101010101" pitchFamily="2" charset="-122"/>
+                <a:cs typeface="Times New Roman" panose="02020603050405020304" pitchFamily="18" charset="0"/>
+              </a:rPr>
+              <a:t>, </a:t>
+            </a:r>
+            <a:r>
+              <a:rPr lang="en-US" altLang="zh-CN" sz="1800" kern="0" dirty="0">
+                <a:solidFill>
+                  <a:srgbClr val="001080"/>
+                </a:solidFill>
+                <a:effectLst/>
+                <a:latin typeface="Menlo" panose="020B0609030804020204" pitchFamily="49" charset="0"/>
+                <a:ea typeface="宋体" panose="02010600030101010101" pitchFamily="2" charset="-122"/>
+                <a:cs typeface="Times New Roman" panose="02020603050405020304" pitchFamily="18" charset="0"/>
+              </a:rPr>
+              <a:t>numbers2</a:t>
+            </a:r>
+            <a:r>
+              <a:rPr lang="en-US" altLang="zh-CN" sz="1800" kern="0" dirty="0">
+                <a:solidFill>
+                  <a:srgbClr val="000000"/>
+                </a:solidFill>
+                <a:effectLst/>
+                <a:latin typeface="Menlo" panose="020B0609030804020204" pitchFamily="49" charset="0"/>
+                <a:ea typeface="宋体" panose="02010600030101010101" pitchFamily="2" charset="-122"/>
+                <a:cs typeface="Times New Roman" panose="02020603050405020304" pitchFamily="18" charset="0"/>
+              </a:rPr>
+              <a:t> + </a:t>
+            </a:r>
+            <a:r>
+              <a:rPr lang="en-US" altLang="zh-CN" sz="1800" kern="0" dirty="0">
+                <a:solidFill>
+                  <a:srgbClr val="098658"/>
+                </a:solidFill>
+                <a:effectLst/>
+                <a:latin typeface="Menlo" panose="020B0609030804020204" pitchFamily="49" charset="0"/>
+                <a:ea typeface="宋体" panose="02010600030101010101" pitchFamily="2" charset="-122"/>
+                <a:cs typeface="Times New Roman" panose="02020603050405020304" pitchFamily="18" charset="0"/>
+              </a:rPr>
+              <a:t>4</a:t>
+            </a:r>
+            <a:r>
+              <a:rPr lang="en-US" altLang="zh-CN" sz="1800" kern="0" dirty="0">
+                <a:solidFill>
+                  <a:srgbClr val="000000"/>
+                </a:solidFill>
+                <a:effectLst/>
+                <a:latin typeface="Menlo" panose="020B0609030804020204" pitchFamily="49" charset="0"/>
+                <a:ea typeface="宋体" panose="02010600030101010101" pitchFamily="2" charset="-122"/>
+                <a:cs typeface="Times New Roman" panose="02020603050405020304" pitchFamily="18" charset="0"/>
+              </a:rPr>
+              <a:t>);</a:t>
+            </a:r>
+            <a:endParaRPr lang="zh-CN" altLang="zh-CN" sz="1800" kern="100" dirty="0">
+              <a:effectLst/>
+              <a:latin typeface="DengXian" panose="02010600030101010101" pitchFamily="2" charset="-122"/>
+              <a:ea typeface="DengXian" panose="02010600030101010101" pitchFamily="2" charset="-122"/>
+              <a:cs typeface="Times New Roman" panose="02020603050405020304" pitchFamily="18" charset="0"/>
+            </a:endParaRPr>
+          </a:p>
+          <a:p>
+            <a:pPr algn="l"/>
+            <a:r>
+              <a:rPr lang="en-US" altLang="zh-CN" sz="1800" kern="0" dirty="0">
+                <a:solidFill>
+                  <a:srgbClr val="000000"/>
+                </a:solidFill>
+                <a:effectLst/>
+                <a:latin typeface="Menlo" panose="020B0609030804020204" pitchFamily="49" charset="0"/>
+                <a:ea typeface="宋体" panose="02010600030101010101" pitchFamily="2" charset="-122"/>
+                <a:cs typeface="Times New Roman" panose="02020603050405020304" pitchFamily="18" charset="0"/>
+              </a:rPr>
+              <a:t>    </a:t>
+            </a:r>
+            <a:r>
+              <a:rPr lang="en-US" altLang="zh-CN" sz="1800" kern="0" dirty="0" err="1">
+                <a:solidFill>
+                  <a:srgbClr val="795E26"/>
+                </a:solidFill>
+                <a:effectLst/>
+                <a:latin typeface="Menlo" panose="020B0609030804020204" pitchFamily="49" charset="0"/>
+                <a:ea typeface="宋体" panose="02010600030101010101" pitchFamily="2" charset="-122"/>
+                <a:cs typeface="Times New Roman" panose="02020603050405020304" pitchFamily="18" charset="0"/>
+              </a:rPr>
+              <a:t>printf</a:t>
+            </a:r>
+            <a:r>
+              <a:rPr lang="en-US" altLang="zh-CN" sz="1800" kern="0" dirty="0">
+                <a:solidFill>
+                  <a:srgbClr val="000000"/>
+                </a:solidFill>
+                <a:effectLst/>
+                <a:latin typeface="Menlo" panose="020B0609030804020204" pitchFamily="49" charset="0"/>
+                <a:ea typeface="宋体" panose="02010600030101010101" pitchFamily="2" charset="-122"/>
+                <a:cs typeface="Times New Roman" panose="02020603050405020304" pitchFamily="18" charset="0"/>
+              </a:rPr>
+              <a:t>(</a:t>
+            </a:r>
+            <a:r>
+              <a:rPr lang="en-US" altLang="zh-CN" sz="1800" kern="0" dirty="0">
+                <a:solidFill>
+                  <a:srgbClr val="A31515"/>
+                </a:solidFill>
+                <a:effectLst/>
+                <a:latin typeface="Menlo" panose="020B0609030804020204" pitchFamily="49" charset="0"/>
+                <a:ea typeface="宋体" panose="02010600030101010101" pitchFamily="2" charset="-122"/>
+                <a:cs typeface="Times New Roman" panose="02020603050405020304" pitchFamily="18" charset="0"/>
+              </a:rPr>
+              <a:t>"p2           = </a:t>
+            </a:r>
+            <a:r>
+              <a:rPr lang="en-US" altLang="zh-CN" sz="1800" kern="0" dirty="0">
+                <a:solidFill>
+                  <a:srgbClr val="001080"/>
+                </a:solidFill>
+                <a:effectLst/>
+                <a:latin typeface="Menlo" panose="020B0609030804020204" pitchFamily="49" charset="0"/>
+                <a:ea typeface="宋体" panose="02010600030101010101" pitchFamily="2" charset="-122"/>
+                <a:cs typeface="Times New Roman" panose="02020603050405020304" pitchFamily="18" charset="0"/>
+              </a:rPr>
+              <a:t>%p</a:t>
+            </a:r>
+            <a:r>
+              <a:rPr lang="en-US" altLang="zh-CN" sz="1800" kern="0" dirty="0">
+                <a:solidFill>
+                  <a:srgbClr val="EE0000"/>
+                </a:solidFill>
+                <a:effectLst/>
+                <a:latin typeface="Menlo" panose="020B0609030804020204" pitchFamily="49" charset="0"/>
+                <a:ea typeface="宋体" panose="02010600030101010101" pitchFamily="2" charset="-122"/>
+                <a:cs typeface="Times New Roman" panose="02020603050405020304" pitchFamily="18" charset="0"/>
+              </a:rPr>
+              <a:t>\n</a:t>
+            </a:r>
+            <a:r>
+              <a:rPr lang="en-US" altLang="zh-CN" sz="1800" kern="0" dirty="0">
+                <a:solidFill>
+                  <a:srgbClr val="A31515"/>
+                </a:solidFill>
+                <a:effectLst/>
+                <a:latin typeface="Menlo" panose="020B0609030804020204" pitchFamily="49" charset="0"/>
+                <a:ea typeface="宋体" panose="02010600030101010101" pitchFamily="2" charset="-122"/>
+                <a:cs typeface="Times New Roman" panose="02020603050405020304" pitchFamily="18" charset="0"/>
+              </a:rPr>
+              <a:t>"</a:t>
+            </a:r>
+            <a:r>
+              <a:rPr lang="en-US" altLang="zh-CN" sz="1800" kern="0" dirty="0">
+                <a:solidFill>
+                  <a:srgbClr val="000000"/>
+                </a:solidFill>
+                <a:effectLst/>
+                <a:latin typeface="Menlo" panose="020B0609030804020204" pitchFamily="49" charset="0"/>
+                <a:ea typeface="宋体" panose="02010600030101010101" pitchFamily="2" charset="-122"/>
+                <a:cs typeface="Times New Roman" panose="02020603050405020304" pitchFamily="18" charset="0"/>
+              </a:rPr>
+              <a:t>, </a:t>
+            </a:r>
+            <a:r>
+              <a:rPr lang="en-US" altLang="zh-CN" sz="1800" kern="0" dirty="0">
+                <a:solidFill>
+                  <a:srgbClr val="001080"/>
+                </a:solidFill>
+                <a:effectLst/>
+                <a:latin typeface="Menlo" panose="020B0609030804020204" pitchFamily="49" charset="0"/>
+                <a:ea typeface="宋体" panose="02010600030101010101" pitchFamily="2" charset="-122"/>
+                <a:cs typeface="Times New Roman" panose="02020603050405020304" pitchFamily="18" charset="0"/>
+              </a:rPr>
+              <a:t>p2</a:t>
+            </a:r>
+            <a:r>
+              <a:rPr lang="en-US" altLang="zh-CN" sz="1800" kern="0" dirty="0">
+                <a:solidFill>
+                  <a:srgbClr val="000000"/>
+                </a:solidFill>
+                <a:effectLst/>
+                <a:latin typeface="Menlo" panose="020B0609030804020204" pitchFamily="49" charset="0"/>
+                <a:ea typeface="宋体" panose="02010600030101010101" pitchFamily="2" charset="-122"/>
+                <a:cs typeface="Times New Roman" panose="02020603050405020304" pitchFamily="18" charset="0"/>
+              </a:rPr>
+              <a:t>);</a:t>
+            </a:r>
+            <a:endParaRPr lang="zh-CN" altLang="zh-CN" sz="1800" kern="100" dirty="0">
+              <a:effectLst/>
+              <a:latin typeface="DengXian" panose="02010600030101010101" pitchFamily="2" charset="-122"/>
+              <a:ea typeface="DengXian" panose="02010600030101010101" pitchFamily="2" charset="-122"/>
+              <a:cs typeface="Times New Roman" panose="02020603050405020304" pitchFamily="18" charset="0"/>
+            </a:endParaRPr>
+          </a:p>
+          <a:p>
+            <a:pPr algn="l"/>
+            <a:r>
+              <a:rPr lang="en-US" altLang="zh-CN" sz="1800" kern="0" dirty="0">
+                <a:solidFill>
+                  <a:srgbClr val="000000"/>
+                </a:solidFill>
+                <a:effectLst/>
+                <a:latin typeface="Menlo" panose="020B0609030804020204" pitchFamily="49" charset="0"/>
+                <a:ea typeface="宋体" panose="02010600030101010101" pitchFamily="2" charset="-122"/>
+                <a:cs typeface="Times New Roman" panose="02020603050405020304" pitchFamily="18" charset="0"/>
+              </a:rPr>
+              <a:t>    </a:t>
+            </a:r>
+            <a:r>
+              <a:rPr lang="en-US" altLang="zh-CN" sz="1800" kern="0" dirty="0" err="1">
+                <a:solidFill>
+                  <a:srgbClr val="795E26"/>
+                </a:solidFill>
+                <a:effectLst/>
+                <a:latin typeface="Menlo" panose="020B0609030804020204" pitchFamily="49" charset="0"/>
+                <a:ea typeface="宋体" panose="02010600030101010101" pitchFamily="2" charset="-122"/>
+                <a:cs typeface="Times New Roman" panose="02020603050405020304" pitchFamily="18" charset="0"/>
+              </a:rPr>
+              <a:t>printf</a:t>
+            </a:r>
+            <a:r>
+              <a:rPr lang="en-US" altLang="zh-CN" sz="1800" kern="0" dirty="0">
+                <a:solidFill>
+                  <a:srgbClr val="000000"/>
+                </a:solidFill>
+                <a:effectLst/>
+                <a:latin typeface="Menlo" panose="020B0609030804020204" pitchFamily="49" charset="0"/>
+                <a:ea typeface="宋体" panose="02010600030101010101" pitchFamily="2" charset="-122"/>
+                <a:cs typeface="Times New Roman" panose="02020603050405020304" pitchFamily="18" charset="0"/>
+              </a:rPr>
+              <a:t>(</a:t>
+            </a:r>
+            <a:r>
+              <a:rPr lang="en-US" altLang="zh-CN" sz="1800" kern="0" dirty="0">
+                <a:solidFill>
+                  <a:srgbClr val="A31515"/>
+                </a:solidFill>
+                <a:effectLst/>
+                <a:latin typeface="Menlo" panose="020B0609030804020204" pitchFamily="49" charset="0"/>
+                <a:ea typeface="宋体" panose="02010600030101010101" pitchFamily="2" charset="-122"/>
+                <a:cs typeface="Times New Roman" panose="02020603050405020304" pitchFamily="18" charset="0"/>
+              </a:rPr>
+              <a:t>"*(numbers2+1)= </a:t>
+            </a:r>
+            <a:r>
+              <a:rPr lang="en-US" altLang="zh-CN" sz="1800" kern="0" dirty="0">
+                <a:solidFill>
+                  <a:srgbClr val="001080"/>
+                </a:solidFill>
+                <a:effectLst/>
+                <a:latin typeface="Menlo" panose="020B0609030804020204" pitchFamily="49" charset="0"/>
+                <a:ea typeface="宋体" panose="02010600030101010101" pitchFamily="2" charset="-122"/>
+                <a:cs typeface="Times New Roman" panose="02020603050405020304" pitchFamily="18" charset="0"/>
+              </a:rPr>
+              <a:t>%d</a:t>
+            </a:r>
+            <a:r>
+              <a:rPr lang="en-US" altLang="zh-CN" sz="1800" kern="0" dirty="0">
+                <a:solidFill>
+                  <a:srgbClr val="EE0000"/>
+                </a:solidFill>
+                <a:effectLst/>
+                <a:latin typeface="Menlo" panose="020B0609030804020204" pitchFamily="49" charset="0"/>
+                <a:ea typeface="宋体" panose="02010600030101010101" pitchFamily="2" charset="-122"/>
+                <a:cs typeface="Times New Roman" panose="02020603050405020304" pitchFamily="18" charset="0"/>
+              </a:rPr>
+              <a:t>\n</a:t>
+            </a:r>
+            <a:r>
+              <a:rPr lang="en-US" altLang="zh-CN" sz="1800" kern="0" dirty="0">
+                <a:solidFill>
+                  <a:srgbClr val="A31515"/>
+                </a:solidFill>
+                <a:effectLst/>
+                <a:latin typeface="Menlo" panose="020B0609030804020204" pitchFamily="49" charset="0"/>
+                <a:ea typeface="宋体" panose="02010600030101010101" pitchFamily="2" charset="-122"/>
+                <a:cs typeface="Times New Roman" panose="02020603050405020304" pitchFamily="18" charset="0"/>
+              </a:rPr>
+              <a:t>"</a:t>
+            </a:r>
+            <a:r>
+              <a:rPr lang="en-US" altLang="zh-CN" sz="1800" kern="0" dirty="0">
+                <a:solidFill>
+                  <a:srgbClr val="000000"/>
+                </a:solidFill>
+                <a:effectLst/>
+                <a:latin typeface="Menlo" panose="020B0609030804020204" pitchFamily="49" charset="0"/>
+                <a:ea typeface="宋体" panose="02010600030101010101" pitchFamily="2" charset="-122"/>
+                <a:cs typeface="Times New Roman" panose="02020603050405020304" pitchFamily="18" charset="0"/>
+              </a:rPr>
+              <a:t>,*(</a:t>
+            </a:r>
+            <a:r>
+              <a:rPr lang="en-US" altLang="zh-CN" sz="1800" kern="0" dirty="0">
+                <a:solidFill>
+                  <a:srgbClr val="001080"/>
+                </a:solidFill>
+                <a:effectLst/>
+                <a:latin typeface="Menlo" panose="020B0609030804020204" pitchFamily="49" charset="0"/>
+                <a:ea typeface="宋体" panose="02010600030101010101" pitchFamily="2" charset="-122"/>
+                <a:cs typeface="Times New Roman" panose="02020603050405020304" pitchFamily="18" charset="0"/>
+              </a:rPr>
+              <a:t>numbers2</a:t>
+            </a:r>
+            <a:r>
+              <a:rPr lang="en-US" altLang="zh-CN" sz="1800" kern="0" dirty="0">
+                <a:solidFill>
+                  <a:srgbClr val="000000"/>
+                </a:solidFill>
+                <a:effectLst/>
+                <a:latin typeface="Menlo" panose="020B0609030804020204" pitchFamily="49" charset="0"/>
+                <a:ea typeface="宋体" panose="02010600030101010101" pitchFamily="2" charset="-122"/>
+                <a:cs typeface="Times New Roman" panose="02020603050405020304" pitchFamily="18" charset="0"/>
+              </a:rPr>
+              <a:t>+</a:t>
+            </a:r>
+            <a:r>
+              <a:rPr lang="en-US" altLang="zh-CN" sz="1800" kern="0" dirty="0">
+                <a:solidFill>
+                  <a:srgbClr val="098658"/>
+                </a:solidFill>
+                <a:effectLst/>
+                <a:latin typeface="Menlo" panose="020B0609030804020204" pitchFamily="49" charset="0"/>
+                <a:ea typeface="宋体" panose="02010600030101010101" pitchFamily="2" charset="-122"/>
+                <a:cs typeface="Times New Roman" panose="02020603050405020304" pitchFamily="18" charset="0"/>
+              </a:rPr>
+              <a:t>1</a:t>
+            </a:r>
+            <a:r>
+              <a:rPr lang="en-US" altLang="zh-CN" sz="1800" kern="0" dirty="0">
+                <a:solidFill>
+                  <a:srgbClr val="000000"/>
+                </a:solidFill>
+                <a:effectLst/>
+                <a:latin typeface="Menlo" panose="020B0609030804020204" pitchFamily="49" charset="0"/>
+                <a:ea typeface="宋体" panose="02010600030101010101" pitchFamily="2" charset="-122"/>
+                <a:cs typeface="Times New Roman" panose="02020603050405020304" pitchFamily="18" charset="0"/>
+              </a:rPr>
+              <a:t>));</a:t>
+            </a:r>
+            <a:endParaRPr lang="zh-CN" altLang="zh-CN" sz="1800" kern="100" dirty="0">
+              <a:effectLst/>
+              <a:latin typeface="DengXian" panose="02010600030101010101" pitchFamily="2" charset="-122"/>
+              <a:ea typeface="DengXian" panose="02010600030101010101" pitchFamily="2" charset="-122"/>
+              <a:cs typeface="Times New Roman" panose="02020603050405020304" pitchFamily="18" charset="0"/>
+            </a:endParaRPr>
+          </a:p>
+          <a:p>
+            <a:pPr algn="l"/>
+            <a:r>
+              <a:rPr lang="en-US" altLang="zh-CN" sz="1800" kern="0" dirty="0">
+                <a:solidFill>
+                  <a:srgbClr val="000000"/>
+                </a:solidFill>
+                <a:effectLst/>
+                <a:latin typeface="Menlo" panose="020B0609030804020204" pitchFamily="49" charset="0"/>
+                <a:ea typeface="宋体" panose="02010600030101010101" pitchFamily="2" charset="-122"/>
+                <a:cs typeface="Times New Roman" panose="02020603050405020304" pitchFamily="18" charset="0"/>
+              </a:rPr>
+              <a:t>    </a:t>
+            </a:r>
+            <a:r>
+              <a:rPr lang="en-US" altLang="zh-CN" sz="1800" kern="0" dirty="0" err="1">
+                <a:solidFill>
+                  <a:srgbClr val="795E26"/>
+                </a:solidFill>
+                <a:effectLst/>
+                <a:latin typeface="Menlo" panose="020B0609030804020204" pitchFamily="49" charset="0"/>
+                <a:ea typeface="宋体" panose="02010600030101010101" pitchFamily="2" charset="-122"/>
+                <a:cs typeface="Times New Roman" panose="02020603050405020304" pitchFamily="18" charset="0"/>
+              </a:rPr>
+              <a:t>printf</a:t>
+            </a:r>
+            <a:r>
+              <a:rPr lang="en-US" altLang="zh-CN" sz="1800" kern="0" dirty="0">
+                <a:solidFill>
+                  <a:srgbClr val="000000"/>
+                </a:solidFill>
+                <a:effectLst/>
+                <a:latin typeface="Menlo" panose="020B0609030804020204" pitchFamily="49" charset="0"/>
+                <a:ea typeface="宋体" panose="02010600030101010101" pitchFamily="2" charset="-122"/>
+                <a:cs typeface="Times New Roman" panose="02020603050405020304" pitchFamily="18" charset="0"/>
+              </a:rPr>
+              <a:t>(</a:t>
+            </a:r>
+            <a:r>
+              <a:rPr lang="en-US" altLang="zh-CN" sz="1800" kern="0" dirty="0">
+                <a:solidFill>
+                  <a:srgbClr val="A31515"/>
+                </a:solidFill>
+                <a:effectLst/>
+                <a:latin typeface="Menlo" panose="020B0609030804020204" pitchFamily="49" charset="0"/>
+                <a:ea typeface="宋体" panose="02010600030101010101" pitchFamily="2" charset="-122"/>
+                <a:cs typeface="Times New Roman" panose="02020603050405020304" pitchFamily="18" charset="0"/>
+              </a:rPr>
+              <a:t>"(p2-1)       = </a:t>
+            </a:r>
+            <a:r>
+              <a:rPr lang="en-US" altLang="zh-CN" sz="1800" kern="0" dirty="0">
+                <a:solidFill>
+                  <a:srgbClr val="001080"/>
+                </a:solidFill>
+                <a:effectLst/>
+                <a:latin typeface="Menlo" panose="020B0609030804020204" pitchFamily="49" charset="0"/>
+                <a:ea typeface="宋体" panose="02010600030101010101" pitchFamily="2" charset="-122"/>
+                <a:cs typeface="Times New Roman" panose="02020603050405020304" pitchFamily="18" charset="0"/>
+              </a:rPr>
+              <a:t>%d</a:t>
+            </a:r>
+            <a:r>
+              <a:rPr lang="en-US" altLang="zh-CN" sz="1800" kern="0" dirty="0">
+                <a:solidFill>
+                  <a:srgbClr val="EE0000"/>
+                </a:solidFill>
+                <a:effectLst/>
+                <a:latin typeface="Menlo" panose="020B0609030804020204" pitchFamily="49" charset="0"/>
+                <a:ea typeface="宋体" panose="02010600030101010101" pitchFamily="2" charset="-122"/>
+                <a:cs typeface="Times New Roman" panose="02020603050405020304" pitchFamily="18" charset="0"/>
+              </a:rPr>
+              <a:t>\n</a:t>
+            </a:r>
+            <a:r>
+              <a:rPr lang="en-US" altLang="zh-CN" sz="1800" kern="0" dirty="0">
+                <a:solidFill>
+                  <a:srgbClr val="A31515"/>
+                </a:solidFill>
+                <a:effectLst/>
+                <a:latin typeface="Menlo" panose="020B0609030804020204" pitchFamily="49" charset="0"/>
+                <a:ea typeface="宋体" panose="02010600030101010101" pitchFamily="2" charset="-122"/>
+                <a:cs typeface="Times New Roman" panose="02020603050405020304" pitchFamily="18" charset="0"/>
+              </a:rPr>
+              <a:t>"</a:t>
+            </a:r>
+            <a:r>
+              <a:rPr lang="en-US" altLang="zh-CN" sz="1800" kern="0" dirty="0">
+                <a:solidFill>
+                  <a:srgbClr val="000000"/>
+                </a:solidFill>
+                <a:effectLst/>
+                <a:latin typeface="Menlo" panose="020B0609030804020204" pitchFamily="49" charset="0"/>
+                <a:ea typeface="宋体" panose="02010600030101010101" pitchFamily="2" charset="-122"/>
+                <a:cs typeface="Times New Roman" panose="02020603050405020304" pitchFamily="18" charset="0"/>
+              </a:rPr>
+              <a:t>,*(</a:t>
+            </a:r>
+            <a:r>
+              <a:rPr lang="en-US" altLang="zh-CN" sz="1800" kern="0" dirty="0">
+                <a:solidFill>
+                  <a:srgbClr val="001080"/>
+                </a:solidFill>
+                <a:effectLst/>
+                <a:latin typeface="Menlo" panose="020B0609030804020204" pitchFamily="49" charset="0"/>
+                <a:ea typeface="宋体" panose="02010600030101010101" pitchFamily="2" charset="-122"/>
+                <a:cs typeface="Times New Roman" panose="02020603050405020304" pitchFamily="18" charset="0"/>
+              </a:rPr>
+              <a:t>p2</a:t>
+            </a:r>
+            <a:r>
+              <a:rPr lang="en-US" altLang="zh-CN" sz="1800" kern="0" dirty="0">
+                <a:solidFill>
+                  <a:srgbClr val="000000"/>
+                </a:solidFill>
+                <a:effectLst/>
+                <a:latin typeface="Menlo" panose="020B0609030804020204" pitchFamily="49" charset="0"/>
+                <a:ea typeface="宋体" panose="02010600030101010101" pitchFamily="2" charset="-122"/>
+                <a:cs typeface="Times New Roman" panose="02020603050405020304" pitchFamily="18" charset="0"/>
+              </a:rPr>
+              <a:t>-</a:t>
+            </a:r>
+            <a:r>
+              <a:rPr lang="en-US" altLang="zh-CN" sz="1800" kern="0" dirty="0">
+                <a:solidFill>
+                  <a:srgbClr val="098658"/>
+                </a:solidFill>
+                <a:effectLst/>
+                <a:latin typeface="Menlo" panose="020B0609030804020204" pitchFamily="49" charset="0"/>
+                <a:ea typeface="宋体" panose="02010600030101010101" pitchFamily="2" charset="-122"/>
+                <a:cs typeface="Times New Roman" panose="02020603050405020304" pitchFamily="18" charset="0"/>
+              </a:rPr>
+              <a:t>1</a:t>
+            </a:r>
+            <a:r>
+              <a:rPr lang="en-US" altLang="zh-CN" sz="1800" kern="0" dirty="0">
+                <a:solidFill>
+                  <a:srgbClr val="000000"/>
+                </a:solidFill>
+                <a:effectLst/>
+                <a:latin typeface="Menlo" panose="020B0609030804020204" pitchFamily="49" charset="0"/>
+                <a:ea typeface="宋体" panose="02010600030101010101" pitchFamily="2" charset="-122"/>
+                <a:cs typeface="Times New Roman" panose="02020603050405020304" pitchFamily="18" charset="0"/>
+              </a:rPr>
+              <a:t>));</a:t>
+            </a:r>
+            <a:endParaRPr lang="zh-CN" altLang="zh-CN" sz="1800" kern="100" dirty="0">
+              <a:effectLst/>
+              <a:latin typeface="DengXian" panose="02010600030101010101" pitchFamily="2" charset="-122"/>
+              <a:ea typeface="DengXian" panose="02010600030101010101" pitchFamily="2" charset="-122"/>
+              <a:cs typeface="Times New Roman" panose="02020603050405020304" pitchFamily="18" charset="0"/>
+            </a:endParaRPr>
+          </a:p>
+          <a:p>
+            <a:pPr algn="l"/>
+            <a:r>
+              <a:rPr lang="en-US" altLang="zh-CN" sz="1800" kern="0" dirty="0">
+                <a:solidFill>
+                  <a:srgbClr val="000000"/>
+                </a:solidFill>
+                <a:effectLst/>
+                <a:latin typeface="Menlo" panose="020B0609030804020204" pitchFamily="49" charset="0"/>
+                <a:ea typeface="宋体" panose="02010600030101010101" pitchFamily="2" charset="-122"/>
+                <a:cs typeface="Times New Roman" panose="02020603050405020304" pitchFamily="18" charset="0"/>
+              </a:rPr>
+              <a:t>    </a:t>
+            </a:r>
+            <a:r>
+              <a:rPr lang="en-US" altLang="zh-CN" sz="1800" kern="0" dirty="0">
+                <a:solidFill>
+                  <a:srgbClr val="AF00DB"/>
+                </a:solidFill>
+                <a:effectLst/>
+                <a:latin typeface="Menlo" panose="020B0609030804020204" pitchFamily="49" charset="0"/>
+                <a:ea typeface="宋体" panose="02010600030101010101" pitchFamily="2" charset="-122"/>
+                <a:cs typeface="Times New Roman" panose="02020603050405020304" pitchFamily="18" charset="0"/>
+              </a:rPr>
+              <a:t>return</a:t>
+            </a:r>
+            <a:r>
+              <a:rPr lang="en-US" altLang="zh-CN" sz="1800" kern="0" dirty="0">
+                <a:solidFill>
+                  <a:srgbClr val="000000"/>
+                </a:solidFill>
+                <a:effectLst/>
+                <a:latin typeface="Menlo" panose="020B0609030804020204" pitchFamily="49" charset="0"/>
+                <a:ea typeface="宋体" panose="02010600030101010101" pitchFamily="2" charset="-122"/>
+                <a:cs typeface="Times New Roman" panose="02020603050405020304" pitchFamily="18" charset="0"/>
+              </a:rPr>
+              <a:t> </a:t>
+            </a:r>
+            <a:r>
+              <a:rPr lang="en-US" altLang="zh-CN" sz="1800" kern="0" dirty="0">
+                <a:solidFill>
+                  <a:srgbClr val="098658"/>
+                </a:solidFill>
+                <a:effectLst/>
+                <a:latin typeface="Menlo" panose="020B0609030804020204" pitchFamily="49" charset="0"/>
+                <a:ea typeface="宋体" panose="02010600030101010101" pitchFamily="2" charset="-122"/>
+                <a:cs typeface="Times New Roman" panose="02020603050405020304" pitchFamily="18" charset="0"/>
+              </a:rPr>
+              <a:t>0</a:t>
+            </a:r>
+            <a:r>
+              <a:rPr lang="en-US" altLang="zh-CN" sz="1800" kern="0" dirty="0">
+                <a:solidFill>
+                  <a:srgbClr val="000000"/>
+                </a:solidFill>
+                <a:effectLst/>
+                <a:latin typeface="Menlo" panose="020B0609030804020204" pitchFamily="49" charset="0"/>
+                <a:ea typeface="宋体" panose="02010600030101010101" pitchFamily="2" charset="-122"/>
+                <a:cs typeface="Times New Roman" panose="02020603050405020304" pitchFamily="18" charset="0"/>
+              </a:rPr>
+              <a:t>;</a:t>
+            </a:r>
+            <a:endParaRPr lang="zh-CN" altLang="zh-CN" sz="1800" kern="100" dirty="0">
+              <a:effectLst/>
+              <a:latin typeface="DengXian" panose="02010600030101010101" pitchFamily="2" charset="-122"/>
+              <a:ea typeface="DengXian" panose="02010600030101010101" pitchFamily="2" charset="-122"/>
+              <a:cs typeface="Times New Roman" panose="02020603050405020304" pitchFamily="18" charset="0"/>
+            </a:endParaRPr>
+          </a:p>
+          <a:p>
+            <a:pPr algn="l"/>
+            <a:r>
+              <a:rPr lang="en-US" altLang="zh-CN" sz="1800" kern="0" dirty="0">
+                <a:solidFill>
+                  <a:srgbClr val="000000"/>
+                </a:solidFill>
+                <a:effectLst/>
+                <a:latin typeface="Menlo" panose="020B0609030804020204" pitchFamily="49" charset="0"/>
+                <a:ea typeface="宋体" panose="02010600030101010101" pitchFamily="2" charset="-122"/>
+                <a:cs typeface="Times New Roman" panose="02020603050405020304" pitchFamily="18" charset="0"/>
               </a:rPr>
               <a:t>}</a:t>
             </a:r>
+            <a:endParaRPr lang="zh-CN" altLang="zh-CN" sz="1800" kern="100" dirty="0">
+              <a:effectLst/>
+              <a:latin typeface="DengXian" panose="02010600030101010101" pitchFamily="2" charset="-122"/>
+              <a:ea typeface="DengXian" panose="02010600030101010101" pitchFamily="2" charset="-122"/>
+              <a:cs typeface="Times New Roman" panose="02020603050405020304" pitchFamily="18" charset="0"/>
+            </a:endParaRPr>
           </a:p>
         </p:txBody>
       </p:sp>
@@ -7712,8 +9815,8 @@
         </p:nvSpPr>
         <p:spPr>
           <a:xfrm>
-            <a:off x="5796163" y="1240009"/>
-            <a:ext cx="4609709" cy="1520555"/>
+            <a:off x="9456330" y="1444404"/>
+            <a:ext cx="2735670" cy="1520555"/>
           </a:xfrm>
         </p:spPr>
         <p:txBody>
@@ -7783,8 +9886,8 @@
         </p:nvSpPr>
         <p:spPr>
           <a:xfrm>
-            <a:off x="1288482" y="1130281"/>
-            <a:ext cx="4148508" cy="5262979"/>
+            <a:off x="1194099" y="1225689"/>
+            <a:ext cx="8285824" cy="5632311"/>
           </a:xfrm>
           <a:prstGeom prst="rect">
             <a:avLst/>
@@ -7802,255 +9905,2193 @@
           </a:ln>
         </p:spPr>
         <p:txBody>
-          <a:bodyPr wrap="none" rtlCol="0">
+          <a:bodyPr wrap="square" rtlCol="0">
             <a:spAutoFit/>
           </a:bodyPr>
           <a:lstStyle/>
           <a:p>
-            <a:r>
-              <a:rPr lang="en-US" altLang="zh-CN" sz="1400" b="0" dirty="0">
-                <a:effectLst/>
-              </a:rPr>
-              <a:t>#include &lt;iostream&gt;</a:t>
-            </a:r>
-          </a:p>
-          <a:p>
-            <a:r>
-              <a:rPr lang="en-US" altLang="zh-CN" sz="1400" b="0" dirty="0">
-                <a:effectLst/>
-              </a:rPr>
-              <a:t>using namespace std;</a:t>
-            </a:r>
-          </a:p>
-          <a:p>
-            <a:br>
-              <a:rPr lang="en-US" altLang="zh-CN" sz="1400" b="0" dirty="0">
-                <a:effectLst/>
-              </a:rPr>
-            </a:br>
-            <a:r>
-              <a:rPr lang="en-US" altLang="zh-CN" sz="1400" b="0" dirty="0">
-                <a:effectLst/>
-              </a:rPr>
-              <a:t>int main()</a:t>
-            </a:r>
-          </a:p>
-          <a:p>
-            <a:r>
-              <a:rPr lang="en-US" altLang="zh-CN" sz="1400" b="0" dirty="0">
-                <a:effectLst/>
+            <a:pPr algn="l"/>
+            <a:r>
+              <a:rPr lang="en-US" altLang="zh-CN" kern="0" dirty="0">
+                <a:solidFill>
+                  <a:srgbClr val="AF00DB"/>
+                </a:solidFill>
+                <a:effectLst/>
+                <a:latin typeface="Menlo" panose="020B0609030804020204" pitchFamily="49" charset="0"/>
+                <a:ea typeface="宋体" panose="02010600030101010101" pitchFamily="2" charset="-122"/>
+                <a:cs typeface="Times New Roman" panose="02020603050405020304" pitchFamily="18" charset="0"/>
+              </a:rPr>
+              <a:t>#include</a:t>
+            </a:r>
+            <a:r>
+              <a:rPr lang="en-US" altLang="zh-CN" kern="0" dirty="0">
+                <a:solidFill>
+                  <a:srgbClr val="0000FF"/>
+                </a:solidFill>
+                <a:effectLst/>
+                <a:latin typeface="Menlo" panose="020B0609030804020204" pitchFamily="49" charset="0"/>
+                <a:ea typeface="宋体" panose="02010600030101010101" pitchFamily="2" charset="-122"/>
+                <a:cs typeface="Times New Roman" panose="02020603050405020304" pitchFamily="18" charset="0"/>
+              </a:rPr>
+              <a:t> </a:t>
+            </a:r>
+            <a:r>
+              <a:rPr lang="en-US" altLang="zh-CN" kern="0" dirty="0">
+                <a:solidFill>
+                  <a:srgbClr val="A31515"/>
+                </a:solidFill>
+                <a:effectLst/>
+                <a:latin typeface="Menlo" panose="020B0609030804020204" pitchFamily="49" charset="0"/>
+                <a:ea typeface="宋体" panose="02010600030101010101" pitchFamily="2" charset="-122"/>
+                <a:cs typeface="Times New Roman" panose="02020603050405020304" pitchFamily="18" charset="0"/>
+              </a:rPr>
+              <a:t>&lt;iostream&gt;</a:t>
+            </a:r>
+            <a:endParaRPr lang="zh-CN" altLang="zh-CN" kern="100" dirty="0">
+              <a:effectLst/>
+              <a:latin typeface="DengXian" panose="02010600030101010101" pitchFamily="2" charset="-122"/>
+              <a:ea typeface="DengXian" panose="02010600030101010101" pitchFamily="2" charset="-122"/>
+              <a:cs typeface="Times New Roman" panose="02020603050405020304" pitchFamily="18" charset="0"/>
+            </a:endParaRPr>
+          </a:p>
+          <a:p>
+            <a:pPr algn="l"/>
+            <a:r>
+              <a:rPr lang="en-US" altLang="zh-CN" kern="0" dirty="0">
+                <a:solidFill>
+                  <a:srgbClr val="AF00DB"/>
+                </a:solidFill>
+                <a:effectLst/>
+                <a:latin typeface="Menlo" panose="020B0609030804020204" pitchFamily="49" charset="0"/>
+                <a:ea typeface="宋体" panose="02010600030101010101" pitchFamily="2" charset="-122"/>
+                <a:cs typeface="Times New Roman" panose="02020603050405020304" pitchFamily="18" charset="0"/>
+              </a:rPr>
+              <a:t>using</a:t>
+            </a:r>
+            <a:r>
+              <a:rPr lang="en-US" altLang="zh-CN" kern="0" dirty="0">
+                <a:solidFill>
+                  <a:srgbClr val="000000"/>
+                </a:solidFill>
+                <a:effectLst/>
+                <a:latin typeface="Menlo" panose="020B0609030804020204" pitchFamily="49" charset="0"/>
+                <a:ea typeface="宋体" panose="02010600030101010101" pitchFamily="2" charset="-122"/>
+                <a:cs typeface="Times New Roman" panose="02020603050405020304" pitchFamily="18" charset="0"/>
+              </a:rPr>
+              <a:t> </a:t>
+            </a:r>
+            <a:r>
+              <a:rPr lang="en-US" altLang="zh-CN" kern="0" dirty="0">
+                <a:solidFill>
+                  <a:srgbClr val="0000FF"/>
+                </a:solidFill>
+                <a:effectLst/>
+                <a:latin typeface="Menlo" panose="020B0609030804020204" pitchFamily="49" charset="0"/>
+                <a:ea typeface="宋体" panose="02010600030101010101" pitchFamily="2" charset="-122"/>
+                <a:cs typeface="Times New Roman" panose="02020603050405020304" pitchFamily="18" charset="0"/>
+              </a:rPr>
+              <a:t>namespace</a:t>
+            </a:r>
+            <a:r>
+              <a:rPr lang="en-US" altLang="zh-CN" kern="0" dirty="0">
+                <a:solidFill>
+                  <a:srgbClr val="000000"/>
+                </a:solidFill>
+                <a:effectLst/>
+                <a:latin typeface="Menlo" panose="020B0609030804020204" pitchFamily="49" charset="0"/>
+                <a:ea typeface="宋体" panose="02010600030101010101" pitchFamily="2" charset="-122"/>
+                <a:cs typeface="Times New Roman" panose="02020603050405020304" pitchFamily="18" charset="0"/>
+              </a:rPr>
+              <a:t> </a:t>
+            </a:r>
+            <a:r>
+              <a:rPr lang="en-US" altLang="zh-CN" kern="0" dirty="0">
+                <a:solidFill>
+                  <a:srgbClr val="267F99"/>
+                </a:solidFill>
+                <a:effectLst/>
+                <a:latin typeface="Menlo" panose="020B0609030804020204" pitchFamily="49" charset="0"/>
+                <a:ea typeface="宋体" panose="02010600030101010101" pitchFamily="2" charset="-122"/>
+                <a:cs typeface="Times New Roman" panose="02020603050405020304" pitchFamily="18" charset="0"/>
+              </a:rPr>
+              <a:t>std</a:t>
+            </a:r>
+            <a:r>
+              <a:rPr lang="en-US" altLang="zh-CN" kern="0" dirty="0">
+                <a:solidFill>
+                  <a:srgbClr val="000000"/>
+                </a:solidFill>
+                <a:effectLst/>
+                <a:latin typeface="Menlo" panose="020B0609030804020204" pitchFamily="49" charset="0"/>
+                <a:ea typeface="宋体" panose="02010600030101010101" pitchFamily="2" charset="-122"/>
+                <a:cs typeface="Times New Roman" panose="02020603050405020304" pitchFamily="18" charset="0"/>
+              </a:rPr>
+              <a:t>;</a:t>
+            </a:r>
+            <a:endParaRPr lang="zh-CN" altLang="zh-CN" kern="100" dirty="0">
+              <a:effectLst/>
+              <a:latin typeface="DengXian" panose="02010600030101010101" pitchFamily="2" charset="-122"/>
+              <a:ea typeface="DengXian" panose="02010600030101010101" pitchFamily="2" charset="-122"/>
+              <a:cs typeface="Times New Roman" panose="02020603050405020304" pitchFamily="18" charset="0"/>
+            </a:endParaRPr>
+          </a:p>
+          <a:p>
+            <a:pPr algn="l"/>
+            <a:r>
+              <a:rPr lang="en-US" altLang="zh-CN" kern="0" dirty="0">
+                <a:solidFill>
+                  <a:srgbClr val="0000FF"/>
+                </a:solidFill>
+                <a:effectLst/>
+                <a:latin typeface="Menlo" panose="020B0609030804020204" pitchFamily="49" charset="0"/>
+                <a:ea typeface="宋体" panose="02010600030101010101" pitchFamily="2" charset="-122"/>
+                <a:cs typeface="Times New Roman" panose="02020603050405020304" pitchFamily="18" charset="0"/>
+              </a:rPr>
+              <a:t>int</a:t>
+            </a:r>
+            <a:r>
+              <a:rPr lang="en-US" altLang="zh-CN" kern="0" dirty="0">
+                <a:solidFill>
+                  <a:srgbClr val="000000"/>
+                </a:solidFill>
+                <a:effectLst/>
+                <a:latin typeface="Menlo" panose="020B0609030804020204" pitchFamily="49" charset="0"/>
+                <a:ea typeface="宋体" panose="02010600030101010101" pitchFamily="2" charset="-122"/>
+                <a:cs typeface="Times New Roman" panose="02020603050405020304" pitchFamily="18" charset="0"/>
+              </a:rPr>
+              <a:t> </a:t>
+            </a:r>
+            <a:r>
+              <a:rPr lang="en-US" altLang="zh-CN" kern="0" dirty="0">
+                <a:solidFill>
+                  <a:srgbClr val="795E26"/>
+                </a:solidFill>
+                <a:effectLst/>
+                <a:latin typeface="Menlo" panose="020B0609030804020204" pitchFamily="49" charset="0"/>
+                <a:ea typeface="宋体" panose="02010600030101010101" pitchFamily="2" charset="-122"/>
+                <a:cs typeface="Times New Roman" panose="02020603050405020304" pitchFamily="18" charset="0"/>
+              </a:rPr>
+              <a:t>main</a:t>
+            </a:r>
+            <a:r>
+              <a:rPr lang="en-US" altLang="zh-CN" kern="0" dirty="0">
+                <a:solidFill>
+                  <a:srgbClr val="000000"/>
+                </a:solidFill>
+                <a:effectLst/>
+                <a:latin typeface="Menlo" panose="020B0609030804020204" pitchFamily="49" charset="0"/>
+                <a:ea typeface="宋体" panose="02010600030101010101" pitchFamily="2" charset="-122"/>
+                <a:cs typeface="Times New Roman" panose="02020603050405020304" pitchFamily="18" charset="0"/>
+              </a:rPr>
+              <a:t>()</a:t>
+            </a:r>
+            <a:endParaRPr lang="zh-CN" altLang="zh-CN" kern="100" dirty="0">
+              <a:effectLst/>
+              <a:latin typeface="DengXian" panose="02010600030101010101" pitchFamily="2" charset="-122"/>
+              <a:ea typeface="DengXian" panose="02010600030101010101" pitchFamily="2" charset="-122"/>
+              <a:cs typeface="Times New Roman" panose="02020603050405020304" pitchFamily="18" charset="0"/>
+            </a:endParaRPr>
+          </a:p>
+          <a:p>
+            <a:pPr algn="l"/>
+            <a:r>
+              <a:rPr lang="en-US" altLang="zh-CN" kern="0" dirty="0">
+                <a:solidFill>
+                  <a:srgbClr val="000000"/>
+                </a:solidFill>
+                <a:effectLst/>
+                <a:latin typeface="Menlo" panose="020B0609030804020204" pitchFamily="49" charset="0"/>
+                <a:ea typeface="宋体" panose="02010600030101010101" pitchFamily="2" charset="-122"/>
+                <a:cs typeface="Times New Roman" panose="02020603050405020304" pitchFamily="18" charset="0"/>
               </a:rPr>
               <a:t>{</a:t>
             </a:r>
-          </a:p>
-          <a:p>
-            <a:r>
-              <a:rPr lang="en-US" altLang="zh-CN" sz="1400" b="0" dirty="0">
-                <a:effectLst/>
-              </a:rPr>
-              <a:t>    int a[][4]={1,3,5,7,9,11,13,15,17,19}; </a:t>
-            </a:r>
-          </a:p>
-          <a:p>
-            <a:r>
-              <a:rPr lang="en-US" altLang="zh-CN" sz="1400" b="0" dirty="0">
-                <a:effectLst/>
-              </a:rPr>
-              <a:t>    int *p=*(a+1);</a:t>
-            </a:r>
-          </a:p>
-          <a:p>
-            <a:r>
-              <a:rPr lang="en-US" altLang="zh-CN" sz="1400" b="0" dirty="0">
-                <a:effectLst/>
-              </a:rPr>
-              <a:t>    p += 3;</a:t>
-            </a:r>
-          </a:p>
-          <a:p>
-            <a:r>
-              <a:rPr lang="en-US" altLang="zh-CN" sz="1400" b="0" dirty="0">
-                <a:effectLst/>
-              </a:rPr>
-              <a:t>    </a:t>
-            </a:r>
-            <a:r>
-              <a:rPr lang="en-US" altLang="zh-CN" sz="1400" b="0" dirty="0" err="1">
-                <a:effectLst/>
+            <a:endParaRPr lang="zh-CN" altLang="zh-CN" kern="100" dirty="0">
+              <a:effectLst/>
+              <a:latin typeface="DengXian" panose="02010600030101010101" pitchFamily="2" charset="-122"/>
+              <a:ea typeface="DengXian" panose="02010600030101010101" pitchFamily="2" charset="-122"/>
+              <a:cs typeface="Times New Roman" panose="02020603050405020304" pitchFamily="18" charset="0"/>
+            </a:endParaRPr>
+          </a:p>
+          <a:p>
+            <a:pPr algn="l"/>
+            <a:r>
+              <a:rPr lang="en-US" altLang="zh-CN" kern="0" dirty="0">
+                <a:solidFill>
+                  <a:srgbClr val="000000"/>
+                </a:solidFill>
+                <a:effectLst/>
+                <a:latin typeface="Menlo" panose="020B0609030804020204" pitchFamily="49" charset="0"/>
+                <a:ea typeface="宋体" panose="02010600030101010101" pitchFamily="2" charset="-122"/>
+                <a:cs typeface="Times New Roman" panose="02020603050405020304" pitchFamily="18" charset="0"/>
+              </a:rPr>
+              <a:t>    </a:t>
+            </a:r>
+            <a:r>
+              <a:rPr lang="en-US" altLang="zh-CN" kern="0" dirty="0">
+                <a:solidFill>
+                  <a:srgbClr val="0000FF"/>
+                </a:solidFill>
+                <a:effectLst/>
+                <a:latin typeface="Menlo" panose="020B0609030804020204" pitchFamily="49" charset="0"/>
+                <a:ea typeface="宋体" panose="02010600030101010101" pitchFamily="2" charset="-122"/>
+                <a:cs typeface="Times New Roman" panose="02020603050405020304" pitchFamily="18" charset="0"/>
+              </a:rPr>
+              <a:t>int</a:t>
+            </a:r>
+            <a:r>
+              <a:rPr lang="en-US" altLang="zh-CN" kern="0" dirty="0">
+                <a:solidFill>
+                  <a:srgbClr val="000000"/>
+                </a:solidFill>
+                <a:effectLst/>
+                <a:latin typeface="Menlo" panose="020B0609030804020204" pitchFamily="49" charset="0"/>
+                <a:ea typeface="宋体" panose="02010600030101010101" pitchFamily="2" charset="-122"/>
+                <a:cs typeface="Times New Roman" panose="02020603050405020304" pitchFamily="18" charset="0"/>
+              </a:rPr>
+              <a:t> </a:t>
+            </a:r>
+            <a:r>
+              <a:rPr lang="en-US" altLang="zh-CN" kern="0" dirty="0">
+                <a:solidFill>
+                  <a:srgbClr val="001080"/>
+                </a:solidFill>
+                <a:effectLst/>
+                <a:latin typeface="Menlo" panose="020B0609030804020204" pitchFamily="49" charset="0"/>
+                <a:ea typeface="宋体" panose="02010600030101010101" pitchFamily="2" charset="-122"/>
+                <a:cs typeface="Times New Roman" panose="02020603050405020304" pitchFamily="18" charset="0"/>
+              </a:rPr>
+              <a:t>matrix</a:t>
+            </a:r>
+            <a:r>
+              <a:rPr lang="en-US" altLang="zh-CN" kern="0" dirty="0">
+                <a:solidFill>
+                  <a:srgbClr val="000000"/>
+                </a:solidFill>
+                <a:effectLst/>
+                <a:latin typeface="Menlo" panose="020B0609030804020204" pitchFamily="49" charset="0"/>
+                <a:ea typeface="宋体" panose="02010600030101010101" pitchFamily="2" charset="-122"/>
+                <a:cs typeface="Times New Roman" panose="02020603050405020304" pitchFamily="18" charset="0"/>
+              </a:rPr>
+              <a:t>[][</a:t>
+            </a:r>
+            <a:r>
+              <a:rPr lang="en-US" altLang="zh-CN" kern="0" dirty="0">
+                <a:solidFill>
+                  <a:srgbClr val="098658"/>
+                </a:solidFill>
+                <a:effectLst/>
+                <a:latin typeface="Menlo" panose="020B0609030804020204" pitchFamily="49" charset="0"/>
+                <a:ea typeface="宋体" panose="02010600030101010101" pitchFamily="2" charset="-122"/>
+                <a:cs typeface="Times New Roman" panose="02020603050405020304" pitchFamily="18" charset="0"/>
+              </a:rPr>
+              <a:t>4</a:t>
+            </a:r>
+            <a:r>
+              <a:rPr lang="en-US" altLang="zh-CN" kern="0" dirty="0">
+                <a:solidFill>
+                  <a:srgbClr val="000000"/>
+                </a:solidFill>
+                <a:effectLst/>
+                <a:latin typeface="Menlo" panose="020B0609030804020204" pitchFamily="49" charset="0"/>
+                <a:ea typeface="宋体" panose="02010600030101010101" pitchFamily="2" charset="-122"/>
+                <a:cs typeface="Times New Roman" panose="02020603050405020304" pitchFamily="18" charset="0"/>
+              </a:rPr>
+              <a:t>] = {</a:t>
+            </a:r>
+            <a:r>
+              <a:rPr lang="en-US" altLang="zh-CN" kern="0" dirty="0">
+                <a:solidFill>
+                  <a:srgbClr val="098658"/>
+                </a:solidFill>
+                <a:effectLst/>
+                <a:latin typeface="Menlo" panose="020B0609030804020204" pitchFamily="49" charset="0"/>
+                <a:ea typeface="宋体" panose="02010600030101010101" pitchFamily="2" charset="-122"/>
+                <a:cs typeface="Times New Roman" panose="02020603050405020304" pitchFamily="18" charset="0"/>
+              </a:rPr>
+              <a:t>1</a:t>
+            </a:r>
+            <a:r>
+              <a:rPr lang="en-US" altLang="zh-CN" kern="0" dirty="0">
+                <a:solidFill>
+                  <a:srgbClr val="000000"/>
+                </a:solidFill>
+                <a:effectLst/>
+                <a:latin typeface="Menlo" panose="020B0609030804020204" pitchFamily="49" charset="0"/>
+                <a:ea typeface="宋体" panose="02010600030101010101" pitchFamily="2" charset="-122"/>
+                <a:cs typeface="Times New Roman" panose="02020603050405020304" pitchFamily="18" charset="0"/>
+              </a:rPr>
+              <a:t>,</a:t>
+            </a:r>
+            <a:r>
+              <a:rPr lang="en-US" altLang="zh-CN" kern="0" dirty="0">
+                <a:solidFill>
+                  <a:srgbClr val="098658"/>
+                </a:solidFill>
+                <a:effectLst/>
+                <a:latin typeface="Menlo" panose="020B0609030804020204" pitchFamily="49" charset="0"/>
+                <a:ea typeface="宋体" panose="02010600030101010101" pitchFamily="2" charset="-122"/>
+                <a:cs typeface="Times New Roman" panose="02020603050405020304" pitchFamily="18" charset="0"/>
+              </a:rPr>
+              <a:t>3</a:t>
+            </a:r>
+            <a:r>
+              <a:rPr lang="en-US" altLang="zh-CN" kern="0" dirty="0">
+                <a:solidFill>
+                  <a:srgbClr val="000000"/>
+                </a:solidFill>
+                <a:effectLst/>
+                <a:latin typeface="Menlo" panose="020B0609030804020204" pitchFamily="49" charset="0"/>
+                <a:ea typeface="宋体" panose="02010600030101010101" pitchFamily="2" charset="-122"/>
+                <a:cs typeface="Times New Roman" panose="02020603050405020304" pitchFamily="18" charset="0"/>
+              </a:rPr>
+              <a:t>,</a:t>
+            </a:r>
+            <a:r>
+              <a:rPr lang="en-US" altLang="zh-CN" kern="0" dirty="0">
+                <a:solidFill>
+                  <a:srgbClr val="098658"/>
+                </a:solidFill>
+                <a:effectLst/>
+                <a:latin typeface="Menlo" panose="020B0609030804020204" pitchFamily="49" charset="0"/>
+                <a:ea typeface="宋体" panose="02010600030101010101" pitchFamily="2" charset="-122"/>
+                <a:cs typeface="Times New Roman" panose="02020603050405020304" pitchFamily="18" charset="0"/>
+              </a:rPr>
+              <a:t>5</a:t>
+            </a:r>
+            <a:r>
+              <a:rPr lang="en-US" altLang="zh-CN" kern="0" dirty="0">
+                <a:solidFill>
+                  <a:srgbClr val="000000"/>
+                </a:solidFill>
+                <a:effectLst/>
+                <a:latin typeface="Menlo" panose="020B0609030804020204" pitchFamily="49" charset="0"/>
+                <a:ea typeface="宋体" panose="02010600030101010101" pitchFamily="2" charset="-122"/>
+                <a:cs typeface="Times New Roman" panose="02020603050405020304" pitchFamily="18" charset="0"/>
+              </a:rPr>
+              <a:t>,</a:t>
+            </a:r>
+            <a:r>
+              <a:rPr lang="en-US" altLang="zh-CN" kern="0" dirty="0">
+                <a:solidFill>
+                  <a:srgbClr val="098658"/>
+                </a:solidFill>
+                <a:effectLst/>
+                <a:latin typeface="Menlo" panose="020B0609030804020204" pitchFamily="49" charset="0"/>
+                <a:ea typeface="宋体" panose="02010600030101010101" pitchFamily="2" charset="-122"/>
+                <a:cs typeface="Times New Roman" panose="02020603050405020304" pitchFamily="18" charset="0"/>
+              </a:rPr>
+              <a:t>7</a:t>
+            </a:r>
+            <a:r>
+              <a:rPr lang="en-US" altLang="zh-CN" kern="0" dirty="0">
+                <a:solidFill>
+                  <a:srgbClr val="000000"/>
+                </a:solidFill>
+                <a:effectLst/>
+                <a:latin typeface="Menlo" panose="020B0609030804020204" pitchFamily="49" charset="0"/>
+                <a:ea typeface="宋体" panose="02010600030101010101" pitchFamily="2" charset="-122"/>
+                <a:cs typeface="Times New Roman" panose="02020603050405020304" pitchFamily="18" charset="0"/>
+              </a:rPr>
+              <a:t>,</a:t>
+            </a:r>
+            <a:r>
+              <a:rPr lang="en-US" altLang="zh-CN" kern="0" dirty="0">
+                <a:solidFill>
+                  <a:srgbClr val="098658"/>
+                </a:solidFill>
+                <a:effectLst/>
+                <a:latin typeface="Menlo" panose="020B0609030804020204" pitchFamily="49" charset="0"/>
+                <a:ea typeface="宋体" panose="02010600030101010101" pitchFamily="2" charset="-122"/>
+                <a:cs typeface="Times New Roman" panose="02020603050405020304" pitchFamily="18" charset="0"/>
+              </a:rPr>
+              <a:t>9</a:t>
+            </a:r>
+            <a:r>
+              <a:rPr lang="en-US" altLang="zh-CN" kern="0" dirty="0">
+                <a:solidFill>
+                  <a:srgbClr val="000000"/>
+                </a:solidFill>
+                <a:effectLst/>
+                <a:latin typeface="Menlo" panose="020B0609030804020204" pitchFamily="49" charset="0"/>
+                <a:ea typeface="宋体" panose="02010600030101010101" pitchFamily="2" charset="-122"/>
+                <a:cs typeface="Times New Roman" panose="02020603050405020304" pitchFamily="18" charset="0"/>
+              </a:rPr>
+              <a:t>,</a:t>
+            </a:r>
+            <a:r>
+              <a:rPr lang="en-US" altLang="zh-CN" kern="0" dirty="0">
+                <a:solidFill>
+                  <a:srgbClr val="098658"/>
+                </a:solidFill>
+                <a:effectLst/>
+                <a:latin typeface="Menlo" panose="020B0609030804020204" pitchFamily="49" charset="0"/>
+                <a:ea typeface="宋体" panose="02010600030101010101" pitchFamily="2" charset="-122"/>
+                <a:cs typeface="Times New Roman" panose="02020603050405020304" pitchFamily="18" charset="0"/>
+              </a:rPr>
+              <a:t>11</a:t>
+            </a:r>
+            <a:r>
+              <a:rPr lang="en-US" altLang="zh-CN" kern="0" dirty="0">
+                <a:solidFill>
+                  <a:srgbClr val="000000"/>
+                </a:solidFill>
+                <a:effectLst/>
+                <a:latin typeface="Menlo" panose="020B0609030804020204" pitchFamily="49" charset="0"/>
+                <a:ea typeface="宋体" panose="02010600030101010101" pitchFamily="2" charset="-122"/>
+                <a:cs typeface="Times New Roman" panose="02020603050405020304" pitchFamily="18" charset="0"/>
+              </a:rPr>
+              <a:t>,</a:t>
+            </a:r>
+            <a:r>
+              <a:rPr lang="en-US" altLang="zh-CN" kern="0" dirty="0">
+                <a:solidFill>
+                  <a:srgbClr val="098658"/>
+                </a:solidFill>
+                <a:effectLst/>
+                <a:latin typeface="Menlo" panose="020B0609030804020204" pitchFamily="49" charset="0"/>
+                <a:ea typeface="宋体" panose="02010600030101010101" pitchFamily="2" charset="-122"/>
+                <a:cs typeface="Times New Roman" panose="02020603050405020304" pitchFamily="18" charset="0"/>
+              </a:rPr>
+              <a:t>13</a:t>
+            </a:r>
+            <a:r>
+              <a:rPr lang="en-US" altLang="zh-CN" kern="0" dirty="0">
+                <a:solidFill>
+                  <a:srgbClr val="000000"/>
+                </a:solidFill>
+                <a:effectLst/>
+                <a:latin typeface="Menlo" panose="020B0609030804020204" pitchFamily="49" charset="0"/>
+                <a:ea typeface="宋体" panose="02010600030101010101" pitchFamily="2" charset="-122"/>
+                <a:cs typeface="Times New Roman" panose="02020603050405020304" pitchFamily="18" charset="0"/>
+              </a:rPr>
+              <a:t>,</a:t>
+            </a:r>
+            <a:r>
+              <a:rPr lang="en-US" altLang="zh-CN" kern="0" dirty="0">
+                <a:solidFill>
+                  <a:srgbClr val="098658"/>
+                </a:solidFill>
+                <a:effectLst/>
+                <a:latin typeface="Menlo" panose="020B0609030804020204" pitchFamily="49" charset="0"/>
+                <a:ea typeface="宋体" panose="02010600030101010101" pitchFamily="2" charset="-122"/>
+                <a:cs typeface="Times New Roman" panose="02020603050405020304" pitchFamily="18" charset="0"/>
+              </a:rPr>
+              <a:t>15</a:t>
+            </a:r>
+            <a:r>
+              <a:rPr lang="en-US" altLang="zh-CN" kern="0" dirty="0">
+                <a:solidFill>
+                  <a:srgbClr val="000000"/>
+                </a:solidFill>
+                <a:effectLst/>
+                <a:latin typeface="Menlo" panose="020B0609030804020204" pitchFamily="49" charset="0"/>
+                <a:ea typeface="宋体" panose="02010600030101010101" pitchFamily="2" charset="-122"/>
+                <a:cs typeface="Times New Roman" panose="02020603050405020304" pitchFamily="18" charset="0"/>
+              </a:rPr>
+              <a:t>,</a:t>
+            </a:r>
+            <a:r>
+              <a:rPr lang="en-US" altLang="zh-CN" kern="0" dirty="0">
+                <a:solidFill>
+                  <a:srgbClr val="098658"/>
+                </a:solidFill>
+                <a:effectLst/>
+                <a:latin typeface="Menlo" panose="020B0609030804020204" pitchFamily="49" charset="0"/>
+                <a:ea typeface="宋体" panose="02010600030101010101" pitchFamily="2" charset="-122"/>
+                <a:cs typeface="Times New Roman" panose="02020603050405020304" pitchFamily="18" charset="0"/>
+              </a:rPr>
+              <a:t>17</a:t>
+            </a:r>
+            <a:r>
+              <a:rPr lang="en-US" altLang="zh-CN" kern="0" dirty="0">
+                <a:solidFill>
+                  <a:srgbClr val="000000"/>
+                </a:solidFill>
+                <a:effectLst/>
+                <a:latin typeface="Menlo" panose="020B0609030804020204" pitchFamily="49" charset="0"/>
+                <a:ea typeface="宋体" panose="02010600030101010101" pitchFamily="2" charset="-122"/>
+                <a:cs typeface="Times New Roman" panose="02020603050405020304" pitchFamily="18" charset="0"/>
+              </a:rPr>
+              <a:t>,</a:t>
+            </a:r>
+            <a:r>
+              <a:rPr lang="en-US" altLang="zh-CN" kern="0" dirty="0">
+                <a:solidFill>
+                  <a:srgbClr val="098658"/>
+                </a:solidFill>
+                <a:effectLst/>
+                <a:latin typeface="Menlo" panose="020B0609030804020204" pitchFamily="49" charset="0"/>
+                <a:ea typeface="宋体" panose="02010600030101010101" pitchFamily="2" charset="-122"/>
+                <a:cs typeface="Times New Roman" panose="02020603050405020304" pitchFamily="18" charset="0"/>
+              </a:rPr>
+              <a:t>19</a:t>
+            </a:r>
+            <a:r>
+              <a:rPr lang="en-US" altLang="zh-CN" kern="0" dirty="0">
+                <a:solidFill>
+                  <a:srgbClr val="000000"/>
+                </a:solidFill>
+                <a:effectLst/>
+                <a:latin typeface="Menlo" panose="020B0609030804020204" pitchFamily="49" charset="0"/>
+                <a:ea typeface="宋体" panose="02010600030101010101" pitchFamily="2" charset="-122"/>
+                <a:cs typeface="Times New Roman" panose="02020603050405020304" pitchFamily="18" charset="0"/>
+              </a:rPr>
+              <a:t>}; </a:t>
+            </a:r>
+            <a:endParaRPr lang="zh-CN" altLang="zh-CN" kern="100" dirty="0">
+              <a:effectLst/>
+              <a:latin typeface="DengXian" panose="02010600030101010101" pitchFamily="2" charset="-122"/>
+              <a:ea typeface="DengXian" panose="02010600030101010101" pitchFamily="2" charset="-122"/>
+              <a:cs typeface="Times New Roman" panose="02020603050405020304" pitchFamily="18" charset="0"/>
+            </a:endParaRPr>
+          </a:p>
+          <a:p>
+            <a:pPr algn="l"/>
+            <a:r>
+              <a:rPr lang="en-US" altLang="zh-CN" kern="0" dirty="0">
+                <a:solidFill>
+                  <a:srgbClr val="000000"/>
+                </a:solidFill>
+                <a:effectLst/>
+                <a:latin typeface="Menlo" panose="020B0609030804020204" pitchFamily="49" charset="0"/>
+                <a:ea typeface="宋体" panose="02010600030101010101" pitchFamily="2" charset="-122"/>
+                <a:cs typeface="Times New Roman" panose="02020603050405020304" pitchFamily="18" charset="0"/>
+              </a:rPr>
+              <a:t>    </a:t>
+            </a:r>
+            <a:r>
+              <a:rPr lang="en-US" altLang="zh-CN" kern="0" dirty="0">
+                <a:solidFill>
+                  <a:srgbClr val="0000FF"/>
+                </a:solidFill>
+                <a:effectLst/>
+                <a:latin typeface="Menlo" panose="020B0609030804020204" pitchFamily="49" charset="0"/>
+                <a:ea typeface="宋体" panose="02010600030101010101" pitchFamily="2" charset="-122"/>
+                <a:cs typeface="Times New Roman" panose="02020603050405020304" pitchFamily="18" charset="0"/>
+              </a:rPr>
+              <a:t>int</a:t>
+            </a:r>
+            <a:r>
+              <a:rPr lang="en-US" altLang="zh-CN" kern="0" dirty="0">
+                <a:solidFill>
+                  <a:srgbClr val="000000"/>
+                </a:solidFill>
+                <a:effectLst/>
+                <a:latin typeface="Menlo" panose="020B0609030804020204" pitchFamily="49" charset="0"/>
+                <a:ea typeface="宋体" panose="02010600030101010101" pitchFamily="2" charset="-122"/>
+                <a:cs typeface="Times New Roman" panose="02020603050405020304" pitchFamily="18" charset="0"/>
+              </a:rPr>
+              <a:t> </a:t>
+            </a:r>
+            <a:r>
+              <a:rPr lang="en-US" altLang="zh-CN" kern="0" dirty="0">
+                <a:solidFill>
+                  <a:srgbClr val="0000FF"/>
+                </a:solidFill>
+                <a:effectLst/>
+                <a:latin typeface="Menlo" panose="020B0609030804020204" pitchFamily="49" charset="0"/>
+                <a:ea typeface="宋体" panose="02010600030101010101" pitchFamily="2" charset="-122"/>
+                <a:cs typeface="Times New Roman" panose="02020603050405020304" pitchFamily="18" charset="0"/>
+              </a:rPr>
+              <a:t>*</a:t>
+            </a:r>
+            <a:r>
+              <a:rPr lang="en-US" altLang="zh-CN" kern="0" dirty="0">
+                <a:solidFill>
+                  <a:srgbClr val="001080"/>
+                </a:solidFill>
+                <a:effectLst/>
+                <a:latin typeface="Menlo" panose="020B0609030804020204" pitchFamily="49" charset="0"/>
+                <a:ea typeface="宋体" panose="02010600030101010101" pitchFamily="2" charset="-122"/>
+                <a:cs typeface="Times New Roman" panose="02020603050405020304" pitchFamily="18" charset="0"/>
+              </a:rPr>
+              <a:t>p</a:t>
+            </a:r>
+            <a:r>
+              <a:rPr lang="en-US" altLang="zh-CN" kern="0" dirty="0">
+                <a:solidFill>
+                  <a:srgbClr val="000000"/>
+                </a:solidFill>
+                <a:effectLst/>
+                <a:latin typeface="Menlo" panose="020B0609030804020204" pitchFamily="49" charset="0"/>
+                <a:ea typeface="宋体" panose="02010600030101010101" pitchFamily="2" charset="-122"/>
+                <a:cs typeface="Times New Roman" panose="02020603050405020304" pitchFamily="18" charset="0"/>
+              </a:rPr>
+              <a:t> = *(</a:t>
+            </a:r>
+            <a:r>
+              <a:rPr lang="en-US" altLang="zh-CN" kern="0" dirty="0">
+                <a:solidFill>
+                  <a:srgbClr val="001080"/>
+                </a:solidFill>
+                <a:effectLst/>
+                <a:latin typeface="Menlo" panose="020B0609030804020204" pitchFamily="49" charset="0"/>
+                <a:ea typeface="宋体" panose="02010600030101010101" pitchFamily="2" charset="-122"/>
+                <a:cs typeface="Times New Roman" panose="02020603050405020304" pitchFamily="18" charset="0"/>
+              </a:rPr>
+              <a:t>matrix</a:t>
+            </a:r>
+            <a:r>
+              <a:rPr lang="en-US" altLang="zh-CN" kern="0" dirty="0">
+                <a:solidFill>
+                  <a:srgbClr val="000000"/>
+                </a:solidFill>
+                <a:effectLst/>
+                <a:latin typeface="Menlo" panose="020B0609030804020204" pitchFamily="49" charset="0"/>
+                <a:ea typeface="宋体" panose="02010600030101010101" pitchFamily="2" charset="-122"/>
+                <a:cs typeface="Times New Roman" panose="02020603050405020304" pitchFamily="18" charset="0"/>
+              </a:rPr>
+              <a:t> + </a:t>
+            </a:r>
+            <a:r>
+              <a:rPr lang="en-US" altLang="zh-CN" kern="0" dirty="0">
+                <a:solidFill>
+                  <a:srgbClr val="098658"/>
+                </a:solidFill>
+                <a:effectLst/>
+                <a:latin typeface="Menlo" panose="020B0609030804020204" pitchFamily="49" charset="0"/>
+                <a:ea typeface="宋体" panose="02010600030101010101" pitchFamily="2" charset="-122"/>
+                <a:cs typeface="Times New Roman" panose="02020603050405020304" pitchFamily="18" charset="0"/>
+              </a:rPr>
+              <a:t>1</a:t>
+            </a:r>
+            <a:r>
+              <a:rPr lang="en-US" altLang="zh-CN" kern="0" dirty="0">
+                <a:solidFill>
+                  <a:srgbClr val="000000"/>
+                </a:solidFill>
+                <a:effectLst/>
+                <a:latin typeface="Menlo" panose="020B0609030804020204" pitchFamily="49" charset="0"/>
+                <a:ea typeface="宋体" panose="02010600030101010101" pitchFamily="2" charset="-122"/>
+                <a:cs typeface="Times New Roman" panose="02020603050405020304" pitchFamily="18" charset="0"/>
+              </a:rPr>
+              <a:t>);</a:t>
+            </a:r>
+            <a:endParaRPr lang="zh-CN" altLang="zh-CN" kern="100" dirty="0">
+              <a:effectLst/>
+              <a:latin typeface="DengXian" panose="02010600030101010101" pitchFamily="2" charset="-122"/>
+              <a:ea typeface="DengXian" panose="02010600030101010101" pitchFamily="2" charset="-122"/>
+              <a:cs typeface="Times New Roman" panose="02020603050405020304" pitchFamily="18" charset="0"/>
+            </a:endParaRPr>
+          </a:p>
+          <a:p>
+            <a:pPr algn="l"/>
+            <a:r>
+              <a:rPr lang="en-US" altLang="zh-CN" kern="0" dirty="0">
+                <a:solidFill>
+                  <a:srgbClr val="000000"/>
+                </a:solidFill>
+                <a:effectLst/>
+                <a:latin typeface="Menlo" panose="020B0609030804020204" pitchFamily="49" charset="0"/>
+                <a:ea typeface="宋体" panose="02010600030101010101" pitchFamily="2" charset="-122"/>
+                <a:cs typeface="Times New Roman" panose="02020603050405020304" pitchFamily="18" charset="0"/>
+              </a:rPr>
+              <a:t>    </a:t>
+            </a:r>
+            <a:r>
+              <a:rPr lang="en-US" altLang="zh-CN" kern="0" dirty="0">
+                <a:solidFill>
+                  <a:srgbClr val="001080"/>
+                </a:solidFill>
+                <a:effectLst/>
+                <a:latin typeface="Menlo" panose="020B0609030804020204" pitchFamily="49" charset="0"/>
+                <a:ea typeface="宋体" panose="02010600030101010101" pitchFamily="2" charset="-122"/>
+                <a:cs typeface="Times New Roman" panose="02020603050405020304" pitchFamily="18" charset="0"/>
+              </a:rPr>
+              <a:t>p</a:t>
+            </a:r>
+            <a:r>
+              <a:rPr lang="en-US" altLang="zh-CN" kern="0" dirty="0">
+                <a:solidFill>
+                  <a:srgbClr val="000000"/>
+                </a:solidFill>
+                <a:effectLst/>
+                <a:latin typeface="Menlo" panose="020B0609030804020204" pitchFamily="49" charset="0"/>
+                <a:ea typeface="宋体" panose="02010600030101010101" pitchFamily="2" charset="-122"/>
+                <a:cs typeface="Times New Roman" panose="02020603050405020304" pitchFamily="18" charset="0"/>
+              </a:rPr>
+              <a:t> += </a:t>
+            </a:r>
+            <a:r>
+              <a:rPr lang="en-US" altLang="zh-CN" kern="0" dirty="0">
+                <a:solidFill>
+                  <a:srgbClr val="098658"/>
+                </a:solidFill>
+                <a:effectLst/>
+                <a:latin typeface="Menlo" panose="020B0609030804020204" pitchFamily="49" charset="0"/>
+                <a:ea typeface="宋体" panose="02010600030101010101" pitchFamily="2" charset="-122"/>
+                <a:cs typeface="Times New Roman" panose="02020603050405020304" pitchFamily="18" charset="0"/>
+              </a:rPr>
+              <a:t>3</a:t>
+            </a:r>
+            <a:r>
+              <a:rPr lang="en-US" altLang="zh-CN" kern="0" dirty="0">
+                <a:solidFill>
+                  <a:srgbClr val="000000"/>
+                </a:solidFill>
+                <a:effectLst/>
+                <a:latin typeface="Menlo" panose="020B0609030804020204" pitchFamily="49" charset="0"/>
+                <a:ea typeface="宋体" panose="02010600030101010101" pitchFamily="2" charset="-122"/>
+                <a:cs typeface="Times New Roman" panose="02020603050405020304" pitchFamily="18" charset="0"/>
+              </a:rPr>
+              <a:t>;</a:t>
+            </a:r>
+            <a:endParaRPr lang="zh-CN" altLang="zh-CN" kern="100" dirty="0">
+              <a:effectLst/>
+              <a:latin typeface="DengXian" panose="02010600030101010101" pitchFamily="2" charset="-122"/>
+              <a:ea typeface="DengXian" panose="02010600030101010101" pitchFamily="2" charset="-122"/>
+              <a:cs typeface="Times New Roman" panose="02020603050405020304" pitchFamily="18" charset="0"/>
+            </a:endParaRPr>
+          </a:p>
+          <a:p>
+            <a:pPr algn="l"/>
+            <a:r>
+              <a:rPr lang="en-US" altLang="zh-CN" kern="0" dirty="0">
+                <a:solidFill>
+                  <a:srgbClr val="000000"/>
+                </a:solidFill>
+                <a:effectLst/>
+                <a:latin typeface="Menlo" panose="020B0609030804020204" pitchFamily="49" charset="0"/>
+                <a:ea typeface="宋体" panose="02010600030101010101" pitchFamily="2" charset="-122"/>
+                <a:cs typeface="Times New Roman" panose="02020603050405020304" pitchFamily="18" charset="0"/>
+              </a:rPr>
+              <a:t>    </a:t>
+            </a:r>
+            <a:r>
+              <a:rPr lang="en-US" altLang="zh-CN" kern="0" dirty="0" err="1">
+                <a:solidFill>
+                  <a:srgbClr val="001080"/>
+                </a:solidFill>
+                <a:effectLst/>
+                <a:latin typeface="Menlo" panose="020B0609030804020204" pitchFamily="49" charset="0"/>
+                <a:ea typeface="宋体" panose="02010600030101010101" pitchFamily="2" charset="-122"/>
+                <a:cs typeface="Times New Roman" panose="02020603050405020304" pitchFamily="18" charset="0"/>
               </a:rPr>
               <a:t>cout</a:t>
             </a:r>
             <a:r>
-              <a:rPr lang="en-US" altLang="zh-CN" sz="1400" b="0" dirty="0">
-                <a:effectLst/>
-              </a:rPr>
-              <a:t> &lt;&lt; "*p++ = " &lt;&lt; *p++ &lt;&lt; ",*p = " &lt;&lt; *p &lt;&lt; </a:t>
-            </a:r>
-            <a:r>
-              <a:rPr lang="en-US" altLang="zh-CN" sz="1400" b="0" dirty="0" err="1">
-                <a:effectLst/>
+              <a:rPr lang="en-US" altLang="zh-CN" kern="0" dirty="0">
+                <a:solidFill>
+                  <a:srgbClr val="000000"/>
+                </a:solidFill>
+                <a:effectLst/>
+                <a:latin typeface="Menlo" panose="020B0609030804020204" pitchFamily="49" charset="0"/>
+                <a:ea typeface="宋体" panose="02010600030101010101" pitchFamily="2" charset="-122"/>
+                <a:cs typeface="Times New Roman" panose="02020603050405020304" pitchFamily="18" charset="0"/>
+              </a:rPr>
+              <a:t> </a:t>
+            </a:r>
+            <a:r>
+              <a:rPr lang="en-US" altLang="zh-CN" kern="0" dirty="0">
+                <a:solidFill>
+                  <a:srgbClr val="795E26"/>
+                </a:solidFill>
+                <a:effectLst/>
+                <a:latin typeface="Menlo" panose="020B0609030804020204" pitchFamily="49" charset="0"/>
+                <a:ea typeface="宋体" panose="02010600030101010101" pitchFamily="2" charset="-122"/>
+                <a:cs typeface="Times New Roman" panose="02020603050405020304" pitchFamily="18" charset="0"/>
+              </a:rPr>
+              <a:t>&lt;&lt;</a:t>
+            </a:r>
+            <a:r>
+              <a:rPr lang="en-US" altLang="zh-CN" kern="0" dirty="0">
+                <a:solidFill>
+                  <a:srgbClr val="000000"/>
+                </a:solidFill>
+                <a:effectLst/>
+                <a:latin typeface="Menlo" panose="020B0609030804020204" pitchFamily="49" charset="0"/>
+                <a:ea typeface="宋体" panose="02010600030101010101" pitchFamily="2" charset="-122"/>
+                <a:cs typeface="Times New Roman" panose="02020603050405020304" pitchFamily="18" charset="0"/>
+              </a:rPr>
+              <a:t> </a:t>
+            </a:r>
+            <a:r>
+              <a:rPr lang="en-US" altLang="zh-CN" kern="0" dirty="0">
+                <a:solidFill>
+                  <a:srgbClr val="A31515"/>
+                </a:solidFill>
+                <a:effectLst/>
+                <a:latin typeface="Menlo" panose="020B0609030804020204" pitchFamily="49" charset="0"/>
+                <a:ea typeface="宋体" panose="02010600030101010101" pitchFamily="2" charset="-122"/>
+                <a:cs typeface="Times New Roman" panose="02020603050405020304" pitchFamily="18" charset="0"/>
+              </a:rPr>
+              <a:t>"*p++ = "</a:t>
+            </a:r>
+            <a:r>
+              <a:rPr lang="en-US" altLang="zh-CN" kern="0" dirty="0">
+                <a:solidFill>
+                  <a:srgbClr val="000000"/>
+                </a:solidFill>
+                <a:effectLst/>
+                <a:latin typeface="Menlo" panose="020B0609030804020204" pitchFamily="49" charset="0"/>
+                <a:ea typeface="宋体" panose="02010600030101010101" pitchFamily="2" charset="-122"/>
+                <a:cs typeface="Times New Roman" panose="02020603050405020304" pitchFamily="18" charset="0"/>
+              </a:rPr>
+              <a:t> </a:t>
+            </a:r>
+            <a:r>
+              <a:rPr lang="en-US" altLang="zh-CN" kern="0" dirty="0">
+                <a:solidFill>
+                  <a:srgbClr val="795E26"/>
+                </a:solidFill>
+                <a:effectLst/>
+                <a:latin typeface="Menlo" panose="020B0609030804020204" pitchFamily="49" charset="0"/>
+                <a:ea typeface="宋体" panose="02010600030101010101" pitchFamily="2" charset="-122"/>
+                <a:cs typeface="Times New Roman" panose="02020603050405020304" pitchFamily="18" charset="0"/>
+              </a:rPr>
+              <a:t>&lt;&lt;</a:t>
+            </a:r>
+            <a:r>
+              <a:rPr lang="en-US" altLang="zh-CN" kern="0" dirty="0">
+                <a:solidFill>
+                  <a:srgbClr val="000000"/>
+                </a:solidFill>
+                <a:effectLst/>
+                <a:latin typeface="Menlo" panose="020B0609030804020204" pitchFamily="49" charset="0"/>
+                <a:ea typeface="宋体" panose="02010600030101010101" pitchFamily="2" charset="-122"/>
+                <a:cs typeface="Times New Roman" panose="02020603050405020304" pitchFamily="18" charset="0"/>
+              </a:rPr>
+              <a:t> *</a:t>
+            </a:r>
+            <a:r>
+              <a:rPr lang="en-US" altLang="zh-CN" kern="0" dirty="0">
+                <a:solidFill>
+                  <a:srgbClr val="001080"/>
+                </a:solidFill>
+                <a:effectLst/>
+                <a:latin typeface="Menlo" panose="020B0609030804020204" pitchFamily="49" charset="0"/>
+                <a:ea typeface="宋体" panose="02010600030101010101" pitchFamily="2" charset="-122"/>
+                <a:cs typeface="Times New Roman" panose="02020603050405020304" pitchFamily="18" charset="0"/>
+              </a:rPr>
+              <a:t>p</a:t>
+            </a:r>
+            <a:r>
+              <a:rPr lang="en-US" altLang="zh-CN" kern="0" dirty="0">
+                <a:solidFill>
+                  <a:srgbClr val="000000"/>
+                </a:solidFill>
+                <a:effectLst/>
+                <a:latin typeface="Menlo" panose="020B0609030804020204" pitchFamily="49" charset="0"/>
+                <a:ea typeface="宋体" panose="02010600030101010101" pitchFamily="2" charset="-122"/>
+                <a:cs typeface="Times New Roman" panose="02020603050405020304" pitchFamily="18" charset="0"/>
+              </a:rPr>
+              <a:t>++ </a:t>
+            </a:r>
+            <a:r>
+              <a:rPr lang="en-US" altLang="zh-CN" kern="0" dirty="0">
+                <a:solidFill>
+                  <a:srgbClr val="795E26"/>
+                </a:solidFill>
+                <a:effectLst/>
+                <a:latin typeface="Menlo" panose="020B0609030804020204" pitchFamily="49" charset="0"/>
+                <a:ea typeface="宋体" panose="02010600030101010101" pitchFamily="2" charset="-122"/>
+                <a:cs typeface="Times New Roman" panose="02020603050405020304" pitchFamily="18" charset="0"/>
+              </a:rPr>
+              <a:t>&lt;&lt;</a:t>
+            </a:r>
+            <a:r>
+              <a:rPr lang="en-US" altLang="zh-CN" kern="0" dirty="0">
+                <a:solidFill>
+                  <a:srgbClr val="000000"/>
+                </a:solidFill>
+                <a:effectLst/>
+                <a:latin typeface="Menlo" panose="020B0609030804020204" pitchFamily="49" charset="0"/>
+                <a:ea typeface="宋体" panose="02010600030101010101" pitchFamily="2" charset="-122"/>
+                <a:cs typeface="Times New Roman" panose="02020603050405020304" pitchFamily="18" charset="0"/>
+              </a:rPr>
+              <a:t> </a:t>
+            </a:r>
+            <a:r>
+              <a:rPr lang="en-US" altLang="zh-CN" kern="0" dirty="0" err="1">
+                <a:solidFill>
+                  <a:srgbClr val="795E26"/>
+                </a:solidFill>
+                <a:effectLst/>
+                <a:latin typeface="Menlo" panose="020B0609030804020204" pitchFamily="49" charset="0"/>
+                <a:ea typeface="宋体" panose="02010600030101010101" pitchFamily="2" charset="-122"/>
+                <a:cs typeface="Times New Roman" panose="02020603050405020304" pitchFamily="18" charset="0"/>
               </a:rPr>
               <a:t>endl</a:t>
             </a:r>
             <a:r>
-              <a:rPr lang="en-US" altLang="zh-CN" sz="1400" b="0" dirty="0">
-                <a:effectLst/>
+              <a:rPr lang="en-US" altLang="zh-CN" kern="0" dirty="0">
+                <a:solidFill>
+                  <a:srgbClr val="000000"/>
+                </a:solidFill>
+                <a:effectLst/>
+                <a:latin typeface="Menlo" panose="020B0609030804020204" pitchFamily="49" charset="0"/>
+                <a:ea typeface="宋体" panose="02010600030101010101" pitchFamily="2" charset="-122"/>
+                <a:cs typeface="Times New Roman" panose="02020603050405020304" pitchFamily="18" charset="0"/>
               </a:rPr>
               <a:t>; </a:t>
             </a:r>
-          </a:p>
-          <a:p>
-            <a:br>
-              <a:rPr lang="en-US" altLang="zh-CN" sz="1400" b="0" dirty="0">
-                <a:effectLst/>
-              </a:rPr>
-            </a:br>
-            <a:r>
-              <a:rPr lang="en-US" altLang="zh-CN" sz="1400" b="0" dirty="0">
-                <a:effectLst/>
-              </a:rPr>
-              <a:t>    const char *pc = "Welcome to programming.", *r;</a:t>
-            </a:r>
-          </a:p>
-          <a:p>
-            <a:r>
-              <a:rPr lang="en-US" altLang="zh-CN" sz="1400" b="0" dirty="0">
-                <a:effectLst/>
-              </a:rPr>
-              <a:t>    long *q = (long *)pc;</a:t>
-            </a:r>
-          </a:p>
-          <a:p>
-            <a:r>
-              <a:rPr lang="en-US" altLang="zh-CN" sz="1400" b="0" dirty="0">
-                <a:effectLst/>
-              </a:rPr>
-              <a:t>    q++;</a:t>
-            </a:r>
-          </a:p>
-          <a:p>
-            <a:r>
-              <a:rPr lang="en-US" altLang="zh-CN" sz="1400" b="0" dirty="0">
-                <a:effectLst/>
-              </a:rPr>
-              <a:t>    r = (char *)q;</a:t>
-            </a:r>
-          </a:p>
-          <a:p>
-            <a:br>
-              <a:rPr lang="en-US" altLang="zh-CN" sz="1400" b="0" dirty="0">
-                <a:effectLst/>
-              </a:rPr>
-            </a:br>
-            <a:r>
-              <a:rPr lang="en-US" altLang="zh-CN" sz="1400" b="0" dirty="0">
-                <a:effectLst/>
-              </a:rPr>
-              <a:t>    </a:t>
-            </a:r>
-            <a:r>
-              <a:rPr lang="en-US" altLang="zh-CN" sz="1400" b="0" dirty="0" err="1">
-                <a:effectLst/>
+            <a:endParaRPr lang="zh-CN" altLang="zh-CN" kern="100" dirty="0">
+              <a:effectLst/>
+              <a:latin typeface="DengXian" panose="02010600030101010101" pitchFamily="2" charset="-122"/>
+              <a:ea typeface="DengXian" panose="02010600030101010101" pitchFamily="2" charset="-122"/>
+              <a:cs typeface="Times New Roman" panose="02020603050405020304" pitchFamily="18" charset="0"/>
+            </a:endParaRPr>
+          </a:p>
+          <a:p>
+            <a:pPr algn="l"/>
+            <a:r>
+              <a:rPr lang="en-US" altLang="zh-CN" kern="0" dirty="0">
+                <a:solidFill>
+                  <a:srgbClr val="000000"/>
+                </a:solidFill>
+                <a:effectLst/>
+                <a:latin typeface="Menlo" panose="020B0609030804020204" pitchFamily="49" charset="0"/>
+                <a:ea typeface="宋体" panose="02010600030101010101" pitchFamily="2" charset="-122"/>
+                <a:cs typeface="Times New Roman" panose="02020603050405020304" pitchFamily="18" charset="0"/>
+              </a:rPr>
+              <a:t> </a:t>
+            </a:r>
+            <a:endParaRPr lang="zh-CN" altLang="zh-CN" kern="100" dirty="0">
+              <a:effectLst/>
+              <a:latin typeface="DengXian" panose="02010600030101010101" pitchFamily="2" charset="-122"/>
+              <a:ea typeface="DengXian" panose="02010600030101010101" pitchFamily="2" charset="-122"/>
+              <a:cs typeface="Times New Roman" panose="02020603050405020304" pitchFamily="18" charset="0"/>
+            </a:endParaRPr>
+          </a:p>
+          <a:p>
+            <a:pPr algn="l"/>
+            <a:r>
+              <a:rPr lang="en-US" altLang="zh-CN" kern="0" dirty="0">
+                <a:solidFill>
+                  <a:srgbClr val="000000"/>
+                </a:solidFill>
+                <a:effectLst/>
+                <a:latin typeface="Menlo" panose="020B0609030804020204" pitchFamily="49" charset="0"/>
+                <a:ea typeface="宋体" panose="02010600030101010101" pitchFamily="2" charset="-122"/>
+                <a:cs typeface="Times New Roman" panose="02020603050405020304" pitchFamily="18" charset="0"/>
+              </a:rPr>
+              <a:t>    </a:t>
+            </a:r>
+            <a:r>
+              <a:rPr lang="en-US" altLang="zh-CN" kern="0" dirty="0">
+                <a:solidFill>
+                  <a:srgbClr val="0000FF"/>
+                </a:solidFill>
+                <a:effectLst/>
+                <a:latin typeface="Menlo" panose="020B0609030804020204" pitchFamily="49" charset="0"/>
+                <a:ea typeface="宋体" panose="02010600030101010101" pitchFamily="2" charset="-122"/>
+                <a:cs typeface="Times New Roman" panose="02020603050405020304" pitchFamily="18" charset="0"/>
+              </a:rPr>
+              <a:t>const</a:t>
+            </a:r>
+            <a:r>
+              <a:rPr lang="en-US" altLang="zh-CN" kern="0" dirty="0">
+                <a:solidFill>
+                  <a:srgbClr val="000000"/>
+                </a:solidFill>
+                <a:effectLst/>
+                <a:latin typeface="Menlo" panose="020B0609030804020204" pitchFamily="49" charset="0"/>
+                <a:ea typeface="宋体" panose="02010600030101010101" pitchFamily="2" charset="-122"/>
+                <a:cs typeface="Times New Roman" panose="02020603050405020304" pitchFamily="18" charset="0"/>
+              </a:rPr>
+              <a:t> </a:t>
+            </a:r>
+            <a:r>
+              <a:rPr lang="en-US" altLang="zh-CN" kern="0" dirty="0">
+                <a:solidFill>
+                  <a:srgbClr val="0000FF"/>
+                </a:solidFill>
+                <a:effectLst/>
+                <a:latin typeface="Menlo" panose="020B0609030804020204" pitchFamily="49" charset="0"/>
+                <a:ea typeface="宋体" panose="02010600030101010101" pitchFamily="2" charset="-122"/>
+                <a:cs typeface="Times New Roman" panose="02020603050405020304" pitchFamily="18" charset="0"/>
+              </a:rPr>
+              <a:t>char</a:t>
+            </a:r>
+            <a:r>
+              <a:rPr lang="en-US" altLang="zh-CN" kern="0" dirty="0">
+                <a:solidFill>
+                  <a:srgbClr val="000000"/>
+                </a:solidFill>
+                <a:effectLst/>
+                <a:latin typeface="Menlo" panose="020B0609030804020204" pitchFamily="49" charset="0"/>
+                <a:ea typeface="宋体" panose="02010600030101010101" pitchFamily="2" charset="-122"/>
+                <a:cs typeface="Times New Roman" panose="02020603050405020304" pitchFamily="18" charset="0"/>
+              </a:rPr>
+              <a:t> </a:t>
+            </a:r>
+            <a:r>
+              <a:rPr lang="en-US" altLang="zh-CN" kern="0" dirty="0">
+                <a:solidFill>
+                  <a:srgbClr val="0000FF"/>
+                </a:solidFill>
+                <a:effectLst/>
+                <a:latin typeface="Menlo" panose="020B0609030804020204" pitchFamily="49" charset="0"/>
+                <a:ea typeface="宋体" panose="02010600030101010101" pitchFamily="2" charset="-122"/>
+                <a:cs typeface="Times New Roman" panose="02020603050405020304" pitchFamily="18" charset="0"/>
+              </a:rPr>
+              <a:t>*</a:t>
+            </a:r>
+            <a:r>
+              <a:rPr lang="en-US" altLang="zh-CN" kern="0" dirty="0">
+                <a:solidFill>
+                  <a:srgbClr val="001080"/>
+                </a:solidFill>
+                <a:effectLst/>
+                <a:latin typeface="Menlo" panose="020B0609030804020204" pitchFamily="49" charset="0"/>
+                <a:ea typeface="宋体" panose="02010600030101010101" pitchFamily="2" charset="-122"/>
+                <a:cs typeface="Times New Roman" panose="02020603050405020304" pitchFamily="18" charset="0"/>
+              </a:rPr>
+              <a:t>str</a:t>
+            </a:r>
+            <a:r>
+              <a:rPr lang="en-US" altLang="zh-CN" kern="0" dirty="0">
+                <a:solidFill>
+                  <a:srgbClr val="000000"/>
+                </a:solidFill>
+                <a:effectLst/>
+                <a:latin typeface="Menlo" panose="020B0609030804020204" pitchFamily="49" charset="0"/>
+                <a:ea typeface="宋体" panose="02010600030101010101" pitchFamily="2" charset="-122"/>
+                <a:cs typeface="Times New Roman" panose="02020603050405020304" pitchFamily="18" charset="0"/>
+              </a:rPr>
+              <a:t> = </a:t>
+            </a:r>
+            <a:r>
+              <a:rPr lang="en-US" altLang="zh-CN" kern="0" dirty="0">
+                <a:solidFill>
+                  <a:srgbClr val="A31515"/>
+                </a:solidFill>
+                <a:effectLst/>
+                <a:latin typeface="Menlo" panose="020B0609030804020204" pitchFamily="49" charset="0"/>
+                <a:ea typeface="宋体" panose="02010600030101010101" pitchFamily="2" charset="-122"/>
+                <a:cs typeface="Times New Roman" panose="02020603050405020304" pitchFamily="18" charset="0"/>
+              </a:rPr>
+              <a:t>"Welcome to programming."</a:t>
+            </a:r>
+            <a:r>
+              <a:rPr lang="en-US" altLang="zh-CN" kern="0" dirty="0">
+                <a:solidFill>
+                  <a:srgbClr val="000000"/>
+                </a:solidFill>
+                <a:effectLst/>
+                <a:latin typeface="Menlo" panose="020B0609030804020204" pitchFamily="49" charset="0"/>
+                <a:ea typeface="宋体" panose="02010600030101010101" pitchFamily="2" charset="-122"/>
+                <a:cs typeface="Times New Roman" panose="02020603050405020304" pitchFamily="18" charset="0"/>
+              </a:rPr>
+              <a:t>;</a:t>
+            </a:r>
+            <a:endParaRPr lang="zh-CN" altLang="zh-CN" kern="100" dirty="0">
+              <a:effectLst/>
+              <a:latin typeface="DengXian" panose="02010600030101010101" pitchFamily="2" charset="-122"/>
+              <a:ea typeface="DengXian" panose="02010600030101010101" pitchFamily="2" charset="-122"/>
+              <a:cs typeface="Times New Roman" panose="02020603050405020304" pitchFamily="18" charset="0"/>
+            </a:endParaRPr>
+          </a:p>
+          <a:p>
+            <a:pPr algn="l"/>
+            <a:r>
+              <a:rPr lang="en-US" altLang="zh-CN" kern="0" dirty="0">
+                <a:solidFill>
+                  <a:srgbClr val="000000"/>
+                </a:solidFill>
+                <a:effectLst/>
+                <a:latin typeface="Menlo" panose="020B0609030804020204" pitchFamily="49" charset="0"/>
+                <a:ea typeface="宋体" panose="02010600030101010101" pitchFamily="2" charset="-122"/>
+                <a:cs typeface="Times New Roman" panose="02020603050405020304" pitchFamily="18" charset="0"/>
+              </a:rPr>
+              <a:t>    </a:t>
+            </a:r>
+            <a:r>
+              <a:rPr lang="en-US" altLang="zh-CN" kern="0" dirty="0">
+                <a:solidFill>
+                  <a:srgbClr val="0000FF"/>
+                </a:solidFill>
+                <a:effectLst/>
+                <a:latin typeface="Menlo" panose="020B0609030804020204" pitchFamily="49" charset="0"/>
+                <a:ea typeface="宋体" panose="02010600030101010101" pitchFamily="2" charset="-122"/>
+                <a:cs typeface="Times New Roman" panose="02020603050405020304" pitchFamily="18" charset="0"/>
+              </a:rPr>
+              <a:t>long</a:t>
+            </a:r>
+            <a:r>
+              <a:rPr lang="en-US" altLang="zh-CN" kern="0" dirty="0">
+                <a:solidFill>
+                  <a:srgbClr val="000000"/>
+                </a:solidFill>
+                <a:effectLst/>
+                <a:latin typeface="Menlo" panose="020B0609030804020204" pitchFamily="49" charset="0"/>
+                <a:ea typeface="宋体" panose="02010600030101010101" pitchFamily="2" charset="-122"/>
+                <a:cs typeface="Times New Roman" panose="02020603050405020304" pitchFamily="18" charset="0"/>
+              </a:rPr>
+              <a:t> </a:t>
+            </a:r>
+            <a:r>
+              <a:rPr lang="en-US" altLang="zh-CN" kern="0" dirty="0">
+                <a:solidFill>
+                  <a:srgbClr val="0000FF"/>
+                </a:solidFill>
+                <a:effectLst/>
+                <a:latin typeface="Menlo" panose="020B0609030804020204" pitchFamily="49" charset="0"/>
+                <a:ea typeface="宋体" panose="02010600030101010101" pitchFamily="2" charset="-122"/>
+                <a:cs typeface="Times New Roman" panose="02020603050405020304" pitchFamily="18" charset="0"/>
+              </a:rPr>
+              <a:t>*</a:t>
+            </a:r>
+            <a:r>
+              <a:rPr lang="en-US" altLang="zh-CN" kern="0" dirty="0">
+                <a:solidFill>
+                  <a:srgbClr val="001080"/>
+                </a:solidFill>
+                <a:effectLst/>
+                <a:latin typeface="Menlo" panose="020B0609030804020204" pitchFamily="49" charset="0"/>
+                <a:ea typeface="宋体" panose="02010600030101010101" pitchFamily="2" charset="-122"/>
+                <a:cs typeface="Times New Roman" panose="02020603050405020304" pitchFamily="18" charset="0"/>
+              </a:rPr>
+              <a:t>q</a:t>
+            </a:r>
+            <a:r>
+              <a:rPr lang="en-US" altLang="zh-CN" kern="0" dirty="0">
+                <a:solidFill>
+                  <a:srgbClr val="000000"/>
+                </a:solidFill>
+                <a:effectLst/>
+                <a:latin typeface="Menlo" panose="020B0609030804020204" pitchFamily="49" charset="0"/>
+                <a:ea typeface="宋体" panose="02010600030101010101" pitchFamily="2" charset="-122"/>
+                <a:cs typeface="Times New Roman" panose="02020603050405020304" pitchFamily="18" charset="0"/>
+              </a:rPr>
+              <a:t> = (</a:t>
+            </a:r>
+            <a:r>
+              <a:rPr lang="en-US" altLang="zh-CN" kern="0" dirty="0">
+                <a:solidFill>
+                  <a:srgbClr val="0000FF"/>
+                </a:solidFill>
+                <a:effectLst/>
+                <a:latin typeface="Menlo" panose="020B0609030804020204" pitchFamily="49" charset="0"/>
+                <a:ea typeface="宋体" panose="02010600030101010101" pitchFamily="2" charset="-122"/>
+                <a:cs typeface="Times New Roman" panose="02020603050405020304" pitchFamily="18" charset="0"/>
+              </a:rPr>
+              <a:t>long</a:t>
+            </a:r>
+            <a:r>
+              <a:rPr lang="en-US" altLang="zh-CN" kern="0" dirty="0">
+                <a:solidFill>
+                  <a:srgbClr val="000000"/>
+                </a:solidFill>
+                <a:effectLst/>
+                <a:latin typeface="Menlo" panose="020B0609030804020204" pitchFamily="49" charset="0"/>
+                <a:ea typeface="宋体" panose="02010600030101010101" pitchFamily="2" charset="-122"/>
+                <a:cs typeface="Times New Roman" panose="02020603050405020304" pitchFamily="18" charset="0"/>
+              </a:rPr>
+              <a:t> *)</a:t>
+            </a:r>
+            <a:r>
+              <a:rPr lang="en-US" altLang="zh-CN" kern="0" dirty="0">
+                <a:solidFill>
+                  <a:srgbClr val="001080"/>
+                </a:solidFill>
+                <a:effectLst/>
+                <a:latin typeface="Menlo" panose="020B0609030804020204" pitchFamily="49" charset="0"/>
+                <a:ea typeface="宋体" panose="02010600030101010101" pitchFamily="2" charset="-122"/>
+                <a:cs typeface="Times New Roman" panose="02020603050405020304" pitchFamily="18" charset="0"/>
+              </a:rPr>
+              <a:t>str</a:t>
+            </a:r>
+            <a:r>
+              <a:rPr lang="en-US" altLang="zh-CN" kern="0" dirty="0">
+                <a:solidFill>
+                  <a:srgbClr val="000000"/>
+                </a:solidFill>
+                <a:effectLst/>
+                <a:latin typeface="Menlo" panose="020B0609030804020204" pitchFamily="49" charset="0"/>
+                <a:ea typeface="宋体" panose="02010600030101010101" pitchFamily="2" charset="-122"/>
+                <a:cs typeface="Times New Roman" panose="02020603050405020304" pitchFamily="18" charset="0"/>
+              </a:rPr>
+              <a:t>;</a:t>
+            </a:r>
+            <a:endParaRPr lang="zh-CN" altLang="zh-CN" kern="100" dirty="0">
+              <a:effectLst/>
+              <a:latin typeface="DengXian" panose="02010600030101010101" pitchFamily="2" charset="-122"/>
+              <a:ea typeface="DengXian" panose="02010600030101010101" pitchFamily="2" charset="-122"/>
+              <a:cs typeface="Times New Roman" panose="02020603050405020304" pitchFamily="18" charset="0"/>
+            </a:endParaRPr>
+          </a:p>
+          <a:p>
+            <a:pPr algn="l"/>
+            <a:r>
+              <a:rPr lang="en-US" altLang="zh-CN" kern="0" dirty="0">
+                <a:solidFill>
+                  <a:srgbClr val="000000"/>
+                </a:solidFill>
+                <a:effectLst/>
+                <a:latin typeface="Menlo" panose="020B0609030804020204" pitchFamily="49" charset="0"/>
+                <a:ea typeface="宋体" panose="02010600030101010101" pitchFamily="2" charset="-122"/>
+                <a:cs typeface="Times New Roman" panose="02020603050405020304" pitchFamily="18" charset="0"/>
+              </a:rPr>
+              <a:t>    </a:t>
+            </a:r>
+            <a:r>
+              <a:rPr lang="en-US" altLang="zh-CN" kern="0" dirty="0">
+                <a:solidFill>
+                  <a:srgbClr val="001080"/>
+                </a:solidFill>
+                <a:effectLst/>
+                <a:latin typeface="Menlo" panose="020B0609030804020204" pitchFamily="49" charset="0"/>
+                <a:ea typeface="宋体" panose="02010600030101010101" pitchFamily="2" charset="-122"/>
+                <a:cs typeface="Times New Roman" panose="02020603050405020304" pitchFamily="18" charset="0"/>
+              </a:rPr>
+              <a:t>q</a:t>
+            </a:r>
+            <a:r>
+              <a:rPr lang="en-US" altLang="zh-CN" kern="0" dirty="0">
+                <a:solidFill>
+                  <a:srgbClr val="000000"/>
+                </a:solidFill>
+                <a:effectLst/>
+                <a:latin typeface="Menlo" panose="020B0609030804020204" pitchFamily="49" charset="0"/>
+                <a:ea typeface="宋体" panose="02010600030101010101" pitchFamily="2" charset="-122"/>
+                <a:cs typeface="Times New Roman" panose="02020603050405020304" pitchFamily="18" charset="0"/>
+              </a:rPr>
+              <a:t>++;</a:t>
+            </a:r>
+            <a:endParaRPr lang="zh-CN" altLang="zh-CN" kern="100" dirty="0">
+              <a:effectLst/>
+              <a:latin typeface="DengXian" panose="02010600030101010101" pitchFamily="2" charset="-122"/>
+              <a:ea typeface="DengXian" panose="02010600030101010101" pitchFamily="2" charset="-122"/>
+              <a:cs typeface="Times New Roman" panose="02020603050405020304" pitchFamily="18" charset="0"/>
+            </a:endParaRPr>
+          </a:p>
+          <a:p>
+            <a:pPr algn="l"/>
+            <a:r>
+              <a:rPr lang="en-US" altLang="zh-CN" kern="0" dirty="0">
+                <a:solidFill>
+                  <a:srgbClr val="000000"/>
+                </a:solidFill>
+                <a:effectLst/>
+                <a:latin typeface="Menlo" panose="020B0609030804020204" pitchFamily="49" charset="0"/>
+                <a:ea typeface="宋体" panose="02010600030101010101" pitchFamily="2" charset="-122"/>
+                <a:cs typeface="Times New Roman" panose="02020603050405020304" pitchFamily="18" charset="0"/>
+              </a:rPr>
+              <a:t>    </a:t>
+            </a:r>
+            <a:r>
+              <a:rPr lang="en-US" altLang="zh-CN" kern="0" dirty="0">
+                <a:solidFill>
+                  <a:srgbClr val="0000FF"/>
+                </a:solidFill>
+                <a:effectLst/>
+                <a:latin typeface="Menlo" panose="020B0609030804020204" pitchFamily="49" charset="0"/>
+                <a:ea typeface="宋体" panose="02010600030101010101" pitchFamily="2" charset="-122"/>
+                <a:cs typeface="Times New Roman" panose="02020603050405020304" pitchFamily="18" charset="0"/>
+              </a:rPr>
+              <a:t>char</a:t>
+            </a:r>
+            <a:r>
+              <a:rPr lang="en-US" altLang="zh-CN" kern="0" dirty="0">
+                <a:solidFill>
+                  <a:srgbClr val="000000"/>
+                </a:solidFill>
+                <a:effectLst/>
+                <a:latin typeface="Menlo" panose="020B0609030804020204" pitchFamily="49" charset="0"/>
+                <a:ea typeface="宋体" panose="02010600030101010101" pitchFamily="2" charset="-122"/>
+                <a:cs typeface="Times New Roman" panose="02020603050405020304" pitchFamily="18" charset="0"/>
+              </a:rPr>
+              <a:t> </a:t>
+            </a:r>
+            <a:r>
+              <a:rPr lang="en-US" altLang="zh-CN" kern="0" dirty="0">
+                <a:solidFill>
+                  <a:srgbClr val="0000FF"/>
+                </a:solidFill>
+                <a:effectLst/>
+                <a:latin typeface="Menlo" panose="020B0609030804020204" pitchFamily="49" charset="0"/>
+                <a:ea typeface="宋体" panose="02010600030101010101" pitchFamily="2" charset="-122"/>
+                <a:cs typeface="Times New Roman" panose="02020603050405020304" pitchFamily="18" charset="0"/>
+              </a:rPr>
+              <a:t>*</a:t>
+            </a:r>
+            <a:r>
+              <a:rPr lang="en-US" altLang="zh-CN" kern="0" dirty="0">
+                <a:solidFill>
+                  <a:srgbClr val="001080"/>
+                </a:solidFill>
+                <a:effectLst/>
+                <a:latin typeface="Menlo" panose="020B0609030804020204" pitchFamily="49" charset="0"/>
+                <a:ea typeface="宋体" panose="02010600030101010101" pitchFamily="2" charset="-122"/>
+                <a:cs typeface="Times New Roman" panose="02020603050405020304" pitchFamily="18" charset="0"/>
+              </a:rPr>
+              <a:t>r</a:t>
+            </a:r>
+            <a:r>
+              <a:rPr lang="en-US" altLang="zh-CN" kern="0" dirty="0">
+                <a:solidFill>
+                  <a:srgbClr val="000000"/>
+                </a:solidFill>
+                <a:effectLst/>
+                <a:latin typeface="Menlo" panose="020B0609030804020204" pitchFamily="49" charset="0"/>
+                <a:ea typeface="宋体" panose="02010600030101010101" pitchFamily="2" charset="-122"/>
+                <a:cs typeface="Times New Roman" panose="02020603050405020304" pitchFamily="18" charset="0"/>
+              </a:rPr>
+              <a:t> = (</a:t>
+            </a:r>
+            <a:r>
+              <a:rPr lang="en-US" altLang="zh-CN" kern="0" dirty="0">
+                <a:solidFill>
+                  <a:srgbClr val="0000FF"/>
+                </a:solidFill>
+                <a:effectLst/>
+                <a:latin typeface="Menlo" panose="020B0609030804020204" pitchFamily="49" charset="0"/>
+                <a:ea typeface="宋体" panose="02010600030101010101" pitchFamily="2" charset="-122"/>
+                <a:cs typeface="Times New Roman" panose="02020603050405020304" pitchFamily="18" charset="0"/>
+              </a:rPr>
+              <a:t>char</a:t>
+            </a:r>
+            <a:r>
+              <a:rPr lang="en-US" altLang="zh-CN" kern="0" dirty="0">
+                <a:solidFill>
+                  <a:srgbClr val="000000"/>
+                </a:solidFill>
+                <a:effectLst/>
+                <a:latin typeface="Menlo" panose="020B0609030804020204" pitchFamily="49" charset="0"/>
+                <a:ea typeface="宋体" panose="02010600030101010101" pitchFamily="2" charset="-122"/>
+                <a:cs typeface="Times New Roman" panose="02020603050405020304" pitchFamily="18" charset="0"/>
+              </a:rPr>
+              <a:t> *)</a:t>
+            </a:r>
+            <a:r>
+              <a:rPr lang="en-US" altLang="zh-CN" kern="0" dirty="0">
+                <a:solidFill>
+                  <a:srgbClr val="001080"/>
+                </a:solidFill>
+                <a:effectLst/>
+                <a:latin typeface="Menlo" panose="020B0609030804020204" pitchFamily="49" charset="0"/>
+                <a:ea typeface="宋体" panose="02010600030101010101" pitchFamily="2" charset="-122"/>
+                <a:cs typeface="Times New Roman" panose="02020603050405020304" pitchFamily="18" charset="0"/>
+              </a:rPr>
+              <a:t>q</a:t>
+            </a:r>
+            <a:r>
+              <a:rPr lang="en-US" altLang="zh-CN" kern="0" dirty="0">
+                <a:solidFill>
+                  <a:srgbClr val="000000"/>
+                </a:solidFill>
+                <a:effectLst/>
+                <a:latin typeface="Menlo" panose="020B0609030804020204" pitchFamily="49" charset="0"/>
+                <a:ea typeface="宋体" panose="02010600030101010101" pitchFamily="2" charset="-122"/>
+                <a:cs typeface="Times New Roman" panose="02020603050405020304" pitchFamily="18" charset="0"/>
+              </a:rPr>
+              <a:t>;</a:t>
+            </a:r>
+            <a:endParaRPr lang="zh-CN" altLang="zh-CN" kern="100" dirty="0">
+              <a:effectLst/>
+              <a:latin typeface="DengXian" panose="02010600030101010101" pitchFamily="2" charset="-122"/>
+              <a:ea typeface="DengXian" panose="02010600030101010101" pitchFamily="2" charset="-122"/>
+              <a:cs typeface="Times New Roman" panose="02020603050405020304" pitchFamily="18" charset="0"/>
+            </a:endParaRPr>
+          </a:p>
+          <a:p>
+            <a:pPr algn="l"/>
+            <a:r>
+              <a:rPr lang="en-US" altLang="zh-CN" kern="0" dirty="0">
+                <a:solidFill>
+                  <a:srgbClr val="000000"/>
+                </a:solidFill>
+                <a:effectLst/>
+                <a:latin typeface="Menlo" panose="020B0609030804020204" pitchFamily="49" charset="0"/>
+                <a:ea typeface="宋体" panose="02010600030101010101" pitchFamily="2" charset="-122"/>
+                <a:cs typeface="Times New Roman" panose="02020603050405020304" pitchFamily="18" charset="0"/>
+              </a:rPr>
+              <a:t>    </a:t>
+            </a:r>
+            <a:r>
+              <a:rPr lang="en-US" altLang="zh-CN" kern="0" dirty="0" err="1">
+                <a:solidFill>
+                  <a:srgbClr val="001080"/>
+                </a:solidFill>
+                <a:effectLst/>
+                <a:latin typeface="Menlo" panose="020B0609030804020204" pitchFamily="49" charset="0"/>
+                <a:ea typeface="宋体" panose="02010600030101010101" pitchFamily="2" charset="-122"/>
+                <a:cs typeface="Times New Roman" panose="02020603050405020304" pitchFamily="18" charset="0"/>
               </a:rPr>
               <a:t>cout</a:t>
             </a:r>
             <a:r>
-              <a:rPr lang="en-US" altLang="zh-CN" sz="1400" b="0" dirty="0">
-                <a:effectLst/>
-              </a:rPr>
-              <a:t> &lt;&lt; r &lt;&lt; </a:t>
-            </a:r>
-            <a:r>
-              <a:rPr lang="en-US" altLang="zh-CN" sz="1400" b="0" dirty="0" err="1">
-                <a:effectLst/>
+              <a:rPr lang="en-US" altLang="zh-CN" kern="0" dirty="0">
+                <a:solidFill>
+                  <a:srgbClr val="000000"/>
+                </a:solidFill>
+                <a:effectLst/>
+                <a:latin typeface="Menlo" panose="020B0609030804020204" pitchFamily="49" charset="0"/>
+                <a:ea typeface="宋体" panose="02010600030101010101" pitchFamily="2" charset="-122"/>
+                <a:cs typeface="Times New Roman" panose="02020603050405020304" pitchFamily="18" charset="0"/>
+              </a:rPr>
+              <a:t> </a:t>
+            </a:r>
+            <a:r>
+              <a:rPr lang="en-US" altLang="zh-CN" kern="0" dirty="0">
+                <a:solidFill>
+                  <a:srgbClr val="795E26"/>
+                </a:solidFill>
+                <a:effectLst/>
+                <a:latin typeface="Menlo" panose="020B0609030804020204" pitchFamily="49" charset="0"/>
+                <a:ea typeface="宋体" panose="02010600030101010101" pitchFamily="2" charset="-122"/>
+                <a:cs typeface="Times New Roman" panose="02020603050405020304" pitchFamily="18" charset="0"/>
+              </a:rPr>
+              <a:t>&lt;&lt;</a:t>
+            </a:r>
+            <a:r>
+              <a:rPr lang="en-US" altLang="zh-CN" kern="0" dirty="0">
+                <a:solidFill>
+                  <a:srgbClr val="000000"/>
+                </a:solidFill>
+                <a:effectLst/>
+                <a:latin typeface="Menlo" panose="020B0609030804020204" pitchFamily="49" charset="0"/>
+                <a:ea typeface="宋体" panose="02010600030101010101" pitchFamily="2" charset="-122"/>
+                <a:cs typeface="Times New Roman" panose="02020603050405020304" pitchFamily="18" charset="0"/>
+              </a:rPr>
+              <a:t> </a:t>
+            </a:r>
+            <a:r>
+              <a:rPr lang="en-US" altLang="zh-CN" kern="0" dirty="0">
+                <a:solidFill>
+                  <a:srgbClr val="001080"/>
+                </a:solidFill>
+                <a:effectLst/>
+                <a:latin typeface="Menlo" panose="020B0609030804020204" pitchFamily="49" charset="0"/>
+                <a:ea typeface="宋体" panose="02010600030101010101" pitchFamily="2" charset="-122"/>
+                <a:cs typeface="Times New Roman" panose="02020603050405020304" pitchFamily="18" charset="0"/>
+              </a:rPr>
+              <a:t>r</a:t>
+            </a:r>
+            <a:r>
+              <a:rPr lang="en-US" altLang="zh-CN" kern="0" dirty="0">
+                <a:solidFill>
+                  <a:srgbClr val="000000"/>
+                </a:solidFill>
+                <a:effectLst/>
+                <a:latin typeface="Menlo" panose="020B0609030804020204" pitchFamily="49" charset="0"/>
+                <a:ea typeface="宋体" panose="02010600030101010101" pitchFamily="2" charset="-122"/>
+                <a:cs typeface="Times New Roman" panose="02020603050405020304" pitchFamily="18" charset="0"/>
+              </a:rPr>
+              <a:t> </a:t>
+            </a:r>
+            <a:r>
+              <a:rPr lang="en-US" altLang="zh-CN" kern="0" dirty="0">
+                <a:solidFill>
+                  <a:srgbClr val="795E26"/>
+                </a:solidFill>
+                <a:effectLst/>
+                <a:latin typeface="Menlo" panose="020B0609030804020204" pitchFamily="49" charset="0"/>
+                <a:ea typeface="宋体" panose="02010600030101010101" pitchFamily="2" charset="-122"/>
+                <a:cs typeface="Times New Roman" panose="02020603050405020304" pitchFamily="18" charset="0"/>
+              </a:rPr>
+              <a:t>&lt;&lt;</a:t>
+            </a:r>
+            <a:r>
+              <a:rPr lang="en-US" altLang="zh-CN" kern="0" dirty="0">
+                <a:solidFill>
+                  <a:srgbClr val="000000"/>
+                </a:solidFill>
+                <a:effectLst/>
+                <a:latin typeface="Menlo" panose="020B0609030804020204" pitchFamily="49" charset="0"/>
+                <a:ea typeface="宋体" panose="02010600030101010101" pitchFamily="2" charset="-122"/>
+                <a:cs typeface="Times New Roman" panose="02020603050405020304" pitchFamily="18" charset="0"/>
+              </a:rPr>
+              <a:t> </a:t>
+            </a:r>
+            <a:r>
+              <a:rPr lang="en-US" altLang="zh-CN" kern="0" dirty="0" err="1">
+                <a:solidFill>
+                  <a:srgbClr val="795E26"/>
+                </a:solidFill>
+                <a:effectLst/>
+                <a:latin typeface="Menlo" panose="020B0609030804020204" pitchFamily="49" charset="0"/>
+                <a:ea typeface="宋体" panose="02010600030101010101" pitchFamily="2" charset="-122"/>
+                <a:cs typeface="Times New Roman" panose="02020603050405020304" pitchFamily="18" charset="0"/>
               </a:rPr>
               <a:t>endl</a:t>
             </a:r>
             <a:r>
-              <a:rPr lang="en-US" altLang="zh-CN" sz="1400" b="0" dirty="0">
-                <a:effectLst/>
+              <a:rPr lang="en-US" altLang="zh-CN" kern="0" dirty="0">
+                <a:solidFill>
+                  <a:srgbClr val="000000"/>
+                </a:solidFill>
+                <a:effectLst/>
+                <a:latin typeface="Menlo" panose="020B0609030804020204" pitchFamily="49" charset="0"/>
+                <a:ea typeface="宋体" panose="02010600030101010101" pitchFamily="2" charset="-122"/>
+                <a:cs typeface="Times New Roman" panose="02020603050405020304" pitchFamily="18" charset="0"/>
               </a:rPr>
               <a:t>;</a:t>
             </a:r>
-          </a:p>
-          <a:p>
-            <a:br>
-              <a:rPr lang="en-US" altLang="zh-CN" sz="1400" b="0" dirty="0">
-                <a:effectLst/>
-              </a:rPr>
-            </a:br>
-            <a:r>
-              <a:rPr lang="en-US" altLang="zh-CN" sz="1400" b="0" dirty="0">
-                <a:effectLst/>
-              </a:rPr>
-              <a:t>    unsigned int m = 0x3E56AF67;</a:t>
-            </a:r>
-          </a:p>
-          <a:p>
-            <a:r>
-              <a:rPr lang="en-US" altLang="zh-CN" sz="1400" b="0" dirty="0">
-                <a:effectLst/>
-              </a:rPr>
-              <a:t>    unsigned short *pm = (unsigned short *) &amp;m;</a:t>
-            </a:r>
-          </a:p>
-          <a:p>
-            <a:br>
-              <a:rPr lang="en-US" altLang="zh-CN" sz="1400" b="0" dirty="0">
-                <a:effectLst/>
-              </a:rPr>
-            </a:br>
-            <a:r>
-              <a:rPr lang="en-US" altLang="zh-CN" sz="1400" b="0" dirty="0">
-                <a:effectLst/>
-              </a:rPr>
-              <a:t>    </a:t>
-            </a:r>
-            <a:r>
-              <a:rPr lang="en-US" altLang="zh-CN" sz="1400" b="0" dirty="0" err="1">
-                <a:effectLst/>
+            <a:endParaRPr lang="zh-CN" altLang="zh-CN" kern="100" dirty="0">
+              <a:effectLst/>
+              <a:latin typeface="DengXian" panose="02010600030101010101" pitchFamily="2" charset="-122"/>
+              <a:ea typeface="DengXian" panose="02010600030101010101" pitchFamily="2" charset="-122"/>
+              <a:cs typeface="Times New Roman" panose="02020603050405020304" pitchFamily="18" charset="0"/>
+            </a:endParaRPr>
+          </a:p>
+          <a:p>
+            <a:pPr algn="l"/>
+            <a:r>
+              <a:rPr lang="en-US" altLang="zh-CN" kern="0" dirty="0">
+                <a:solidFill>
+                  <a:srgbClr val="000000"/>
+                </a:solidFill>
+                <a:effectLst/>
+                <a:latin typeface="Menlo" panose="020B0609030804020204" pitchFamily="49" charset="0"/>
+                <a:ea typeface="宋体" panose="02010600030101010101" pitchFamily="2" charset="-122"/>
+                <a:cs typeface="Times New Roman" panose="02020603050405020304" pitchFamily="18" charset="0"/>
+              </a:rPr>
+              <a:t> </a:t>
+            </a:r>
+            <a:endParaRPr lang="zh-CN" altLang="zh-CN" kern="100" dirty="0">
+              <a:effectLst/>
+              <a:latin typeface="DengXian" panose="02010600030101010101" pitchFamily="2" charset="-122"/>
+              <a:ea typeface="DengXian" panose="02010600030101010101" pitchFamily="2" charset="-122"/>
+              <a:cs typeface="Times New Roman" panose="02020603050405020304" pitchFamily="18" charset="0"/>
+            </a:endParaRPr>
+          </a:p>
+          <a:p>
+            <a:pPr algn="l"/>
+            <a:r>
+              <a:rPr lang="en-US" altLang="zh-CN" kern="0" dirty="0">
+                <a:solidFill>
+                  <a:srgbClr val="000000"/>
+                </a:solidFill>
+                <a:effectLst/>
+                <a:latin typeface="Menlo" panose="020B0609030804020204" pitchFamily="49" charset="0"/>
+                <a:ea typeface="宋体" panose="02010600030101010101" pitchFamily="2" charset="-122"/>
+                <a:cs typeface="Times New Roman" panose="02020603050405020304" pitchFamily="18" charset="0"/>
+              </a:rPr>
+              <a:t>    </a:t>
+            </a:r>
+            <a:r>
+              <a:rPr lang="en-US" altLang="zh-CN" kern="0" dirty="0">
+                <a:solidFill>
+                  <a:srgbClr val="0000FF"/>
+                </a:solidFill>
+                <a:effectLst/>
+                <a:latin typeface="Menlo" panose="020B0609030804020204" pitchFamily="49" charset="0"/>
+                <a:ea typeface="宋体" panose="02010600030101010101" pitchFamily="2" charset="-122"/>
+                <a:cs typeface="Times New Roman" panose="02020603050405020304" pitchFamily="18" charset="0"/>
+              </a:rPr>
+              <a:t>unsigned</a:t>
+            </a:r>
+            <a:r>
+              <a:rPr lang="en-US" altLang="zh-CN" kern="0" dirty="0">
+                <a:solidFill>
+                  <a:srgbClr val="000000"/>
+                </a:solidFill>
+                <a:effectLst/>
+                <a:latin typeface="Menlo" panose="020B0609030804020204" pitchFamily="49" charset="0"/>
+                <a:ea typeface="宋体" panose="02010600030101010101" pitchFamily="2" charset="-122"/>
+                <a:cs typeface="Times New Roman" panose="02020603050405020304" pitchFamily="18" charset="0"/>
+              </a:rPr>
+              <a:t> </a:t>
+            </a:r>
+            <a:r>
+              <a:rPr lang="en-US" altLang="zh-CN" kern="0" dirty="0">
+                <a:solidFill>
+                  <a:srgbClr val="0000FF"/>
+                </a:solidFill>
+                <a:effectLst/>
+                <a:latin typeface="Menlo" panose="020B0609030804020204" pitchFamily="49" charset="0"/>
+                <a:ea typeface="宋体" panose="02010600030101010101" pitchFamily="2" charset="-122"/>
+                <a:cs typeface="Times New Roman" panose="02020603050405020304" pitchFamily="18" charset="0"/>
+              </a:rPr>
+              <a:t>int</a:t>
+            </a:r>
+            <a:r>
+              <a:rPr lang="en-US" altLang="zh-CN" kern="0" dirty="0">
+                <a:solidFill>
+                  <a:srgbClr val="000000"/>
+                </a:solidFill>
+                <a:effectLst/>
+                <a:latin typeface="Menlo" panose="020B0609030804020204" pitchFamily="49" charset="0"/>
+                <a:ea typeface="宋体" panose="02010600030101010101" pitchFamily="2" charset="-122"/>
+                <a:cs typeface="Times New Roman" panose="02020603050405020304" pitchFamily="18" charset="0"/>
+              </a:rPr>
+              <a:t> </a:t>
+            </a:r>
+            <a:r>
+              <a:rPr lang="en-US" altLang="zh-CN" kern="0" dirty="0">
+                <a:solidFill>
+                  <a:srgbClr val="001080"/>
+                </a:solidFill>
+                <a:effectLst/>
+                <a:latin typeface="Menlo" panose="020B0609030804020204" pitchFamily="49" charset="0"/>
+                <a:ea typeface="宋体" panose="02010600030101010101" pitchFamily="2" charset="-122"/>
+                <a:cs typeface="Times New Roman" panose="02020603050405020304" pitchFamily="18" charset="0"/>
+              </a:rPr>
+              <a:t>num</a:t>
+            </a:r>
+            <a:r>
+              <a:rPr lang="en-US" altLang="zh-CN" kern="0" dirty="0">
+                <a:solidFill>
+                  <a:srgbClr val="000000"/>
+                </a:solidFill>
+                <a:effectLst/>
+                <a:latin typeface="Menlo" panose="020B0609030804020204" pitchFamily="49" charset="0"/>
+                <a:ea typeface="宋体" panose="02010600030101010101" pitchFamily="2" charset="-122"/>
+                <a:cs typeface="Times New Roman" panose="02020603050405020304" pitchFamily="18" charset="0"/>
+              </a:rPr>
+              <a:t> = </a:t>
+            </a:r>
+            <a:r>
+              <a:rPr lang="en-US" altLang="zh-CN" kern="0" dirty="0">
+                <a:solidFill>
+                  <a:srgbClr val="098658"/>
+                </a:solidFill>
+                <a:effectLst/>
+                <a:latin typeface="Menlo" panose="020B0609030804020204" pitchFamily="49" charset="0"/>
+                <a:ea typeface="宋体" panose="02010600030101010101" pitchFamily="2" charset="-122"/>
+                <a:cs typeface="Times New Roman" panose="02020603050405020304" pitchFamily="18" charset="0"/>
+              </a:rPr>
+              <a:t>0x3E56AF67</a:t>
+            </a:r>
+            <a:r>
+              <a:rPr lang="en-US" altLang="zh-CN" kern="0" dirty="0">
+                <a:solidFill>
+                  <a:srgbClr val="000000"/>
+                </a:solidFill>
+                <a:effectLst/>
+                <a:latin typeface="Menlo" panose="020B0609030804020204" pitchFamily="49" charset="0"/>
+                <a:ea typeface="宋体" panose="02010600030101010101" pitchFamily="2" charset="-122"/>
+                <a:cs typeface="Times New Roman" panose="02020603050405020304" pitchFamily="18" charset="0"/>
+              </a:rPr>
+              <a:t>;</a:t>
+            </a:r>
+            <a:endParaRPr lang="zh-CN" altLang="zh-CN" kern="100" dirty="0">
+              <a:effectLst/>
+              <a:latin typeface="DengXian" panose="02010600030101010101" pitchFamily="2" charset="-122"/>
+              <a:ea typeface="DengXian" panose="02010600030101010101" pitchFamily="2" charset="-122"/>
+              <a:cs typeface="Times New Roman" panose="02020603050405020304" pitchFamily="18" charset="0"/>
+            </a:endParaRPr>
+          </a:p>
+          <a:p>
+            <a:pPr algn="l"/>
+            <a:r>
+              <a:rPr lang="en-US" altLang="zh-CN" kern="0" dirty="0">
+                <a:solidFill>
+                  <a:srgbClr val="000000"/>
+                </a:solidFill>
+                <a:effectLst/>
+                <a:latin typeface="Menlo" panose="020B0609030804020204" pitchFamily="49" charset="0"/>
+                <a:ea typeface="宋体" panose="02010600030101010101" pitchFamily="2" charset="-122"/>
+                <a:cs typeface="Times New Roman" panose="02020603050405020304" pitchFamily="18" charset="0"/>
+              </a:rPr>
+              <a:t>    </a:t>
+            </a:r>
+            <a:r>
+              <a:rPr lang="en-US" altLang="zh-CN" kern="0" dirty="0">
+                <a:solidFill>
+                  <a:srgbClr val="0000FF"/>
+                </a:solidFill>
+                <a:effectLst/>
+                <a:latin typeface="Menlo" panose="020B0609030804020204" pitchFamily="49" charset="0"/>
+                <a:ea typeface="宋体" panose="02010600030101010101" pitchFamily="2" charset="-122"/>
+                <a:cs typeface="Times New Roman" panose="02020603050405020304" pitchFamily="18" charset="0"/>
+              </a:rPr>
+              <a:t>unsigned</a:t>
+            </a:r>
+            <a:r>
+              <a:rPr lang="en-US" altLang="zh-CN" kern="0" dirty="0">
+                <a:solidFill>
+                  <a:srgbClr val="000000"/>
+                </a:solidFill>
+                <a:effectLst/>
+                <a:latin typeface="Menlo" panose="020B0609030804020204" pitchFamily="49" charset="0"/>
+                <a:ea typeface="宋体" panose="02010600030101010101" pitchFamily="2" charset="-122"/>
+                <a:cs typeface="Times New Roman" panose="02020603050405020304" pitchFamily="18" charset="0"/>
+              </a:rPr>
+              <a:t> </a:t>
+            </a:r>
+            <a:r>
+              <a:rPr lang="en-US" altLang="zh-CN" kern="0" dirty="0">
+                <a:solidFill>
+                  <a:srgbClr val="0000FF"/>
+                </a:solidFill>
+                <a:effectLst/>
+                <a:latin typeface="Menlo" panose="020B0609030804020204" pitchFamily="49" charset="0"/>
+                <a:ea typeface="宋体" panose="02010600030101010101" pitchFamily="2" charset="-122"/>
+                <a:cs typeface="Times New Roman" panose="02020603050405020304" pitchFamily="18" charset="0"/>
+              </a:rPr>
+              <a:t>short</a:t>
+            </a:r>
+            <a:r>
+              <a:rPr lang="en-US" altLang="zh-CN" kern="0" dirty="0">
+                <a:solidFill>
+                  <a:srgbClr val="000000"/>
+                </a:solidFill>
+                <a:effectLst/>
+                <a:latin typeface="Menlo" panose="020B0609030804020204" pitchFamily="49" charset="0"/>
+                <a:ea typeface="宋体" panose="02010600030101010101" pitchFamily="2" charset="-122"/>
+                <a:cs typeface="Times New Roman" panose="02020603050405020304" pitchFamily="18" charset="0"/>
+              </a:rPr>
+              <a:t> </a:t>
+            </a:r>
+            <a:r>
+              <a:rPr lang="en-US" altLang="zh-CN" kern="0" dirty="0">
+                <a:solidFill>
+                  <a:srgbClr val="0000FF"/>
+                </a:solidFill>
+                <a:effectLst/>
+                <a:latin typeface="Menlo" panose="020B0609030804020204" pitchFamily="49" charset="0"/>
+                <a:ea typeface="宋体" panose="02010600030101010101" pitchFamily="2" charset="-122"/>
+                <a:cs typeface="Times New Roman" panose="02020603050405020304" pitchFamily="18" charset="0"/>
+              </a:rPr>
+              <a:t>*</a:t>
+            </a:r>
+            <a:r>
+              <a:rPr lang="en-US" altLang="zh-CN" kern="0" dirty="0" err="1">
+                <a:solidFill>
+                  <a:srgbClr val="001080"/>
+                </a:solidFill>
+                <a:effectLst/>
+                <a:latin typeface="Menlo" panose="020B0609030804020204" pitchFamily="49" charset="0"/>
+                <a:ea typeface="宋体" panose="02010600030101010101" pitchFamily="2" charset="-122"/>
+                <a:cs typeface="Times New Roman" panose="02020603050405020304" pitchFamily="18" charset="0"/>
+              </a:rPr>
+              <a:t>pshort</a:t>
+            </a:r>
+            <a:r>
+              <a:rPr lang="en-US" altLang="zh-CN" kern="0" dirty="0">
+                <a:solidFill>
+                  <a:srgbClr val="000000"/>
+                </a:solidFill>
+                <a:effectLst/>
+                <a:latin typeface="Menlo" panose="020B0609030804020204" pitchFamily="49" charset="0"/>
+                <a:ea typeface="宋体" panose="02010600030101010101" pitchFamily="2" charset="-122"/>
+                <a:cs typeface="Times New Roman" panose="02020603050405020304" pitchFamily="18" charset="0"/>
+              </a:rPr>
+              <a:t> = (</a:t>
+            </a:r>
+            <a:r>
+              <a:rPr lang="en-US" altLang="zh-CN" kern="0" dirty="0">
+                <a:solidFill>
+                  <a:srgbClr val="0000FF"/>
+                </a:solidFill>
+                <a:effectLst/>
+                <a:latin typeface="Menlo" panose="020B0609030804020204" pitchFamily="49" charset="0"/>
+                <a:ea typeface="宋体" panose="02010600030101010101" pitchFamily="2" charset="-122"/>
+                <a:cs typeface="Times New Roman" panose="02020603050405020304" pitchFamily="18" charset="0"/>
+              </a:rPr>
+              <a:t>unsigned</a:t>
+            </a:r>
+            <a:r>
+              <a:rPr lang="en-US" altLang="zh-CN" kern="0" dirty="0">
+                <a:solidFill>
+                  <a:srgbClr val="000000"/>
+                </a:solidFill>
+                <a:effectLst/>
+                <a:latin typeface="Menlo" panose="020B0609030804020204" pitchFamily="49" charset="0"/>
+                <a:ea typeface="宋体" panose="02010600030101010101" pitchFamily="2" charset="-122"/>
+                <a:cs typeface="Times New Roman" panose="02020603050405020304" pitchFamily="18" charset="0"/>
+              </a:rPr>
+              <a:t> </a:t>
+            </a:r>
+            <a:r>
+              <a:rPr lang="en-US" altLang="zh-CN" kern="0" dirty="0">
+                <a:solidFill>
+                  <a:srgbClr val="0000FF"/>
+                </a:solidFill>
+                <a:effectLst/>
+                <a:latin typeface="Menlo" panose="020B0609030804020204" pitchFamily="49" charset="0"/>
+                <a:ea typeface="宋体" panose="02010600030101010101" pitchFamily="2" charset="-122"/>
+                <a:cs typeface="Times New Roman" panose="02020603050405020304" pitchFamily="18" charset="0"/>
+              </a:rPr>
+              <a:t>short</a:t>
+            </a:r>
+            <a:r>
+              <a:rPr lang="en-US" altLang="zh-CN" kern="0" dirty="0">
+                <a:solidFill>
+                  <a:srgbClr val="000000"/>
+                </a:solidFill>
+                <a:effectLst/>
+                <a:latin typeface="Menlo" panose="020B0609030804020204" pitchFamily="49" charset="0"/>
+                <a:ea typeface="宋体" panose="02010600030101010101" pitchFamily="2" charset="-122"/>
+                <a:cs typeface="Times New Roman" panose="02020603050405020304" pitchFamily="18" charset="0"/>
+              </a:rPr>
+              <a:t> *) &amp;</a:t>
+            </a:r>
+            <a:r>
+              <a:rPr lang="en-US" altLang="zh-CN" kern="0" dirty="0">
+                <a:solidFill>
+                  <a:srgbClr val="001080"/>
+                </a:solidFill>
+                <a:effectLst/>
+                <a:latin typeface="Menlo" panose="020B0609030804020204" pitchFamily="49" charset="0"/>
+                <a:ea typeface="宋体" panose="02010600030101010101" pitchFamily="2" charset="-122"/>
+                <a:cs typeface="Times New Roman" panose="02020603050405020304" pitchFamily="18" charset="0"/>
+              </a:rPr>
+              <a:t>num</a:t>
+            </a:r>
+            <a:r>
+              <a:rPr lang="en-US" altLang="zh-CN" kern="0" dirty="0">
+                <a:solidFill>
+                  <a:srgbClr val="000000"/>
+                </a:solidFill>
+                <a:effectLst/>
+                <a:latin typeface="Menlo" panose="020B0609030804020204" pitchFamily="49" charset="0"/>
+                <a:ea typeface="宋体" panose="02010600030101010101" pitchFamily="2" charset="-122"/>
+                <a:cs typeface="Times New Roman" panose="02020603050405020304" pitchFamily="18" charset="0"/>
+              </a:rPr>
+              <a:t>;</a:t>
+            </a:r>
+            <a:endParaRPr lang="zh-CN" altLang="zh-CN" kern="100" dirty="0">
+              <a:effectLst/>
+              <a:latin typeface="DengXian" panose="02010600030101010101" pitchFamily="2" charset="-122"/>
+              <a:ea typeface="DengXian" panose="02010600030101010101" pitchFamily="2" charset="-122"/>
+              <a:cs typeface="Times New Roman" panose="02020603050405020304" pitchFamily="18" charset="0"/>
+            </a:endParaRPr>
+          </a:p>
+          <a:p>
+            <a:pPr algn="l"/>
+            <a:r>
+              <a:rPr lang="en-US" altLang="zh-CN" kern="0" dirty="0">
+                <a:solidFill>
+                  <a:srgbClr val="000000"/>
+                </a:solidFill>
+                <a:effectLst/>
+                <a:latin typeface="Menlo" panose="020B0609030804020204" pitchFamily="49" charset="0"/>
+                <a:ea typeface="宋体" panose="02010600030101010101" pitchFamily="2" charset="-122"/>
+                <a:cs typeface="Times New Roman" panose="02020603050405020304" pitchFamily="18" charset="0"/>
+              </a:rPr>
+              <a:t>    </a:t>
+            </a:r>
+            <a:r>
+              <a:rPr lang="en-US" altLang="zh-CN" kern="0" dirty="0" err="1">
+                <a:solidFill>
+                  <a:srgbClr val="001080"/>
+                </a:solidFill>
+                <a:effectLst/>
+                <a:latin typeface="Menlo" panose="020B0609030804020204" pitchFamily="49" charset="0"/>
+                <a:ea typeface="宋体" panose="02010600030101010101" pitchFamily="2" charset="-122"/>
+                <a:cs typeface="Times New Roman" panose="02020603050405020304" pitchFamily="18" charset="0"/>
               </a:rPr>
               <a:t>cout</a:t>
             </a:r>
             <a:r>
-              <a:rPr lang="en-US" altLang="zh-CN" sz="1400" b="0" dirty="0">
-                <a:effectLst/>
-              </a:rPr>
-              <a:t> &lt;&lt; "*pm = " &lt;&lt;  hex &lt;&lt; *pm &lt;&lt; </a:t>
-            </a:r>
-            <a:r>
-              <a:rPr lang="en-US" altLang="zh-CN" sz="1400" b="0" dirty="0" err="1">
-                <a:effectLst/>
+              <a:rPr lang="en-US" altLang="zh-CN" kern="0" dirty="0">
+                <a:solidFill>
+                  <a:srgbClr val="000000"/>
+                </a:solidFill>
+                <a:effectLst/>
+                <a:latin typeface="Menlo" panose="020B0609030804020204" pitchFamily="49" charset="0"/>
+                <a:ea typeface="宋体" panose="02010600030101010101" pitchFamily="2" charset="-122"/>
+                <a:cs typeface="Times New Roman" panose="02020603050405020304" pitchFamily="18" charset="0"/>
+              </a:rPr>
+              <a:t> </a:t>
+            </a:r>
+            <a:r>
+              <a:rPr lang="en-US" altLang="zh-CN" kern="0" dirty="0">
+                <a:solidFill>
+                  <a:srgbClr val="795E26"/>
+                </a:solidFill>
+                <a:effectLst/>
+                <a:latin typeface="Menlo" panose="020B0609030804020204" pitchFamily="49" charset="0"/>
+                <a:ea typeface="宋体" panose="02010600030101010101" pitchFamily="2" charset="-122"/>
+                <a:cs typeface="Times New Roman" panose="02020603050405020304" pitchFamily="18" charset="0"/>
+              </a:rPr>
+              <a:t>&lt;&lt;</a:t>
+            </a:r>
+            <a:r>
+              <a:rPr lang="en-US" altLang="zh-CN" kern="0" dirty="0">
+                <a:solidFill>
+                  <a:srgbClr val="000000"/>
+                </a:solidFill>
+                <a:effectLst/>
+                <a:latin typeface="Menlo" panose="020B0609030804020204" pitchFamily="49" charset="0"/>
+                <a:ea typeface="宋体" panose="02010600030101010101" pitchFamily="2" charset="-122"/>
+                <a:cs typeface="Times New Roman" panose="02020603050405020304" pitchFamily="18" charset="0"/>
+              </a:rPr>
+              <a:t> </a:t>
+            </a:r>
+            <a:r>
+              <a:rPr lang="en-US" altLang="zh-CN" kern="0" dirty="0">
+                <a:solidFill>
+                  <a:srgbClr val="A31515"/>
+                </a:solidFill>
+                <a:effectLst/>
+                <a:latin typeface="Menlo" panose="020B0609030804020204" pitchFamily="49" charset="0"/>
+                <a:ea typeface="宋体" panose="02010600030101010101" pitchFamily="2" charset="-122"/>
+                <a:cs typeface="Times New Roman" panose="02020603050405020304" pitchFamily="18" charset="0"/>
+              </a:rPr>
+              <a:t>"*</a:t>
+            </a:r>
+            <a:r>
+              <a:rPr lang="en-US" altLang="zh-CN" kern="0" dirty="0" err="1">
+                <a:solidFill>
+                  <a:srgbClr val="A31515"/>
+                </a:solidFill>
+                <a:effectLst/>
+                <a:latin typeface="Menlo" panose="020B0609030804020204" pitchFamily="49" charset="0"/>
+                <a:ea typeface="宋体" panose="02010600030101010101" pitchFamily="2" charset="-122"/>
+                <a:cs typeface="Times New Roman" panose="02020603050405020304" pitchFamily="18" charset="0"/>
+              </a:rPr>
+              <a:t>pshort</a:t>
+            </a:r>
+            <a:r>
+              <a:rPr lang="en-US" altLang="zh-CN" kern="0" dirty="0">
+                <a:solidFill>
+                  <a:srgbClr val="A31515"/>
+                </a:solidFill>
+                <a:effectLst/>
+                <a:latin typeface="Menlo" panose="020B0609030804020204" pitchFamily="49" charset="0"/>
+                <a:ea typeface="宋体" panose="02010600030101010101" pitchFamily="2" charset="-122"/>
+                <a:cs typeface="Times New Roman" panose="02020603050405020304" pitchFamily="18" charset="0"/>
+              </a:rPr>
+              <a:t> = 0x"</a:t>
+            </a:r>
+            <a:r>
+              <a:rPr lang="en-US" altLang="zh-CN" kern="0" dirty="0">
+                <a:solidFill>
+                  <a:srgbClr val="000000"/>
+                </a:solidFill>
+                <a:effectLst/>
+                <a:latin typeface="Menlo" panose="020B0609030804020204" pitchFamily="49" charset="0"/>
+                <a:ea typeface="宋体" panose="02010600030101010101" pitchFamily="2" charset="-122"/>
+                <a:cs typeface="Times New Roman" panose="02020603050405020304" pitchFamily="18" charset="0"/>
+              </a:rPr>
+              <a:t> </a:t>
+            </a:r>
+            <a:r>
+              <a:rPr lang="en-US" altLang="zh-CN" kern="0" dirty="0">
+                <a:solidFill>
+                  <a:srgbClr val="795E26"/>
+                </a:solidFill>
+                <a:effectLst/>
+                <a:latin typeface="Menlo" panose="020B0609030804020204" pitchFamily="49" charset="0"/>
+                <a:ea typeface="宋体" panose="02010600030101010101" pitchFamily="2" charset="-122"/>
+                <a:cs typeface="Times New Roman" panose="02020603050405020304" pitchFamily="18" charset="0"/>
+              </a:rPr>
+              <a:t>&lt;&lt;</a:t>
+            </a:r>
+            <a:r>
+              <a:rPr lang="en-US" altLang="zh-CN" kern="0" dirty="0">
+                <a:solidFill>
+                  <a:srgbClr val="000000"/>
+                </a:solidFill>
+                <a:effectLst/>
+                <a:latin typeface="Menlo" panose="020B0609030804020204" pitchFamily="49" charset="0"/>
+                <a:ea typeface="宋体" panose="02010600030101010101" pitchFamily="2" charset="-122"/>
+                <a:cs typeface="Times New Roman" panose="02020603050405020304" pitchFamily="18" charset="0"/>
+              </a:rPr>
+              <a:t>  </a:t>
+            </a:r>
+            <a:r>
+              <a:rPr lang="en-US" altLang="zh-CN" kern="0" dirty="0">
+                <a:solidFill>
+                  <a:srgbClr val="795E26"/>
+                </a:solidFill>
+                <a:effectLst/>
+                <a:latin typeface="Menlo" panose="020B0609030804020204" pitchFamily="49" charset="0"/>
+                <a:ea typeface="宋体" panose="02010600030101010101" pitchFamily="2" charset="-122"/>
+                <a:cs typeface="Times New Roman" panose="02020603050405020304" pitchFamily="18" charset="0"/>
+              </a:rPr>
+              <a:t>hex</a:t>
+            </a:r>
+            <a:r>
+              <a:rPr lang="en-US" altLang="zh-CN" kern="0" dirty="0">
+                <a:solidFill>
+                  <a:srgbClr val="000000"/>
+                </a:solidFill>
+                <a:effectLst/>
+                <a:latin typeface="Menlo" panose="020B0609030804020204" pitchFamily="49" charset="0"/>
+                <a:ea typeface="宋体" panose="02010600030101010101" pitchFamily="2" charset="-122"/>
+                <a:cs typeface="Times New Roman" panose="02020603050405020304" pitchFamily="18" charset="0"/>
+              </a:rPr>
+              <a:t> </a:t>
+            </a:r>
+            <a:r>
+              <a:rPr lang="en-US" altLang="zh-CN" kern="0" dirty="0">
+                <a:solidFill>
+                  <a:srgbClr val="795E26"/>
+                </a:solidFill>
+                <a:effectLst/>
+                <a:latin typeface="Menlo" panose="020B0609030804020204" pitchFamily="49" charset="0"/>
+                <a:ea typeface="宋体" panose="02010600030101010101" pitchFamily="2" charset="-122"/>
+                <a:cs typeface="Times New Roman" panose="02020603050405020304" pitchFamily="18" charset="0"/>
+              </a:rPr>
+              <a:t>&lt;&lt;</a:t>
+            </a:r>
+            <a:r>
+              <a:rPr lang="en-US" altLang="zh-CN" kern="0" dirty="0">
+                <a:solidFill>
+                  <a:srgbClr val="000000"/>
+                </a:solidFill>
+                <a:effectLst/>
+                <a:latin typeface="Menlo" panose="020B0609030804020204" pitchFamily="49" charset="0"/>
+                <a:ea typeface="宋体" panose="02010600030101010101" pitchFamily="2" charset="-122"/>
+                <a:cs typeface="Times New Roman" panose="02020603050405020304" pitchFamily="18" charset="0"/>
+              </a:rPr>
+              <a:t> *</a:t>
+            </a:r>
+            <a:r>
+              <a:rPr lang="en-US" altLang="zh-CN" kern="0" dirty="0" err="1">
+                <a:solidFill>
+                  <a:srgbClr val="001080"/>
+                </a:solidFill>
+                <a:effectLst/>
+                <a:latin typeface="Menlo" panose="020B0609030804020204" pitchFamily="49" charset="0"/>
+                <a:ea typeface="宋体" panose="02010600030101010101" pitchFamily="2" charset="-122"/>
+                <a:cs typeface="Times New Roman" panose="02020603050405020304" pitchFamily="18" charset="0"/>
+              </a:rPr>
+              <a:t>pshort</a:t>
+            </a:r>
+            <a:r>
+              <a:rPr lang="en-US" altLang="zh-CN" kern="0" dirty="0">
+                <a:solidFill>
+                  <a:srgbClr val="000000"/>
+                </a:solidFill>
+                <a:effectLst/>
+                <a:latin typeface="Menlo" panose="020B0609030804020204" pitchFamily="49" charset="0"/>
+                <a:ea typeface="宋体" panose="02010600030101010101" pitchFamily="2" charset="-122"/>
+                <a:cs typeface="Times New Roman" panose="02020603050405020304" pitchFamily="18" charset="0"/>
+              </a:rPr>
+              <a:t> </a:t>
+            </a:r>
+            <a:r>
+              <a:rPr lang="en-US" altLang="zh-CN" kern="0" dirty="0">
+                <a:solidFill>
+                  <a:srgbClr val="795E26"/>
+                </a:solidFill>
+                <a:effectLst/>
+                <a:latin typeface="Menlo" panose="020B0609030804020204" pitchFamily="49" charset="0"/>
+                <a:ea typeface="宋体" panose="02010600030101010101" pitchFamily="2" charset="-122"/>
+                <a:cs typeface="Times New Roman" panose="02020603050405020304" pitchFamily="18" charset="0"/>
+              </a:rPr>
+              <a:t>&lt;&lt;</a:t>
+            </a:r>
+            <a:r>
+              <a:rPr lang="en-US" altLang="zh-CN" kern="0" dirty="0">
+                <a:solidFill>
+                  <a:srgbClr val="000000"/>
+                </a:solidFill>
+                <a:effectLst/>
+                <a:latin typeface="Menlo" panose="020B0609030804020204" pitchFamily="49" charset="0"/>
+                <a:ea typeface="宋体" panose="02010600030101010101" pitchFamily="2" charset="-122"/>
+                <a:cs typeface="Times New Roman" panose="02020603050405020304" pitchFamily="18" charset="0"/>
+              </a:rPr>
+              <a:t> </a:t>
+            </a:r>
+            <a:r>
+              <a:rPr lang="en-US" altLang="zh-CN" kern="0" dirty="0" err="1">
+                <a:solidFill>
+                  <a:srgbClr val="795E26"/>
+                </a:solidFill>
+                <a:effectLst/>
+                <a:latin typeface="Menlo" panose="020B0609030804020204" pitchFamily="49" charset="0"/>
+                <a:ea typeface="宋体" panose="02010600030101010101" pitchFamily="2" charset="-122"/>
+                <a:cs typeface="Times New Roman" panose="02020603050405020304" pitchFamily="18" charset="0"/>
               </a:rPr>
               <a:t>endl</a:t>
             </a:r>
             <a:r>
-              <a:rPr lang="en-US" altLang="zh-CN" sz="1400" b="0" dirty="0">
-                <a:effectLst/>
+              <a:rPr lang="en-US" altLang="zh-CN" kern="0" dirty="0">
+                <a:solidFill>
+                  <a:srgbClr val="000000"/>
+                </a:solidFill>
+                <a:effectLst/>
+                <a:latin typeface="Menlo" panose="020B0609030804020204" pitchFamily="49" charset="0"/>
+                <a:ea typeface="宋体" panose="02010600030101010101" pitchFamily="2" charset="-122"/>
+                <a:cs typeface="Times New Roman" panose="02020603050405020304" pitchFamily="18" charset="0"/>
               </a:rPr>
               <a:t>;</a:t>
             </a:r>
-          </a:p>
-          <a:p>
-            <a:br>
-              <a:rPr lang="en-US" altLang="zh-CN" sz="1400" b="0" dirty="0">
-                <a:effectLst/>
-              </a:rPr>
-            </a:br>
-            <a:r>
-              <a:rPr lang="en-US" altLang="zh-CN" sz="1400" b="0" dirty="0">
-                <a:effectLst/>
-              </a:rPr>
-              <a:t>    return 0;</a:t>
-            </a:r>
-          </a:p>
-          <a:p>
-            <a:r>
-              <a:rPr lang="en-US" altLang="zh-CN" sz="1400" b="0" dirty="0">
-                <a:effectLst/>
+            <a:endParaRPr lang="zh-CN" altLang="zh-CN" kern="100" dirty="0">
+              <a:effectLst/>
+              <a:latin typeface="DengXian" panose="02010600030101010101" pitchFamily="2" charset="-122"/>
+              <a:ea typeface="DengXian" panose="02010600030101010101" pitchFamily="2" charset="-122"/>
+              <a:cs typeface="Times New Roman" panose="02020603050405020304" pitchFamily="18" charset="0"/>
+            </a:endParaRPr>
+          </a:p>
+          <a:p>
+            <a:pPr algn="l"/>
+            <a:r>
+              <a:rPr lang="en-US" altLang="zh-CN" kern="0" dirty="0">
+                <a:solidFill>
+                  <a:srgbClr val="000000"/>
+                </a:solidFill>
+                <a:effectLst/>
+                <a:latin typeface="Menlo" panose="020B0609030804020204" pitchFamily="49" charset="0"/>
+                <a:ea typeface="宋体" panose="02010600030101010101" pitchFamily="2" charset="-122"/>
+                <a:cs typeface="Times New Roman" panose="02020603050405020304" pitchFamily="18" charset="0"/>
+              </a:rPr>
+              <a:t>    </a:t>
+            </a:r>
+            <a:r>
+              <a:rPr lang="en-US" altLang="zh-CN" kern="0" dirty="0">
+                <a:solidFill>
+                  <a:srgbClr val="AF00DB"/>
+                </a:solidFill>
+                <a:effectLst/>
+                <a:latin typeface="Menlo" panose="020B0609030804020204" pitchFamily="49" charset="0"/>
+                <a:ea typeface="宋体" panose="02010600030101010101" pitchFamily="2" charset="-122"/>
+                <a:cs typeface="Times New Roman" panose="02020603050405020304" pitchFamily="18" charset="0"/>
+              </a:rPr>
+              <a:t>return</a:t>
+            </a:r>
+            <a:r>
+              <a:rPr lang="en-US" altLang="zh-CN" kern="0" dirty="0">
+                <a:solidFill>
+                  <a:srgbClr val="000000"/>
+                </a:solidFill>
+                <a:effectLst/>
+                <a:latin typeface="Menlo" panose="020B0609030804020204" pitchFamily="49" charset="0"/>
+                <a:ea typeface="宋体" panose="02010600030101010101" pitchFamily="2" charset="-122"/>
+                <a:cs typeface="Times New Roman" panose="02020603050405020304" pitchFamily="18" charset="0"/>
+              </a:rPr>
+              <a:t> </a:t>
+            </a:r>
+            <a:r>
+              <a:rPr lang="en-US" altLang="zh-CN" kern="0" dirty="0">
+                <a:solidFill>
+                  <a:srgbClr val="098658"/>
+                </a:solidFill>
+                <a:effectLst/>
+                <a:latin typeface="Menlo" panose="020B0609030804020204" pitchFamily="49" charset="0"/>
+                <a:ea typeface="宋体" panose="02010600030101010101" pitchFamily="2" charset="-122"/>
+                <a:cs typeface="Times New Roman" panose="02020603050405020304" pitchFamily="18" charset="0"/>
+              </a:rPr>
+              <a:t>0</a:t>
+            </a:r>
+            <a:r>
+              <a:rPr lang="en-US" altLang="zh-CN" kern="0" dirty="0">
+                <a:solidFill>
+                  <a:srgbClr val="000000"/>
+                </a:solidFill>
+                <a:effectLst/>
+                <a:latin typeface="Menlo" panose="020B0609030804020204" pitchFamily="49" charset="0"/>
+                <a:ea typeface="宋体" panose="02010600030101010101" pitchFamily="2" charset="-122"/>
+                <a:cs typeface="Times New Roman" panose="02020603050405020304" pitchFamily="18" charset="0"/>
+              </a:rPr>
+              <a:t>;</a:t>
+            </a:r>
+            <a:endParaRPr lang="zh-CN" altLang="zh-CN" kern="100" dirty="0">
+              <a:effectLst/>
+              <a:latin typeface="DengXian" panose="02010600030101010101" pitchFamily="2" charset="-122"/>
+              <a:ea typeface="DengXian" panose="02010600030101010101" pitchFamily="2" charset="-122"/>
+              <a:cs typeface="Times New Roman" panose="02020603050405020304" pitchFamily="18" charset="0"/>
+            </a:endParaRPr>
+          </a:p>
+          <a:p>
+            <a:pPr algn="l"/>
+            <a:r>
+              <a:rPr lang="en-US" altLang="zh-CN" kern="0" dirty="0">
+                <a:solidFill>
+                  <a:srgbClr val="000000"/>
+                </a:solidFill>
+                <a:effectLst/>
+                <a:latin typeface="Menlo" panose="020B0609030804020204" pitchFamily="49" charset="0"/>
+                <a:ea typeface="宋体" panose="02010600030101010101" pitchFamily="2" charset="-122"/>
+                <a:cs typeface="Times New Roman" panose="02020603050405020304" pitchFamily="18" charset="0"/>
               </a:rPr>
               <a:t>}</a:t>
             </a:r>
+            <a:endParaRPr lang="zh-CN" altLang="zh-CN" kern="100" dirty="0">
+              <a:effectLst/>
+              <a:latin typeface="DengXian" panose="02010600030101010101" pitchFamily="2" charset="-122"/>
+              <a:ea typeface="DengXian" panose="02010600030101010101" pitchFamily="2" charset="-122"/>
+              <a:cs typeface="Times New Roman" panose="02020603050405020304" pitchFamily="18" charset="0"/>
+            </a:endParaRPr>
           </a:p>
         </p:txBody>
       </p:sp>
@@ -8127,8 +12168,8 @@
         </p:nvSpPr>
         <p:spPr>
           <a:xfrm>
-            <a:off x="838200" y="1108075"/>
-            <a:ext cx="6169025" cy="3863340"/>
+            <a:off x="138952" y="1217752"/>
+            <a:ext cx="6169025" cy="4130675"/>
           </a:xfrm>
         </p:spPr>
         <p:txBody>
@@ -8138,69 +12179,161 @@
           <a:lstStyle/>
           <a:p>
             <a:r>
-              <a:rPr lang="en-US" altLang="zh-CN"/>
+              <a:rPr lang="en-US" altLang="zh-CN" dirty="0"/>
               <a:t>3-1. Complete the code on the right to finish the following task:</a:t>
             </a:r>
           </a:p>
           <a:p>
             <a:pPr lvl="1"/>
             <a:r>
-              <a:rPr lang="en-US" altLang="zh-CN" sz="2800">
+              <a:rPr lang="en-US" altLang="zh-CN" sz="2800" dirty="0">
                 <a:sym typeface="+mn-ea"/>
               </a:rPr>
-              <a:t>1. Determine whether the current system is in big-endian(BE) or little-endian(LE) based on the storage location of byte0 in A.</a:t>
-            </a:r>
-            <a:endParaRPr lang="en-US" altLang="zh-CN" sz="2800"/>
+              <a:t>1. Determine whether the current system is in big-endian(BE) or little-endian(LE) based on the storage location of byte0 in </a:t>
+            </a:r>
+            <a:r>
+              <a:rPr lang="en-US" altLang="zh-CN" sz="2800" dirty="0" err="1">
+                <a:latin typeface="Courier New" panose="02070309020205020404" pitchFamily="49" charset="0"/>
+                <a:cs typeface="Courier New" panose="02070309020205020404" pitchFamily="49" charset="0"/>
+                <a:sym typeface="+mn-ea"/>
+              </a:rPr>
+              <a:t>numA</a:t>
+            </a:r>
+            <a:r>
+              <a:rPr lang="en-US" altLang="zh-CN" sz="2800" dirty="0">
+                <a:sym typeface="+mn-ea"/>
+              </a:rPr>
+              <a:t>.</a:t>
+            </a:r>
+            <a:endParaRPr lang="en-US" altLang="zh-CN" sz="2800" dirty="0"/>
           </a:p>
           <a:p>
             <a:pPr lvl="1"/>
             <a:r>
-              <a:rPr lang="en-US" altLang="zh-CN" sz="2800">
+              <a:rPr lang="en-US" altLang="zh-CN" sz="2800" dirty="0">
                 <a:sym typeface="+mn-ea"/>
               </a:rPr>
-              <a:t>2. Store each byte in data A to a new space(B or pointed by B) in reverse order.</a:t>
-            </a:r>
-            <a:endParaRPr lang="en-US" altLang="zh-CN" sz="2800"/>
+              <a:t>2. Store each byte in </a:t>
+            </a:r>
+            <a:r>
+              <a:rPr lang="en-US" altLang="zh-CN" sz="2800" dirty="0" err="1">
+                <a:latin typeface="Courier New" panose="02070309020205020404" pitchFamily="49" charset="0"/>
+                <a:cs typeface="Courier New" panose="02070309020205020404" pitchFamily="49" charset="0"/>
+                <a:sym typeface="+mn-ea"/>
+              </a:rPr>
+              <a:t>numA</a:t>
+            </a:r>
+            <a:r>
+              <a:rPr lang="en-US" altLang="zh-CN" sz="2800" dirty="0">
+                <a:sym typeface="+mn-ea"/>
+              </a:rPr>
+              <a:t> to a new space (</a:t>
+            </a:r>
+            <a:r>
+              <a:rPr lang="en-US" altLang="zh-CN" sz="2800" dirty="0" err="1">
+                <a:latin typeface="Courier New" panose="02070309020205020404" pitchFamily="49" charset="0"/>
+                <a:cs typeface="Courier New" panose="02070309020205020404" pitchFamily="49" charset="0"/>
+                <a:sym typeface="+mn-ea"/>
+              </a:rPr>
+              <a:t>numB</a:t>
+            </a:r>
+            <a:r>
+              <a:rPr lang="en-US" altLang="zh-CN" sz="2800" dirty="0">
+                <a:sym typeface="+mn-ea"/>
+              </a:rPr>
+              <a:t> or pointed by </a:t>
+            </a:r>
+            <a:r>
+              <a:rPr lang="en-US" altLang="zh-CN" sz="2800" dirty="0" err="1">
+                <a:latin typeface="Courier New" panose="02070309020205020404" pitchFamily="49" charset="0"/>
+                <a:cs typeface="Courier New" panose="02070309020205020404" pitchFamily="49" charset="0"/>
+                <a:sym typeface="+mn-ea"/>
+              </a:rPr>
+              <a:t>pnumB</a:t>
+            </a:r>
+            <a:r>
+              <a:rPr lang="en-US" altLang="zh-CN" sz="2800" dirty="0">
+                <a:sym typeface="+mn-ea"/>
+              </a:rPr>
+              <a:t>) in reverse order.</a:t>
+            </a:r>
+            <a:endParaRPr lang="en-US" altLang="zh-CN" sz="2800" dirty="0"/>
           </a:p>
           <a:p>
             <a:pPr lvl="2"/>
             <a:r>
-              <a:rPr lang="en-US" altLang="zh-CN" sz="2800">
+              <a:rPr lang="en-US" altLang="zh-CN" sz="2800" dirty="0">
                 <a:sym typeface="+mn-ea"/>
               </a:rPr>
               <a:t>If the command-line parameter of the program is ‘H’, use heap mode to implement swapping. </a:t>
             </a:r>
-            <a:endParaRPr lang="en-US" altLang="zh-CN" sz="2800"/>
+            <a:endParaRPr lang="en-US" altLang="zh-CN" sz="2800" dirty="0"/>
           </a:p>
           <a:p>
             <a:pPr lvl="2"/>
             <a:r>
-              <a:rPr lang="en-US" altLang="zh-CN" sz="2800">
+              <a:rPr lang="en-US" altLang="zh-CN" sz="2800" dirty="0">
                 <a:sym typeface="+mn-ea"/>
               </a:rPr>
               <a:t>If the command-line parameter of the program is ‘S’, use stack mode to implement swapping.</a:t>
             </a:r>
-            <a:endParaRPr lang="en-US" altLang="zh-CN" sz="2800"/>
+            <a:endParaRPr lang="en-US" altLang="zh-CN" sz="2800" dirty="0"/>
           </a:p>
           <a:p>
             <a:pPr lvl="2"/>
             <a:r>
-              <a:rPr lang="en-US" altLang="zh-CN" sz="2800">
+              <a:rPr lang="en-US" altLang="zh-CN" sz="2800" dirty="0">
                 <a:sym typeface="+mn-ea"/>
               </a:rPr>
-              <a:t>Print out the data of B(or pointed by B) in hexadecimal format.</a:t>
-            </a:r>
-            <a:endParaRPr lang="en-US" altLang="zh-CN"/>
-          </a:p>
-          <a:p>
-            <a:r>
-              <a:rPr lang="en-US" altLang="zh-CN"/>
-              <a:t>3-2. Using tool valgrind to check if there is memory problem on the code of 3-1. </a:t>
+              <a:t>Print out the value of </a:t>
+            </a:r>
+            <a:r>
+              <a:rPr lang="en-US" altLang="zh-CN" sz="2800" dirty="0" err="1">
+                <a:latin typeface="Courier New" panose="02070309020205020404" pitchFamily="49" charset="0"/>
+                <a:cs typeface="Courier New" panose="02070309020205020404" pitchFamily="49" charset="0"/>
+                <a:sym typeface="+mn-ea"/>
+              </a:rPr>
+              <a:t>numB</a:t>
+            </a:r>
+            <a:r>
+              <a:rPr lang="en-US" altLang="zh-CN" sz="2800" dirty="0">
+                <a:sym typeface="+mn-ea"/>
+              </a:rPr>
+              <a:t> (or pointed by </a:t>
+            </a:r>
+            <a:r>
+              <a:rPr lang="en-US" altLang="zh-CN" sz="2800" dirty="0" err="1">
+                <a:latin typeface="Courier New" panose="02070309020205020404" pitchFamily="49" charset="0"/>
+                <a:cs typeface="Courier New" panose="02070309020205020404" pitchFamily="49" charset="0"/>
+                <a:sym typeface="+mn-ea"/>
+              </a:rPr>
+              <a:t>pnumB</a:t>
+            </a:r>
+            <a:r>
+              <a:rPr lang="en-US" altLang="zh-CN" sz="2800" dirty="0">
+                <a:sym typeface="+mn-ea"/>
+              </a:rPr>
+              <a:t>) in hexadecimal.</a:t>
+            </a:r>
+            <a:endParaRPr lang="en-US" altLang="zh-CN" dirty="0"/>
+          </a:p>
+          <a:p>
+            <a:r>
+              <a:rPr lang="en-US" altLang="zh-CN" dirty="0"/>
+              <a:t>3-2. Use the tool </a:t>
+            </a:r>
+            <a:r>
+              <a:rPr lang="en-US" altLang="zh-CN" dirty="0" err="1"/>
+              <a:t>valgrind</a:t>
+            </a:r>
+            <a:r>
+              <a:rPr lang="en-US" altLang="zh-CN" dirty="0"/>
+              <a:t> to check if there is memory problem on the code. </a:t>
             </a:r>
           </a:p>
           <a:p>
             <a:pPr lvl="1"/>
-            <a:endParaRPr lang="en-US" altLang="zh-CN"/>
+            <a:endParaRPr lang="en-US" altLang="zh-CN" dirty="0"/>
           </a:p>
         </p:txBody>
       </p:sp>
@@ -8226,8 +12359,8 @@
         </p:blipFill>
         <p:spPr>
           <a:xfrm>
-            <a:off x="2476500" y="5238750"/>
-            <a:ext cx="6686550" cy="1181100"/>
+            <a:off x="2470150" y="5454127"/>
+            <a:ext cx="7696088" cy="1359423"/>
           </a:xfrm>
           <a:prstGeom prst="rect">
             <a:avLst/>
@@ -8248,8 +12381,8 @@
         </p:nvSpPr>
         <p:spPr>
           <a:xfrm>
-            <a:off x="7153275" y="635000"/>
-            <a:ext cx="4006850" cy="4184650"/>
+            <a:off x="6307977" y="635000"/>
+            <a:ext cx="5884023" cy="4278094"/>
           </a:xfrm>
           <a:prstGeom prst="rect">
             <a:avLst/>
@@ -8267,159 +12400,1309 @@
           </a:bodyPr>
           <a:lstStyle/>
           <a:p>
-            <a:r>
-              <a:rPr lang="en-US" altLang="zh-CN" sz="1400"/>
-              <a:t>#include &lt;stdio.h&gt;</a:t>
-            </a:r>
-          </a:p>
-          <a:p>
-            <a:r>
-              <a:rPr lang="en-US" altLang="zh-CN" sz="1400"/>
-              <a:t>#include &lt;stdlib.h&gt;</a:t>
-            </a:r>
-          </a:p>
-          <a:p>
-            <a:r>
-              <a:rPr lang="en-US" altLang="zh-CN" sz="1400"/>
-              <a:t>int main(int argc, char*argv[]){</a:t>
-            </a:r>
-          </a:p>
-          <a:p>
-            <a:r>
-              <a:rPr lang="en-US" altLang="zh-CN" sz="1400"/>
-              <a:t>    int A = 0x11223344;</a:t>
-            </a:r>
-          </a:p>
-          <a:p>
-            <a:r>
-              <a:rPr lang="en-US" altLang="zh-CN" sz="1400"/>
-              <a:t>    if(argc==2){</a:t>
-            </a:r>
-          </a:p>
-          <a:p>
-            <a:r>
-              <a:rPr lang="en-US" altLang="zh-CN" sz="1400"/>
-              <a:t>        if((*(argv[1])=='H')){</a:t>
-            </a:r>
-          </a:p>
-          <a:p>
-            <a:r>
-              <a:rPr lang="en-US" altLang="zh-CN" sz="1400"/>
-              <a:t>            int *B = malloc(sizeof(int)*1);</a:t>
-            </a:r>
-          </a:p>
-          <a:p>
-            <a:r>
-              <a:rPr lang="en-US" altLang="zh-CN" sz="1400"/>
-              <a:t>            if(NULL!=B){</a:t>
-            </a:r>
-          </a:p>
-          <a:p>
-            <a:r>
-              <a:rPr lang="en-US" altLang="zh-CN" sz="1400"/>
-              <a:t>               </a:t>
-            </a:r>
-            <a:r>
-              <a:rPr lang="en-US" altLang="zh-CN" sz="1400">
+            <a:pPr algn="l"/>
+            <a:r>
+              <a:rPr lang="en-US" altLang="zh-CN" sz="1600" kern="0" dirty="0">
+                <a:solidFill>
+                  <a:srgbClr val="AF00DB"/>
+                </a:solidFill>
+                <a:effectLst/>
+                <a:latin typeface="Menlo" panose="020B0609030804020204" pitchFamily="49" charset="0"/>
+                <a:ea typeface="宋体" panose="02010600030101010101" pitchFamily="2" charset="-122"/>
+                <a:cs typeface="Times New Roman" panose="02020603050405020304" pitchFamily="18" charset="0"/>
+              </a:rPr>
+              <a:t>#include</a:t>
+            </a:r>
+            <a:r>
+              <a:rPr lang="en-US" altLang="zh-CN" sz="1600" kern="0" dirty="0">
+                <a:solidFill>
+                  <a:srgbClr val="0000FF"/>
+                </a:solidFill>
+                <a:effectLst/>
+                <a:latin typeface="Menlo" panose="020B0609030804020204" pitchFamily="49" charset="0"/>
+                <a:ea typeface="宋体" panose="02010600030101010101" pitchFamily="2" charset="-122"/>
+                <a:cs typeface="Times New Roman" panose="02020603050405020304" pitchFamily="18" charset="0"/>
+              </a:rPr>
+              <a:t> </a:t>
+            </a:r>
+            <a:r>
+              <a:rPr lang="en-US" altLang="zh-CN" sz="1600" kern="0" dirty="0">
+                <a:solidFill>
+                  <a:srgbClr val="A31515"/>
+                </a:solidFill>
+                <a:effectLst/>
+                <a:latin typeface="Menlo" panose="020B0609030804020204" pitchFamily="49" charset="0"/>
+                <a:ea typeface="宋体" panose="02010600030101010101" pitchFamily="2" charset="-122"/>
+                <a:cs typeface="Times New Roman" panose="02020603050405020304" pitchFamily="18" charset="0"/>
+              </a:rPr>
+              <a:t>&lt;</a:t>
+            </a:r>
+            <a:r>
+              <a:rPr lang="en-US" altLang="zh-CN" sz="1600" kern="0" dirty="0" err="1">
+                <a:solidFill>
+                  <a:srgbClr val="A31515"/>
+                </a:solidFill>
+                <a:effectLst/>
+                <a:latin typeface="Menlo" panose="020B0609030804020204" pitchFamily="49" charset="0"/>
+                <a:ea typeface="宋体" panose="02010600030101010101" pitchFamily="2" charset="-122"/>
+                <a:cs typeface="Times New Roman" panose="02020603050405020304" pitchFamily="18" charset="0"/>
+              </a:rPr>
+              <a:t>stdio.h</a:t>
+            </a:r>
+            <a:r>
+              <a:rPr lang="en-US" altLang="zh-CN" sz="1600" kern="0" dirty="0">
+                <a:solidFill>
+                  <a:srgbClr val="A31515"/>
+                </a:solidFill>
+                <a:effectLst/>
+                <a:latin typeface="Menlo" panose="020B0609030804020204" pitchFamily="49" charset="0"/>
+                <a:ea typeface="宋体" panose="02010600030101010101" pitchFamily="2" charset="-122"/>
+                <a:cs typeface="Times New Roman" panose="02020603050405020304" pitchFamily="18" charset="0"/>
+              </a:rPr>
+              <a:t>&gt;</a:t>
+            </a:r>
+            <a:endParaRPr lang="zh-CN" altLang="zh-CN" sz="1600" kern="100" dirty="0">
+              <a:effectLst/>
+              <a:latin typeface="DengXian" panose="02010600030101010101" pitchFamily="2" charset="-122"/>
+              <a:ea typeface="DengXian" panose="02010600030101010101" pitchFamily="2" charset="-122"/>
+              <a:cs typeface="Times New Roman" panose="02020603050405020304" pitchFamily="18" charset="0"/>
+            </a:endParaRPr>
+          </a:p>
+          <a:p>
+            <a:pPr algn="l"/>
+            <a:r>
+              <a:rPr lang="en-US" altLang="zh-CN" sz="1600" kern="0" dirty="0">
+                <a:solidFill>
+                  <a:srgbClr val="AF00DB"/>
+                </a:solidFill>
+                <a:effectLst/>
+                <a:latin typeface="Menlo" panose="020B0609030804020204" pitchFamily="49" charset="0"/>
+                <a:ea typeface="宋体" panose="02010600030101010101" pitchFamily="2" charset="-122"/>
+                <a:cs typeface="Times New Roman" panose="02020603050405020304" pitchFamily="18" charset="0"/>
+              </a:rPr>
+              <a:t>#include</a:t>
+            </a:r>
+            <a:r>
+              <a:rPr lang="en-US" altLang="zh-CN" sz="1600" kern="0" dirty="0">
+                <a:solidFill>
+                  <a:srgbClr val="0000FF"/>
+                </a:solidFill>
+                <a:effectLst/>
+                <a:latin typeface="Menlo" panose="020B0609030804020204" pitchFamily="49" charset="0"/>
+                <a:ea typeface="宋体" panose="02010600030101010101" pitchFamily="2" charset="-122"/>
+                <a:cs typeface="Times New Roman" panose="02020603050405020304" pitchFamily="18" charset="0"/>
+              </a:rPr>
+              <a:t> </a:t>
+            </a:r>
+            <a:r>
+              <a:rPr lang="en-US" altLang="zh-CN" sz="1600" kern="0" dirty="0">
+                <a:solidFill>
+                  <a:srgbClr val="A31515"/>
+                </a:solidFill>
+                <a:effectLst/>
+                <a:latin typeface="Menlo" panose="020B0609030804020204" pitchFamily="49" charset="0"/>
+                <a:ea typeface="宋体" panose="02010600030101010101" pitchFamily="2" charset="-122"/>
+                <a:cs typeface="Times New Roman" panose="02020603050405020304" pitchFamily="18" charset="0"/>
+              </a:rPr>
+              <a:t>&lt;</a:t>
+            </a:r>
+            <a:r>
+              <a:rPr lang="en-US" altLang="zh-CN" sz="1600" kern="0" dirty="0" err="1">
+                <a:solidFill>
+                  <a:srgbClr val="A31515"/>
+                </a:solidFill>
+                <a:effectLst/>
+                <a:latin typeface="Menlo" panose="020B0609030804020204" pitchFamily="49" charset="0"/>
+                <a:ea typeface="宋体" panose="02010600030101010101" pitchFamily="2" charset="-122"/>
+                <a:cs typeface="Times New Roman" panose="02020603050405020304" pitchFamily="18" charset="0"/>
+              </a:rPr>
+              <a:t>stdlib.h</a:t>
+            </a:r>
+            <a:r>
+              <a:rPr lang="en-US" altLang="zh-CN" sz="1600" kern="0" dirty="0">
+                <a:solidFill>
+                  <a:srgbClr val="A31515"/>
+                </a:solidFill>
+                <a:effectLst/>
+                <a:latin typeface="Menlo" panose="020B0609030804020204" pitchFamily="49" charset="0"/>
+                <a:ea typeface="宋体" panose="02010600030101010101" pitchFamily="2" charset="-122"/>
+                <a:cs typeface="Times New Roman" panose="02020603050405020304" pitchFamily="18" charset="0"/>
+              </a:rPr>
+              <a:t>&gt;</a:t>
+            </a:r>
+            <a:endParaRPr lang="zh-CN" altLang="zh-CN" sz="1600" kern="100" dirty="0">
+              <a:effectLst/>
+              <a:latin typeface="DengXian" panose="02010600030101010101" pitchFamily="2" charset="-122"/>
+              <a:ea typeface="DengXian" panose="02010600030101010101" pitchFamily="2" charset="-122"/>
+              <a:cs typeface="Times New Roman" panose="02020603050405020304" pitchFamily="18" charset="0"/>
+            </a:endParaRPr>
+          </a:p>
+          <a:p>
+            <a:pPr algn="l"/>
+            <a:r>
+              <a:rPr lang="en-US" altLang="zh-CN" sz="1600" kern="0" dirty="0">
+                <a:solidFill>
+                  <a:srgbClr val="0000FF"/>
+                </a:solidFill>
+                <a:effectLst/>
+                <a:latin typeface="Menlo" panose="020B0609030804020204" pitchFamily="49" charset="0"/>
+                <a:ea typeface="宋体" panose="02010600030101010101" pitchFamily="2" charset="-122"/>
+                <a:cs typeface="Times New Roman" panose="02020603050405020304" pitchFamily="18" charset="0"/>
+              </a:rPr>
+              <a:t>int</a:t>
+            </a:r>
+            <a:r>
+              <a:rPr lang="en-US" altLang="zh-CN" sz="1600" kern="0" dirty="0">
+                <a:solidFill>
+                  <a:srgbClr val="000000"/>
+                </a:solidFill>
+                <a:effectLst/>
+                <a:latin typeface="Menlo" panose="020B0609030804020204" pitchFamily="49" charset="0"/>
+                <a:ea typeface="宋体" panose="02010600030101010101" pitchFamily="2" charset="-122"/>
+                <a:cs typeface="Times New Roman" panose="02020603050405020304" pitchFamily="18" charset="0"/>
+              </a:rPr>
+              <a:t> </a:t>
+            </a:r>
+            <a:r>
+              <a:rPr lang="en-US" altLang="zh-CN" sz="1600" kern="0" dirty="0">
+                <a:solidFill>
+                  <a:srgbClr val="795E26"/>
+                </a:solidFill>
+                <a:effectLst/>
+                <a:latin typeface="Menlo" panose="020B0609030804020204" pitchFamily="49" charset="0"/>
+                <a:ea typeface="宋体" panose="02010600030101010101" pitchFamily="2" charset="-122"/>
+                <a:cs typeface="Times New Roman" panose="02020603050405020304" pitchFamily="18" charset="0"/>
+              </a:rPr>
+              <a:t>main</a:t>
+            </a:r>
+            <a:r>
+              <a:rPr lang="en-US" altLang="zh-CN" sz="1600" kern="0" dirty="0">
+                <a:solidFill>
+                  <a:srgbClr val="000000"/>
+                </a:solidFill>
+                <a:effectLst/>
+                <a:latin typeface="Menlo" panose="020B0609030804020204" pitchFamily="49" charset="0"/>
+                <a:ea typeface="宋体" panose="02010600030101010101" pitchFamily="2" charset="-122"/>
+                <a:cs typeface="Times New Roman" panose="02020603050405020304" pitchFamily="18" charset="0"/>
+              </a:rPr>
+              <a:t>(</a:t>
+            </a:r>
+            <a:r>
+              <a:rPr lang="en-US" altLang="zh-CN" sz="1600" kern="0" dirty="0">
+                <a:solidFill>
+                  <a:srgbClr val="0000FF"/>
+                </a:solidFill>
+                <a:effectLst/>
+                <a:latin typeface="Menlo" panose="020B0609030804020204" pitchFamily="49" charset="0"/>
+                <a:ea typeface="宋体" panose="02010600030101010101" pitchFamily="2" charset="-122"/>
+                <a:cs typeface="Times New Roman" panose="02020603050405020304" pitchFamily="18" charset="0"/>
+              </a:rPr>
+              <a:t>int</a:t>
+            </a:r>
+            <a:r>
+              <a:rPr lang="en-US" altLang="zh-CN" sz="1600" kern="0" dirty="0">
+                <a:solidFill>
+                  <a:srgbClr val="000000"/>
+                </a:solidFill>
+                <a:effectLst/>
+                <a:latin typeface="Menlo" panose="020B0609030804020204" pitchFamily="49" charset="0"/>
+                <a:ea typeface="宋体" panose="02010600030101010101" pitchFamily="2" charset="-122"/>
+                <a:cs typeface="Times New Roman" panose="02020603050405020304" pitchFamily="18" charset="0"/>
+              </a:rPr>
+              <a:t> </a:t>
+            </a:r>
+            <a:r>
+              <a:rPr lang="en-US" altLang="zh-CN" sz="1600" kern="0" dirty="0" err="1">
+                <a:solidFill>
+                  <a:srgbClr val="001080"/>
+                </a:solidFill>
+                <a:effectLst/>
+                <a:latin typeface="Menlo" panose="020B0609030804020204" pitchFamily="49" charset="0"/>
+                <a:ea typeface="宋体" panose="02010600030101010101" pitchFamily="2" charset="-122"/>
+                <a:cs typeface="Times New Roman" panose="02020603050405020304" pitchFamily="18" charset="0"/>
+              </a:rPr>
+              <a:t>argc</a:t>
+            </a:r>
+            <a:r>
+              <a:rPr lang="en-US" altLang="zh-CN" sz="1600" kern="0" dirty="0">
+                <a:solidFill>
+                  <a:srgbClr val="000000"/>
+                </a:solidFill>
+                <a:effectLst/>
+                <a:latin typeface="Menlo" panose="020B0609030804020204" pitchFamily="49" charset="0"/>
+                <a:ea typeface="宋体" panose="02010600030101010101" pitchFamily="2" charset="-122"/>
+                <a:cs typeface="Times New Roman" panose="02020603050405020304" pitchFamily="18" charset="0"/>
+              </a:rPr>
+              <a:t>, </a:t>
+            </a:r>
+            <a:r>
+              <a:rPr lang="en-US" altLang="zh-CN" sz="1600" kern="0" dirty="0">
+                <a:solidFill>
+                  <a:srgbClr val="0000FF"/>
+                </a:solidFill>
+                <a:effectLst/>
+                <a:latin typeface="Menlo" panose="020B0609030804020204" pitchFamily="49" charset="0"/>
+                <a:ea typeface="宋体" panose="02010600030101010101" pitchFamily="2" charset="-122"/>
+                <a:cs typeface="Times New Roman" panose="02020603050405020304" pitchFamily="18" charset="0"/>
+              </a:rPr>
+              <a:t>char</a:t>
+            </a:r>
+            <a:r>
+              <a:rPr lang="en-US" altLang="zh-CN" sz="1600" kern="0" dirty="0">
+                <a:solidFill>
+                  <a:srgbClr val="000000"/>
+                </a:solidFill>
+                <a:effectLst/>
+                <a:latin typeface="Menlo" panose="020B0609030804020204" pitchFamily="49" charset="0"/>
+                <a:ea typeface="宋体" panose="02010600030101010101" pitchFamily="2" charset="-122"/>
+                <a:cs typeface="Times New Roman" panose="02020603050405020304" pitchFamily="18" charset="0"/>
+              </a:rPr>
+              <a:t> </a:t>
+            </a:r>
+            <a:r>
+              <a:rPr lang="en-US" altLang="zh-CN" sz="1600" kern="0" dirty="0">
+                <a:solidFill>
+                  <a:srgbClr val="0000FF"/>
+                </a:solidFill>
+                <a:effectLst/>
+                <a:latin typeface="Menlo" panose="020B0609030804020204" pitchFamily="49" charset="0"/>
+                <a:ea typeface="宋体" panose="02010600030101010101" pitchFamily="2" charset="-122"/>
+                <a:cs typeface="Times New Roman" panose="02020603050405020304" pitchFamily="18" charset="0"/>
+              </a:rPr>
+              <a:t>*</a:t>
+            </a:r>
+            <a:r>
+              <a:rPr lang="en-US" altLang="zh-CN" sz="1600" kern="0" dirty="0" err="1">
+                <a:solidFill>
+                  <a:srgbClr val="001080"/>
+                </a:solidFill>
+                <a:effectLst/>
+                <a:latin typeface="Menlo" panose="020B0609030804020204" pitchFamily="49" charset="0"/>
+                <a:ea typeface="宋体" panose="02010600030101010101" pitchFamily="2" charset="-122"/>
+                <a:cs typeface="Times New Roman" panose="02020603050405020304" pitchFamily="18" charset="0"/>
+              </a:rPr>
+              <a:t>argv</a:t>
+            </a:r>
+            <a:r>
+              <a:rPr lang="en-US" altLang="zh-CN" sz="1600" kern="0" dirty="0">
+                <a:solidFill>
+                  <a:srgbClr val="000000"/>
+                </a:solidFill>
+                <a:effectLst/>
+                <a:latin typeface="Menlo" panose="020B0609030804020204" pitchFamily="49" charset="0"/>
+                <a:ea typeface="宋体" panose="02010600030101010101" pitchFamily="2" charset="-122"/>
+                <a:cs typeface="Times New Roman" panose="02020603050405020304" pitchFamily="18" charset="0"/>
+              </a:rPr>
+              <a:t>[]){</a:t>
+            </a:r>
+            <a:endParaRPr lang="zh-CN" altLang="zh-CN" sz="1600" kern="100" dirty="0">
+              <a:effectLst/>
+              <a:latin typeface="DengXian" panose="02010600030101010101" pitchFamily="2" charset="-122"/>
+              <a:ea typeface="DengXian" panose="02010600030101010101" pitchFamily="2" charset="-122"/>
+              <a:cs typeface="Times New Roman" panose="02020603050405020304" pitchFamily="18" charset="0"/>
+            </a:endParaRPr>
+          </a:p>
+          <a:p>
+            <a:pPr algn="l"/>
+            <a:r>
+              <a:rPr lang="en-US" altLang="zh-CN" sz="1600" kern="0" dirty="0">
+                <a:solidFill>
+                  <a:srgbClr val="000000"/>
+                </a:solidFill>
+                <a:effectLst/>
+                <a:latin typeface="Menlo" panose="020B0609030804020204" pitchFamily="49" charset="0"/>
+                <a:ea typeface="宋体" panose="02010600030101010101" pitchFamily="2" charset="-122"/>
+                <a:cs typeface="Times New Roman" panose="02020603050405020304" pitchFamily="18" charset="0"/>
+              </a:rPr>
+              <a:t>    </a:t>
+            </a:r>
+            <a:r>
+              <a:rPr lang="en-US" altLang="zh-CN" sz="1600" kern="0" dirty="0">
+                <a:solidFill>
+                  <a:srgbClr val="0000FF"/>
+                </a:solidFill>
+                <a:effectLst/>
+                <a:latin typeface="Menlo" panose="020B0609030804020204" pitchFamily="49" charset="0"/>
+                <a:ea typeface="宋体" panose="02010600030101010101" pitchFamily="2" charset="-122"/>
+                <a:cs typeface="Times New Roman" panose="02020603050405020304" pitchFamily="18" charset="0"/>
+              </a:rPr>
+              <a:t>int</a:t>
+            </a:r>
+            <a:r>
+              <a:rPr lang="en-US" altLang="zh-CN" sz="1600" kern="0" dirty="0">
+                <a:solidFill>
+                  <a:srgbClr val="000000"/>
+                </a:solidFill>
+                <a:effectLst/>
+                <a:latin typeface="Menlo" panose="020B0609030804020204" pitchFamily="49" charset="0"/>
+                <a:ea typeface="宋体" panose="02010600030101010101" pitchFamily="2" charset="-122"/>
+                <a:cs typeface="Times New Roman" panose="02020603050405020304" pitchFamily="18" charset="0"/>
+              </a:rPr>
+              <a:t> </a:t>
+            </a:r>
+            <a:r>
+              <a:rPr lang="en-US" altLang="zh-CN" sz="1600" kern="0" dirty="0" err="1">
+                <a:solidFill>
+                  <a:srgbClr val="001080"/>
+                </a:solidFill>
+                <a:effectLst/>
+                <a:latin typeface="Menlo" panose="020B0609030804020204" pitchFamily="49" charset="0"/>
+                <a:ea typeface="宋体" panose="02010600030101010101" pitchFamily="2" charset="-122"/>
+                <a:cs typeface="Times New Roman" panose="02020603050405020304" pitchFamily="18" charset="0"/>
+              </a:rPr>
+              <a:t>numA</a:t>
+            </a:r>
+            <a:r>
+              <a:rPr lang="en-US" altLang="zh-CN" sz="1600" kern="0" dirty="0">
+                <a:solidFill>
+                  <a:srgbClr val="000000"/>
+                </a:solidFill>
+                <a:effectLst/>
+                <a:latin typeface="Menlo" panose="020B0609030804020204" pitchFamily="49" charset="0"/>
+                <a:ea typeface="宋体" panose="02010600030101010101" pitchFamily="2" charset="-122"/>
+                <a:cs typeface="Times New Roman" panose="02020603050405020304" pitchFamily="18" charset="0"/>
+              </a:rPr>
+              <a:t> = </a:t>
+            </a:r>
+            <a:r>
+              <a:rPr lang="en-US" altLang="zh-CN" sz="1600" kern="0" dirty="0">
+                <a:solidFill>
+                  <a:srgbClr val="098658"/>
+                </a:solidFill>
+                <a:effectLst/>
+                <a:latin typeface="Menlo" panose="020B0609030804020204" pitchFamily="49" charset="0"/>
+                <a:ea typeface="宋体" panose="02010600030101010101" pitchFamily="2" charset="-122"/>
+                <a:cs typeface="Times New Roman" panose="02020603050405020304" pitchFamily="18" charset="0"/>
+              </a:rPr>
+              <a:t>0x11223344</a:t>
+            </a:r>
+            <a:r>
+              <a:rPr lang="en-US" altLang="zh-CN" sz="1600" kern="0" dirty="0">
+                <a:solidFill>
+                  <a:srgbClr val="000000"/>
+                </a:solidFill>
+                <a:effectLst/>
+                <a:latin typeface="Menlo" panose="020B0609030804020204" pitchFamily="49" charset="0"/>
+                <a:ea typeface="宋体" panose="02010600030101010101" pitchFamily="2" charset="-122"/>
+                <a:cs typeface="Times New Roman" panose="02020603050405020304" pitchFamily="18" charset="0"/>
+              </a:rPr>
+              <a:t>;</a:t>
+            </a:r>
+            <a:endParaRPr lang="zh-CN" altLang="zh-CN" sz="1600" kern="100" dirty="0">
+              <a:effectLst/>
+              <a:latin typeface="DengXian" panose="02010600030101010101" pitchFamily="2" charset="-122"/>
+              <a:ea typeface="DengXian" panose="02010600030101010101" pitchFamily="2" charset="-122"/>
+              <a:cs typeface="Times New Roman" panose="02020603050405020304" pitchFamily="18" charset="0"/>
+            </a:endParaRPr>
+          </a:p>
+          <a:p>
+            <a:pPr algn="l"/>
+            <a:r>
+              <a:rPr lang="en-US" altLang="zh-CN" sz="1600" kern="0" dirty="0">
+                <a:solidFill>
+                  <a:srgbClr val="000000"/>
+                </a:solidFill>
+                <a:effectLst/>
+                <a:latin typeface="Menlo" panose="020B0609030804020204" pitchFamily="49" charset="0"/>
+                <a:ea typeface="宋体" panose="02010600030101010101" pitchFamily="2" charset="-122"/>
+                <a:cs typeface="Times New Roman" panose="02020603050405020304" pitchFamily="18" charset="0"/>
+              </a:rPr>
+              <a:t>    </a:t>
+            </a:r>
+            <a:r>
+              <a:rPr lang="en-US" altLang="zh-CN" sz="1600" kern="0" dirty="0">
+                <a:solidFill>
+                  <a:srgbClr val="AF00DB"/>
+                </a:solidFill>
+                <a:effectLst/>
+                <a:latin typeface="Menlo" panose="020B0609030804020204" pitchFamily="49" charset="0"/>
+                <a:ea typeface="宋体" panose="02010600030101010101" pitchFamily="2" charset="-122"/>
+                <a:cs typeface="Times New Roman" panose="02020603050405020304" pitchFamily="18" charset="0"/>
+              </a:rPr>
+              <a:t>if</a:t>
+            </a:r>
+            <a:r>
+              <a:rPr lang="en-US" altLang="zh-CN" sz="1600" kern="0" dirty="0">
+                <a:solidFill>
+                  <a:srgbClr val="000000"/>
+                </a:solidFill>
+                <a:effectLst/>
+                <a:latin typeface="Menlo" panose="020B0609030804020204" pitchFamily="49" charset="0"/>
+                <a:ea typeface="宋体" panose="02010600030101010101" pitchFamily="2" charset="-122"/>
+                <a:cs typeface="Times New Roman" panose="02020603050405020304" pitchFamily="18" charset="0"/>
+              </a:rPr>
+              <a:t>(</a:t>
+            </a:r>
+            <a:r>
+              <a:rPr lang="en-US" altLang="zh-CN" sz="1600" kern="0" dirty="0" err="1">
+                <a:solidFill>
+                  <a:srgbClr val="001080"/>
+                </a:solidFill>
+                <a:effectLst/>
+                <a:latin typeface="Menlo" panose="020B0609030804020204" pitchFamily="49" charset="0"/>
+                <a:ea typeface="宋体" panose="02010600030101010101" pitchFamily="2" charset="-122"/>
+                <a:cs typeface="Times New Roman" panose="02020603050405020304" pitchFamily="18" charset="0"/>
+              </a:rPr>
+              <a:t>argc</a:t>
+            </a:r>
+            <a:r>
+              <a:rPr lang="en-US" altLang="zh-CN" sz="1600" kern="0" dirty="0">
+                <a:solidFill>
+                  <a:srgbClr val="000000"/>
+                </a:solidFill>
+                <a:effectLst/>
+                <a:latin typeface="Menlo" panose="020B0609030804020204" pitchFamily="49" charset="0"/>
+                <a:ea typeface="宋体" panose="02010600030101010101" pitchFamily="2" charset="-122"/>
+                <a:cs typeface="Times New Roman" panose="02020603050405020304" pitchFamily="18" charset="0"/>
+              </a:rPr>
+              <a:t>==</a:t>
+            </a:r>
+            <a:r>
+              <a:rPr lang="en-US" altLang="zh-CN" sz="1600" kern="0" dirty="0">
+                <a:solidFill>
+                  <a:srgbClr val="098658"/>
+                </a:solidFill>
+                <a:effectLst/>
+                <a:latin typeface="Menlo" panose="020B0609030804020204" pitchFamily="49" charset="0"/>
+                <a:ea typeface="宋体" panose="02010600030101010101" pitchFamily="2" charset="-122"/>
+                <a:cs typeface="Times New Roman" panose="02020603050405020304" pitchFamily="18" charset="0"/>
+              </a:rPr>
+              <a:t>2</a:t>
+            </a:r>
+            <a:r>
+              <a:rPr lang="en-US" altLang="zh-CN" sz="1600" kern="0" dirty="0">
+                <a:solidFill>
+                  <a:srgbClr val="000000"/>
+                </a:solidFill>
+                <a:effectLst/>
+                <a:latin typeface="Menlo" panose="020B0609030804020204" pitchFamily="49" charset="0"/>
+                <a:ea typeface="宋体" panose="02010600030101010101" pitchFamily="2" charset="-122"/>
+                <a:cs typeface="Times New Roman" panose="02020603050405020304" pitchFamily="18" charset="0"/>
+              </a:rPr>
+              <a:t>){</a:t>
+            </a:r>
+            <a:endParaRPr lang="zh-CN" altLang="zh-CN" sz="1600" kern="100" dirty="0">
+              <a:effectLst/>
+              <a:latin typeface="DengXian" panose="02010600030101010101" pitchFamily="2" charset="-122"/>
+              <a:ea typeface="DengXian" panose="02010600030101010101" pitchFamily="2" charset="-122"/>
+              <a:cs typeface="Times New Roman" panose="02020603050405020304" pitchFamily="18" charset="0"/>
+            </a:endParaRPr>
+          </a:p>
+          <a:p>
+            <a:pPr algn="l"/>
+            <a:r>
+              <a:rPr lang="en-US" altLang="zh-CN" sz="1600" kern="0" dirty="0">
+                <a:solidFill>
+                  <a:srgbClr val="000000"/>
+                </a:solidFill>
+                <a:effectLst/>
+                <a:latin typeface="Menlo" panose="020B0609030804020204" pitchFamily="49" charset="0"/>
+                <a:ea typeface="宋体" panose="02010600030101010101" pitchFamily="2" charset="-122"/>
+                <a:cs typeface="Times New Roman" panose="02020603050405020304" pitchFamily="18" charset="0"/>
+              </a:rPr>
+              <a:t>        </a:t>
+            </a:r>
+            <a:r>
+              <a:rPr lang="en-US" altLang="zh-CN" sz="1600" kern="0" dirty="0">
+                <a:solidFill>
+                  <a:srgbClr val="AF00DB"/>
+                </a:solidFill>
+                <a:effectLst/>
+                <a:latin typeface="Menlo" panose="020B0609030804020204" pitchFamily="49" charset="0"/>
+                <a:ea typeface="宋体" panose="02010600030101010101" pitchFamily="2" charset="-122"/>
+                <a:cs typeface="Times New Roman" panose="02020603050405020304" pitchFamily="18" charset="0"/>
+              </a:rPr>
+              <a:t>if</a:t>
+            </a:r>
+            <a:r>
+              <a:rPr lang="en-US" altLang="zh-CN" sz="1600" kern="0" dirty="0">
+                <a:solidFill>
+                  <a:srgbClr val="000000"/>
+                </a:solidFill>
+                <a:effectLst/>
+                <a:latin typeface="Menlo" panose="020B0609030804020204" pitchFamily="49" charset="0"/>
+                <a:ea typeface="宋体" panose="02010600030101010101" pitchFamily="2" charset="-122"/>
+                <a:cs typeface="Times New Roman" panose="02020603050405020304" pitchFamily="18" charset="0"/>
+              </a:rPr>
+              <a:t>((</a:t>
+            </a:r>
+            <a:r>
+              <a:rPr lang="en-US" altLang="zh-CN" sz="1600" kern="0" dirty="0" err="1">
+                <a:solidFill>
+                  <a:srgbClr val="001080"/>
+                </a:solidFill>
+                <a:effectLst/>
+                <a:latin typeface="Menlo" panose="020B0609030804020204" pitchFamily="49" charset="0"/>
+                <a:ea typeface="宋体" panose="02010600030101010101" pitchFamily="2" charset="-122"/>
+                <a:cs typeface="Times New Roman" panose="02020603050405020304" pitchFamily="18" charset="0"/>
+              </a:rPr>
+              <a:t>argv</a:t>
+            </a:r>
+            <a:r>
+              <a:rPr lang="en-US" altLang="zh-CN" sz="1600" kern="0" dirty="0">
+                <a:solidFill>
+                  <a:srgbClr val="000000"/>
+                </a:solidFill>
+                <a:effectLst/>
+                <a:latin typeface="Menlo" panose="020B0609030804020204" pitchFamily="49" charset="0"/>
+                <a:ea typeface="宋体" panose="02010600030101010101" pitchFamily="2" charset="-122"/>
+                <a:cs typeface="Times New Roman" panose="02020603050405020304" pitchFamily="18" charset="0"/>
+              </a:rPr>
+              <a:t>[</a:t>
+            </a:r>
+            <a:r>
+              <a:rPr lang="en-US" altLang="zh-CN" sz="1600" kern="0" dirty="0">
+                <a:solidFill>
+                  <a:srgbClr val="098658"/>
+                </a:solidFill>
+                <a:effectLst/>
+                <a:latin typeface="Menlo" panose="020B0609030804020204" pitchFamily="49" charset="0"/>
+                <a:ea typeface="宋体" panose="02010600030101010101" pitchFamily="2" charset="-122"/>
+                <a:cs typeface="Times New Roman" panose="02020603050405020304" pitchFamily="18" charset="0"/>
+              </a:rPr>
+              <a:t>1</a:t>
+            </a:r>
+            <a:r>
+              <a:rPr lang="en-US" altLang="zh-CN" sz="1600" kern="0" dirty="0">
+                <a:solidFill>
+                  <a:srgbClr val="000000"/>
+                </a:solidFill>
+                <a:effectLst/>
+                <a:latin typeface="Menlo" panose="020B0609030804020204" pitchFamily="49" charset="0"/>
+                <a:ea typeface="宋体" panose="02010600030101010101" pitchFamily="2" charset="-122"/>
+                <a:cs typeface="Times New Roman" panose="02020603050405020304" pitchFamily="18" charset="0"/>
+              </a:rPr>
+              <a:t>][</a:t>
+            </a:r>
+            <a:r>
+              <a:rPr lang="en-US" altLang="zh-CN" sz="1600" kern="0" dirty="0">
+                <a:solidFill>
+                  <a:srgbClr val="098658"/>
+                </a:solidFill>
+                <a:effectLst/>
+                <a:latin typeface="Menlo" panose="020B0609030804020204" pitchFamily="49" charset="0"/>
+                <a:ea typeface="宋体" panose="02010600030101010101" pitchFamily="2" charset="-122"/>
+                <a:cs typeface="Times New Roman" panose="02020603050405020304" pitchFamily="18" charset="0"/>
+              </a:rPr>
+              <a:t>0</a:t>
+            </a:r>
+            <a:r>
+              <a:rPr lang="en-US" altLang="zh-CN" sz="1600" kern="0" dirty="0">
+                <a:solidFill>
+                  <a:srgbClr val="000000"/>
+                </a:solidFill>
+                <a:effectLst/>
+                <a:latin typeface="Menlo" panose="020B0609030804020204" pitchFamily="49" charset="0"/>
+                <a:ea typeface="宋体" panose="02010600030101010101" pitchFamily="2" charset="-122"/>
+                <a:cs typeface="Times New Roman" panose="02020603050405020304" pitchFamily="18" charset="0"/>
+              </a:rPr>
+              <a:t>] == </a:t>
+            </a:r>
+            <a:r>
+              <a:rPr lang="en-US" altLang="zh-CN" sz="1600" kern="0" dirty="0">
+                <a:solidFill>
+                  <a:srgbClr val="A31515"/>
+                </a:solidFill>
+                <a:effectLst/>
+                <a:latin typeface="Menlo" panose="020B0609030804020204" pitchFamily="49" charset="0"/>
+                <a:ea typeface="宋体" panose="02010600030101010101" pitchFamily="2" charset="-122"/>
+                <a:cs typeface="Times New Roman" panose="02020603050405020304" pitchFamily="18" charset="0"/>
+              </a:rPr>
+              <a:t>'H'</a:t>
+            </a:r>
+            <a:r>
+              <a:rPr lang="en-US" altLang="zh-CN" sz="1600" kern="0" dirty="0">
+                <a:solidFill>
+                  <a:srgbClr val="000000"/>
+                </a:solidFill>
+                <a:effectLst/>
+                <a:latin typeface="Menlo" panose="020B0609030804020204" pitchFamily="49" charset="0"/>
+                <a:ea typeface="宋体" panose="02010600030101010101" pitchFamily="2" charset="-122"/>
+                <a:cs typeface="Times New Roman" panose="02020603050405020304" pitchFamily="18" charset="0"/>
+              </a:rPr>
+              <a:t>)){</a:t>
+            </a:r>
+            <a:endParaRPr lang="zh-CN" altLang="zh-CN" sz="1600" kern="100" dirty="0">
+              <a:effectLst/>
+              <a:latin typeface="DengXian" panose="02010600030101010101" pitchFamily="2" charset="-122"/>
+              <a:ea typeface="DengXian" panose="02010600030101010101" pitchFamily="2" charset="-122"/>
+              <a:cs typeface="Times New Roman" panose="02020603050405020304" pitchFamily="18" charset="0"/>
+            </a:endParaRPr>
+          </a:p>
+          <a:p>
+            <a:pPr algn="l"/>
+            <a:r>
+              <a:rPr lang="en-US" altLang="zh-CN" sz="1600" kern="0" dirty="0">
+                <a:solidFill>
+                  <a:srgbClr val="000000"/>
+                </a:solidFill>
+                <a:effectLst/>
+                <a:latin typeface="Menlo" panose="020B0609030804020204" pitchFamily="49" charset="0"/>
+                <a:ea typeface="宋体" panose="02010600030101010101" pitchFamily="2" charset="-122"/>
+                <a:cs typeface="Times New Roman" panose="02020603050405020304" pitchFamily="18" charset="0"/>
+              </a:rPr>
+              <a:t>            </a:t>
+            </a:r>
+            <a:r>
+              <a:rPr lang="en-US" altLang="zh-CN" sz="1600" kern="0" dirty="0">
+                <a:solidFill>
+                  <a:srgbClr val="0000FF"/>
+                </a:solidFill>
+                <a:effectLst/>
+                <a:latin typeface="Menlo" panose="020B0609030804020204" pitchFamily="49" charset="0"/>
+                <a:ea typeface="宋体" panose="02010600030101010101" pitchFamily="2" charset="-122"/>
+                <a:cs typeface="Times New Roman" panose="02020603050405020304" pitchFamily="18" charset="0"/>
+              </a:rPr>
+              <a:t>int</a:t>
+            </a:r>
+            <a:r>
+              <a:rPr lang="en-US" altLang="zh-CN" sz="1600" kern="0" dirty="0">
+                <a:solidFill>
+                  <a:srgbClr val="000000"/>
+                </a:solidFill>
+                <a:effectLst/>
+                <a:latin typeface="Menlo" panose="020B0609030804020204" pitchFamily="49" charset="0"/>
+                <a:ea typeface="宋体" panose="02010600030101010101" pitchFamily="2" charset="-122"/>
+                <a:cs typeface="Times New Roman" panose="02020603050405020304" pitchFamily="18" charset="0"/>
+              </a:rPr>
+              <a:t> </a:t>
+            </a:r>
+            <a:r>
+              <a:rPr lang="en-US" altLang="zh-CN" sz="1600" kern="0" dirty="0">
+                <a:solidFill>
+                  <a:srgbClr val="0000FF"/>
+                </a:solidFill>
+                <a:effectLst/>
+                <a:latin typeface="Menlo" panose="020B0609030804020204" pitchFamily="49" charset="0"/>
+                <a:ea typeface="宋体" panose="02010600030101010101" pitchFamily="2" charset="-122"/>
+                <a:cs typeface="Times New Roman" panose="02020603050405020304" pitchFamily="18" charset="0"/>
+              </a:rPr>
+              <a:t>*</a:t>
+            </a:r>
+            <a:r>
+              <a:rPr lang="en-US" altLang="zh-CN" sz="1600" kern="0" dirty="0" err="1">
+                <a:solidFill>
+                  <a:srgbClr val="001080"/>
+                </a:solidFill>
+                <a:effectLst/>
+                <a:latin typeface="Menlo" panose="020B0609030804020204" pitchFamily="49" charset="0"/>
+                <a:ea typeface="宋体" panose="02010600030101010101" pitchFamily="2" charset="-122"/>
+                <a:cs typeface="Times New Roman" panose="02020603050405020304" pitchFamily="18" charset="0"/>
+              </a:rPr>
+              <a:t>pnumB</a:t>
+            </a:r>
+            <a:r>
+              <a:rPr lang="en-US" altLang="zh-CN" sz="1600" kern="0" dirty="0">
+                <a:solidFill>
+                  <a:srgbClr val="000000"/>
+                </a:solidFill>
+                <a:effectLst/>
+                <a:latin typeface="Menlo" panose="020B0609030804020204" pitchFamily="49" charset="0"/>
+                <a:ea typeface="宋体" panose="02010600030101010101" pitchFamily="2" charset="-122"/>
+                <a:cs typeface="Times New Roman" panose="02020603050405020304" pitchFamily="18" charset="0"/>
+              </a:rPr>
+              <a:t> = </a:t>
+            </a:r>
+            <a:r>
+              <a:rPr lang="en-US" altLang="zh-CN" sz="1600" kern="0" dirty="0">
+                <a:solidFill>
+                  <a:srgbClr val="795E26"/>
+                </a:solidFill>
+                <a:effectLst/>
+                <a:latin typeface="Menlo" panose="020B0609030804020204" pitchFamily="49" charset="0"/>
+                <a:ea typeface="宋体" panose="02010600030101010101" pitchFamily="2" charset="-122"/>
+                <a:cs typeface="Times New Roman" panose="02020603050405020304" pitchFamily="18" charset="0"/>
+              </a:rPr>
+              <a:t>malloc</a:t>
+            </a:r>
+            <a:r>
+              <a:rPr lang="en-US" altLang="zh-CN" sz="1600" kern="0" dirty="0">
+                <a:solidFill>
+                  <a:srgbClr val="000000"/>
+                </a:solidFill>
+                <a:effectLst/>
+                <a:latin typeface="Menlo" panose="020B0609030804020204" pitchFamily="49" charset="0"/>
+                <a:ea typeface="宋体" panose="02010600030101010101" pitchFamily="2" charset="-122"/>
+                <a:cs typeface="Times New Roman" panose="02020603050405020304" pitchFamily="18" charset="0"/>
+              </a:rPr>
+              <a:t>(</a:t>
+            </a:r>
+            <a:r>
+              <a:rPr lang="en-US" altLang="zh-CN" sz="1600" kern="0" dirty="0" err="1">
+                <a:solidFill>
+                  <a:srgbClr val="0000FF"/>
+                </a:solidFill>
+                <a:effectLst/>
+                <a:latin typeface="Menlo" panose="020B0609030804020204" pitchFamily="49" charset="0"/>
+                <a:ea typeface="宋体" panose="02010600030101010101" pitchFamily="2" charset="-122"/>
+                <a:cs typeface="Times New Roman" panose="02020603050405020304" pitchFamily="18" charset="0"/>
+              </a:rPr>
+              <a:t>sizeof</a:t>
+            </a:r>
+            <a:r>
+              <a:rPr lang="en-US" altLang="zh-CN" sz="1600" kern="0" dirty="0">
+                <a:solidFill>
+                  <a:srgbClr val="000000"/>
+                </a:solidFill>
+                <a:effectLst/>
+                <a:latin typeface="Menlo" panose="020B0609030804020204" pitchFamily="49" charset="0"/>
+                <a:ea typeface="宋体" panose="02010600030101010101" pitchFamily="2" charset="-122"/>
+                <a:cs typeface="Times New Roman" panose="02020603050405020304" pitchFamily="18" charset="0"/>
+              </a:rPr>
+              <a:t>(</a:t>
+            </a:r>
+            <a:r>
+              <a:rPr lang="en-US" altLang="zh-CN" sz="1600" kern="0" dirty="0">
+                <a:solidFill>
+                  <a:srgbClr val="0000FF"/>
+                </a:solidFill>
+                <a:effectLst/>
+                <a:latin typeface="Menlo" panose="020B0609030804020204" pitchFamily="49" charset="0"/>
+                <a:ea typeface="宋体" panose="02010600030101010101" pitchFamily="2" charset="-122"/>
+                <a:cs typeface="Times New Roman" panose="02020603050405020304" pitchFamily="18" charset="0"/>
+              </a:rPr>
+              <a:t>int</a:t>
+            </a:r>
+            <a:r>
+              <a:rPr lang="en-US" altLang="zh-CN" sz="1600" kern="0" dirty="0">
+                <a:solidFill>
+                  <a:srgbClr val="000000"/>
+                </a:solidFill>
+                <a:effectLst/>
+                <a:latin typeface="Menlo" panose="020B0609030804020204" pitchFamily="49" charset="0"/>
+                <a:ea typeface="宋体" panose="02010600030101010101" pitchFamily="2" charset="-122"/>
+                <a:cs typeface="Times New Roman" panose="02020603050405020304" pitchFamily="18" charset="0"/>
+              </a:rPr>
+              <a:t>));</a:t>
+            </a:r>
+            <a:endParaRPr lang="zh-CN" altLang="zh-CN" sz="1600" kern="100" dirty="0">
+              <a:effectLst/>
+              <a:latin typeface="DengXian" panose="02010600030101010101" pitchFamily="2" charset="-122"/>
+              <a:ea typeface="DengXian" panose="02010600030101010101" pitchFamily="2" charset="-122"/>
+              <a:cs typeface="Times New Roman" panose="02020603050405020304" pitchFamily="18" charset="0"/>
+            </a:endParaRPr>
+          </a:p>
+          <a:p>
+            <a:pPr algn="l"/>
+            <a:r>
+              <a:rPr lang="en-US" altLang="zh-CN" sz="1600" kern="0" dirty="0">
+                <a:solidFill>
+                  <a:srgbClr val="000000"/>
+                </a:solidFill>
+                <a:effectLst/>
+                <a:latin typeface="Menlo" panose="020B0609030804020204" pitchFamily="49" charset="0"/>
+                <a:ea typeface="宋体" panose="02010600030101010101" pitchFamily="2" charset="-122"/>
+                <a:cs typeface="Times New Roman" panose="02020603050405020304" pitchFamily="18" charset="0"/>
+              </a:rPr>
+              <a:t>            </a:t>
+            </a:r>
+            <a:r>
+              <a:rPr lang="en-US" altLang="zh-CN" sz="1600" kern="0" dirty="0">
+                <a:solidFill>
+                  <a:srgbClr val="AF00DB"/>
+                </a:solidFill>
+                <a:effectLst/>
+                <a:latin typeface="Menlo" panose="020B0609030804020204" pitchFamily="49" charset="0"/>
+                <a:ea typeface="宋体" panose="02010600030101010101" pitchFamily="2" charset="-122"/>
+                <a:cs typeface="Times New Roman" panose="02020603050405020304" pitchFamily="18" charset="0"/>
+              </a:rPr>
+              <a:t>if</a:t>
+            </a:r>
+            <a:r>
+              <a:rPr lang="en-US" altLang="zh-CN" sz="1600" kern="0" dirty="0">
+                <a:solidFill>
+                  <a:srgbClr val="000000"/>
+                </a:solidFill>
+                <a:effectLst/>
+                <a:latin typeface="Menlo" panose="020B0609030804020204" pitchFamily="49" charset="0"/>
+                <a:ea typeface="宋体" panose="02010600030101010101" pitchFamily="2" charset="-122"/>
+                <a:cs typeface="Times New Roman" panose="02020603050405020304" pitchFamily="18" charset="0"/>
+              </a:rPr>
+              <a:t>(</a:t>
+            </a:r>
+            <a:r>
+              <a:rPr lang="en-US" altLang="zh-CN" sz="1600" kern="0" dirty="0" err="1">
+                <a:solidFill>
+                  <a:srgbClr val="001080"/>
+                </a:solidFill>
+                <a:effectLst/>
+                <a:latin typeface="Menlo" panose="020B0609030804020204" pitchFamily="49" charset="0"/>
+                <a:ea typeface="宋体" panose="02010600030101010101" pitchFamily="2" charset="-122"/>
+                <a:cs typeface="Times New Roman" panose="02020603050405020304" pitchFamily="18" charset="0"/>
+              </a:rPr>
+              <a:t>pnumB</a:t>
+            </a:r>
+            <a:r>
+              <a:rPr lang="en-US" altLang="zh-CN" sz="1600" kern="0" dirty="0">
+                <a:solidFill>
+                  <a:srgbClr val="001080"/>
+                </a:solidFill>
+                <a:effectLst/>
+                <a:latin typeface="Menlo" panose="020B0609030804020204" pitchFamily="49" charset="0"/>
+                <a:ea typeface="宋体" panose="02010600030101010101" pitchFamily="2" charset="-122"/>
+                <a:cs typeface="Times New Roman" panose="02020603050405020304" pitchFamily="18" charset="0"/>
+              </a:rPr>
+              <a:t> </a:t>
+            </a:r>
+            <a:r>
+              <a:rPr lang="en-US" altLang="zh-CN" sz="1600" kern="0" dirty="0">
+                <a:solidFill>
+                  <a:srgbClr val="000000"/>
+                </a:solidFill>
+                <a:effectLst/>
+                <a:latin typeface="Menlo" panose="020B0609030804020204" pitchFamily="49" charset="0"/>
+                <a:ea typeface="宋体" panose="02010600030101010101" pitchFamily="2" charset="-122"/>
+                <a:cs typeface="Times New Roman" panose="02020603050405020304" pitchFamily="18" charset="0"/>
+              </a:rPr>
+              <a:t>!= </a:t>
+            </a:r>
+            <a:r>
+              <a:rPr lang="en-US" altLang="zh-CN" sz="1600" kern="0" dirty="0">
+                <a:solidFill>
+                  <a:srgbClr val="0000FF"/>
+                </a:solidFill>
+                <a:effectLst/>
+                <a:latin typeface="Menlo" panose="020B0609030804020204" pitchFamily="49" charset="0"/>
+                <a:ea typeface="宋体" panose="02010600030101010101" pitchFamily="2" charset="-122"/>
+                <a:cs typeface="Times New Roman" panose="02020603050405020304" pitchFamily="18" charset="0"/>
+              </a:rPr>
+              <a:t>NULL</a:t>
+            </a:r>
+            <a:r>
+              <a:rPr lang="en-US" altLang="zh-CN" sz="1600" kern="0" dirty="0">
+                <a:solidFill>
+                  <a:srgbClr val="000000"/>
+                </a:solidFill>
+                <a:effectLst/>
+                <a:latin typeface="Menlo" panose="020B0609030804020204" pitchFamily="49" charset="0"/>
+                <a:ea typeface="宋体" panose="02010600030101010101" pitchFamily="2" charset="-122"/>
+                <a:cs typeface="Times New Roman" panose="02020603050405020304" pitchFamily="18" charset="0"/>
+              </a:rPr>
+              <a:t>){</a:t>
+            </a:r>
+            <a:endParaRPr lang="zh-CN" altLang="zh-CN" sz="1600" kern="100" dirty="0">
+              <a:effectLst/>
+              <a:latin typeface="DengXian" panose="02010600030101010101" pitchFamily="2" charset="-122"/>
+              <a:ea typeface="DengXian" panose="02010600030101010101" pitchFamily="2" charset="-122"/>
+              <a:cs typeface="Times New Roman" panose="02020603050405020304" pitchFamily="18" charset="0"/>
+            </a:endParaRPr>
+          </a:p>
+          <a:p>
+            <a:pPr algn="l"/>
+            <a:r>
+              <a:rPr lang="en-US" altLang="zh-CN" sz="1600" kern="0" dirty="0">
+                <a:solidFill>
+                  <a:srgbClr val="008000"/>
+                </a:solidFill>
+                <a:effectLst/>
+                <a:latin typeface="Menlo" panose="020B0609030804020204" pitchFamily="49" charset="0"/>
+                <a:ea typeface="宋体" panose="02010600030101010101" pitchFamily="2" charset="-122"/>
+                <a:cs typeface="Times New Roman" panose="02020603050405020304" pitchFamily="18" charset="0"/>
+              </a:rPr>
+              <a:t>                </a:t>
+            </a:r>
+            <a:r>
+              <a:rPr lang="en-US" altLang="zh-CN" sz="1600" kern="0" dirty="0">
+                <a:solidFill>
+                  <a:srgbClr val="008000"/>
+                </a:solidFill>
+                <a:effectLst/>
                 <a:highlight>
                   <a:srgbClr val="FFFF00"/>
                 </a:highlight>
+                <a:latin typeface="Menlo" panose="020B0609030804020204" pitchFamily="49" charset="0"/>
+                <a:ea typeface="宋体" panose="02010600030101010101" pitchFamily="2" charset="-122"/>
+                <a:cs typeface="Times New Roman" panose="02020603050405020304" pitchFamily="18" charset="0"/>
+              </a:rPr>
+              <a:t>/*complete code here*/</a:t>
+            </a:r>
+            <a:endParaRPr lang="zh-CN" altLang="zh-CN" sz="1600" kern="100" dirty="0">
+              <a:effectLst/>
+              <a:highlight>
+                <a:srgbClr val="FFFF00"/>
+              </a:highlight>
+              <a:latin typeface="DengXian" panose="02010600030101010101" pitchFamily="2" charset="-122"/>
+              <a:ea typeface="DengXian" panose="02010600030101010101" pitchFamily="2" charset="-122"/>
+              <a:cs typeface="Times New Roman" panose="02020603050405020304" pitchFamily="18" charset="0"/>
+            </a:endParaRPr>
+          </a:p>
+          <a:p>
+            <a:pPr algn="l"/>
+            <a:r>
+              <a:rPr lang="en-US" altLang="zh-CN" sz="1600" kern="0" dirty="0">
+                <a:solidFill>
+                  <a:srgbClr val="000000"/>
+                </a:solidFill>
+                <a:effectLst/>
+                <a:latin typeface="Menlo" panose="020B0609030804020204" pitchFamily="49" charset="0"/>
+                <a:ea typeface="宋体" panose="02010600030101010101" pitchFamily="2" charset="-122"/>
+                <a:cs typeface="Times New Roman" panose="02020603050405020304" pitchFamily="18" charset="0"/>
+              </a:rPr>
+              <a:t>            } </a:t>
+            </a:r>
+            <a:endParaRPr lang="zh-CN" altLang="zh-CN" sz="1600" kern="100" dirty="0">
+              <a:effectLst/>
+              <a:latin typeface="DengXian" panose="02010600030101010101" pitchFamily="2" charset="-122"/>
+              <a:ea typeface="DengXian" panose="02010600030101010101" pitchFamily="2" charset="-122"/>
+              <a:cs typeface="Times New Roman" panose="02020603050405020304" pitchFamily="18" charset="0"/>
+            </a:endParaRPr>
+          </a:p>
+          <a:p>
+            <a:pPr algn="l"/>
+            <a:r>
+              <a:rPr lang="en-US" altLang="zh-CN" sz="1600" kern="0" dirty="0">
+                <a:solidFill>
+                  <a:srgbClr val="000000"/>
+                </a:solidFill>
+                <a:effectLst/>
+                <a:latin typeface="Menlo" panose="020B0609030804020204" pitchFamily="49" charset="0"/>
+                <a:ea typeface="宋体" panose="02010600030101010101" pitchFamily="2" charset="-122"/>
+                <a:cs typeface="Times New Roman" panose="02020603050405020304" pitchFamily="18" charset="0"/>
+              </a:rPr>
+              <a:t>        }</a:t>
+            </a:r>
+            <a:endParaRPr lang="zh-CN" altLang="zh-CN" sz="1600" kern="100" dirty="0">
+              <a:effectLst/>
+              <a:latin typeface="DengXian" panose="02010600030101010101" pitchFamily="2" charset="-122"/>
+              <a:ea typeface="DengXian" panose="02010600030101010101" pitchFamily="2" charset="-122"/>
+              <a:cs typeface="Times New Roman" panose="02020603050405020304" pitchFamily="18" charset="0"/>
+            </a:endParaRPr>
+          </a:p>
+          <a:p>
+            <a:pPr algn="l"/>
+            <a:r>
+              <a:rPr lang="en-US" altLang="zh-CN" sz="1600" kern="0" dirty="0">
+                <a:solidFill>
+                  <a:srgbClr val="000000"/>
+                </a:solidFill>
+                <a:effectLst/>
+                <a:latin typeface="Menlo" panose="020B0609030804020204" pitchFamily="49" charset="0"/>
+                <a:ea typeface="宋体" panose="02010600030101010101" pitchFamily="2" charset="-122"/>
+                <a:cs typeface="Times New Roman" panose="02020603050405020304" pitchFamily="18" charset="0"/>
+              </a:rPr>
+              <a:t>        </a:t>
+            </a:r>
+            <a:r>
+              <a:rPr lang="en-US" altLang="zh-CN" sz="1600" kern="0" dirty="0">
+                <a:solidFill>
+                  <a:srgbClr val="AF00DB"/>
+                </a:solidFill>
+                <a:effectLst/>
+                <a:latin typeface="Menlo" panose="020B0609030804020204" pitchFamily="49" charset="0"/>
+                <a:ea typeface="宋体" panose="02010600030101010101" pitchFamily="2" charset="-122"/>
+                <a:cs typeface="Times New Roman" panose="02020603050405020304" pitchFamily="18" charset="0"/>
+              </a:rPr>
+              <a:t>else</a:t>
+            </a:r>
+            <a:r>
+              <a:rPr lang="en-US" altLang="zh-CN" sz="1600" kern="0" dirty="0">
+                <a:solidFill>
+                  <a:srgbClr val="000000"/>
+                </a:solidFill>
+                <a:effectLst/>
+                <a:latin typeface="Menlo" panose="020B0609030804020204" pitchFamily="49" charset="0"/>
+                <a:ea typeface="宋体" panose="02010600030101010101" pitchFamily="2" charset="-122"/>
+                <a:cs typeface="Times New Roman" panose="02020603050405020304" pitchFamily="18" charset="0"/>
               </a:rPr>
               <a:t> </a:t>
             </a:r>
             <a:r>
-              <a:rPr lang="en-US" altLang="zh-CN" sz="1400">
+              <a:rPr lang="en-US" altLang="zh-CN" sz="1600" kern="0" dirty="0">
+                <a:solidFill>
+                  <a:srgbClr val="AF00DB"/>
+                </a:solidFill>
+                <a:effectLst/>
+                <a:latin typeface="Menlo" panose="020B0609030804020204" pitchFamily="49" charset="0"/>
+                <a:ea typeface="宋体" panose="02010600030101010101" pitchFamily="2" charset="-122"/>
+                <a:cs typeface="Times New Roman" panose="02020603050405020304" pitchFamily="18" charset="0"/>
+              </a:rPr>
+              <a:t>if</a:t>
+            </a:r>
+            <a:r>
+              <a:rPr lang="en-US" altLang="zh-CN" sz="1600" kern="0" dirty="0">
+                <a:solidFill>
+                  <a:srgbClr val="000000"/>
+                </a:solidFill>
+                <a:effectLst/>
+                <a:latin typeface="Menlo" panose="020B0609030804020204" pitchFamily="49" charset="0"/>
+                <a:ea typeface="宋体" panose="02010600030101010101" pitchFamily="2" charset="-122"/>
+                <a:cs typeface="Times New Roman" panose="02020603050405020304" pitchFamily="18" charset="0"/>
+              </a:rPr>
+              <a:t>((</a:t>
+            </a:r>
+            <a:r>
+              <a:rPr lang="en-US" altLang="zh-CN" sz="1600" kern="0" dirty="0" err="1">
+                <a:solidFill>
+                  <a:srgbClr val="001080"/>
+                </a:solidFill>
+                <a:effectLst/>
+                <a:latin typeface="Menlo" panose="020B0609030804020204" pitchFamily="49" charset="0"/>
+                <a:ea typeface="宋体" panose="02010600030101010101" pitchFamily="2" charset="-122"/>
+                <a:cs typeface="Times New Roman" panose="02020603050405020304" pitchFamily="18" charset="0"/>
+              </a:rPr>
+              <a:t>argv</a:t>
+            </a:r>
+            <a:r>
+              <a:rPr lang="en-US" altLang="zh-CN" sz="1600" kern="0" dirty="0">
+                <a:solidFill>
+                  <a:srgbClr val="000000"/>
+                </a:solidFill>
+                <a:effectLst/>
+                <a:latin typeface="Menlo" panose="020B0609030804020204" pitchFamily="49" charset="0"/>
+                <a:ea typeface="宋体" panose="02010600030101010101" pitchFamily="2" charset="-122"/>
+                <a:cs typeface="Times New Roman" panose="02020603050405020304" pitchFamily="18" charset="0"/>
+              </a:rPr>
+              <a:t>[</a:t>
+            </a:r>
+            <a:r>
+              <a:rPr lang="en-US" altLang="zh-CN" sz="1600" kern="0" dirty="0">
+                <a:solidFill>
+                  <a:srgbClr val="098658"/>
+                </a:solidFill>
+                <a:effectLst/>
+                <a:latin typeface="Menlo" panose="020B0609030804020204" pitchFamily="49" charset="0"/>
+                <a:ea typeface="宋体" panose="02010600030101010101" pitchFamily="2" charset="-122"/>
+                <a:cs typeface="Times New Roman" panose="02020603050405020304" pitchFamily="18" charset="0"/>
+              </a:rPr>
+              <a:t>1</a:t>
+            </a:r>
+            <a:r>
+              <a:rPr lang="en-US" altLang="zh-CN" sz="1600" kern="0" dirty="0">
+                <a:solidFill>
+                  <a:srgbClr val="000000"/>
+                </a:solidFill>
+                <a:effectLst/>
+                <a:latin typeface="Menlo" panose="020B0609030804020204" pitchFamily="49" charset="0"/>
+                <a:ea typeface="宋体" panose="02010600030101010101" pitchFamily="2" charset="-122"/>
+                <a:cs typeface="Times New Roman" panose="02020603050405020304" pitchFamily="18" charset="0"/>
+              </a:rPr>
+              <a:t>][</a:t>
+            </a:r>
+            <a:r>
+              <a:rPr lang="en-US" altLang="zh-CN" sz="1600" kern="0" dirty="0">
+                <a:solidFill>
+                  <a:srgbClr val="098658"/>
+                </a:solidFill>
+                <a:effectLst/>
+                <a:latin typeface="Menlo" panose="020B0609030804020204" pitchFamily="49" charset="0"/>
+                <a:ea typeface="宋体" panose="02010600030101010101" pitchFamily="2" charset="-122"/>
+                <a:cs typeface="Times New Roman" panose="02020603050405020304" pitchFamily="18" charset="0"/>
+              </a:rPr>
+              <a:t>0</a:t>
+            </a:r>
+            <a:r>
+              <a:rPr lang="en-US" altLang="zh-CN" sz="1600" kern="0" dirty="0">
+                <a:solidFill>
+                  <a:srgbClr val="000000"/>
+                </a:solidFill>
+                <a:effectLst/>
+                <a:latin typeface="Menlo" panose="020B0609030804020204" pitchFamily="49" charset="0"/>
+                <a:ea typeface="宋体" panose="02010600030101010101" pitchFamily="2" charset="-122"/>
+                <a:cs typeface="Times New Roman" panose="02020603050405020304" pitchFamily="18" charset="0"/>
+              </a:rPr>
+              <a:t>] == </a:t>
+            </a:r>
+            <a:r>
+              <a:rPr lang="en-US" altLang="zh-CN" sz="1600" kern="0" dirty="0">
+                <a:solidFill>
+                  <a:srgbClr val="A31515"/>
+                </a:solidFill>
+                <a:effectLst/>
+                <a:latin typeface="Menlo" panose="020B0609030804020204" pitchFamily="49" charset="0"/>
+                <a:ea typeface="宋体" panose="02010600030101010101" pitchFamily="2" charset="-122"/>
+                <a:cs typeface="Times New Roman" panose="02020603050405020304" pitchFamily="18" charset="0"/>
+              </a:rPr>
+              <a:t>'S'</a:t>
+            </a:r>
+            <a:r>
+              <a:rPr lang="en-US" altLang="zh-CN" sz="1600" kern="0" dirty="0">
+                <a:solidFill>
+                  <a:srgbClr val="000000"/>
+                </a:solidFill>
+                <a:effectLst/>
+                <a:latin typeface="Menlo" panose="020B0609030804020204" pitchFamily="49" charset="0"/>
+                <a:ea typeface="宋体" panose="02010600030101010101" pitchFamily="2" charset="-122"/>
+                <a:cs typeface="Times New Roman" panose="02020603050405020304" pitchFamily="18" charset="0"/>
+              </a:rPr>
+              <a:t>)){</a:t>
+            </a:r>
+            <a:endParaRPr lang="zh-CN" altLang="zh-CN" sz="1600" kern="100" dirty="0">
+              <a:effectLst/>
+              <a:latin typeface="DengXian" panose="02010600030101010101" pitchFamily="2" charset="-122"/>
+              <a:ea typeface="DengXian" panose="02010600030101010101" pitchFamily="2" charset="-122"/>
+              <a:cs typeface="Times New Roman" panose="02020603050405020304" pitchFamily="18" charset="0"/>
+            </a:endParaRPr>
+          </a:p>
+          <a:p>
+            <a:pPr algn="l"/>
+            <a:r>
+              <a:rPr lang="en-US" altLang="zh-CN" sz="1600" kern="0" dirty="0">
+                <a:solidFill>
+                  <a:srgbClr val="008000"/>
+                </a:solidFill>
+                <a:effectLst/>
+                <a:latin typeface="Menlo" panose="020B0609030804020204" pitchFamily="49" charset="0"/>
+                <a:ea typeface="宋体" panose="02010600030101010101" pitchFamily="2" charset="-122"/>
+                <a:cs typeface="Times New Roman" panose="02020603050405020304" pitchFamily="18" charset="0"/>
+              </a:rPr>
+              <a:t>            </a:t>
+            </a:r>
+            <a:r>
+              <a:rPr lang="en-US" altLang="zh-CN" sz="1600" kern="0" dirty="0">
+                <a:solidFill>
+                  <a:srgbClr val="008000"/>
+                </a:solidFill>
+                <a:effectLst/>
                 <a:highlight>
                   <a:srgbClr val="FFFF00"/>
                 </a:highlight>
-                <a:sym typeface="+mn-ea"/>
-              </a:rPr>
-              <a:t> /*complete code here*/</a:t>
-            </a:r>
-            <a:r>
-              <a:rPr lang="en-US" altLang="zh-CN" sz="1400">
-                <a:highlight>
-                  <a:srgbClr val="FFFF00"/>
-                </a:highlight>
-              </a:rPr>
-              <a:t>   </a:t>
-            </a:r>
-            <a:r>
-              <a:rPr lang="en-US" altLang="zh-CN" sz="1400"/>
-              <a:t>             return 0;</a:t>
-            </a:r>
-          </a:p>
-          <a:p>
-            <a:r>
-              <a:rPr lang="en-US" altLang="zh-CN" sz="1400"/>
-              <a:t>            } </a:t>
-            </a:r>
-          </a:p>
-          <a:p>
-            <a:r>
-              <a:rPr lang="en-US" altLang="zh-CN" sz="1400"/>
-              <a:t>            else   return 2;</a:t>
-            </a:r>
-          </a:p>
-          <a:p>
-            <a:r>
-              <a:rPr lang="en-US" altLang="zh-CN" sz="1400"/>
+                <a:latin typeface="Menlo" panose="020B0609030804020204" pitchFamily="49" charset="0"/>
+                <a:ea typeface="宋体" panose="02010600030101010101" pitchFamily="2" charset="-122"/>
+                <a:cs typeface="Times New Roman" panose="02020603050405020304" pitchFamily="18" charset="0"/>
+              </a:rPr>
+              <a:t>/*complete code here*/</a:t>
+            </a:r>
+            <a:endParaRPr lang="zh-CN" altLang="zh-CN" sz="1600" kern="100" dirty="0">
+              <a:effectLst/>
+              <a:highlight>
+                <a:srgbClr val="FFFF00"/>
+              </a:highlight>
+              <a:latin typeface="DengXian" panose="02010600030101010101" pitchFamily="2" charset="-122"/>
+              <a:ea typeface="DengXian" panose="02010600030101010101" pitchFamily="2" charset="-122"/>
+              <a:cs typeface="Times New Roman" panose="02020603050405020304" pitchFamily="18" charset="0"/>
+            </a:endParaRPr>
+          </a:p>
+          <a:p>
+            <a:pPr algn="l"/>
+            <a:r>
+              <a:rPr lang="en-US" altLang="zh-CN" sz="1600" kern="0" dirty="0">
+                <a:solidFill>
+                  <a:srgbClr val="000000"/>
+                </a:solidFill>
+                <a:effectLst/>
+                <a:latin typeface="Menlo" panose="020B0609030804020204" pitchFamily="49" charset="0"/>
+                <a:ea typeface="宋体" panose="02010600030101010101" pitchFamily="2" charset="-122"/>
+                <a:cs typeface="Times New Roman" panose="02020603050405020304" pitchFamily="18" charset="0"/>
+              </a:rPr>
               <a:t>        }</a:t>
             </a:r>
-          </a:p>
-          <a:p>
-            <a:r>
-              <a:rPr lang="en-US" altLang="zh-CN" sz="1400"/>
-              <a:t>        else if((*(argv[1])=='S')){</a:t>
-            </a:r>
-          </a:p>
-          <a:p>
-            <a:r>
-              <a:rPr lang="en-US" altLang="zh-CN" sz="1400"/>
-              <a:t>               </a:t>
-            </a:r>
-            <a:r>
-              <a:rPr lang="en-US" altLang="zh-CN" sz="1400">
-                <a:highlight>
-                  <a:srgbClr val="FFFF00"/>
-                </a:highlight>
-              </a:rPr>
-              <a:t> /*complete code here*/</a:t>
-            </a:r>
-            <a:r>
-              <a:rPr lang="en-US" altLang="zh-CN" sz="1400"/>
-              <a:t>                return 0;</a:t>
-            </a:r>
-          </a:p>
-          <a:p>
-            <a:r>
-              <a:rPr lang="en-US" altLang="zh-CN" sz="1400"/>
-              <a:t>        }</a:t>
-            </a:r>
-          </a:p>
-          <a:p>
-            <a:r>
-              <a:rPr lang="en-US" altLang="zh-CN" sz="1400"/>
-              <a:t>        else   return 1;        </a:t>
-            </a:r>
-          </a:p>
-          <a:p>
-            <a:r>
-              <a:rPr lang="en-US" altLang="zh-CN" sz="1400"/>
+            <a:endParaRPr lang="zh-CN" altLang="zh-CN" sz="1600" kern="100" dirty="0">
+              <a:effectLst/>
+              <a:latin typeface="DengXian" panose="02010600030101010101" pitchFamily="2" charset="-122"/>
+              <a:ea typeface="DengXian" panose="02010600030101010101" pitchFamily="2" charset="-122"/>
+              <a:cs typeface="Times New Roman" panose="02020603050405020304" pitchFamily="18" charset="0"/>
+            </a:endParaRPr>
+          </a:p>
+          <a:p>
+            <a:pPr algn="l"/>
+            <a:r>
+              <a:rPr lang="en-US" altLang="zh-CN" sz="1600" kern="0" dirty="0">
+                <a:solidFill>
+                  <a:srgbClr val="000000"/>
+                </a:solidFill>
+                <a:effectLst/>
+                <a:latin typeface="Menlo" panose="020B0609030804020204" pitchFamily="49" charset="0"/>
+                <a:ea typeface="宋体" panose="02010600030101010101" pitchFamily="2" charset="-122"/>
+                <a:cs typeface="Times New Roman" panose="02020603050405020304" pitchFamily="18" charset="0"/>
+              </a:rPr>
               <a:t>    }</a:t>
             </a:r>
-          </a:p>
-          <a:p>
-            <a:r>
-              <a:rPr lang="en-US" altLang="zh-CN" sz="1400"/>
-              <a:t>    else return 1;</a:t>
-            </a:r>
-          </a:p>
-          <a:p>
-            <a:r>
-              <a:rPr lang="en-US" altLang="zh-CN" sz="1400"/>
+            <a:endParaRPr lang="zh-CN" altLang="zh-CN" sz="1600" kern="100" dirty="0">
+              <a:effectLst/>
+              <a:latin typeface="DengXian" panose="02010600030101010101" pitchFamily="2" charset="-122"/>
+              <a:ea typeface="DengXian" panose="02010600030101010101" pitchFamily="2" charset="-122"/>
+              <a:cs typeface="Times New Roman" panose="02020603050405020304" pitchFamily="18" charset="0"/>
+            </a:endParaRPr>
+          </a:p>
+          <a:p>
+            <a:pPr algn="l"/>
+            <a:r>
+              <a:rPr lang="en-US" altLang="zh-CN" sz="1600" kern="0" dirty="0">
+                <a:solidFill>
+                  <a:srgbClr val="000000"/>
+                </a:solidFill>
+                <a:effectLst/>
+                <a:latin typeface="Menlo" panose="020B0609030804020204" pitchFamily="49" charset="0"/>
+                <a:ea typeface="宋体" panose="02010600030101010101" pitchFamily="2" charset="-122"/>
+                <a:cs typeface="Times New Roman" panose="02020603050405020304" pitchFamily="18" charset="0"/>
+              </a:rPr>
+              <a:t>    </a:t>
+            </a:r>
+            <a:r>
+              <a:rPr lang="en-US" altLang="zh-CN" sz="1600" kern="0" dirty="0">
+                <a:solidFill>
+                  <a:srgbClr val="AF00DB"/>
+                </a:solidFill>
+                <a:effectLst/>
+                <a:latin typeface="Menlo" panose="020B0609030804020204" pitchFamily="49" charset="0"/>
+                <a:ea typeface="宋体" panose="02010600030101010101" pitchFamily="2" charset="-122"/>
+                <a:cs typeface="Times New Roman" panose="02020603050405020304" pitchFamily="18" charset="0"/>
+              </a:rPr>
+              <a:t>return</a:t>
+            </a:r>
+            <a:r>
+              <a:rPr lang="en-US" altLang="zh-CN" sz="1600" kern="0" dirty="0">
+                <a:solidFill>
+                  <a:srgbClr val="000000"/>
+                </a:solidFill>
+                <a:effectLst/>
+                <a:latin typeface="Menlo" panose="020B0609030804020204" pitchFamily="49" charset="0"/>
+                <a:ea typeface="宋体" panose="02010600030101010101" pitchFamily="2" charset="-122"/>
+                <a:cs typeface="Times New Roman" panose="02020603050405020304" pitchFamily="18" charset="0"/>
+              </a:rPr>
+              <a:t> </a:t>
+            </a:r>
+            <a:r>
+              <a:rPr lang="en-US" altLang="zh-CN" sz="1600" kern="0" dirty="0">
+                <a:solidFill>
+                  <a:srgbClr val="098658"/>
+                </a:solidFill>
+                <a:effectLst/>
+                <a:latin typeface="Menlo" panose="020B0609030804020204" pitchFamily="49" charset="0"/>
+                <a:ea typeface="宋体" panose="02010600030101010101" pitchFamily="2" charset="-122"/>
+                <a:cs typeface="Times New Roman" panose="02020603050405020304" pitchFamily="18" charset="0"/>
+              </a:rPr>
+              <a:t>0</a:t>
+            </a:r>
+            <a:r>
+              <a:rPr lang="en-US" altLang="zh-CN" sz="1600" kern="0" dirty="0">
+                <a:solidFill>
+                  <a:srgbClr val="000000"/>
+                </a:solidFill>
+                <a:effectLst/>
+                <a:latin typeface="Menlo" panose="020B0609030804020204" pitchFamily="49" charset="0"/>
+                <a:ea typeface="宋体" panose="02010600030101010101" pitchFamily="2" charset="-122"/>
+                <a:cs typeface="Times New Roman" panose="02020603050405020304" pitchFamily="18" charset="0"/>
+              </a:rPr>
+              <a:t>;</a:t>
+            </a:r>
+            <a:endParaRPr lang="zh-CN" altLang="zh-CN" sz="1600" kern="100" dirty="0">
+              <a:effectLst/>
+              <a:latin typeface="DengXian" panose="02010600030101010101" pitchFamily="2" charset="-122"/>
+              <a:ea typeface="DengXian" panose="02010600030101010101" pitchFamily="2" charset="-122"/>
+              <a:cs typeface="Times New Roman" panose="02020603050405020304" pitchFamily="18" charset="0"/>
+            </a:endParaRPr>
+          </a:p>
+          <a:p>
+            <a:pPr algn="l"/>
+            <a:r>
+              <a:rPr lang="en-US" altLang="zh-CN" sz="1600" kern="0" dirty="0">
+                <a:solidFill>
+                  <a:srgbClr val="000000"/>
+                </a:solidFill>
+                <a:effectLst/>
+                <a:latin typeface="Menlo" panose="020B0609030804020204" pitchFamily="49" charset="0"/>
+                <a:ea typeface="宋体" panose="02010600030101010101" pitchFamily="2" charset="-122"/>
+                <a:cs typeface="Times New Roman" panose="02020603050405020304" pitchFamily="18" charset="0"/>
+              </a:rPr>
               <a:t>}</a:t>
             </a:r>
+            <a:endParaRPr lang="zh-CN" altLang="zh-CN" sz="1600" kern="100" dirty="0">
+              <a:effectLst/>
+              <a:latin typeface="DengXian" panose="02010600030101010101" pitchFamily="2" charset="-122"/>
+              <a:ea typeface="DengXian" panose="02010600030101010101" pitchFamily="2" charset="-122"/>
+              <a:cs typeface="Times New Roman" panose="02020603050405020304" pitchFamily="18" charset="0"/>
+            </a:endParaRPr>
           </a:p>
         </p:txBody>
       </p:sp>

--- a/week05/Lab05.pptx
+++ b/week05/Lab05.pptx
@@ -12382,7 +12382,7 @@
         <p:spPr>
           <a:xfrm>
             <a:off x="6307977" y="635000"/>
-            <a:ext cx="5884023" cy="4278094"/>
+            <a:ext cx="5884023" cy="3754874"/>
           </a:xfrm>
           <a:prstGeom prst="rect">
             <a:avLst/>
@@ -12402,7 +12402,7 @@
           <a:p>
             <a:pPr algn="l"/>
             <a:r>
-              <a:rPr lang="en-US" altLang="zh-CN" sz="1600" kern="0" dirty="0">
+              <a:rPr lang="en-US" altLang="zh-CN" sz="1400" kern="0" dirty="0">
                 <a:solidFill>
                   <a:srgbClr val="AF00DB"/>
                 </a:solidFill>
@@ -12414,7 +12414,7 @@
               <a:t>#include</a:t>
             </a:r>
             <a:r>
-              <a:rPr lang="en-US" altLang="zh-CN" sz="1600" kern="0" dirty="0">
+              <a:rPr lang="en-US" altLang="zh-CN" sz="1400" kern="0" dirty="0">
                 <a:solidFill>
                   <a:srgbClr val="0000FF"/>
                 </a:solidFill>
@@ -12426,7 +12426,7 @@
               <a:t> </a:t>
             </a:r>
             <a:r>
-              <a:rPr lang="en-US" altLang="zh-CN" sz="1600" kern="0" dirty="0">
+              <a:rPr lang="en-US" altLang="zh-CN" sz="1400" kern="0" dirty="0">
                 <a:solidFill>
                   <a:srgbClr val="A31515"/>
                 </a:solidFill>
@@ -12438,7 +12438,7 @@
               <a:t>&lt;</a:t>
             </a:r>
             <a:r>
-              <a:rPr lang="en-US" altLang="zh-CN" sz="1600" kern="0" dirty="0" err="1">
+              <a:rPr lang="en-US" altLang="zh-CN" sz="1400" kern="0" dirty="0" err="1">
                 <a:solidFill>
                   <a:srgbClr val="A31515"/>
                 </a:solidFill>
@@ -12450,7 +12450,7 @@
               <a:t>stdio.h</a:t>
             </a:r>
             <a:r>
-              <a:rPr lang="en-US" altLang="zh-CN" sz="1600" kern="0" dirty="0">
+              <a:rPr lang="en-US" altLang="zh-CN" sz="1400" kern="0" dirty="0">
                 <a:solidFill>
                   <a:srgbClr val="A31515"/>
                 </a:solidFill>
@@ -12461,7 +12461,7 @@
               </a:rPr>
               <a:t>&gt;</a:t>
             </a:r>
-            <a:endParaRPr lang="zh-CN" altLang="zh-CN" sz="1600" kern="100" dirty="0">
+            <a:endParaRPr lang="zh-CN" altLang="zh-CN" sz="1400" kern="100" dirty="0">
               <a:effectLst/>
               <a:latin typeface="DengXian" panose="02010600030101010101" pitchFamily="2" charset="-122"/>
               <a:ea typeface="DengXian" panose="02010600030101010101" pitchFamily="2" charset="-122"/>
@@ -12471,7 +12471,7 @@
           <a:p>
             <a:pPr algn="l"/>
             <a:r>
-              <a:rPr lang="en-US" altLang="zh-CN" sz="1600" kern="0" dirty="0">
+              <a:rPr lang="en-US" altLang="zh-CN" sz="1400" kern="0" dirty="0">
                 <a:solidFill>
                   <a:srgbClr val="AF00DB"/>
                 </a:solidFill>
@@ -12483,7 +12483,7 @@
               <a:t>#include</a:t>
             </a:r>
             <a:r>
-              <a:rPr lang="en-US" altLang="zh-CN" sz="1600" kern="0" dirty="0">
+              <a:rPr lang="en-US" altLang="zh-CN" sz="1400" kern="0" dirty="0">
                 <a:solidFill>
                   <a:srgbClr val="0000FF"/>
                 </a:solidFill>
@@ -12495,7 +12495,7 @@
               <a:t> </a:t>
             </a:r>
             <a:r>
-              <a:rPr lang="en-US" altLang="zh-CN" sz="1600" kern="0" dirty="0">
+              <a:rPr lang="en-US" altLang="zh-CN" sz="1400" kern="0" dirty="0">
                 <a:solidFill>
                   <a:srgbClr val="A31515"/>
                 </a:solidFill>
@@ -12507,7 +12507,7 @@
               <a:t>&lt;</a:t>
             </a:r>
             <a:r>
-              <a:rPr lang="en-US" altLang="zh-CN" sz="1600" kern="0" dirty="0" err="1">
+              <a:rPr lang="en-US" altLang="zh-CN" sz="1400" kern="0" dirty="0" err="1">
                 <a:solidFill>
                   <a:srgbClr val="A31515"/>
                 </a:solidFill>
@@ -12519,7 +12519,7 @@
               <a:t>stdlib.h</a:t>
             </a:r>
             <a:r>
-              <a:rPr lang="en-US" altLang="zh-CN" sz="1600" kern="0" dirty="0">
+              <a:rPr lang="en-US" altLang="zh-CN" sz="1400" kern="0" dirty="0">
                 <a:solidFill>
                   <a:srgbClr val="A31515"/>
                 </a:solidFill>
@@ -12530,7 +12530,7 @@
               </a:rPr>
               <a:t>&gt;</a:t>
             </a:r>
-            <a:endParaRPr lang="zh-CN" altLang="zh-CN" sz="1600" kern="100" dirty="0">
+            <a:endParaRPr lang="zh-CN" altLang="zh-CN" sz="1400" kern="100" dirty="0">
               <a:effectLst/>
               <a:latin typeface="DengXian" panose="02010600030101010101" pitchFamily="2" charset="-122"/>
               <a:ea typeface="DengXian" panose="02010600030101010101" pitchFamily="2" charset="-122"/>
@@ -12540,7 +12540,7 @@
           <a:p>
             <a:pPr algn="l"/>
             <a:r>
-              <a:rPr lang="en-US" altLang="zh-CN" sz="1600" kern="0" dirty="0">
+              <a:rPr lang="en-US" altLang="zh-CN" sz="1400" kern="0" dirty="0">
                 <a:solidFill>
                   <a:srgbClr val="0000FF"/>
                 </a:solidFill>
@@ -12552,7 +12552,7 @@
               <a:t>int</a:t>
             </a:r>
             <a:r>
-              <a:rPr lang="en-US" altLang="zh-CN" sz="1600" kern="0" dirty="0">
+              <a:rPr lang="en-US" altLang="zh-CN" sz="1400" kern="0" dirty="0">
                 <a:solidFill>
                   <a:srgbClr val="000000"/>
                 </a:solidFill>
@@ -12564,7 +12564,7 @@
               <a:t> </a:t>
             </a:r>
             <a:r>
-              <a:rPr lang="en-US" altLang="zh-CN" sz="1600" kern="0" dirty="0">
+              <a:rPr lang="en-US" altLang="zh-CN" sz="1400" kern="0" dirty="0">
                 <a:solidFill>
                   <a:srgbClr val="795E26"/>
                 </a:solidFill>
@@ -12576,7 +12576,7 @@
               <a:t>main</a:t>
             </a:r>
             <a:r>
-              <a:rPr lang="en-US" altLang="zh-CN" sz="1600" kern="0" dirty="0">
+              <a:rPr lang="en-US" altLang="zh-CN" sz="1400" kern="0" dirty="0">
                 <a:solidFill>
                   <a:srgbClr val="000000"/>
                 </a:solidFill>
@@ -12588,7 +12588,7 @@
               <a:t>(</a:t>
             </a:r>
             <a:r>
-              <a:rPr lang="en-US" altLang="zh-CN" sz="1600" kern="0" dirty="0">
+              <a:rPr lang="en-US" altLang="zh-CN" sz="1400" kern="0" dirty="0">
                 <a:solidFill>
                   <a:srgbClr val="0000FF"/>
                 </a:solidFill>
@@ -12600,7 +12600,7 @@
               <a:t>int</a:t>
             </a:r>
             <a:r>
-              <a:rPr lang="en-US" altLang="zh-CN" sz="1600" kern="0" dirty="0">
+              <a:rPr lang="en-US" altLang="zh-CN" sz="1400" kern="0" dirty="0">
                 <a:solidFill>
                   <a:srgbClr val="000000"/>
                 </a:solidFill>
@@ -12612,7 +12612,7 @@
               <a:t> </a:t>
             </a:r>
             <a:r>
-              <a:rPr lang="en-US" altLang="zh-CN" sz="1600" kern="0" dirty="0" err="1">
+              <a:rPr lang="en-US" altLang="zh-CN" sz="1400" kern="0" dirty="0" err="1">
                 <a:solidFill>
                   <a:srgbClr val="001080"/>
                 </a:solidFill>
@@ -12624,7 +12624,7 @@
               <a:t>argc</a:t>
             </a:r>
             <a:r>
-              <a:rPr lang="en-US" altLang="zh-CN" sz="1600" kern="0" dirty="0">
+              <a:rPr lang="en-US" altLang="zh-CN" sz="1400" kern="0" dirty="0">
                 <a:solidFill>
                   <a:srgbClr val="000000"/>
                 </a:solidFill>
@@ -12636,7 +12636,7 @@
               <a:t>, </a:t>
             </a:r>
             <a:r>
-              <a:rPr lang="en-US" altLang="zh-CN" sz="1600" kern="0" dirty="0">
+              <a:rPr lang="en-US" altLang="zh-CN" sz="1400" kern="0" dirty="0">
                 <a:solidFill>
                   <a:srgbClr val="0000FF"/>
                 </a:solidFill>
@@ -12648,7 +12648,7 @@
               <a:t>char</a:t>
             </a:r>
             <a:r>
-              <a:rPr lang="en-US" altLang="zh-CN" sz="1600" kern="0" dirty="0">
+              <a:rPr lang="en-US" altLang="zh-CN" sz="1400" kern="0" dirty="0">
                 <a:solidFill>
                   <a:srgbClr val="000000"/>
                 </a:solidFill>
@@ -12660,7 +12660,7 @@
               <a:t> </a:t>
             </a:r>
             <a:r>
-              <a:rPr lang="en-US" altLang="zh-CN" sz="1600" kern="0" dirty="0">
+              <a:rPr lang="en-US" altLang="zh-CN" sz="1400" kern="0" dirty="0">
                 <a:solidFill>
                   <a:srgbClr val="0000FF"/>
                 </a:solidFill>
@@ -12672,7 +12672,7 @@
               <a:t>*</a:t>
             </a:r>
             <a:r>
-              <a:rPr lang="en-US" altLang="zh-CN" sz="1600" kern="0" dirty="0" err="1">
+              <a:rPr lang="en-US" altLang="zh-CN" sz="1400" kern="0" dirty="0" err="1">
                 <a:solidFill>
                   <a:srgbClr val="001080"/>
                 </a:solidFill>
@@ -12684,7 +12684,7 @@
               <a:t>argv</a:t>
             </a:r>
             <a:r>
-              <a:rPr lang="en-US" altLang="zh-CN" sz="1600" kern="0" dirty="0">
+              <a:rPr lang="en-US" altLang="zh-CN" sz="1400" kern="0" dirty="0">
                 <a:solidFill>
                   <a:srgbClr val="000000"/>
                 </a:solidFill>
@@ -12695,7 +12695,7 @@
               </a:rPr>
               <a:t>[]){</a:t>
             </a:r>
-            <a:endParaRPr lang="zh-CN" altLang="zh-CN" sz="1600" kern="100" dirty="0">
+            <a:endParaRPr lang="zh-CN" altLang="zh-CN" sz="1400" kern="100" dirty="0">
               <a:effectLst/>
               <a:latin typeface="DengXian" panose="02010600030101010101" pitchFamily="2" charset="-122"/>
               <a:ea typeface="DengXian" panose="02010600030101010101" pitchFamily="2" charset="-122"/>
@@ -12705,7 +12705,7 @@
           <a:p>
             <a:pPr algn="l"/>
             <a:r>
-              <a:rPr lang="en-US" altLang="zh-CN" sz="1600" kern="0" dirty="0">
+              <a:rPr lang="en-US" altLang="zh-CN" sz="1400" kern="0" dirty="0">
                 <a:solidFill>
                   <a:srgbClr val="000000"/>
                 </a:solidFill>
@@ -12717,7 +12717,7 @@
               <a:t>    </a:t>
             </a:r>
             <a:r>
-              <a:rPr lang="en-US" altLang="zh-CN" sz="1600" kern="0" dirty="0">
+              <a:rPr lang="en-US" altLang="zh-CN" sz="1400" kern="0" dirty="0">
                 <a:solidFill>
                   <a:srgbClr val="0000FF"/>
                 </a:solidFill>
@@ -12729,7 +12729,7 @@
               <a:t>int</a:t>
             </a:r>
             <a:r>
-              <a:rPr lang="en-US" altLang="zh-CN" sz="1600" kern="0" dirty="0">
+              <a:rPr lang="en-US" altLang="zh-CN" sz="1400" kern="0" dirty="0">
                 <a:solidFill>
                   <a:srgbClr val="000000"/>
                 </a:solidFill>
@@ -12741,7 +12741,7 @@
               <a:t> </a:t>
             </a:r>
             <a:r>
-              <a:rPr lang="en-US" altLang="zh-CN" sz="1600" kern="0" dirty="0" err="1">
+              <a:rPr lang="en-US" altLang="zh-CN" sz="1400" kern="0" dirty="0" err="1">
                 <a:solidFill>
                   <a:srgbClr val="001080"/>
                 </a:solidFill>
@@ -12753,7 +12753,7 @@
               <a:t>numA</a:t>
             </a:r>
             <a:r>
-              <a:rPr lang="en-US" altLang="zh-CN" sz="1600" kern="0" dirty="0">
+              <a:rPr lang="en-US" altLang="zh-CN" sz="1400" kern="0" dirty="0">
                 <a:solidFill>
                   <a:srgbClr val="000000"/>
                 </a:solidFill>
@@ -12765,7 +12765,7 @@
               <a:t> = </a:t>
             </a:r>
             <a:r>
-              <a:rPr lang="en-US" altLang="zh-CN" sz="1600" kern="0" dirty="0">
+              <a:rPr lang="en-US" altLang="zh-CN" sz="1400" kern="0" dirty="0">
                 <a:solidFill>
                   <a:srgbClr val="098658"/>
                 </a:solidFill>
@@ -12777,7 +12777,7 @@
               <a:t>0x11223344</a:t>
             </a:r>
             <a:r>
-              <a:rPr lang="en-US" altLang="zh-CN" sz="1600" kern="0" dirty="0">
+              <a:rPr lang="en-US" altLang="zh-CN" sz="1400" kern="0" dirty="0">
                 <a:solidFill>
                   <a:srgbClr val="000000"/>
                 </a:solidFill>
@@ -12788,7 +12788,7 @@
               </a:rPr>
               <a:t>;</a:t>
             </a:r>
-            <a:endParaRPr lang="zh-CN" altLang="zh-CN" sz="1600" kern="100" dirty="0">
+            <a:endParaRPr lang="zh-CN" altLang="zh-CN" sz="1400" kern="100" dirty="0">
               <a:effectLst/>
               <a:latin typeface="DengXian" panose="02010600030101010101" pitchFamily="2" charset="-122"/>
               <a:ea typeface="DengXian" panose="02010600030101010101" pitchFamily="2" charset="-122"/>
@@ -12798,7 +12798,7 @@
           <a:p>
             <a:pPr algn="l"/>
             <a:r>
-              <a:rPr lang="en-US" altLang="zh-CN" sz="1600" kern="0" dirty="0">
+              <a:rPr lang="en-US" altLang="zh-CN" sz="1400" kern="0" dirty="0">
                 <a:solidFill>
                   <a:srgbClr val="000000"/>
                 </a:solidFill>
@@ -12810,7 +12810,7 @@
               <a:t>    </a:t>
             </a:r>
             <a:r>
-              <a:rPr lang="en-US" altLang="zh-CN" sz="1600" kern="0" dirty="0">
+              <a:rPr lang="en-US" altLang="zh-CN" sz="1400" kern="0" dirty="0">
                 <a:solidFill>
                   <a:srgbClr val="AF00DB"/>
                 </a:solidFill>
@@ -12822,7 +12822,7 @@
               <a:t>if</a:t>
             </a:r>
             <a:r>
-              <a:rPr lang="en-US" altLang="zh-CN" sz="1600" kern="0" dirty="0">
+              <a:rPr lang="en-US" altLang="zh-CN" sz="1400" kern="0" dirty="0">
                 <a:solidFill>
                   <a:srgbClr val="000000"/>
                 </a:solidFill>
@@ -12834,7 +12834,7 @@
               <a:t>(</a:t>
             </a:r>
             <a:r>
-              <a:rPr lang="en-US" altLang="zh-CN" sz="1600" kern="0" dirty="0" err="1">
+              <a:rPr lang="en-US" altLang="zh-CN" sz="1400" kern="0" dirty="0" err="1">
                 <a:solidFill>
                   <a:srgbClr val="001080"/>
                 </a:solidFill>
@@ -12846,7 +12846,7 @@
               <a:t>argc</a:t>
             </a:r>
             <a:r>
-              <a:rPr lang="en-US" altLang="zh-CN" sz="1600" kern="0" dirty="0">
+              <a:rPr lang="en-US" altLang="zh-CN" sz="1400" kern="0" dirty="0">
                 <a:solidFill>
                   <a:srgbClr val="000000"/>
                 </a:solidFill>
@@ -12858,7 +12858,7 @@
               <a:t>==</a:t>
             </a:r>
             <a:r>
-              <a:rPr lang="en-US" altLang="zh-CN" sz="1600" kern="0" dirty="0">
+              <a:rPr lang="en-US" altLang="zh-CN" sz="1400" kern="0" dirty="0">
                 <a:solidFill>
                   <a:srgbClr val="098658"/>
                 </a:solidFill>
@@ -12870,7 +12870,7 @@
               <a:t>2</a:t>
             </a:r>
             <a:r>
-              <a:rPr lang="en-US" altLang="zh-CN" sz="1600" kern="0" dirty="0">
+              <a:rPr lang="en-US" altLang="zh-CN" sz="1400" kern="0" dirty="0">
                 <a:solidFill>
                   <a:srgbClr val="000000"/>
                 </a:solidFill>
@@ -12881,7 +12881,7 @@
               </a:rPr>
               <a:t>){</a:t>
             </a:r>
-            <a:endParaRPr lang="zh-CN" altLang="zh-CN" sz="1600" kern="100" dirty="0">
+            <a:endParaRPr lang="zh-CN" altLang="zh-CN" sz="1400" kern="100" dirty="0">
               <a:effectLst/>
               <a:latin typeface="DengXian" panose="02010600030101010101" pitchFamily="2" charset="-122"/>
               <a:ea typeface="DengXian" panose="02010600030101010101" pitchFamily="2" charset="-122"/>
@@ -12891,7 +12891,7 @@
           <a:p>
             <a:pPr algn="l"/>
             <a:r>
-              <a:rPr lang="en-US" altLang="zh-CN" sz="1600" kern="0" dirty="0">
+              <a:rPr lang="en-US" altLang="zh-CN" sz="1400" kern="0" dirty="0">
                 <a:solidFill>
                   <a:srgbClr val="000000"/>
                 </a:solidFill>
@@ -12903,7 +12903,7 @@
               <a:t>        </a:t>
             </a:r>
             <a:r>
-              <a:rPr lang="en-US" altLang="zh-CN" sz="1600" kern="0" dirty="0">
+              <a:rPr lang="en-US" altLang="zh-CN" sz="1400" kern="0" dirty="0">
                 <a:solidFill>
                   <a:srgbClr val="AF00DB"/>
                 </a:solidFill>
@@ -12915,7 +12915,7 @@
               <a:t>if</a:t>
             </a:r>
             <a:r>
-              <a:rPr lang="en-US" altLang="zh-CN" sz="1600" kern="0" dirty="0">
+              <a:rPr lang="en-US" altLang="zh-CN" sz="1400" kern="0" dirty="0">
                 <a:solidFill>
                   <a:srgbClr val="000000"/>
                 </a:solidFill>
@@ -12927,7 +12927,7 @@
               <a:t>((</a:t>
             </a:r>
             <a:r>
-              <a:rPr lang="en-US" altLang="zh-CN" sz="1600" kern="0" dirty="0" err="1">
+              <a:rPr lang="en-US" altLang="zh-CN" sz="1400" kern="0" dirty="0" err="1">
                 <a:solidFill>
                   <a:srgbClr val="001080"/>
                 </a:solidFill>
@@ -12939,7 +12939,7 @@
               <a:t>argv</a:t>
             </a:r>
             <a:r>
-              <a:rPr lang="en-US" altLang="zh-CN" sz="1600" kern="0" dirty="0">
+              <a:rPr lang="en-US" altLang="zh-CN" sz="1400" kern="0" dirty="0">
                 <a:solidFill>
                   <a:srgbClr val="000000"/>
                 </a:solidFill>
@@ -12951,7 +12951,7 @@
               <a:t>[</a:t>
             </a:r>
             <a:r>
-              <a:rPr lang="en-US" altLang="zh-CN" sz="1600" kern="0" dirty="0">
+              <a:rPr lang="en-US" altLang="zh-CN" sz="1400" kern="0" dirty="0">
                 <a:solidFill>
                   <a:srgbClr val="098658"/>
                 </a:solidFill>
@@ -12963,7 +12963,7 @@
               <a:t>1</a:t>
             </a:r>
             <a:r>
-              <a:rPr lang="en-US" altLang="zh-CN" sz="1600" kern="0" dirty="0">
+              <a:rPr lang="en-US" altLang="zh-CN" sz="1400" kern="0" dirty="0">
                 <a:solidFill>
                   <a:srgbClr val="000000"/>
                 </a:solidFill>
@@ -12975,7 +12975,7 @@
               <a:t>][</a:t>
             </a:r>
             <a:r>
-              <a:rPr lang="en-US" altLang="zh-CN" sz="1600" kern="0" dirty="0">
+              <a:rPr lang="en-US" altLang="zh-CN" sz="1400" kern="0" dirty="0">
                 <a:solidFill>
                   <a:srgbClr val="098658"/>
                 </a:solidFill>
@@ -12987,7 +12987,7 @@
               <a:t>0</a:t>
             </a:r>
             <a:r>
-              <a:rPr lang="en-US" altLang="zh-CN" sz="1600" kern="0" dirty="0">
+              <a:rPr lang="en-US" altLang="zh-CN" sz="1400" kern="0" dirty="0">
                 <a:solidFill>
                   <a:srgbClr val="000000"/>
                 </a:solidFill>
@@ -12999,7 +12999,7 @@
               <a:t>] == </a:t>
             </a:r>
             <a:r>
-              <a:rPr lang="en-US" altLang="zh-CN" sz="1600" kern="0" dirty="0">
+              <a:rPr lang="en-US" altLang="zh-CN" sz="1400" kern="0" dirty="0">
                 <a:solidFill>
                   <a:srgbClr val="A31515"/>
                 </a:solidFill>
@@ -13011,7 +13011,7 @@
               <a:t>'H'</a:t>
             </a:r>
             <a:r>
-              <a:rPr lang="en-US" altLang="zh-CN" sz="1600" kern="0" dirty="0">
+              <a:rPr lang="en-US" altLang="zh-CN" sz="1400" kern="0" dirty="0">
                 <a:solidFill>
                   <a:srgbClr val="000000"/>
                 </a:solidFill>
@@ -13022,7 +13022,7 @@
               </a:rPr>
               <a:t>)){</a:t>
             </a:r>
-            <a:endParaRPr lang="zh-CN" altLang="zh-CN" sz="1600" kern="100" dirty="0">
+            <a:endParaRPr lang="zh-CN" altLang="zh-CN" sz="1400" kern="100" dirty="0">
               <a:effectLst/>
               <a:latin typeface="DengXian" panose="02010600030101010101" pitchFamily="2" charset="-122"/>
               <a:ea typeface="DengXian" panose="02010600030101010101" pitchFamily="2" charset="-122"/>
@@ -13032,7 +13032,7 @@
           <a:p>
             <a:pPr algn="l"/>
             <a:r>
-              <a:rPr lang="en-US" altLang="zh-CN" sz="1600" kern="0" dirty="0">
+              <a:rPr lang="en-US" altLang="zh-CN" sz="1400" kern="0" dirty="0">
                 <a:solidFill>
                   <a:srgbClr val="000000"/>
                 </a:solidFill>
@@ -13044,7 +13044,7 @@
               <a:t>            </a:t>
             </a:r>
             <a:r>
-              <a:rPr lang="en-US" altLang="zh-CN" sz="1600" kern="0" dirty="0">
+              <a:rPr lang="en-US" altLang="zh-CN" sz="1400" kern="0" dirty="0">
                 <a:solidFill>
                   <a:srgbClr val="0000FF"/>
                 </a:solidFill>
@@ -13056,7 +13056,7 @@
               <a:t>int</a:t>
             </a:r>
             <a:r>
-              <a:rPr lang="en-US" altLang="zh-CN" sz="1600" kern="0" dirty="0">
+              <a:rPr lang="en-US" altLang="zh-CN" sz="1400" kern="0" dirty="0">
                 <a:solidFill>
                   <a:srgbClr val="000000"/>
                 </a:solidFill>
@@ -13068,7 +13068,7 @@
               <a:t> </a:t>
             </a:r>
             <a:r>
-              <a:rPr lang="en-US" altLang="zh-CN" sz="1600" kern="0" dirty="0">
+              <a:rPr lang="en-US" altLang="zh-CN" sz="1400" kern="0" dirty="0">
                 <a:solidFill>
                   <a:srgbClr val="0000FF"/>
                 </a:solidFill>
@@ -13080,7 +13080,7 @@
               <a:t>*</a:t>
             </a:r>
             <a:r>
-              <a:rPr lang="en-US" altLang="zh-CN" sz="1600" kern="0" dirty="0" err="1">
+              <a:rPr lang="en-US" altLang="zh-CN" sz="1400" kern="0" dirty="0" err="1">
                 <a:solidFill>
                   <a:srgbClr val="001080"/>
                 </a:solidFill>
@@ -13092,7 +13092,7 @@
               <a:t>pnumB</a:t>
             </a:r>
             <a:r>
-              <a:rPr lang="en-US" altLang="zh-CN" sz="1600" kern="0" dirty="0">
+              <a:rPr lang="en-US" altLang="zh-CN" sz="1400" kern="0" dirty="0">
                 <a:solidFill>
                   <a:srgbClr val="000000"/>
                 </a:solidFill>
@@ -13104,7 +13104,18 @@
               <a:t> = </a:t>
             </a:r>
             <a:r>
-              <a:rPr lang="en-US" altLang="zh-CN" sz="1600" kern="0" dirty="0">
+              <a:rPr lang="en-US" altLang="zh-CN" sz="1400" kern="0" dirty="0">
+                <a:solidFill>
+                  <a:srgbClr val="000000"/>
+                </a:solidFill>
+                <a:latin typeface="Menlo" panose="020B0609030804020204" pitchFamily="49" charset="0"/>
+                <a:ea typeface="宋体" panose="02010600030101010101" pitchFamily="2" charset="-122"/>
+                <a:cs typeface="Times New Roman" panose="02020603050405020304" pitchFamily="18" charset="0"/>
+              </a:rPr>
+              <a:t>(int*)</a:t>
+            </a:r>
+            <a:r>
+              <a:rPr lang="en-US" altLang="zh-CN" sz="1400" kern="0" dirty="0">
                 <a:solidFill>
                   <a:srgbClr val="795E26"/>
                 </a:solidFill>
@@ -13116,7 +13127,7 @@
               <a:t>malloc</a:t>
             </a:r>
             <a:r>
-              <a:rPr lang="en-US" altLang="zh-CN" sz="1600" kern="0" dirty="0">
+              <a:rPr lang="en-US" altLang="zh-CN" sz="1400" kern="0" dirty="0">
                 <a:solidFill>
                   <a:srgbClr val="000000"/>
                 </a:solidFill>
@@ -13128,7 +13139,7 @@
               <a:t>(</a:t>
             </a:r>
             <a:r>
-              <a:rPr lang="en-US" altLang="zh-CN" sz="1600" kern="0" dirty="0" err="1">
+              <a:rPr lang="en-US" altLang="zh-CN" sz="1400" kern="0" dirty="0" err="1">
                 <a:solidFill>
                   <a:srgbClr val="0000FF"/>
                 </a:solidFill>
@@ -13140,7 +13151,7 @@
               <a:t>sizeof</a:t>
             </a:r>
             <a:r>
-              <a:rPr lang="en-US" altLang="zh-CN" sz="1600" kern="0" dirty="0">
+              <a:rPr lang="en-US" altLang="zh-CN" sz="1400" kern="0" dirty="0">
                 <a:solidFill>
                   <a:srgbClr val="000000"/>
                 </a:solidFill>
@@ -13152,7 +13163,7 @@
               <a:t>(</a:t>
             </a:r>
             <a:r>
-              <a:rPr lang="en-US" altLang="zh-CN" sz="1600" kern="0" dirty="0">
+              <a:rPr lang="en-US" altLang="zh-CN" sz="1400" kern="0" dirty="0">
                 <a:solidFill>
                   <a:srgbClr val="0000FF"/>
                 </a:solidFill>
@@ -13164,7 +13175,7 @@
               <a:t>int</a:t>
             </a:r>
             <a:r>
-              <a:rPr lang="en-US" altLang="zh-CN" sz="1600" kern="0" dirty="0">
+              <a:rPr lang="en-US" altLang="zh-CN" sz="1400" kern="0" dirty="0">
                 <a:solidFill>
                   <a:srgbClr val="000000"/>
                 </a:solidFill>
@@ -13175,7 +13186,7 @@
               </a:rPr>
               <a:t>));</a:t>
             </a:r>
-            <a:endParaRPr lang="zh-CN" altLang="zh-CN" sz="1600" kern="100" dirty="0">
+            <a:endParaRPr lang="zh-CN" altLang="zh-CN" sz="1400" kern="100" dirty="0">
               <a:effectLst/>
               <a:latin typeface="DengXian" panose="02010600030101010101" pitchFamily="2" charset="-122"/>
               <a:ea typeface="DengXian" panose="02010600030101010101" pitchFamily="2" charset="-122"/>
@@ -13185,7 +13196,7 @@
           <a:p>
             <a:pPr algn="l"/>
             <a:r>
-              <a:rPr lang="en-US" altLang="zh-CN" sz="1600" kern="0" dirty="0">
+              <a:rPr lang="en-US" altLang="zh-CN" sz="1400" kern="0" dirty="0">
                 <a:solidFill>
                   <a:srgbClr val="000000"/>
                 </a:solidFill>
@@ -13197,7 +13208,7 @@
               <a:t>            </a:t>
             </a:r>
             <a:r>
-              <a:rPr lang="en-US" altLang="zh-CN" sz="1600" kern="0" dirty="0">
+              <a:rPr lang="en-US" altLang="zh-CN" sz="1400" kern="0" dirty="0">
                 <a:solidFill>
                   <a:srgbClr val="AF00DB"/>
                 </a:solidFill>
@@ -13209,7 +13220,7 @@
               <a:t>if</a:t>
             </a:r>
             <a:r>
-              <a:rPr lang="en-US" altLang="zh-CN" sz="1600" kern="0" dirty="0">
+              <a:rPr lang="en-US" altLang="zh-CN" sz="1400" kern="0" dirty="0">
                 <a:solidFill>
                   <a:srgbClr val="000000"/>
                 </a:solidFill>
@@ -13221,7 +13232,7 @@
               <a:t>(</a:t>
             </a:r>
             <a:r>
-              <a:rPr lang="en-US" altLang="zh-CN" sz="1600" kern="0" dirty="0" err="1">
+              <a:rPr lang="en-US" altLang="zh-CN" sz="1400" kern="0" dirty="0" err="1">
                 <a:solidFill>
                   <a:srgbClr val="001080"/>
                 </a:solidFill>
@@ -13233,7 +13244,7 @@
               <a:t>pnumB</a:t>
             </a:r>
             <a:r>
-              <a:rPr lang="en-US" altLang="zh-CN" sz="1600" kern="0" dirty="0">
+              <a:rPr lang="en-US" altLang="zh-CN" sz="1400" kern="0" dirty="0">
                 <a:solidFill>
                   <a:srgbClr val="001080"/>
                 </a:solidFill>
@@ -13245,7 +13256,7 @@
               <a:t> </a:t>
             </a:r>
             <a:r>
-              <a:rPr lang="en-US" altLang="zh-CN" sz="1600" kern="0" dirty="0">
+              <a:rPr lang="en-US" altLang="zh-CN" sz="1400" kern="0" dirty="0">
                 <a:solidFill>
                   <a:srgbClr val="000000"/>
                 </a:solidFill>
@@ -13257,7 +13268,7 @@
               <a:t>!= </a:t>
             </a:r>
             <a:r>
-              <a:rPr lang="en-US" altLang="zh-CN" sz="1600" kern="0" dirty="0">
+              <a:rPr lang="en-US" altLang="zh-CN" sz="1400" kern="0" dirty="0">
                 <a:solidFill>
                   <a:srgbClr val="0000FF"/>
                 </a:solidFill>
@@ -13269,7 +13280,7 @@
               <a:t>NULL</a:t>
             </a:r>
             <a:r>
-              <a:rPr lang="en-US" altLang="zh-CN" sz="1600" kern="0" dirty="0">
+              <a:rPr lang="en-US" altLang="zh-CN" sz="1400" kern="0" dirty="0">
                 <a:solidFill>
                   <a:srgbClr val="000000"/>
                 </a:solidFill>
@@ -13280,7 +13291,7 @@
               </a:rPr>
               <a:t>){</a:t>
             </a:r>
-            <a:endParaRPr lang="zh-CN" altLang="zh-CN" sz="1600" kern="100" dirty="0">
+            <a:endParaRPr lang="zh-CN" altLang="zh-CN" sz="1400" kern="100" dirty="0">
               <a:effectLst/>
               <a:latin typeface="DengXian" panose="02010600030101010101" pitchFamily="2" charset="-122"/>
               <a:ea typeface="DengXian" panose="02010600030101010101" pitchFamily="2" charset="-122"/>
@@ -13290,7 +13301,7 @@
           <a:p>
             <a:pPr algn="l"/>
             <a:r>
-              <a:rPr lang="en-US" altLang="zh-CN" sz="1600" kern="0" dirty="0">
+              <a:rPr lang="en-US" altLang="zh-CN" sz="1400" kern="0" dirty="0">
                 <a:solidFill>
                   <a:srgbClr val="008000"/>
                 </a:solidFill>
@@ -13302,7 +13313,7 @@
               <a:t>                </a:t>
             </a:r>
             <a:r>
-              <a:rPr lang="en-US" altLang="zh-CN" sz="1600" kern="0" dirty="0">
+              <a:rPr lang="en-US" altLang="zh-CN" sz="1400" kern="0" dirty="0">
                 <a:solidFill>
                   <a:srgbClr val="008000"/>
                 </a:solidFill>
@@ -13316,7 +13327,7 @@
               </a:rPr>
               <a:t>/*complete code here*/</a:t>
             </a:r>
-            <a:endParaRPr lang="zh-CN" altLang="zh-CN" sz="1600" kern="100" dirty="0">
+            <a:endParaRPr lang="zh-CN" altLang="zh-CN" sz="1400" kern="100" dirty="0">
               <a:effectLst/>
               <a:highlight>
                 <a:srgbClr val="FFFF00"/>
@@ -13329,18 +13340,18 @@
           <a:p>
             <a:pPr algn="l"/>
             <a:r>
-              <a:rPr lang="en-US" altLang="zh-CN" sz="1600" kern="0" dirty="0">
-                <a:solidFill>
-                  <a:srgbClr val="000000"/>
-                </a:solidFill>
-                <a:effectLst/>
-                <a:latin typeface="Menlo" panose="020B0609030804020204" pitchFamily="49" charset="0"/>
-                <a:ea typeface="宋体" panose="02010600030101010101" pitchFamily="2" charset="-122"/>
-                <a:cs typeface="Times New Roman" panose="02020603050405020304" pitchFamily="18" charset="0"/>
-              </a:rPr>
-              <a:t>            } </a:t>
-            </a:r>
-            <a:endParaRPr lang="zh-CN" altLang="zh-CN" sz="1600" kern="100" dirty="0">
+              <a:rPr lang="en-US" altLang="zh-CN" sz="1400" kern="0" dirty="0">
+                <a:solidFill>
+                  <a:srgbClr val="000000"/>
+                </a:solidFill>
+                <a:effectLst/>
+                <a:latin typeface="Menlo" panose="020B0609030804020204" pitchFamily="49" charset="0"/>
+                <a:ea typeface="宋体" panose="02010600030101010101" pitchFamily="2" charset="-122"/>
+                <a:cs typeface="Times New Roman" panose="02020603050405020304" pitchFamily="18" charset="0"/>
+              </a:rPr>
+              <a:t>            }</a:t>
+            </a:r>
+            <a:endParaRPr lang="zh-CN" altLang="zh-CN" sz="1400" kern="100" dirty="0">
               <a:effectLst/>
               <a:latin typeface="DengXian" panose="02010600030101010101" pitchFamily="2" charset="-122"/>
               <a:ea typeface="DengXian" panose="02010600030101010101" pitchFamily="2" charset="-122"/>
@@ -13350,7 +13361,7 @@
           <a:p>
             <a:pPr algn="l"/>
             <a:r>
-              <a:rPr lang="en-US" altLang="zh-CN" sz="1600" kern="0" dirty="0">
+              <a:rPr lang="en-US" altLang="zh-CN" sz="1400" kern="0" dirty="0">
                 <a:solidFill>
                   <a:srgbClr val="000000"/>
                 </a:solidFill>
@@ -13361,7 +13372,7 @@
               </a:rPr>
               <a:t>        }</a:t>
             </a:r>
-            <a:endParaRPr lang="zh-CN" altLang="zh-CN" sz="1600" kern="100" dirty="0">
+            <a:endParaRPr lang="zh-CN" altLang="zh-CN" sz="1400" kern="100" dirty="0">
               <a:effectLst/>
               <a:latin typeface="DengXian" panose="02010600030101010101" pitchFamily="2" charset="-122"/>
               <a:ea typeface="DengXian" panose="02010600030101010101" pitchFamily="2" charset="-122"/>
@@ -13371,7 +13382,7 @@
           <a:p>
             <a:pPr algn="l"/>
             <a:r>
-              <a:rPr lang="en-US" altLang="zh-CN" sz="1600" kern="0" dirty="0">
+              <a:rPr lang="en-US" altLang="zh-CN" sz="1400" kern="0" dirty="0">
                 <a:solidFill>
                   <a:srgbClr val="000000"/>
                 </a:solidFill>
@@ -13383,7 +13394,7 @@
               <a:t>        </a:t>
             </a:r>
             <a:r>
-              <a:rPr lang="en-US" altLang="zh-CN" sz="1600" kern="0" dirty="0">
+              <a:rPr lang="en-US" altLang="zh-CN" sz="1400" kern="0" dirty="0">
                 <a:solidFill>
                   <a:srgbClr val="AF00DB"/>
                 </a:solidFill>
@@ -13395,7 +13406,7 @@
               <a:t>else</a:t>
             </a:r>
             <a:r>
-              <a:rPr lang="en-US" altLang="zh-CN" sz="1600" kern="0" dirty="0">
+              <a:rPr lang="en-US" altLang="zh-CN" sz="1400" kern="0" dirty="0">
                 <a:solidFill>
                   <a:srgbClr val="000000"/>
                 </a:solidFill>
@@ -13407,7 +13418,7 @@
               <a:t> </a:t>
             </a:r>
             <a:r>
-              <a:rPr lang="en-US" altLang="zh-CN" sz="1600" kern="0" dirty="0">
+              <a:rPr lang="en-US" altLang="zh-CN" sz="1400" kern="0" dirty="0">
                 <a:solidFill>
                   <a:srgbClr val="AF00DB"/>
                 </a:solidFill>
@@ -13419,7 +13430,7 @@
               <a:t>if</a:t>
             </a:r>
             <a:r>
-              <a:rPr lang="en-US" altLang="zh-CN" sz="1600" kern="0" dirty="0">
+              <a:rPr lang="en-US" altLang="zh-CN" sz="1400" kern="0" dirty="0">
                 <a:solidFill>
                   <a:srgbClr val="000000"/>
                 </a:solidFill>
@@ -13431,7 +13442,7 @@
               <a:t>((</a:t>
             </a:r>
             <a:r>
-              <a:rPr lang="en-US" altLang="zh-CN" sz="1600" kern="0" dirty="0" err="1">
+              <a:rPr lang="en-US" altLang="zh-CN" sz="1400" kern="0" dirty="0" err="1">
                 <a:solidFill>
                   <a:srgbClr val="001080"/>
                 </a:solidFill>
@@ -13443,7 +13454,7 @@
               <a:t>argv</a:t>
             </a:r>
             <a:r>
-              <a:rPr lang="en-US" altLang="zh-CN" sz="1600" kern="0" dirty="0">
+              <a:rPr lang="en-US" altLang="zh-CN" sz="1400" kern="0" dirty="0">
                 <a:solidFill>
                   <a:srgbClr val="000000"/>
                 </a:solidFill>
@@ -13455,7 +13466,7 @@
               <a:t>[</a:t>
             </a:r>
             <a:r>
-              <a:rPr lang="en-US" altLang="zh-CN" sz="1600" kern="0" dirty="0">
+              <a:rPr lang="en-US" altLang="zh-CN" sz="1400" kern="0" dirty="0">
                 <a:solidFill>
                   <a:srgbClr val="098658"/>
                 </a:solidFill>
@@ -13467,7 +13478,7 @@
               <a:t>1</a:t>
             </a:r>
             <a:r>
-              <a:rPr lang="en-US" altLang="zh-CN" sz="1600" kern="0" dirty="0">
+              <a:rPr lang="en-US" altLang="zh-CN" sz="1400" kern="0" dirty="0">
                 <a:solidFill>
                   <a:srgbClr val="000000"/>
                 </a:solidFill>
@@ -13479,7 +13490,7 @@
               <a:t>][</a:t>
             </a:r>
             <a:r>
-              <a:rPr lang="en-US" altLang="zh-CN" sz="1600" kern="0" dirty="0">
+              <a:rPr lang="en-US" altLang="zh-CN" sz="1400" kern="0" dirty="0">
                 <a:solidFill>
                   <a:srgbClr val="098658"/>
                 </a:solidFill>
@@ -13491,7 +13502,7 @@
               <a:t>0</a:t>
             </a:r>
             <a:r>
-              <a:rPr lang="en-US" altLang="zh-CN" sz="1600" kern="0" dirty="0">
+              <a:rPr lang="en-US" altLang="zh-CN" sz="1400" kern="0" dirty="0">
                 <a:solidFill>
                   <a:srgbClr val="000000"/>
                 </a:solidFill>
@@ -13503,7 +13514,7 @@
               <a:t>] == </a:t>
             </a:r>
             <a:r>
-              <a:rPr lang="en-US" altLang="zh-CN" sz="1600" kern="0" dirty="0">
+              <a:rPr lang="en-US" altLang="zh-CN" sz="1400" kern="0" dirty="0">
                 <a:solidFill>
                   <a:srgbClr val="A31515"/>
                 </a:solidFill>
@@ -13515,7 +13526,7 @@
               <a:t>'S'</a:t>
             </a:r>
             <a:r>
-              <a:rPr lang="en-US" altLang="zh-CN" sz="1600" kern="0" dirty="0">
+              <a:rPr lang="en-US" altLang="zh-CN" sz="1400" kern="0" dirty="0">
                 <a:solidFill>
                   <a:srgbClr val="000000"/>
                 </a:solidFill>
@@ -13526,7 +13537,7 @@
               </a:rPr>
               <a:t>)){</a:t>
             </a:r>
-            <a:endParaRPr lang="zh-CN" altLang="zh-CN" sz="1600" kern="100" dirty="0">
+            <a:endParaRPr lang="zh-CN" altLang="zh-CN" sz="1400" kern="100" dirty="0">
               <a:effectLst/>
               <a:latin typeface="DengXian" panose="02010600030101010101" pitchFamily="2" charset="-122"/>
               <a:ea typeface="DengXian" panose="02010600030101010101" pitchFamily="2" charset="-122"/>
@@ -13536,7 +13547,7 @@
           <a:p>
             <a:pPr algn="l"/>
             <a:r>
-              <a:rPr lang="en-US" altLang="zh-CN" sz="1600" kern="0" dirty="0">
+              <a:rPr lang="en-US" altLang="zh-CN" sz="1400" kern="0" dirty="0">
                 <a:solidFill>
                   <a:srgbClr val="008000"/>
                 </a:solidFill>
@@ -13548,7 +13559,7 @@
               <a:t>            </a:t>
             </a:r>
             <a:r>
-              <a:rPr lang="en-US" altLang="zh-CN" sz="1600" kern="0" dirty="0">
+              <a:rPr lang="en-US" altLang="zh-CN" sz="1400" kern="0" dirty="0">
                 <a:solidFill>
                   <a:srgbClr val="008000"/>
                 </a:solidFill>
@@ -13562,7 +13573,7 @@
               </a:rPr>
               <a:t>/*complete code here*/</a:t>
             </a:r>
-            <a:endParaRPr lang="zh-CN" altLang="zh-CN" sz="1600" kern="100" dirty="0">
+            <a:endParaRPr lang="zh-CN" altLang="zh-CN" sz="1400" kern="100" dirty="0">
               <a:effectLst/>
               <a:highlight>
                 <a:srgbClr val="FFFF00"/>
@@ -13575,7 +13586,7 @@
           <a:p>
             <a:pPr algn="l"/>
             <a:r>
-              <a:rPr lang="en-US" altLang="zh-CN" sz="1600" kern="0" dirty="0">
+              <a:rPr lang="en-US" altLang="zh-CN" sz="1400" kern="0" dirty="0">
                 <a:solidFill>
                   <a:srgbClr val="000000"/>
                 </a:solidFill>
@@ -13586,7 +13597,7 @@
               </a:rPr>
               <a:t>        }</a:t>
             </a:r>
-            <a:endParaRPr lang="zh-CN" altLang="zh-CN" sz="1600" kern="100" dirty="0">
+            <a:endParaRPr lang="zh-CN" altLang="zh-CN" sz="1400" kern="100" dirty="0">
               <a:effectLst/>
               <a:latin typeface="DengXian" panose="02010600030101010101" pitchFamily="2" charset="-122"/>
               <a:ea typeface="DengXian" panose="02010600030101010101" pitchFamily="2" charset="-122"/>
@@ -13596,7 +13607,7 @@
           <a:p>
             <a:pPr algn="l"/>
             <a:r>
-              <a:rPr lang="en-US" altLang="zh-CN" sz="1600" kern="0" dirty="0">
+              <a:rPr lang="en-US" altLang="zh-CN" sz="1400" kern="0" dirty="0">
                 <a:solidFill>
                   <a:srgbClr val="000000"/>
                 </a:solidFill>
@@ -13607,7 +13618,7 @@
               </a:rPr>
               <a:t>    }</a:t>
             </a:r>
-            <a:endParaRPr lang="zh-CN" altLang="zh-CN" sz="1600" kern="100" dirty="0">
+            <a:endParaRPr lang="zh-CN" altLang="zh-CN" sz="1400" kern="100" dirty="0">
               <a:effectLst/>
               <a:latin typeface="DengXian" panose="02010600030101010101" pitchFamily="2" charset="-122"/>
               <a:ea typeface="DengXian" panose="02010600030101010101" pitchFamily="2" charset="-122"/>
@@ -13617,7 +13628,7 @@
           <a:p>
             <a:pPr algn="l"/>
             <a:r>
-              <a:rPr lang="en-US" altLang="zh-CN" sz="1600" kern="0" dirty="0">
+              <a:rPr lang="en-US" altLang="zh-CN" sz="1400" kern="0" dirty="0">
                 <a:solidFill>
                   <a:srgbClr val="000000"/>
                 </a:solidFill>
@@ -13629,7 +13640,7 @@
               <a:t>    </a:t>
             </a:r>
             <a:r>
-              <a:rPr lang="en-US" altLang="zh-CN" sz="1600" kern="0" dirty="0">
+              <a:rPr lang="en-US" altLang="zh-CN" sz="1400" kern="0" dirty="0">
                 <a:solidFill>
                   <a:srgbClr val="AF00DB"/>
                 </a:solidFill>
@@ -13641,7 +13652,7 @@
               <a:t>return</a:t>
             </a:r>
             <a:r>
-              <a:rPr lang="en-US" altLang="zh-CN" sz="1600" kern="0" dirty="0">
+              <a:rPr lang="en-US" altLang="zh-CN" sz="1400" kern="0" dirty="0">
                 <a:solidFill>
                   <a:srgbClr val="000000"/>
                 </a:solidFill>
@@ -13653,7 +13664,7 @@
               <a:t> </a:t>
             </a:r>
             <a:r>
-              <a:rPr lang="en-US" altLang="zh-CN" sz="1600" kern="0" dirty="0">
+              <a:rPr lang="en-US" altLang="zh-CN" sz="1400" kern="0" dirty="0">
                 <a:solidFill>
                   <a:srgbClr val="098658"/>
                 </a:solidFill>
@@ -13665,7 +13676,7 @@
               <a:t>0</a:t>
             </a:r>
             <a:r>
-              <a:rPr lang="en-US" altLang="zh-CN" sz="1600" kern="0" dirty="0">
+              <a:rPr lang="en-US" altLang="zh-CN" sz="1400" kern="0" dirty="0">
                 <a:solidFill>
                   <a:srgbClr val="000000"/>
                 </a:solidFill>
@@ -13676,7 +13687,7 @@
               </a:rPr>
               <a:t>;</a:t>
             </a:r>
-            <a:endParaRPr lang="zh-CN" altLang="zh-CN" sz="1600" kern="100" dirty="0">
+            <a:endParaRPr lang="zh-CN" altLang="zh-CN" sz="1400" kern="100" dirty="0">
               <a:effectLst/>
               <a:latin typeface="DengXian" panose="02010600030101010101" pitchFamily="2" charset="-122"/>
               <a:ea typeface="DengXian" panose="02010600030101010101" pitchFamily="2" charset="-122"/>
@@ -13686,7 +13697,7 @@
           <a:p>
             <a:pPr algn="l"/>
             <a:r>
-              <a:rPr lang="en-US" altLang="zh-CN" sz="1600" kern="0" dirty="0">
+              <a:rPr lang="en-US" altLang="zh-CN" sz="1400" kern="0" dirty="0">
                 <a:solidFill>
                   <a:srgbClr val="000000"/>
                 </a:solidFill>
@@ -13697,7 +13708,7 @@
               </a:rPr>
               <a:t>}</a:t>
             </a:r>
-            <a:endParaRPr lang="zh-CN" altLang="zh-CN" sz="1600" kern="100" dirty="0">
+            <a:endParaRPr lang="zh-CN" altLang="zh-CN" sz="1400" kern="100" dirty="0">
               <a:effectLst/>
               <a:latin typeface="DengXian" panose="02010600030101010101" pitchFamily="2" charset="-122"/>
               <a:ea typeface="DengXian" panose="02010600030101010101" pitchFamily="2" charset="-122"/>

--- a/week05/Lab05.pptx
+++ b/week05/Lab05.pptx
@@ -12846,19 +12846,31 @@
               <a:t>argc</a:t>
             </a:r>
             <a:r>
-              <a:rPr lang="en-US" altLang="zh-CN" sz="1400" kern="0" dirty="0">
-                <a:solidFill>
-                  <a:srgbClr val="000000"/>
-                </a:solidFill>
-                <a:effectLst/>
-                <a:latin typeface="Menlo" panose="020B0609030804020204" pitchFamily="49" charset="0"/>
-                <a:ea typeface="宋体" panose="02010600030101010101" pitchFamily="2" charset="-122"/>
-                <a:cs typeface="Times New Roman" panose="02020603050405020304" pitchFamily="18" charset="0"/>
-              </a:rPr>
-              <a:t>==</a:t>
-            </a:r>
-            <a:r>
-              <a:rPr lang="en-US" altLang="zh-CN" sz="1400" kern="0" dirty="0">
+              <a:rPr lang="en-US" altLang="zh-CN" sz="1400" kern="0">
+                <a:solidFill>
+                  <a:srgbClr val="001080"/>
+                </a:solidFill>
+                <a:effectLst/>
+                <a:latin typeface="Menlo" panose="020B0609030804020204" pitchFamily="49" charset="0"/>
+                <a:ea typeface="宋体" panose="02010600030101010101" pitchFamily="2" charset="-122"/>
+                <a:cs typeface="Times New Roman" panose="02020603050405020304" pitchFamily="18" charset="0"/>
+              </a:rPr>
+              <a:t> </a:t>
+            </a:r>
+            <a:r>
+              <a:rPr lang="en-US" altLang="zh-CN" sz="1400" kern="0">
+                <a:solidFill>
+                  <a:srgbClr val="000000"/>
+                </a:solidFill>
+                <a:effectLst/>
+                <a:latin typeface="Menlo" panose="020B0609030804020204" pitchFamily="49" charset="0"/>
+                <a:ea typeface="宋体" panose="02010600030101010101" pitchFamily="2" charset="-122"/>
+                <a:cs typeface="Times New Roman" panose="02020603050405020304" pitchFamily="18" charset="0"/>
+              </a:rPr>
+              <a:t>== </a:t>
+            </a:r>
+            <a:r>
+              <a:rPr lang="en-US" altLang="zh-CN" sz="1400" kern="0">
                 <a:solidFill>
                   <a:srgbClr val="098658"/>
                 </a:solidFill>
@@ -12924,7 +12936,7 @@
                 <a:ea typeface="宋体" panose="02010600030101010101" pitchFamily="2" charset="-122"/>
                 <a:cs typeface="Times New Roman" panose="02020603050405020304" pitchFamily="18" charset="0"/>
               </a:rPr>
-              <a:t>((</a:t>
+              <a:t>(</a:t>
             </a:r>
             <a:r>
               <a:rPr lang="en-US" altLang="zh-CN" sz="1400" kern="0" dirty="0" err="1">
@@ -12996,7 +13008,7 @@
                 <a:ea typeface="宋体" panose="02010600030101010101" pitchFamily="2" charset="-122"/>
                 <a:cs typeface="Times New Roman" panose="02020603050405020304" pitchFamily="18" charset="0"/>
               </a:rPr>
-              <a:t>] == </a:t>
+              <a:t>]==</a:t>
             </a:r>
             <a:r>
               <a:rPr lang="en-US" altLang="zh-CN" sz="1400" kern="0" dirty="0">
@@ -13020,7 +13032,7 @@
                 <a:ea typeface="宋体" panose="02010600030101010101" pitchFamily="2" charset="-122"/>
                 <a:cs typeface="Times New Roman" panose="02020603050405020304" pitchFamily="18" charset="0"/>
               </a:rPr>
-              <a:t>)){</a:t>
+              <a:t>){</a:t>
             </a:r>
             <a:endParaRPr lang="zh-CN" altLang="zh-CN" sz="1400" kern="100" dirty="0">
               <a:effectLst/>
@@ -13101,18 +13113,31 @@
                 <a:ea typeface="宋体" panose="02010600030101010101" pitchFamily="2" charset="-122"/>
                 <a:cs typeface="Times New Roman" panose="02020603050405020304" pitchFamily="18" charset="0"/>
               </a:rPr>
-              <a:t> = </a:t>
+              <a:t> = (</a:t>
             </a:r>
             <a:r>
               <a:rPr lang="en-US" altLang="zh-CN" sz="1400" kern="0" dirty="0">
                 <a:solidFill>
-                  <a:srgbClr val="000000"/>
-                </a:solidFill>
-                <a:latin typeface="Menlo" panose="020B0609030804020204" pitchFamily="49" charset="0"/>
-                <a:ea typeface="宋体" panose="02010600030101010101" pitchFamily="2" charset="-122"/>
-                <a:cs typeface="Times New Roman" panose="02020603050405020304" pitchFamily="18" charset="0"/>
-              </a:rPr>
-              <a:t>(int*)</a:t>
+                  <a:srgbClr val="0000FF"/>
+                </a:solidFill>
+                <a:effectLst/>
+                <a:latin typeface="Menlo" panose="020B0609030804020204" pitchFamily="49" charset="0"/>
+                <a:ea typeface="宋体" panose="02010600030101010101" pitchFamily="2" charset="-122"/>
+                <a:cs typeface="Times New Roman" panose="02020603050405020304" pitchFamily="18" charset="0"/>
+              </a:rPr>
+              <a:t>int</a:t>
+            </a:r>
+            <a:r>
+              <a:rPr lang="en-US" altLang="zh-CN" sz="1400" kern="0" dirty="0">
+                <a:solidFill>
+                  <a:srgbClr val="000000"/>
+                </a:solidFill>
+                <a:effectLst/>
+                <a:latin typeface="Menlo" panose="020B0609030804020204" pitchFamily="49" charset="0"/>
+                <a:ea typeface="宋体" panose="02010600030101010101" pitchFamily="2" charset="-122"/>
+                <a:cs typeface="Times New Roman" panose="02020603050405020304" pitchFamily="18" charset="0"/>
+              </a:rPr>
+              <a:t>*)</a:t>
             </a:r>
             <a:r>
               <a:rPr lang="en-US" altLang="zh-CN" sz="1400" kern="0" dirty="0">
@@ -13246,26 +13271,14 @@
             <a:r>
               <a:rPr lang="en-US" altLang="zh-CN" sz="1400" kern="0" dirty="0">
                 <a:solidFill>
-                  <a:srgbClr val="001080"/>
-                </a:solidFill>
-                <a:effectLst/>
-                <a:latin typeface="Menlo" panose="020B0609030804020204" pitchFamily="49" charset="0"/>
-                <a:ea typeface="宋体" panose="02010600030101010101" pitchFamily="2" charset="-122"/>
-                <a:cs typeface="Times New Roman" panose="02020603050405020304" pitchFamily="18" charset="0"/>
-              </a:rPr>
-              <a:t> </a:t>
-            </a:r>
-            <a:r>
-              <a:rPr lang="en-US" altLang="zh-CN" sz="1400" kern="0" dirty="0">
-                <a:solidFill>
-                  <a:srgbClr val="000000"/>
-                </a:solidFill>
-                <a:effectLst/>
-                <a:latin typeface="Menlo" panose="020B0609030804020204" pitchFamily="49" charset="0"/>
-                <a:ea typeface="宋体" panose="02010600030101010101" pitchFamily="2" charset="-122"/>
-                <a:cs typeface="Times New Roman" panose="02020603050405020304" pitchFamily="18" charset="0"/>
-              </a:rPr>
-              <a:t>!= </a:t>
+                  <a:srgbClr val="000000"/>
+                </a:solidFill>
+                <a:effectLst/>
+                <a:latin typeface="Menlo" panose="020B0609030804020204" pitchFamily="49" charset="0"/>
+                <a:ea typeface="宋体" panose="02010600030101010101" pitchFamily="2" charset="-122"/>
+                <a:cs typeface="Times New Roman" panose="02020603050405020304" pitchFamily="18" charset="0"/>
+              </a:rPr>
+              <a:t>!=</a:t>
             </a:r>
             <a:r>
               <a:rPr lang="en-US" altLang="zh-CN" sz="1400" kern="0" dirty="0">
@@ -13310,46 +13323,7 @@
                 <a:ea typeface="宋体" panose="02010600030101010101" pitchFamily="2" charset="-122"/>
                 <a:cs typeface="Times New Roman" panose="02020603050405020304" pitchFamily="18" charset="0"/>
               </a:rPr>
-              <a:t>                </a:t>
-            </a:r>
-            <a:r>
-              <a:rPr lang="en-US" altLang="zh-CN" sz="1400" kern="0" dirty="0">
-                <a:solidFill>
-                  <a:srgbClr val="008000"/>
-                </a:solidFill>
-                <a:effectLst/>
-                <a:highlight>
-                  <a:srgbClr val="FFFF00"/>
-                </a:highlight>
-                <a:latin typeface="Menlo" panose="020B0609030804020204" pitchFamily="49" charset="0"/>
-                <a:ea typeface="宋体" panose="02010600030101010101" pitchFamily="2" charset="-122"/>
-                <a:cs typeface="Times New Roman" panose="02020603050405020304" pitchFamily="18" charset="0"/>
-              </a:rPr>
-              <a:t>/*complete code here*/</a:t>
-            </a:r>
-            <a:endParaRPr lang="zh-CN" altLang="zh-CN" sz="1400" kern="100" dirty="0">
-              <a:effectLst/>
-              <a:highlight>
-                <a:srgbClr val="FFFF00"/>
-              </a:highlight>
-              <a:latin typeface="DengXian" panose="02010600030101010101" pitchFamily="2" charset="-122"/>
-              <a:ea typeface="DengXian" panose="02010600030101010101" pitchFamily="2" charset="-122"/>
-              <a:cs typeface="Times New Roman" panose="02020603050405020304" pitchFamily="18" charset="0"/>
-            </a:endParaRPr>
-          </a:p>
-          <a:p>
-            <a:pPr algn="l"/>
-            <a:r>
-              <a:rPr lang="en-US" altLang="zh-CN" sz="1400" kern="0" dirty="0">
-                <a:solidFill>
-                  <a:srgbClr val="000000"/>
-                </a:solidFill>
-                <a:effectLst/>
-                <a:latin typeface="Menlo" panose="020B0609030804020204" pitchFamily="49" charset="0"/>
-                <a:ea typeface="宋体" panose="02010600030101010101" pitchFamily="2" charset="-122"/>
-                <a:cs typeface="Times New Roman" panose="02020603050405020304" pitchFamily="18" charset="0"/>
-              </a:rPr>
-              <a:t>            }</a:t>
+              <a:t>                /*complete code here*/</a:t>
             </a:r>
             <a:endParaRPr lang="zh-CN" altLang="zh-CN" sz="1400" kern="100" dirty="0">
               <a:effectLst/>
@@ -13370,7 +13344,7 @@
                 <a:ea typeface="宋体" panose="02010600030101010101" pitchFamily="2" charset="-122"/>
                 <a:cs typeface="Times New Roman" panose="02020603050405020304" pitchFamily="18" charset="0"/>
               </a:rPr>
-              <a:t>        }</a:t>
+              <a:t>            } </a:t>
             </a:r>
             <a:endParaRPr lang="zh-CN" altLang="zh-CN" sz="1400" kern="100" dirty="0">
               <a:effectLst/>
@@ -13391,151 +13365,7 @@
                 <a:ea typeface="宋体" panose="02010600030101010101" pitchFamily="2" charset="-122"/>
                 <a:cs typeface="Times New Roman" panose="02020603050405020304" pitchFamily="18" charset="0"/>
               </a:rPr>
-              <a:t>        </a:t>
-            </a:r>
-            <a:r>
-              <a:rPr lang="en-US" altLang="zh-CN" sz="1400" kern="0" dirty="0">
-                <a:solidFill>
-                  <a:srgbClr val="AF00DB"/>
-                </a:solidFill>
-                <a:effectLst/>
-                <a:latin typeface="Menlo" panose="020B0609030804020204" pitchFamily="49" charset="0"/>
-                <a:ea typeface="宋体" panose="02010600030101010101" pitchFamily="2" charset="-122"/>
-                <a:cs typeface="Times New Roman" panose="02020603050405020304" pitchFamily="18" charset="0"/>
-              </a:rPr>
-              <a:t>else</a:t>
-            </a:r>
-            <a:r>
-              <a:rPr lang="en-US" altLang="zh-CN" sz="1400" kern="0" dirty="0">
-                <a:solidFill>
-                  <a:srgbClr val="000000"/>
-                </a:solidFill>
-                <a:effectLst/>
-                <a:latin typeface="Menlo" panose="020B0609030804020204" pitchFamily="49" charset="0"/>
-                <a:ea typeface="宋体" panose="02010600030101010101" pitchFamily="2" charset="-122"/>
-                <a:cs typeface="Times New Roman" panose="02020603050405020304" pitchFamily="18" charset="0"/>
-              </a:rPr>
-              <a:t> </a:t>
-            </a:r>
-            <a:r>
-              <a:rPr lang="en-US" altLang="zh-CN" sz="1400" kern="0" dirty="0">
-                <a:solidFill>
-                  <a:srgbClr val="AF00DB"/>
-                </a:solidFill>
-                <a:effectLst/>
-                <a:latin typeface="Menlo" panose="020B0609030804020204" pitchFamily="49" charset="0"/>
-                <a:ea typeface="宋体" panose="02010600030101010101" pitchFamily="2" charset="-122"/>
-                <a:cs typeface="Times New Roman" panose="02020603050405020304" pitchFamily="18" charset="0"/>
-              </a:rPr>
-              <a:t>if</a:t>
-            </a:r>
-            <a:r>
-              <a:rPr lang="en-US" altLang="zh-CN" sz="1400" kern="0" dirty="0">
-                <a:solidFill>
-                  <a:srgbClr val="000000"/>
-                </a:solidFill>
-                <a:effectLst/>
-                <a:latin typeface="Menlo" panose="020B0609030804020204" pitchFamily="49" charset="0"/>
-                <a:ea typeface="宋体" panose="02010600030101010101" pitchFamily="2" charset="-122"/>
-                <a:cs typeface="Times New Roman" panose="02020603050405020304" pitchFamily="18" charset="0"/>
-              </a:rPr>
-              <a:t>((</a:t>
-            </a:r>
-            <a:r>
-              <a:rPr lang="en-US" altLang="zh-CN" sz="1400" kern="0" dirty="0" err="1">
-                <a:solidFill>
-                  <a:srgbClr val="001080"/>
-                </a:solidFill>
-                <a:effectLst/>
-                <a:latin typeface="Menlo" panose="020B0609030804020204" pitchFamily="49" charset="0"/>
-                <a:ea typeface="宋体" panose="02010600030101010101" pitchFamily="2" charset="-122"/>
-                <a:cs typeface="Times New Roman" panose="02020603050405020304" pitchFamily="18" charset="0"/>
-              </a:rPr>
-              <a:t>argv</a:t>
-            </a:r>
-            <a:r>
-              <a:rPr lang="en-US" altLang="zh-CN" sz="1400" kern="0" dirty="0">
-                <a:solidFill>
-                  <a:srgbClr val="000000"/>
-                </a:solidFill>
-                <a:effectLst/>
-                <a:latin typeface="Menlo" panose="020B0609030804020204" pitchFamily="49" charset="0"/>
-                <a:ea typeface="宋体" panose="02010600030101010101" pitchFamily="2" charset="-122"/>
-                <a:cs typeface="Times New Roman" panose="02020603050405020304" pitchFamily="18" charset="0"/>
-              </a:rPr>
-              <a:t>[</a:t>
-            </a:r>
-            <a:r>
-              <a:rPr lang="en-US" altLang="zh-CN" sz="1400" kern="0" dirty="0">
-                <a:solidFill>
-                  <a:srgbClr val="098658"/>
-                </a:solidFill>
-                <a:effectLst/>
-                <a:latin typeface="Menlo" panose="020B0609030804020204" pitchFamily="49" charset="0"/>
-                <a:ea typeface="宋体" panose="02010600030101010101" pitchFamily="2" charset="-122"/>
-                <a:cs typeface="Times New Roman" panose="02020603050405020304" pitchFamily="18" charset="0"/>
-              </a:rPr>
-              <a:t>1</a:t>
-            </a:r>
-            <a:r>
-              <a:rPr lang="en-US" altLang="zh-CN" sz="1400" kern="0" dirty="0">
-                <a:solidFill>
-                  <a:srgbClr val="000000"/>
-                </a:solidFill>
-                <a:effectLst/>
-                <a:latin typeface="Menlo" panose="020B0609030804020204" pitchFamily="49" charset="0"/>
-                <a:ea typeface="宋体" panose="02010600030101010101" pitchFamily="2" charset="-122"/>
-                <a:cs typeface="Times New Roman" panose="02020603050405020304" pitchFamily="18" charset="0"/>
-              </a:rPr>
-              <a:t>][</a:t>
-            </a:r>
-            <a:r>
-              <a:rPr lang="en-US" altLang="zh-CN" sz="1400" kern="0" dirty="0">
-                <a:solidFill>
-                  <a:srgbClr val="098658"/>
-                </a:solidFill>
-                <a:effectLst/>
-                <a:latin typeface="Menlo" panose="020B0609030804020204" pitchFamily="49" charset="0"/>
-                <a:ea typeface="宋体" panose="02010600030101010101" pitchFamily="2" charset="-122"/>
-                <a:cs typeface="Times New Roman" panose="02020603050405020304" pitchFamily="18" charset="0"/>
-              </a:rPr>
-              <a:t>0</a:t>
-            </a:r>
-            <a:r>
-              <a:rPr lang="en-US" altLang="zh-CN" sz="1400" kern="0" dirty="0">
-                <a:solidFill>
-                  <a:srgbClr val="000000"/>
-                </a:solidFill>
-                <a:effectLst/>
-                <a:latin typeface="Menlo" panose="020B0609030804020204" pitchFamily="49" charset="0"/>
-                <a:ea typeface="宋体" panose="02010600030101010101" pitchFamily="2" charset="-122"/>
-                <a:cs typeface="Times New Roman" panose="02020603050405020304" pitchFamily="18" charset="0"/>
-              </a:rPr>
-              <a:t>] == </a:t>
-            </a:r>
-            <a:r>
-              <a:rPr lang="en-US" altLang="zh-CN" sz="1400" kern="0" dirty="0">
-                <a:solidFill>
-                  <a:srgbClr val="A31515"/>
-                </a:solidFill>
-                <a:effectLst/>
-                <a:latin typeface="Menlo" panose="020B0609030804020204" pitchFamily="49" charset="0"/>
-                <a:ea typeface="宋体" panose="02010600030101010101" pitchFamily="2" charset="-122"/>
-                <a:cs typeface="Times New Roman" panose="02020603050405020304" pitchFamily="18" charset="0"/>
-              </a:rPr>
-              <a:t>'S'</a:t>
-            </a:r>
-            <a:r>
-              <a:rPr lang="en-US" altLang="zh-CN" sz="1400" kern="0" dirty="0">
-                <a:solidFill>
-                  <a:srgbClr val="000000"/>
-                </a:solidFill>
-                <a:effectLst/>
-                <a:latin typeface="Menlo" panose="020B0609030804020204" pitchFamily="49" charset="0"/>
-                <a:ea typeface="宋体" panose="02010600030101010101" pitchFamily="2" charset="-122"/>
-                <a:cs typeface="Times New Roman" panose="02020603050405020304" pitchFamily="18" charset="0"/>
-              </a:rPr>
-              <a:t>)){</a:t>
+              <a:t>        }</a:t>
             </a:r>
             <a:endParaRPr lang="zh-CN" altLang="zh-CN" sz="1400" kern="100" dirty="0">
               <a:effectLst/>
@@ -13549,35 +13379,182 @@
             <a:r>
               <a:rPr lang="en-US" altLang="zh-CN" sz="1400" kern="0" dirty="0">
                 <a:solidFill>
-                  <a:srgbClr val="008000"/>
-                </a:solidFill>
-                <a:effectLst/>
-                <a:latin typeface="Menlo" panose="020B0609030804020204" pitchFamily="49" charset="0"/>
-                <a:ea typeface="宋体" panose="02010600030101010101" pitchFamily="2" charset="-122"/>
-                <a:cs typeface="Times New Roman" panose="02020603050405020304" pitchFamily="18" charset="0"/>
-              </a:rPr>
-              <a:t>            </a:t>
+                  <a:srgbClr val="000000"/>
+                </a:solidFill>
+                <a:effectLst/>
+                <a:latin typeface="Menlo" panose="020B0609030804020204" pitchFamily="49" charset="0"/>
+                <a:ea typeface="宋体" panose="02010600030101010101" pitchFamily="2" charset="-122"/>
+                <a:cs typeface="Times New Roman" panose="02020603050405020304" pitchFamily="18" charset="0"/>
+              </a:rPr>
+              <a:t>        </a:t>
             </a:r>
             <a:r>
               <a:rPr lang="en-US" altLang="zh-CN" sz="1400" kern="0" dirty="0">
                 <a:solidFill>
-                  <a:srgbClr val="008000"/>
-                </a:solidFill>
-                <a:effectLst/>
-                <a:highlight>
-                  <a:srgbClr val="FFFF00"/>
-                </a:highlight>
-                <a:latin typeface="Menlo" panose="020B0609030804020204" pitchFamily="49" charset="0"/>
-                <a:ea typeface="宋体" panose="02010600030101010101" pitchFamily="2" charset="-122"/>
-                <a:cs typeface="Times New Roman" panose="02020603050405020304" pitchFamily="18" charset="0"/>
-              </a:rPr>
-              <a:t>/*complete code here*/</a:t>
+                  <a:srgbClr val="AF00DB"/>
+                </a:solidFill>
+                <a:effectLst/>
+                <a:latin typeface="Menlo" panose="020B0609030804020204" pitchFamily="49" charset="0"/>
+                <a:ea typeface="宋体" panose="02010600030101010101" pitchFamily="2" charset="-122"/>
+                <a:cs typeface="Times New Roman" panose="02020603050405020304" pitchFamily="18" charset="0"/>
+              </a:rPr>
+              <a:t>else</a:t>
+            </a:r>
+            <a:r>
+              <a:rPr lang="en-US" altLang="zh-CN" sz="1400" kern="0" dirty="0">
+                <a:solidFill>
+                  <a:srgbClr val="000000"/>
+                </a:solidFill>
+                <a:effectLst/>
+                <a:latin typeface="Menlo" panose="020B0609030804020204" pitchFamily="49" charset="0"/>
+                <a:ea typeface="宋体" panose="02010600030101010101" pitchFamily="2" charset="-122"/>
+                <a:cs typeface="Times New Roman" panose="02020603050405020304" pitchFamily="18" charset="0"/>
+              </a:rPr>
+              <a:t> </a:t>
+            </a:r>
+            <a:r>
+              <a:rPr lang="en-US" altLang="zh-CN" sz="1400" kern="0" dirty="0">
+                <a:solidFill>
+                  <a:srgbClr val="AF00DB"/>
+                </a:solidFill>
+                <a:effectLst/>
+                <a:latin typeface="Menlo" panose="020B0609030804020204" pitchFamily="49" charset="0"/>
+                <a:ea typeface="宋体" panose="02010600030101010101" pitchFamily="2" charset="-122"/>
+                <a:cs typeface="Times New Roman" panose="02020603050405020304" pitchFamily="18" charset="0"/>
+              </a:rPr>
+              <a:t>if</a:t>
+            </a:r>
+            <a:r>
+              <a:rPr lang="en-US" altLang="zh-CN" sz="1400" kern="0" dirty="0">
+                <a:solidFill>
+                  <a:srgbClr val="000000"/>
+                </a:solidFill>
+                <a:effectLst/>
+                <a:latin typeface="Menlo" panose="020B0609030804020204" pitchFamily="49" charset="0"/>
+                <a:ea typeface="宋体" panose="02010600030101010101" pitchFamily="2" charset="-122"/>
+                <a:cs typeface="Times New Roman" panose="02020603050405020304" pitchFamily="18" charset="0"/>
+              </a:rPr>
+              <a:t>(</a:t>
+            </a:r>
+            <a:r>
+              <a:rPr lang="en-US" altLang="zh-CN" sz="1400" kern="0" dirty="0" err="1">
+                <a:solidFill>
+                  <a:srgbClr val="001080"/>
+                </a:solidFill>
+                <a:effectLst/>
+                <a:latin typeface="Menlo" panose="020B0609030804020204" pitchFamily="49" charset="0"/>
+                <a:ea typeface="宋体" panose="02010600030101010101" pitchFamily="2" charset="-122"/>
+                <a:cs typeface="Times New Roman" panose="02020603050405020304" pitchFamily="18" charset="0"/>
+              </a:rPr>
+              <a:t>argv</a:t>
+            </a:r>
+            <a:r>
+              <a:rPr lang="en-US" altLang="zh-CN" sz="1400" kern="0" dirty="0">
+                <a:solidFill>
+                  <a:srgbClr val="000000"/>
+                </a:solidFill>
+                <a:effectLst/>
+                <a:latin typeface="Menlo" panose="020B0609030804020204" pitchFamily="49" charset="0"/>
+                <a:ea typeface="宋体" panose="02010600030101010101" pitchFamily="2" charset="-122"/>
+                <a:cs typeface="Times New Roman" panose="02020603050405020304" pitchFamily="18" charset="0"/>
+              </a:rPr>
+              <a:t>[</a:t>
+            </a:r>
+            <a:r>
+              <a:rPr lang="en-US" altLang="zh-CN" sz="1400" kern="0" dirty="0">
+                <a:solidFill>
+                  <a:srgbClr val="098658"/>
+                </a:solidFill>
+                <a:effectLst/>
+                <a:latin typeface="Menlo" panose="020B0609030804020204" pitchFamily="49" charset="0"/>
+                <a:ea typeface="宋体" panose="02010600030101010101" pitchFamily="2" charset="-122"/>
+                <a:cs typeface="Times New Roman" panose="02020603050405020304" pitchFamily="18" charset="0"/>
+              </a:rPr>
+              <a:t>1</a:t>
+            </a:r>
+            <a:r>
+              <a:rPr lang="en-US" altLang="zh-CN" sz="1400" kern="0" dirty="0">
+                <a:solidFill>
+                  <a:srgbClr val="000000"/>
+                </a:solidFill>
+                <a:effectLst/>
+                <a:latin typeface="Menlo" panose="020B0609030804020204" pitchFamily="49" charset="0"/>
+                <a:ea typeface="宋体" panose="02010600030101010101" pitchFamily="2" charset="-122"/>
+                <a:cs typeface="Times New Roman" panose="02020603050405020304" pitchFamily="18" charset="0"/>
+              </a:rPr>
+              <a:t>][</a:t>
+            </a:r>
+            <a:r>
+              <a:rPr lang="en-US" altLang="zh-CN" sz="1400" kern="0" dirty="0">
+                <a:solidFill>
+                  <a:srgbClr val="098658"/>
+                </a:solidFill>
+                <a:effectLst/>
+                <a:latin typeface="Menlo" panose="020B0609030804020204" pitchFamily="49" charset="0"/>
+                <a:ea typeface="宋体" panose="02010600030101010101" pitchFamily="2" charset="-122"/>
+                <a:cs typeface="Times New Roman" panose="02020603050405020304" pitchFamily="18" charset="0"/>
+              </a:rPr>
+              <a:t>0</a:t>
+            </a:r>
+            <a:r>
+              <a:rPr lang="en-US" altLang="zh-CN" sz="1400" kern="0" dirty="0">
+                <a:solidFill>
+                  <a:srgbClr val="000000"/>
+                </a:solidFill>
+                <a:effectLst/>
+                <a:latin typeface="Menlo" panose="020B0609030804020204" pitchFamily="49" charset="0"/>
+                <a:ea typeface="宋体" panose="02010600030101010101" pitchFamily="2" charset="-122"/>
+                <a:cs typeface="Times New Roman" panose="02020603050405020304" pitchFamily="18" charset="0"/>
+              </a:rPr>
+              <a:t>]==</a:t>
+            </a:r>
+            <a:r>
+              <a:rPr lang="en-US" altLang="zh-CN" sz="1400" kern="0" dirty="0">
+                <a:solidFill>
+                  <a:srgbClr val="A31515"/>
+                </a:solidFill>
+                <a:effectLst/>
+                <a:latin typeface="Menlo" panose="020B0609030804020204" pitchFamily="49" charset="0"/>
+                <a:ea typeface="宋体" panose="02010600030101010101" pitchFamily="2" charset="-122"/>
+                <a:cs typeface="Times New Roman" panose="02020603050405020304" pitchFamily="18" charset="0"/>
+              </a:rPr>
+              <a:t>'S'</a:t>
+            </a:r>
+            <a:r>
+              <a:rPr lang="en-US" altLang="zh-CN" sz="1400" kern="0" dirty="0">
+                <a:solidFill>
+                  <a:srgbClr val="000000"/>
+                </a:solidFill>
+                <a:effectLst/>
+                <a:latin typeface="Menlo" panose="020B0609030804020204" pitchFamily="49" charset="0"/>
+                <a:ea typeface="宋体" panose="02010600030101010101" pitchFamily="2" charset="-122"/>
+                <a:cs typeface="Times New Roman" panose="02020603050405020304" pitchFamily="18" charset="0"/>
+              </a:rPr>
+              <a:t>){</a:t>
             </a:r>
             <a:endParaRPr lang="zh-CN" altLang="zh-CN" sz="1400" kern="100" dirty="0">
               <a:effectLst/>
-              <a:highlight>
-                <a:srgbClr val="FFFF00"/>
-              </a:highlight>
+              <a:latin typeface="DengXian" panose="02010600030101010101" pitchFamily="2" charset="-122"/>
+              <a:ea typeface="DengXian" panose="02010600030101010101" pitchFamily="2" charset="-122"/>
+              <a:cs typeface="Times New Roman" panose="02020603050405020304" pitchFamily="18" charset="0"/>
+            </a:endParaRPr>
+          </a:p>
+          <a:p>
+            <a:pPr algn="l"/>
+            <a:r>
+              <a:rPr lang="en-US" altLang="zh-CN" sz="1400" kern="0" dirty="0">
+                <a:solidFill>
+                  <a:srgbClr val="008000"/>
+                </a:solidFill>
+                <a:effectLst/>
+                <a:latin typeface="Menlo" panose="020B0609030804020204" pitchFamily="49" charset="0"/>
+                <a:ea typeface="宋体" panose="02010600030101010101" pitchFamily="2" charset="-122"/>
+                <a:cs typeface="Times New Roman" panose="02020603050405020304" pitchFamily="18" charset="0"/>
+              </a:rPr>
+              <a:t>            /*complete code here*/</a:t>
+            </a:r>
+            <a:endParaRPr lang="zh-CN" altLang="zh-CN" sz="1400" kern="100" dirty="0">
+              <a:effectLst/>
               <a:latin typeface="DengXian" panose="02010600030101010101" pitchFamily="2" charset="-122"/>
               <a:ea typeface="DengXian" panose="02010600030101010101" pitchFamily="2" charset="-122"/>
               <a:cs typeface="Times New Roman" panose="02020603050405020304" pitchFamily="18" charset="0"/>
